--- a/images/images.pptx
+++ b/images/images.pptx
@@ -8,6 +8,10 @@
     <p:sldId id="256" r:id="rId2"/>
     <p:sldId id="257" r:id="rId3"/>
     <p:sldId id="258" r:id="rId4"/>
+    <p:sldId id="259" r:id="rId5"/>
+    <p:sldId id="260" r:id="rId6"/>
+    <p:sldId id="261" r:id="rId7"/>
+    <p:sldId id="262" r:id="rId8"/>
   </p:sldIdLst>
   <p:sldSz cx="12192000" cy="6858000"/>
   <p:notesSz cx="6858000" cy="9144000"/>
@@ -261,7 +265,7 @@
           <a:p>
             <a:fld id="{94AF7B9F-3A11-934B-9C29-5145B1FA1C2C}" type="datetimeFigureOut">
               <a:rPr lang="en-US" smtClean="0"/>
-              <a:t>2/12/22</a:t>
+              <a:t>5/1/22</a:t>
             </a:fld>
             <a:endParaRPr lang="en-US"/>
           </a:p>
@@ -459,7 +463,7 @@
           <a:p>
             <a:fld id="{94AF7B9F-3A11-934B-9C29-5145B1FA1C2C}" type="datetimeFigureOut">
               <a:rPr lang="en-US" smtClean="0"/>
-              <a:t>2/12/22</a:t>
+              <a:t>5/1/22</a:t>
             </a:fld>
             <a:endParaRPr lang="en-US"/>
           </a:p>
@@ -667,7 +671,7 @@
           <a:p>
             <a:fld id="{94AF7B9F-3A11-934B-9C29-5145B1FA1C2C}" type="datetimeFigureOut">
               <a:rPr lang="en-US" smtClean="0"/>
-              <a:t>2/12/22</a:t>
+              <a:t>5/1/22</a:t>
             </a:fld>
             <a:endParaRPr lang="en-US"/>
           </a:p>
@@ -865,7 +869,7 @@
           <a:p>
             <a:fld id="{94AF7B9F-3A11-934B-9C29-5145B1FA1C2C}" type="datetimeFigureOut">
               <a:rPr lang="en-US" smtClean="0"/>
-              <a:t>2/12/22</a:t>
+              <a:t>5/1/22</a:t>
             </a:fld>
             <a:endParaRPr lang="en-US"/>
           </a:p>
@@ -1140,7 +1144,7 @@
           <a:p>
             <a:fld id="{94AF7B9F-3A11-934B-9C29-5145B1FA1C2C}" type="datetimeFigureOut">
               <a:rPr lang="en-US" smtClean="0"/>
-              <a:t>2/12/22</a:t>
+              <a:t>5/1/22</a:t>
             </a:fld>
             <a:endParaRPr lang="en-US"/>
           </a:p>
@@ -1405,7 +1409,7 @@
           <a:p>
             <a:fld id="{94AF7B9F-3A11-934B-9C29-5145B1FA1C2C}" type="datetimeFigureOut">
               <a:rPr lang="en-US" smtClean="0"/>
-              <a:t>2/12/22</a:t>
+              <a:t>5/1/22</a:t>
             </a:fld>
             <a:endParaRPr lang="en-US"/>
           </a:p>
@@ -1817,7 +1821,7 @@
           <a:p>
             <a:fld id="{94AF7B9F-3A11-934B-9C29-5145B1FA1C2C}" type="datetimeFigureOut">
               <a:rPr lang="en-US" smtClean="0"/>
-              <a:t>2/12/22</a:t>
+              <a:t>5/1/22</a:t>
             </a:fld>
             <a:endParaRPr lang="en-US"/>
           </a:p>
@@ -1958,7 +1962,7 @@
           <a:p>
             <a:fld id="{94AF7B9F-3A11-934B-9C29-5145B1FA1C2C}" type="datetimeFigureOut">
               <a:rPr lang="en-US" smtClean="0"/>
-              <a:t>2/12/22</a:t>
+              <a:t>5/1/22</a:t>
             </a:fld>
             <a:endParaRPr lang="en-US"/>
           </a:p>
@@ -2071,7 +2075,7 @@
           <a:p>
             <a:fld id="{94AF7B9F-3A11-934B-9C29-5145B1FA1C2C}" type="datetimeFigureOut">
               <a:rPr lang="en-US" smtClean="0"/>
-              <a:t>2/12/22</a:t>
+              <a:t>5/1/22</a:t>
             </a:fld>
             <a:endParaRPr lang="en-US"/>
           </a:p>
@@ -2382,7 +2386,7 @@
           <a:p>
             <a:fld id="{94AF7B9F-3A11-934B-9C29-5145B1FA1C2C}" type="datetimeFigureOut">
               <a:rPr lang="en-US" smtClean="0"/>
-              <a:t>2/12/22</a:t>
+              <a:t>5/1/22</a:t>
             </a:fld>
             <a:endParaRPr lang="en-US"/>
           </a:p>
@@ -2670,7 +2674,7 @@
           <a:p>
             <a:fld id="{94AF7B9F-3A11-934B-9C29-5145B1FA1C2C}" type="datetimeFigureOut">
               <a:rPr lang="en-US" smtClean="0"/>
-              <a:t>2/12/22</a:t>
+              <a:t>5/1/22</a:t>
             </a:fld>
             <a:endParaRPr lang="en-US"/>
           </a:p>
@@ -2911,7 +2915,7 @@
           <a:p>
             <a:fld id="{94AF7B9F-3A11-934B-9C29-5145B1FA1C2C}" type="datetimeFigureOut">
               <a:rPr lang="en-US" smtClean="0"/>
-              <a:t>2/12/22</a:t>
+              <a:t>5/1/22</a:t>
             </a:fld>
             <a:endParaRPr lang="en-US"/>
           </a:p>
@@ -3951,6 +3955,2926 @@
 </p:sld>
 </file>
 
+<file path=ppt/slides/slide4.xml><?xml version="1.0" encoding="utf-8"?>
+<p:sld xmlns:a="http://schemas.openxmlformats.org/drawingml/2006/main" xmlns:r="http://schemas.openxmlformats.org/officeDocument/2006/relationships" xmlns:p="http://schemas.openxmlformats.org/presentationml/2006/main">
+  <p:cSld>
+    <p:spTree>
+      <p:nvGrpSpPr>
+        <p:cNvPr id="1" name=""/>
+        <p:cNvGrpSpPr/>
+        <p:nvPr/>
+      </p:nvGrpSpPr>
+      <p:grpSpPr>
+        <a:xfrm>
+          <a:off x="0" y="0"/>
+          <a:ext cx="0" cy="0"/>
+          <a:chOff x="0" y="0"/>
+          <a:chExt cx="0" cy="0"/>
+        </a:xfrm>
+      </p:grpSpPr>
+      <p:pic>
+        <p:nvPicPr>
+          <p:cNvPr id="22" name="Picture 21" descr="A silhouette of a person&#10;&#10;Description automatically generated with low confidence">
+            <a:extLst>
+              <a:ext uri="{FF2B5EF4-FFF2-40B4-BE49-F238E27FC236}">
+                <a16:creationId xmlns:a16="http://schemas.microsoft.com/office/drawing/2014/main" id="{0E4B8271-F836-A44B-A84C-BA01D8F95EF9}"/>
+              </a:ext>
+            </a:extLst>
+          </p:cNvPr>
+          <p:cNvPicPr>
+            <a:picLocks noChangeAspect="1"/>
+          </p:cNvPicPr>
+          <p:nvPr/>
+        </p:nvPicPr>
+        <p:blipFill>
+          <a:blip r:embed="rId2"/>
+          <a:stretch>
+            <a:fillRect/>
+          </a:stretch>
+        </p:blipFill>
+        <p:spPr>
+          <a:xfrm rot="2711540">
+            <a:off x="1119266" y="1951672"/>
+            <a:ext cx="2971791" cy="2632804"/>
+          </a:xfrm>
+          <a:prstGeom prst="rect">
+            <a:avLst/>
+          </a:prstGeom>
+        </p:spPr>
+      </p:pic>
+      <p:sp>
+        <p:nvSpPr>
+          <p:cNvPr id="3" name="Content Placeholder 2">
+            <a:extLst>
+              <a:ext uri="{FF2B5EF4-FFF2-40B4-BE49-F238E27FC236}">
+                <a16:creationId xmlns:a16="http://schemas.microsoft.com/office/drawing/2014/main" id="{4C5EC554-B8E1-F143-8DC3-AE0303C24129}"/>
+              </a:ext>
+            </a:extLst>
+          </p:cNvPr>
+          <p:cNvSpPr>
+            <a:spLocks noGrp="1"/>
+          </p:cNvSpPr>
+          <p:nvPr>
+            <p:ph idx="1"/>
+          </p:nvPr>
+        </p:nvSpPr>
+        <p:spPr>
+          <a:xfrm>
+            <a:off x="1420017" y="667823"/>
+            <a:ext cx="2668472" cy="737870"/>
+          </a:xfrm>
+        </p:spPr>
+        <p:txBody>
+          <a:bodyPr>
+            <a:normAutofit/>
+          </a:bodyPr>
+          <a:lstStyle/>
+          <a:p>
+            <a:pPr marL="0" indent="0">
+              <a:buNone/>
+            </a:pPr>
+            <a:r>
+              <a:rPr lang="en-US" sz="4400" dirty="0"/>
+              <a:t>Perception</a:t>
+            </a:r>
+          </a:p>
+          <a:p>
+            <a:pPr marL="0" indent="0">
+              <a:buNone/>
+            </a:pPr>
+            <a:endParaRPr lang="en-US" dirty="0"/>
+          </a:p>
+          <a:p>
+            <a:pPr marL="0" indent="0">
+              <a:buNone/>
+            </a:pPr>
+            <a:endParaRPr lang="en-US" dirty="0"/>
+          </a:p>
+          <a:p>
+            <a:pPr marL="0" indent="0">
+              <a:buNone/>
+            </a:pPr>
+            <a:endParaRPr lang="en-US" dirty="0"/>
+          </a:p>
+        </p:txBody>
+      </p:sp>
+      <p:sp>
+        <p:nvSpPr>
+          <p:cNvPr id="5" name="Content Placeholder 2">
+            <a:extLst>
+              <a:ext uri="{FF2B5EF4-FFF2-40B4-BE49-F238E27FC236}">
+                <a16:creationId xmlns:a16="http://schemas.microsoft.com/office/drawing/2014/main" id="{25FDFD07-8168-E147-A2F9-5B0F0B60DC34}"/>
+              </a:ext>
+            </a:extLst>
+          </p:cNvPr>
+          <p:cNvSpPr txBox="1">
+            <a:spLocks/>
+          </p:cNvSpPr>
+          <p:nvPr/>
+        </p:nvSpPr>
+        <p:spPr>
+          <a:xfrm>
+            <a:off x="6194717" y="675582"/>
+            <a:ext cx="1579592" cy="737870"/>
+          </a:xfrm>
+          <a:prstGeom prst="rect">
+            <a:avLst/>
+          </a:prstGeom>
+        </p:spPr>
+        <p:txBody>
+          <a:bodyPr vert="horz" lIns="91440" tIns="45720" rIns="91440" bIns="45720" rtlCol="0">
+            <a:normAutofit/>
+          </a:bodyPr>
+          <a:lstStyle>
+            <a:lvl1pPr marL="228600" indent="-228600" algn="l" defTabSz="914400" rtl="0" eaLnBrk="1" latinLnBrk="0" hangingPunct="1">
+              <a:lnSpc>
+                <a:spcPct val="90000"/>
+              </a:lnSpc>
+              <a:spcBef>
+                <a:spcPts val="1000"/>
+              </a:spcBef>
+              <a:buFont typeface="Arial" panose="020B0604020202020204" pitchFamily="34" charset="0"/>
+              <a:buChar char="•"/>
+              <a:defRPr sz="2800" kern="1200">
+                <a:solidFill>
+                  <a:schemeClr val="tx1"/>
+                </a:solidFill>
+                <a:latin typeface="+mn-lt"/>
+                <a:ea typeface="+mn-ea"/>
+                <a:cs typeface="+mn-cs"/>
+              </a:defRPr>
+            </a:lvl1pPr>
+            <a:lvl2pPr marL="685800" indent="-228600" algn="l" defTabSz="914400" rtl="0" eaLnBrk="1" latinLnBrk="0" hangingPunct="1">
+              <a:lnSpc>
+                <a:spcPct val="90000"/>
+              </a:lnSpc>
+              <a:spcBef>
+                <a:spcPts val="500"/>
+              </a:spcBef>
+              <a:buFont typeface="Arial" panose="020B0604020202020204" pitchFamily="34" charset="0"/>
+              <a:buChar char="•"/>
+              <a:defRPr sz="2400" kern="1200">
+                <a:solidFill>
+                  <a:schemeClr val="tx1"/>
+                </a:solidFill>
+                <a:latin typeface="+mn-lt"/>
+                <a:ea typeface="+mn-ea"/>
+                <a:cs typeface="+mn-cs"/>
+              </a:defRPr>
+            </a:lvl2pPr>
+            <a:lvl3pPr marL="1143000" indent="-228600" algn="l" defTabSz="914400" rtl="0" eaLnBrk="1" latinLnBrk="0" hangingPunct="1">
+              <a:lnSpc>
+                <a:spcPct val="90000"/>
+              </a:lnSpc>
+              <a:spcBef>
+                <a:spcPts val="500"/>
+              </a:spcBef>
+              <a:buFont typeface="Arial" panose="020B0604020202020204" pitchFamily="34" charset="0"/>
+              <a:buChar char="•"/>
+              <a:defRPr sz="2000" kern="1200">
+                <a:solidFill>
+                  <a:schemeClr val="tx1"/>
+                </a:solidFill>
+                <a:latin typeface="+mn-lt"/>
+                <a:ea typeface="+mn-ea"/>
+                <a:cs typeface="+mn-cs"/>
+              </a:defRPr>
+            </a:lvl3pPr>
+            <a:lvl4pPr marL="1600200" indent="-228600" algn="l" defTabSz="914400" rtl="0" eaLnBrk="1" latinLnBrk="0" hangingPunct="1">
+              <a:lnSpc>
+                <a:spcPct val="90000"/>
+              </a:lnSpc>
+              <a:spcBef>
+                <a:spcPts val="500"/>
+              </a:spcBef>
+              <a:buFont typeface="Arial" panose="020B0604020202020204" pitchFamily="34" charset="0"/>
+              <a:buChar char="•"/>
+              <a:defRPr sz="1800" kern="1200">
+                <a:solidFill>
+                  <a:schemeClr val="tx1"/>
+                </a:solidFill>
+                <a:latin typeface="+mn-lt"/>
+                <a:ea typeface="+mn-ea"/>
+                <a:cs typeface="+mn-cs"/>
+              </a:defRPr>
+            </a:lvl4pPr>
+            <a:lvl5pPr marL="2057400" indent="-228600" algn="l" defTabSz="914400" rtl="0" eaLnBrk="1" latinLnBrk="0" hangingPunct="1">
+              <a:lnSpc>
+                <a:spcPct val="90000"/>
+              </a:lnSpc>
+              <a:spcBef>
+                <a:spcPts val="500"/>
+              </a:spcBef>
+              <a:buFont typeface="Arial" panose="020B0604020202020204" pitchFamily="34" charset="0"/>
+              <a:buChar char="•"/>
+              <a:defRPr sz="1800" kern="1200">
+                <a:solidFill>
+                  <a:schemeClr val="tx1"/>
+                </a:solidFill>
+                <a:latin typeface="+mn-lt"/>
+                <a:ea typeface="+mn-ea"/>
+                <a:cs typeface="+mn-cs"/>
+              </a:defRPr>
+            </a:lvl5pPr>
+            <a:lvl6pPr marL="2514600" indent="-228600" algn="l" defTabSz="914400" rtl="0" eaLnBrk="1" latinLnBrk="0" hangingPunct="1">
+              <a:lnSpc>
+                <a:spcPct val="90000"/>
+              </a:lnSpc>
+              <a:spcBef>
+                <a:spcPts val="500"/>
+              </a:spcBef>
+              <a:buFont typeface="Arial" panose="020B0604020202020204" pitchFamily="34" charset="0"/>
+              <a:buChar char="•"/>
+              <a:defRPr sz="1800" kern="1200">
+                <a:solidFill>
+                  <a:schemeClr val="tx1"/>
+                </a:solidFill>
+                <a:latin typeface="+mn-lt"/>
+                <a:ea typeface="+mn-ea"/>
+                <a:cs typeface="+mn-cs"/>
+              </a:defRPr>
+            </a:lvl6pPr>
+            <a:lvl7pPr marL="2971800" indent="-228600" algn="l" defTabSz="914400" rtl="0" eaLnBrk="1" latinLnBrk="0" hangingPunct="1">
+              <a:lnSpc>
+                <a:spcPct val="90000"/>
+              </a:lnSpc>
+              <a:spcBef>
+                <a:spcPts val="500"/>
+              </a:spcBef>
+              <a:buFont typeface="Arial" panose="020B0604020202020204" pitchFamily="34" charset="0"/>
+              <a:buChar char="•"/>
+              <a:defRPr sz="1800" kern="1200">
+                <a:solidFill>
+                  <a:schemeClr val="tx1"/>
+                </a:solidFill>
+                <a:latin typeface="+mn-lt"/>
+                <a:ea typeface="+mn-ea"/>
+                <a:cs typeface="+mn-cs"/>
+              </a:defRPr>
+            </a:lvl7pPr>
+            <a:lvl8pPr marL="3429000" indent="-228600" algn="l" defTabSz="914400" rtl="0" eaLnBrk="1" latinLnBrk="0" hangingPunct="1">
+              <a:lnSpc>
+                <a:spcPct val="90000"/>
+              </a:lnSpc>
+              <a:spcBef>
+                <a:spcPts val="500"/>
+              </a:spcBef>
+              <a:buFont typeface="Arial" panose="020B0604020202020204" pitchFamily="34" charset="0"/>
+              <a:buChar char="•"/>
+              <a:defRPr sz="1800" kern="1200">
+                <a:solidFill>
+                  <a:schemeClr val="tx1"/>
+                </a:solidFill>
+                <a:latin typeface="+mn-lt"/>
+                <a:ea typeface="+mn-ea"/>
+                <a:cs typeface="+mn-cs"/>
+              </a:defRPr>
+            </a:lvl8pPr>
+            <a:lvl9pPr marL="3886200" indent="-228600" algn="l" defTabSz="914400" rtl="0" eaLnBrk="1" latinLnBrk="0" hangingPunct="1">
+              <a:lnSpc>
+                <a:spcPct val="90000"/>
+              </a:lnSpc>
+              <a:spcBef>
+                <a:spcPts val="500"/>
+              </a:spcBef>
+              <a:buFont typeface="Arial" panose="020B0604020202020204" pitchFamily="34" charset="0"/>
+              <a:buChar char="•"/>
+              <a:defRPr sz="1800" kern="1200">
+                <a:solidFill>
+                  <a:schemeClr val="tx1"/>
+                </a:solidFill>
+                <a:latin typeface="+mn-lt"/>
+                <a:ea typeface="+mn-ea"/>
+                <a:cs typeface="+mn-cs"/>
+              </a:defRPr>
+            </a:lvl9pPr>
+          </a:lstStyle>
+          <a:p>
+            <a:pPr marL="0" indent="0">
+              <a:buFont typeface="Arial" panose="020B0604020202020204" pitchFamily="34" charset="0"/>
+              <a:buNone/>
+            </a:pPr>
+            <a:r>
+              <a:rPr lang="en-US" sz="4000" dirty="0"/>
+              <a:t>Reality</a:t>
+            </a:r>
+          </a:p>
+          <a:p>
+            <a:pPr marL="0" indent="0">
+              <a:buFont typeface="Arial" panose="020B0604020202020204" pitchFamily="34" charset="0"/>
+              <a:buNone/>
+            </a:pPr>
+            <a:endParaRPr lang="en-US" dirty="0"/>
+          </a:p>
+          <a:p>
+            <a:pPr marL="0" indent="0">
+              <a:buFont typeface="Arial" panose="020B0604020202020204" pitchFamily="34" charset="0"/>
+              <a:buNone/>
+            </a:pPr>
+            <a:endParaRPr lang="en-US" dirty="0"/>
+          </a:p>
+          <a:p>
+            <a:pPr marL="0" indent="0">
+              <a:buFont typeface="Arial" panose="020B0604020202020204" pitchFamily="34" charset="0"/>
+              <a:buNone/>
+            </a:pPr>
+            <a:endParaRPr lang="en-US" dirty="0"/>
+          </a:p>
+        </p:txBody>
+      </p:sp>
+      <p:pic>
+        <p:nvPicPr>
+          <p:cNvPr id="20" name="Picture 19" descr="A silhouette of a person&#10;&#10;Description automatically generated with low confidence">
+            <a:extLst>
+              <a:ext uri="{FF2B5EF4-FFF2-40B4-BE49-F238E27FC236}">
+                <a16:creationId xmlns:a16="http://schemas.microsoft.com/office/drawing/2014/main" id="{8EB4D310-0C45-3645-9FBD-8BD68F3EF44B}"/>
+              </a:ext>
+            </a:extLst>
+          </p:cNvPr>
+          <p:cNvPicPr>
+            <a:picLocks noChangeAspect="1"/>
+          </p:cNvPicPr>
+          <p:nvPr/>
+        </p:nvPicPr>
+        <p:blipFill>
+          <a:blip r:embed="rId2"/>
+          <a:stretch>
+            <a:fillRect/>
+          </a:stretch>
+        </p:blipFill>
+        <p:spPr>
+          <a:xfrm>
+            <a:off x="5492286" y="1220825"/>
+            <a:ext cx="2971791" cy="2632804"/>
+          </a:xfrm>
+          <a:prstGeom prst="rect">
+            <a:avLst/>
+          </a:prstGeom>
+        </p:spPr>
+      </p:pic>
+      <p:sp>
+        <p:nvSpPr>
+          <p:cNvPr id="24" name="Rectangle 23">
+            <a:extLst>
+              <a:ext uri="{FF2B5EF4-FFF2-40B4-BE49-F238E27FC236}">
+                <a16:creationId xmlns:a16="http://schemas.microsoft.com/office/drawing/2014/main" id="{11C828EB-4A58-D64E-821C-D4F379FB0390}"/>
+              </a:ext>
+            </a:extLst>
+          </p:cNvPr>
+          <p:cNvSpPr/>
+          <p:nvPr/>
+        </p:nvSpPr>
+        <p:spPr>
+          <a:xfrm>
+            <a:off x="1085386" y="3837464"/>
+            <a:ext cx="2889504" cy="1395758"/>
+          </a:xfrm>
+          <a:prstGeom prst="rect">
+            <a:avLst/>
+          </a:prstGeom>
+          <a:solidFill>
+            <a:schemeClr val="bg1"/>
+          </a:solidFill>
+          <a:ln w="0">
+            <a:noFill/>
+          </a:ln>
+        </p:spPr>
+        <p:style>
+          <a:lnRef idx="2">
+            <a:schemeClr val="accent1">
+              <a:shade val="50000"/>
+            </a:schemeClr>
+          </a:lnRef>
+          <a:fillRef idx="1">
+            <a:schemeClr val="accent1"/>
+          </a:fillRef>
+          <a:effectRef idx="0">
+            <a:schemeClr val="accent1"/>
+          </a:effectRef>
+          <a:fontRef idx="minor">
+            <a:schemeClr val="lt1"/>
+          </a:fontRef>
+        </p:style>
+        <p:txBody>
+          <a:bodyPr rtlCol="0" anchor="ctr"/>
+          <a:lstStyle/>
+          <a:p>
+            <a:pPr algn="ctr"/>
+            <a:endParaRPr lang="en-US"/>
+          </a:p>
+        </p:txBody>
+      </p:sp>
+      <p:sp>
+        <p:nvSpPr>
+          <p:cNvPr id="25" name="Rectangle 24">
+            <a:extLst>
+              <a:ext uri="{FF2B5EF4-FFF2-40B4-BE49-F238E27FC236}">
+                <a16:creationId xmlns:a16="http://schemas.microsoft.com/office/drawing/2014/main" id="{B20463A9-20CE-F748-84A8-6243257F3D1C}"/>
+              </a:ext>
+            </a:extLst>
+          </p:cNvPr>
+          <p:cNvSpPr/>
+          <p:nvPr/>
+        </p:nvSpPr>
+        <p:spPr>
+          <a:xfrm>
+            <a:off x="1085386" y="3700402"/>
+            <a:ext cx="3337735" cy="147172"/>
+          </a:xfrm>
+          <a:prstGeom prst="rect">
+            <a:avLst/>
+          </a:prstGeom>
+          <a:solidFill>
+            <a:schemeClr val="tx1"/>
+          </a:solidFill>
+          <a:ln w="0">
+            <a:noFill/>
+          </a:ln>
+        </p:spPr>
+        <p:style>
+          <a:lnRef idx="2">
+            <a:schemeClr val="accent1">
+              <a:shade val="50000"/>
+            </a:schemeClr>
+          </a:lnRef>
+          <a:fillRef idx="1">
+            <a:schemeClr val="accent1"/>
+          </a:fillRef>
+          <a:effectRef idx="0">
+            <a:schemeClr val="accent1"/>
+          </a:effectRef>
+          <a:fontRef idx="minor">
+            <a:schemeClr val="lt1"/>
+          </a:fontRef>
+        </p:style>
+        <p:txBody>
+          <a:bodyPr rtlCol="0" anchor="ctr"/>
+          <a:lstStyle/>
+          <a:p>
+            <a:pPr algn="ctr"/>
+            <a:endParaRPr lang="en-US"/>
+          </a:p>
+        </p:txBody>
+      </p:sp>
+      <p:sp>
+        <p:nvSpPr>
+          <p:cNvPr id="26" name="Rectangle 25">
+            <a:extLst>
+              <a:ext uri="{FF2B5EF4-FFF2-40B4-BE49-F238E27FC236}">
+                <a16:creationId xmlns:a16="http://schemas.microsoft.com/office/drawing/2014/main" id="{A8431A24-B51D-8547-B988-16E43A93330F}"/>
+              </a:ext>
+            </a:extLst>
+          </p:cNvPr>
+          <p:cNvSpPr/>
+          <p:nvPr/>
+        </p:nvSpPr>
+        <p:spPr>
+          <a:xfrm>
+            <a:off x="379550" y="2833734"/>
+            <a:ext cx="1783256" cy="868680"/>
+          </a:xfrm>
+          <a:prstGeom prst="rect">
+            <a:avLst/>
+          </a:prstGeom>
+          <a:solidFill>
+            <a:schemeClr val="bg1"/>
+          </a:solidFill>
+          <a:ln w="0">
+            <a:noFill/>
+          </a:ln>
+        </p:spPr>
+        <p:style>
+          <a:lnRef idx="2">
+            <a:schemeClr val="accent1">
+              <a:shade val="50000"/>
+            </a:schemeClr>
+          </a:lnRef>
+          <a:fillRef idx="1">
+            <a:schemeClr val="accent1"/>
+          </a:fillRef>
+          <a:effectRef idx="0">
+            <a:schemeClr val="accent1"/>
+          </a:effectRef>
+          <a:fontRef idx="minor">
+            <a:schemeClr val="lt1"/>
+          </a:fontRef>
+        </p:style>
+        <p:txBody>
+          <a:bodyPr rtlCol="0" anchor="ctr"/>
+          <a:lstStyle/>
+          <a:p>
+            <a:pPr algn="ctr"/>
+            <a:endParaRPr lang="en-US"/>
+          </a:p>
+        </p:txBody>
+      </p:sp>
+      <p:sp>
+        <p:nvSpPr>
+          <p:cNvPr id="27" name="Rectangle 26">
+            <a:extLst>
+              <a:ext uri="{FF2B5EF4-FFF2-40B4-BE49-F238E27FC236}">
+                <a16:creationId xmlns:a16="http://schemas.microsoft.com/office/drawing/2014/main" id="{211BE0F2-B076-9E49-BA62-F1392961565E}"/>
+              </a:ext>
+            </a:extLst>
+          </p:cNvPr>
+          <p:cNvSpPr/>
+          <p:nvPr/>
+        </p:nvSpPr>
+        <p:spPr>
+          <a:xfrm>
+            <a:off x="3924288" y="3533212"/>
+            <a:ext cx="597672" cy="177837"/>
+          </a:xfrm>
+          <a:prstGeom prst="rect">
+            <a:avLst/>
+          </a:prstGeom>
+          <a:solidFill>
+            <a:schemeClr val="bg1"/>
+          </a:solidFill>
+          <a:ln w="0">
+            <a:noFill/>
+          </a:ln>
+        </p:spPr>
+        <p:style>
+          <a:lnRef idx="2">
+            <a:schemeClr val="accent1">
+              <a:shade val="50000"/>
+            </a:schemeClr>
+          </a:lnRef>
+          <a:fillRef idx="1">
+            <a:schemeClr val="accent1"/>
+          </a:fillRef>
+          <a:effectRef idx="0">
+            <a:schemeClr val="accent1"/>
+          </a:effectRef>
+          <a:fontRef idx="minor">
+            <a:schemeClr val="lt1"/>
+          </a:fontRef>
+        </p:style>
+        <p:txBody>
+          <a:bodyPr rtlCol="0" anchor="ctr"/>
+          <a:lstStyle/>
+          <a:p>
+            <a:pPr algn="ctr"/>
+            <a:endParaRPr lang="en-US"/>
+          </a:p>
+        </p:txBody>
+      </p:sp>
+      <p:sp>
+        <p:nvSpPr>
+          <p:cNvPr id="28" name="Rectangle 27">
+            <a:extLst>
+              <a:ext uri="{FF2B5EF4-FFF2-40B4-BE49-F238E27FC236}">
+                <a16:creationId xmlns:a16="http://schemas.microsoft.com/office/drawing/2014/main" id="{72E7E03A-03CB-084A-81CF-52D808219756}"/>
+              </a:ext>
+            </a:extLst>
+          </p:cNvPr>
+          <p:cNvSpPr/>
+          <p:nvPr/>
+        </p:nvSpPr>
+        <p:spPr>
+          <a:xfrm>
+            <a:off x="3676054" y="3504387"/>
+            <a:ext cx="597672" cy="206662"/>
+          </a:xfrm>
+          <a:prstGeom prst="rect">
+            <a:avLst/>
+          </a:prstGeom>
+          <a:solidFill>
+            <a:schemeClr val="bg1"/>
+          </a:solidFill>
+          <a:ln w="0">
+            <a:noFill/>
+          </a:ln>
+        </p:spPr>
+        <p:style>
+          <a:lnRef idx="2">
+            <a:schemeClr val="accent1">
+              <a:shade val="50000"/>
+            </a:schemeClr>
+          </a:lnRef>
+          <a:fillRef idx="1">
+            <a:schemeClr val="accent1"/>
+          </a:fillRef>
+          <a:effectRef idx="0">
+            <a:schemeClr val="accent1"/>
+          </a:effectRef>
+          <a:fontRef idx="minor">
+            <a:schemeClr val="lt1"/>
+          </a:fontRef>
+        </p:style>
+        <p:txBody>
+          <a:bodyPr rtlCol="0" anchor="ctr"/>
+          <a:lstStyle/>
+          <a:p>
+            <a:pPr algn="ctr"/>
+            <a:endParaRPr lang="en-US"/>
+          </a:p>
+        </p:txBody>
+      </p:sp>
+      <p:sp>
+        <p:nvSpPr>
+          <p:cNvPr id="29" name="Oval 28">
+            <a:extLst>
+              <a:ext uri="{FF2B5EF4-FFF2-40B4-BE49-F238E27FC236}">
+                <a16:creationId xmlns:a16="http://schemas.microsoft.com/office/drawing/2014/main" id="{33F04780-22BB-4143-AE1E-C250A0751724}"/>
+              </a:ext>
+            </a:extLst>
+          </p:cNvPr>
+          <p:cNvSpPr/>
+          <p:nvPr/>
+        </p:nvSpPr>
+        <p:spPr>
+          <a:xfrm>
+            <a:off x="2975123" y="2787505"/>
+            <a:ext cx="956630" cy="962152"/>
+          </a:xfrm>
+          <a:prstGeom prst="ellipse">
+            <a:avLst/>
+          </a:prstGeom>
+        </p:spPr>
+        <p:style>
+          <a:lnRef idx="2">
+            <a:schemeClr val="dk1">
+              <a:shade val="50000"/>
+            </a:schemeClr>
+          </a:lnRef>
+          <a:fillRef idx="1">
+            <a:schemeClr val="dk1"/>
+          </a:fillRef>
+          <a:effectRef idx="0">
+            <a:schemeClr val="dk1"/>
+          </a:effectRef>
+          <a:fontRef idx="minor">
+            <a:schemeClr val="lt1"/>
+          </a:fontRef>
+        </p:style>
+        <p:txBody>
+          <a:bodyPr rtlCol="0" anchor="ctr"/>
+          <a:lstStyle/>
+          <a:p>
+            <a:pPr algn="ctr"/>
+            <a:endParaRPr lang="en-US"/>
+          </a:p>
+        </p:txBody>
+      </p:sp>
+      <p:sp>
+        <p:nvSpPr>
+          <p:cNvPr id="33" name="TextBox 32">
+            <a:extLst>
+              <a:ext uri="{FF2B5EF4-FFF2-40B4-BE49-F238E27FC236}">
+                <a16:creationId xmlns:a16="http://schemas.microsoft.com/office/drawing/2014/main" id="{A07B309C-EF0E-EC46-8EA5-1B474D2F88BF}"/>
+              </a:ext>
+            </a:extLst>
+          </p:cNvPr>
+          <p:cNvSpPr txBox="1"/>
+          <p:nvPr/>
+        </p:nvSpPr>
+        <p:spPr>
+          <a:xfrm>
+            <a:off x="6662584" y="3952113"/>
+            <a:ext cx="1718356" cy="276999"/>
+          </a:xfrm>
+          <a:prstGeom prst="rect">
+            <a:avLst/>
+          </a:prstGeom>
+          <a:noFill/>
+        </p:spPr>
+        <p:txBody>
+          <a:bodyPr wrap="none" rtlCol="0">
+            <a:spAutoFit/>
+          </a:bodyPr>
+          <a:lstStyle/>
+          <a:p>
+            <a:r>
+              <a:rPr lang="en-US" sz="1200" dirty="0">
+                <a:hlinkClick r:id="rId3"/>
+              </a:rPr>
+              <a:t>https://openclipart.org/</a:t>
+            </a:r>
+            <a:r>
+              <a:rPr lang="en-US" sz="1200" dirty="0"/>
+              <a:t> </a:t>
+            </a:r>
+          </a:p>
+        </p:txBody>
+      </p:sp>
+      <p:sp>
+        <p:nvSpPr>
+          <p:cNvPr id="2" name="TextBox 1">
+            <a:extLst>
+              <a:ext uri="{FF2B5EF4-FFF2-40B4-BE49-F238E27FC236}">
+                <a16:creationId xmlns:a16="http://schemas.microsoft.com/office/drawing/2014/main" id="{DA68368D-C28F-2940-B865-C7F13158E562}"/>
+              </a:ext>
+            </a:extLst>
+          </p:cNvPr>
+          <p:cNvSpPr txBox="1"/>
+          <p:nvPr/>
+        </p:nvSpPr>
+        <p:spPr>
+          <a:xfrm>
+            <a:off x="1891826" y="2121356"/>
+            <a:ext cx="835485" cy="923330"/>
+          </a:xfrm>
+          <a:prstGeom prst="rect">
+            <a:avLst/>
+          </a:prstGeom>
+          <a:noFill/>
+        </p:spPr>
+        <p:txBody>
+          <a:bodyPr wrap="square" rtlCol="0">
+            <a:spAutoFit/>
+          </a:bodyPr>
+          <a:lstStyle/>
+          <a:p>
+            <a:r>
+              <a:rPr lang="en-US" sz="5400" dirty="0"/>
+              <a:t>1x</a:t>
+            </a:r>
+          </a:p>
+        </p:txBody>
+      </p:sp>
+      <p:sp>
+        <p:nvSpPr>
+          <p:cNvPr id="32" name="TextBox 31">
+            <a:extLst>
+              <a:ext uri="{FF2B5EF4-FFF2-40B4-BE49-F238E27FC236}">
+                <a16:creationId xmlns:a16="http://schemas.microsoft.com/office/drawing/2014/main" id="{299D7C7B-B3C0-D749-BA7D-590F9E403FDB}"/>
+              </a:ext>
+            </a:extLst>
+          </p:cNvPr>
+          <p:cNvSpPr txBox="1"/>
+          <p:nvPr/>
+        </p:nvSpPr>
+        <p:spPr>
+          <a:xfrm>
+            <a:off x="5398589" y="1727302"/>
+            <a:ext cx="1579592" cy="1323439"/>
+          </a:xfrm>
+          <a:prstGeom prst="rect">
+            <a:avLst/>
+          </a:prstGeom>
+          <a:noFill/>
+        </p:spPr>
+        <p:txBody>
+          <a:bodyPr wrap="square" rtlCol="0">
+            <a:spAutoFit/>
+          </a:bodyPr>
+          <a:lstStyle/>
+          <a:p>
+            <a:r>
+              <a:rPr lang="en-US" sz="4000" dirty="0"/>
+              <a:t>10x?</a:t>
+            </a:r>
+          </a:p>
+          <a:p>
+            <a:r>
+              <a:rPr lang="en-US" sz="4000" dirty="0"/>
+              <a:t>100x?</a:t>
+            </a:r>
+          </a:p>
+        </p:txBody>
+      </p:sp>
+      <p:sp>
+        <p:nvSpPr>
+          <p:cNvPr id="8" name="AutoShape 2" descr="\infty ">
+            <a:extLst>
+              <a:ext uri="{FF2B5EF4-FFF2-40B4-BE49-F238E27FC236}">
+                <a16:creationId xmlns:a16="http://schemas.microsoft.com/office/drawing/2014/main" id="{9339897A-5D7B-0E4C-90D2-D877F995269E}"/>
+              </a:ext>
+            </a:extLst>
+          </p:cNvPr>
+          <p:cNvSpPr>
+            <a:spLocks noChangeAspect="1" noChangeArrowheads="1"/>
+          </p:cNvSpPr>
+          <p:nvPr/>
+        </p:nvSpPr>
+        <p:spPr bwMode="auto">
+          <a:xfrm>
+            <a:off x="112713" y="-144463"/>
+            <a:ext cx="304800" cy="304801"/>
+          </a:xfrm>
+          <a:prstGeom prst="rect">
+            <a:avLst/>
+          </a:prstGeom>
+          <a:noFill/>
+          <a:extLst>
+            <a:ext uri="{909E8E84-426E-40DD-AFC4-6F175D3DCCD1}">
+              <a14:hiddenFill xmlns:a14="http://schemas.microsoft.com/office/drawing/2010/main">
+                <a:solidFill>
+                  <a:srgbClr val="FFFFFF"/>
+                </a:solidFill>
+              </a14:hiddenFill>
+            </a:ext>
+          </a:extLst>
+        </p:spPr>
+        <p:txBody>
+          <a:bodyPr vert="horz" wrap="square" lIns="91440" tIns="45720" rIns="91440" bIns="45720" numCol="1" anchor="t" anchorCtr="0" compatLnSpc="1">
+            <a:prstTxWarp prst="textNoShape">
+              <a:avLst/>
+            </a:prstTxWarp>
+          </a:bodyPr>
+          <a:lstStyle/>
+          <a:p>
+            <a:endParaRPr lang="en-US"/>
+          </a:p>
+        </p:txBody>
+      </p:sp>
+      <p:sp>
+        <p:nvSpPr>
+          <p:cNvPr id="12" name="AutoShape 4" descr="\infty ">
+            <a:extLst>
+              <a:ext uri="{FF2B5EF4-FFF2-40B4-BE49-F238E27FC236}">
+                <a16:creationId xmlns:a16="http://schemas.microsoft.com/office/drawing/2014/main" id="{8DB70CD4-0FA8-EF41-94BC-003FADC32FD5}"/>
+              </a:ext>
+            </a:extLst>
+          </p:cNvPr>
+          <p:cNvSpPr>
+            <a:spLocks noChangeAspect="1" noChangeArrowheads="1"/>
+          </p:cNvSpPr>
+          <p:nvPr/>
+        </p:nvSpPr>
+        <p:spPr bwMode="auto">
+          <a:xfrm>
+            <a:off x="265113" y="7937"/>
+            <a:ext cx="304800" cy="304801"/>
+          </a:xfrm>
+          <a:prstGeom prst="rect">
+            <a:avLst/>
+          </a:prstGeom>
+          <a:noFill/>
+          <a:extLst>
+            <a:ext uri="{909E8E84-426E-40DD-AFC4-6F175D3DCCD1}">
+              <a14:hiddenFill xmlns:a14="http://schemas.microsoft.com/office/drawing/2010/main">
+                <a:solidFill>
+                  <a:srgbClr val="FFFFFF"/>
+                </a:solidFill>
+              </a14:hiddenFill>
+            </a:ext>
+          </a:extLst>
+        </p:spPr>
+        <p:txBody>
+          <a:bodyPr vert="horz" wrap="square" lIns="91440" tIns="45720" rIns="91440" bIns="45720" numCol="1" anchor="t" anchorCtr="0" compatLnSpc="1">
+            <a:prstTxWarp prst="textNoShape">
+              <a:avLst/>
+            </a:prstTxWarp>
+          </a:bodyPr>
+          <a:lstStyle/>
+          <a:p>
+            <a:endParaRPr lang="en-US"/>
+          </a:p>
+        </p:txBody>
+      </p:sp>
+    </p:spTree>
+    <p:extLst>
+      <p:ext uri="{BB962C8B-B14F-4D97-AF65-F5344CB8AC3E}">
+        <p14:creationId xmlns:p14="http://schemas.microsoft.com/office/powerpoint/2010/main" val="155287738"/>
+      </p:ext>
+    </p:extLst>
+  </p:cSld>
+  <p:clrMapOvr>
+    <a:masterClrMapping/>
+  </p:clrMapOvr>
+</p:sld>
+</file>
+
+<file path=ppt/slides/slide5.xml><?xml version="1.0" encoding="utf-8"?>
+<p:sld xmlns:a="http://schemas.openxmlformats.org/drawingml/2006/main" xmlns:r="http://schemas.openxmlformats.org/officeDocument/2006/relationships" xmlns:p="http://schemas.openxmlformats.org/presentationml/2006/main">
+  <p:cSld>
+    <p:spTree>
+      <p:nvGrpSpPr>
+        <p:cNvPr id="1" name=""/>
+        <p:cNvGrpSpPr/>
+        <p:nvPr/>
+      </p:nvGrpSpPr>
+      <p:grpSpPr>
+        <a:xfrm>
+          <a:off x="0" y="0"/>
+          <a:ext cx="0" cy="0"/>
+          <a:chOff x="0" y="0"/>
+          <a:chExt cx="0" cy="0"/>
+        </a:xfrm>
+      </p:grpSpPr>
+      <p:sp>
+        <p:nvSpPr>
+          <p:cNvPr id="6" name="Action Button: Document 5">
+            <a:hlinkClick r:id="" action="ppaction://noaction" highlightClick="1"/>
+            <a:extLst>
+              <a:ext uri="{FF2B5EF4-FFF2-40B4-BE49-F238E27FC236}">
+                <a16:creationId xmlns:a16="http://schemas.microsoft.com/office/drawing/2014/main" id="{68EB5451-2B88-DD44-8945-00EC239C8048}"/>
+              </a:ext>
+            </a:extLst>
+          </p:cNvPr>
+          <p:cNvSpPr/>
+          <p:nvPr/>
+        </p:nvSpPr>
+        <p:spPr>
+          <a:xfrm>
+            <a:off x="5433092" y="386602"/>
+            <a:ext cx="987973" cy="1090449"/>
+          </a:xfrm>
+          <a:prstGeom prst="actionButtonDocument">
+            <a:avLst/>
+          </a:prstGeom>
+          <a:solidFill>
+            <a:schemeClr val="accent2">
+              <a:lumMod val="60000"/>
+              <a:lumOff val="40000"/>
+            </a:schemeClr>
+          </a:solidFill>
+          <a:ln>
+            <a:solidFill>
+              <a:schemeClr val="bg1"/>
+            </a:solidFill>
+          </a:ln>
+        </p:spPr>
+        <p:style>
+          <a:lnRef idx="2">
+            <a:schemeClr val="accent1">
+              <a:shade val="50000"/>
+            </a:schemeClr>
+          </a:lnRef>
+          <a:fillRef idx="1">
+            <a:schemeClr val="accent1"/>
+          </a:fillRef>
+          <a:effectRef idx="0">
+            <a:schemeClr val="accent1"/>
+          </a:effectRef>
+          <a:fontRef idx="minor">
+            <a:schemeClr val="lt1"/>
+          </a:fontRef>
+        </p:style>
+        <p:txBody>
+          <a:bodyPr rtlCol="0" anchor="ctr"/>
+          <a:lstStyle/>
+          <a:p>
+            <a:pPr algn="ctr"/>
+            <a:endParaRPr lang="en-US"/>
+          </a:p>
+        </p:txBody>
+      </p:sp>
+      <p:sp>
+        <p:nvSpPr>
+          <p:cNvPr id="7" name="Action Button: Document 6">
+            <a:hlinkClick r:id="" action="ppaction://noaction" highlightClick="1"/>
+            <a:extLst>
+              <a:ext uri="{FF2B5EF4-FFF2-40B4-BE49-F238E27FC236}">
+                <a16:creationId xmlns:a16="http://schemas.microsoft.com/office/drawing/2014/main" id="{CF3C8680-CCE6-8841-A3C3-E5222E4B433D}"/>
+              </a:ext>
+            </a:extLst>
+          </p:cNvPr>
+          <p:cNvSpPr/>
+          <p:nvPr/>
+        </p:nvSpPr>
+        <p:spPr>
+          <a:xfrm>
+            <a:off x="7775086" y="374624"/>
+            <a:ext cx="987973" cy="1090449"/>
+          </a:xfrm>
+          <a:prstGeom prst="actionButtonDocument">
+            <a:avLst/>
+          </a:prstGeom>
+          <a:solidFill>
+            <a:schemeClr val="accent2">
+              <a:lumMod val="60000"/>
+              <a:lumOff val="40000"/>
+            </a:schemeClr>
+          </a:solidFill>
+          <a:ln>
+            <a:solidFill>
+              <a:schemeClr val="bg1"/>
+            </a:solidFill>
+          </a:ln>
+        </p:spPr>
+        <p:style>
+          <a:lnRef idx="2">
+            <a:schemeClr val="accent1">
+              <a:shade val="50000"/>
+            </a:schemeClr>
+          </a:lnRef>
+          <a:fillRef idx="1">
+            <a:schemeClr val="accent1"/>
+          </a:fillRef>
+          <a:effectRef idx="0">
+            <a:schemeClr val="accent1"/>
+          </a:effectRef>
+          <a:fontRef idx="minor">
+            <a:schemeClr val="lt1"/>
+          </a:fontRef>
+        </p:style>
+        <p:txBody>
+          <a:bodyPr rtlCol="0" anchor="ctr"/>
+          <a:lstStyle/>
+          <a:p>
+            <a:pPr algn="ctr"/>
+            <a:endParaRPr lang="en-US"/>
+          </a:p>
+        </p:txBody>
+      </p:sp>
+      <p:sp>
+        <p:nvSpPr>
+          <p:cNvPr id="8" name="Action Button: Document 7">
+            <a:hlinkClick r:id="" action="ppaction://noaction" highlightClick="1"/>
+            <a:extLst>
+              <a:ext uri="{FF2B5EF4-FFF2-40B4-BE49-F238E27FC236}">
+                <a16:creationId xmlns:a16="http://schemas.microsoft.com/office/drawing/2014/main" id="{2C3D39BA-FD92-8145-AC8F-0CD30F3815C3}"/>
+              </a:ext>
+            </a:extLst>
+          </p:cNvPr>
+          <p:cNvSpPr/>
+          <p:nvPr/>
+        </p:nvSpPr>
+        <p:spPr>
+          <a:xfrm>
+            <a:off x="10121521" y="374624"/>
+            <a:ext cx="987973" cy="1090449"/>
+          </a:xfrm>
+          <a:prstGeom prst="actionButtonDocument">
+            <a:avLst/>
+          </a:prstGeom>
+          <a:solidFill>
+            <a:schemeClr val="accent2">
+              <a:lumMod val="60000"/>
+              <a:lumOff val="40000"/>
+            </a:schemeClr>
+          </a:solidFill>
+          <a:ln>
+            <a:solidFill>
+              <a:schemeClr val="bg1"/>
+            </a:solidFill>
+          </a:ln>
+        </p:spPr>
+        <p:style>
+          <a:lnRef idx="2">
+            <a:schemeClr val="accent1">
+              <a:shade val="50000"/>
+            </a:schemeClr>
+          </a:lnRef>
+          <a:fillRef idx="1">
+            <a:schemeClr val="accent1"/>
+          </a:fillRef>
+          <a:effectRef idx="0">
+            <a:schemeClr val="accent1"/>
+          </a:effectRef>
+          <a:fontRef idx="minor">
+            <a:schemeClr val="lt1"/>
+          </a:fontRef>
+        </p:style>
+        <p:txBody>
+          <a:bodyPr rtlCol="0" anchor="ctr"/>
+          <a:lstStyle/>
+          <a:p>
+            <a:pPr algn="ctr"/>
+            <a:endParaRPr lang="en-US"/>
+          </a:p>
+        </p:txBody>
+      </p:sp>
+      <p:sp>
+        <p:nvSpPr>
+          <p:cNvPr id="13" name="TextBox 12">
+            <a:extLst>
+              <a:ext uri="{FF2B5EF4-FFF2-40B4-BE49-F238E27FC236}">
+                <a16:creationId xmlns:a16="http://schemas.microsoft.com/office/drawing/2014/main" id="{817F6934-60C4-1948-B134-3C57037A38E5}"/>
+              </a:ext>
+            </a:extLst>
+          </p:cNvPr>
+          <p:cNvSpPr txBox="1"/>
+          <p:nvPr/>
+        </p:nvSpPr>
+        <p:spPr>
+          <a:xfrm>
+            <a:off x="2916790" y="1516889"/>
+            <a:ext cx="1318823" cy="369332"/>
+          </a:xfrm>
+          <a:prstGeom prst="rect">
+            <a:avLst/>
+          </a:prstGeom>
+          <a:noFill/>
+        </p:spPr>
+        <p:txBody>
+          <a:bodyPr wrap="none" rtlCol="0">
+            <a:spAutoFit/>
+          </a:bodyPr>
+          <a:lstStyle/>
+          <a:p>
+            <a:r>
+              <a:rPr lang="en-US" dirty="0"/>
+              <a:t>02-tidy.Rmd</a:t>
+            </a:r>
+          </a:p>
+        </p:txBody>
+      </p:sp>
+      <p:sp>
+        <p:nvSpPr>
+          <p:cNvPr id="14" name="TextBox 13">
+            <a:extLst>
+              <a:ext uri="{FF2B5EF4-FFF2-40B4-BE49-F238E27FC236}">
+                <a16:creationId xmlns:a16="http://schemas.microsoft.com/office/drawing/2014/main" id="{25077233-DC85-694C-8BD7-4E85BFC0DD66}"/>
+              </a:ext>
+            </a:extLst>
+          </p:cNvPr>
+          <p:cNvSpPr txBox="1"/>
+          <p:nvPr/>
+        </p:nvSpPr>
+        <p:spPr>
+          <a:xfrm>
+            <a:off x="421693" y="1516889"/>
+            <a:ext cx="1616148" cy="369332"/>
+          </a:xfrm>
+          <a:prstGeom prst="rect">
+            <a:avLst/>
+          </a:prstGeom>
+          <a:noFill/>
+        </p:spPr>
+        <p:txBody>
+          <a:bodyPr wrap="none" rtlCol="0">
+            <a:spAutoFit/>
+          </a:bodyPr>
+          <a:lstStyle/>
+          <a:p>
+            <a:r>
+              <a:rPr lang="en-US" dirty="0"/>
+              <a:t>01-import.Rmd</a:t>
+            </a:r>
+          </a:p>
+        </p:txBody>
+      </p:sp>
+      <p:sp>
+        <p:nvSpPr>
+          <p:cNvPr id="15" name="TextBox 14">
+            <a:extLst>
+              <a:ext uri="{FF2B5EF4-FFF2-40B4-BE49-F238E27FC236}">
+                <a16:creationId xmlns:a16="http://schemas.microsoft.com/office/drawing/2014/main" id="{A2E9674F-3B03-DE46-97CA-9B7427C7A466}"/>
+              </a:ext>
+            </a:extLst>
+          </p:cNvPr>
+          <p:cNvSpPr txBox="1"/>
+          <p:nvPr/>
+        </p:nvSpPr>
+        <p:spPr>
+          <a:xfrm>
+            <a:off x="5055155" y="1516889"/>
+            <a:ext cx="1664238" cy="369332"/>
+          </a:xfrm>
+          <a:prstGeom prst="rect">
+            <a:avLst/>
+          </a:prstGeom>
+          <a:noFill/>
+        </p:spPr>
+        <p:txBody>
+          <a:bodyPr wrap="none" rtlCol="0">
+            <a:spAutoFit/>
+          </a:bodyPr>
+          <a:lstStyle/>
+          <a:p>
+            <a:r>
+              <a:rPr lang="en-US" dirty="0"/>
+              <a:t>03-models.Rmd</a:t>
+            </a:r>
+          </a:p>
+        </p:txBody>
+      </p:sp>
+      <p:sp>
+        <p:nvSpPr>
+          <p:cNvPr id="18" name="TextBox 17">
+            <a:extLst>
+              <a:ext uri="{FF2B5EF4-FFF2-40B4-BE49-F238E27FC236}">
+                <a16:creationId xmlns:a16="http://schemas.microsoft.com/office/drawing/2014/main" id="{15BA7C0C-5DE3-324D-987E-CCBD86F2171A}"/>
+              </a:ext>
+            </a:extLst>
+          </p:cNvPr>
+          <p:cNvSpPr txBox="1"/>
+          <p:nvPr/>
+        </p:nvSpPr>
+        <p:spPr>
+          <a:xfrm>
+            <a:off x="7387677" y="1516889"/>
+            <a:ext cx="1762790" cy="369332"/>
+          </a:xfrm>
+          <a:prstGeom prst="rect">
+            <a:avLst/>
+          </a:prstGeom>
+          <a:noFill/>
+        </p:spPr>
+        <p:txBody>
+          <a:bodyPr wrap="none" rtlCol="0">
+            <a:spAutoFit/>
+          </a:bodyPr>
+          <a:lstStyle/>
+          <a:p>
+            <a:r>
+              <a:rPr lang="en-US" dirty="0"/>
+              <a:t>04-visualize.Rmd</a:t>
+            </a:r>
+          </a:p>
+        </p:txBody>
+      </p:sp>
+      <p:sp>
+        <p:nvSpPr>
+          <p:cNvPr id="19" name="TextBox 18">
+            <a:extLst>
+              <a:ext uri="{FF2B5EF4-FFF2-40B4-BE49-F238E27FC236}">
+                <a16:creationId xmlns:a16="http://schemas.microsoft.com/office/drawing/2014/main" id="{0D3529FA-493C-D340-917E-D2BE38F4E151}"/>
+              </a:ext>
+            </a:extLst>
+          </p:cNvPr>
+          <p:cNvSpPr txBox="1"/>
+          <p:nvPr/>
+        </p:nvSpPr>
+        <p:spPr>
+          <a:xfrm>
+            <a:off x="9487858" y="1548421"/>
+            <a:ext cx="2255297" cy="369332"/>
+          </a:xfrm>
+          <a:prstGeom prst="rect">
+            <a:avLst/>
+          </a:prstGeom>
+          <a:noFill/>
+        </p:spPr>
+        <p:txBody>
+          <a:bodyPr wrap="none" rtlCol="0">
+            <a:spAutoFit/>
+          </a:bodyPr>
+          <a:lstStyle/>
+          <a:p>
+            <a:r>
+              <a:rPr lang="en-US" dirty="0"/>
+              <a:t>05-communicate.Rmd</a:t>
+            </a:r>
+          </a:p>
+        </p:txBody>
+      </p:sp>
+      <p:sp>
+        <p:nvSpPr>
+          <p:cNvPr id="20" name="Right Arrow 19">
+            <a:extLst>
+              <a:ext uri="{FF2B5EF4-FFF2-40B4-BE49-F238E27FC236}">
+                <a16:creationId xmlns:a16="http://schemas.microsoft.com/office/drawing/2014/main" id="{519AB274-0280-634F-90B3-89BCB6CD12EA}"/>
+              </a:ext>
+            </a:extLst>
+          </p:cNvPr>
+          <p:cNvSpPr/>
+          <p:nvPr/>
+        </p:nvSpPr>
+        <p:spPr>
+          <a:xfrm>
+            <a:off x="4431514" y="721619"/>
+            <a:ext cx="644694" cy="420414"/>
+          </a:xfrm>
+          <a:prstGeom prst="rightArrow">
+            <a:avLst/>
+          </a:prstGeom>
+          <a:solidFill>
+            <a:schemeClr val="bg2">
+              <a:lumMod val="75000"/>
+            </a:schemeClr>
+          </a:solidFill>
+          <a:ln>
+            <a:noFill/>
+          </a:ln>
+        </p:spPr>
+        <p:style>
+          <a:lnRef idx="2">
+            <a:schemeClr val="accent1">
+              <a:shade val="50000"/>
+            </a:schemeClr>
+          </a:lnRef>
+          <a:fillRef idx="1">
+            <a:schemeClr val="accent1"/>
+          </a:fillRef>
+          <a:effectRef idx="0">
+            <a:schemeClr val="accent1"/>
+          </a:effectRef>
+          <a:fontRef idx="minor">
+            <a:schemeClr val="lt1"/>
+          </a:fontRef>
+        </p:style>
+        <p:txBody>
+          <a:bodyPr rtlCol="0" anchor="ctr"/>
+          <a:lstStyle/>
+          <a:p>
+            <a:pPr algn="ctr"/>
+            <a:endParaRPr lang="en-US"/>
+          </a:p>
+        </p:txBody>
+      </p:sp>
+      <p:sp>
+        <p:nvSpPr>
+          <p:cNvPr id="21" name="Right Arrow 20">
+            <a:extLst>
+              <a:ext uri="{FF2B5EF4-FFF2-40B4-BE49-F238E27FC236}">
+                <a16:creationId xmlns:a16="http://schemas.microsoft.com/office/drawing/2014/main" id="{A4F0C651-E7B4-0D48-83A4-11637097C025}"/>
+              </a:ext>
+            </a:extLst>
+          </p:cNvPr>
+          <p:cNvSpPr/>
+          <p:nvPr/>
+        </p:nvSpPr>
+        <p:spPr>
+          <a:xfrm>
+            <a:off x="6773508" y="709640"/>
+            <a:ext cx="644694" cy="420414"/>
+          </a:xfrm>
+          <a:prstGeom prst="rightArrow">
+            <a:avLst/>
+          </a:prstGeom>
+          <a:solidFill>
+            <a:schemeClr val="bg2">
+              <a:lumMod val="75000"/>
+            </a:schemeClr>
+          </a:solidFill>
+          <a:ln>
+            <a:noFill/>
+          </a:ln>
+        </p:spPr>
+        <p:style>
+          <a:lnRef idx="2">
+            <a:schemeClr val="accent1">
+              <a:shade val="50000"/>
+            </a:schemeClr>
+          </a:lnRef>
+          <a:fillRef idx="1">
+            <a:schemeClr val="accent1"/>
+          </a:fillRef>
+          <a:effectRef idx="0">
+            <a:schemeClr val="accent1"/>
+          </a:effectRef>
+          <a:fontRef idx="minor">
+            <a:schemeClr val="lt1"/>
+          </a:fontRef>
+        </p:style>
+        <p:txBody>
+          <a:bodyPr rtlCol="0" anchor="ctr"/>
+          <a:lstStyle/>
+          <a:p>
+            <a:pPr algn="ctr"/>
+            <a:endParaRPr lang="en-US"/>
+          </a:p>
+        </p:txBody>
+      </p:sp>
+      <p:sp>
+        <p:nvSpPr>
+          <p:cNvPr id="22" name="Right Arrow 21">
+            <a:extLst>
+              <a:ext uri="{FF2B5EF4-FFF2-40B4-BE49-F238E27FC236}">
+                <a16:creationId xmlns:a16="http://schemas.microsoft.com/office/drawing/2014/main" id="{723194B3-7105-934A-92C9-C5B8AAECF8DD}"/>
+              </a:ext>
+            </a:extLst>
+          </p:cNvPr>
+          <p:cNvSpPr/>
+          <p:nvPr/>
+        </p:nvSpPr>
+        <p:spPr>
+          <a:xfrm>
+            <a:off x="9165511" y="709640"/>
+            <a:ext cx="644694" cy="420414"/>
+          </a:xfrm>
+          <a:prstGeom prst="rightArrow">
+            <a:avLst/>
+          </a:prstGeom>
+          <a:solidFill>
+            <a:schemeClr val="bg2">
+              <a:lumMod val="75000"/>
+            </a:schemeClr>
+          </a:solidFill>
+          <a:ln>
+            <a:noFill/>
+          </a:ln>
+        </p:spPr>
+        <p:style>
+          <a:lnRef idx="2">
+            <a:schemeClr val="accent1">
+              <a:shade val="50000"/>
+            </a:schemeClr>
+          </a:lnRef>
+          <a:fillRef idx="1">
+            <a:schemeClr val="accent1"/>
+          </a:fillRef>
+          <a:effectRef idx="0">
+            <a:schemeClr val="accent1"/>
+          </a:effectRef>
+          <a:fontRef idx="minor">
+            <a:schemeClr val="lt1"/>
+          </a:fontRef>
+        </p:style>
+        <p:txBody>
+          <a:bodyPr rtlCol="0" anchor="ctr"/>
+          <a:lstStyle/>
+          <a:p>
+            <a:pPr algn="ctr"/>
+            <a:endParaRPr lang="en-US"/>
+          </a:p>
+        </p:txBody>
+      </p:sp>
+      <p:sp>
+        <p:nvSpPr>
+          <p:cNvPr id="23" name="Right Arrow 22">
+            <a:extLst>
+              <a:ext uri="{FF2B5EF4-FFF2-40B4-BE49-F238E27FC236}">
+                <a16:creationId xmlns:a16="http://schemas.microsoft.com/office/drawing/2014/main" id="{A1773BE5-6031-A44B-B46F-DCA2CE78B843}"/>
+              </a:ext>
+            </a:extLst>
+          </p:cNvPr>
+          <p:cNvSpPr/>
+          <p:nvPr/>
+        </p:nvSpPr>
+        <p:spPr>
+          <a:xfrm>
+            <a:off x="2120768" y="721619"/>
+            <a:ext cx="644694" cy="420414"/>
+          </a:xfrm>
+          <a:prstGeom prst="rightArrow">
+            <a:avLst/>
+          </a:prstGeom>
+          <a:solidFill>
+            <a:schemeClr val="bg2">
+              <a:lumMod val="75000"/>
+            </a:schemeClr>
+          </a:solidFill>
+          <a:ln>
+            <a:noFill/>
+          </a:ln>
+        </p:spPr>
+        <p:style>
+          <a:lnRef idx="2">
+            <a:schemeClr val="accent1">
+              <a:shade val="50000"/>
+            </a:schemeClr>
+          </a:lnRef>
+          <a:fillRef idx="1">
+            <a:schemeClr val="accent1"/>
+          </a:fillRef>
+          <a:effectRef idx="0">
+            <a:schemeClr val="accent1"/>
+          </a:effectRef>
+          <a:fontRef idx="minor">
+            <a:schemeClr val="lt1"/>
+          </a:fontRef>
+        </p:style>
+        <p:txBody>
+          <a:bodyPr rtlCol="0" anchor="ctr"/>
+          <a:lstStyle/>
+          <a:p>
+            <a:pPr algn="ctr"/>
+            <a:endParaRPr lang="en-US"/>
+          </a:p>
+        </p:txBody>
+      </p:sp>
+      <p:sp>
+        <p:nvSpPr>
+          <p:cNvPr id="63" name="Action Button: Document 62">
+            <a:hlinkClick r:id="" action="ppaction://noaction" highlightClick="1"/>
+            <a:extLst>
+              <a:ext uri="{FF2B5EF4-FFF2-40B4-BE49-F238E27FC236}">
+                <a16:creationId xmlns:a16="http://schemas.microsoft.com/office/drawing/2014/main" id="{AD49C542-D153-024F-AEB1-F7B58C99CD2E}"/>
+              </a:ext>
+            </a:extLst>
+          </p:cNvPr>
+          <p:cNvSpPr/>
+          <p:nvPr/>
+        </p:nvSpPr>
+        <p:spPr>
+          <a:xfrm>
+            <a:off x="3073052" y="294213"/>
+            <a:ext cx="987973" cy="1090449"/>
+          </a:xfrm>
+          <a:prstGeom prst="actionButtonDocument">
+            <a:avLst/>
+          </a:prstGeom>
+          <a:solidFill>
+            <a:schemeClr val="accent2">
+              <a:lumMod val="60000"/>
+              <a:lumOff val="40000"/>
+            </a:schemeClr>
+          </a:solidFill>
+          <a:ln>
+            <a:solidFill>
+              <a:schemeClr val="bg1"/>
+            </a:solidFill>
+          </a:ln>
+        </p:spPr>
+        <p:style>
+          <a:lnRef idx="2">
+            <a:schemeClr val="accent1">
+              <a:shade val="50000"/>
+            </a:schemeClr>
+          </a:lnRef>
+          <a:fillRef idx="1">
+            <a:schemeClr val="accent1"/>
+          </a:fillRef>
+          <a:effectRef idx="0">
+            <a:schemeClr val="accent1"/>
+          </a:effectRef>
+          <a:fontRef idx="minor">
+            <a:schemeClr val="lt1"/>
+          </a:fontRef>
+        </p:style>
+        <p:txBody>
+          <a:bodyPr rtlCol="0" anchor="ctr"/>
+          <a:lstStyle/>
+          <a:p>
+            <a:pPr algn="ctr"/>
+            <a:endParaRPr lang="en-US"/>
+          </a:p>
+        </p:txBody>
+      </p:sp>
+      <p:sp>
+        <p:nvSpPr>
+          <p:cNvPr id="64" name="Action Button: Document 63">
+            <a:hlinkClick r:id="" action="ppaction://noaction" highlightClick="1"/>
+            <a:extLst>
+              <a:ext uri="{FF2B5EF4-FFF2-40B4-BE49-F238E27FC236}">
+                <a16:creationId xmlns:a16="http://schemas.microsoft.com/office/drawing/2014/main" id="{4D555BF3-0372-E242-9F6A-0F07B4700627}"/>
+              </a:ext>
+            </a:extLst>
+          </p:cNvPr>
+          <p:cNvSpPr/>
+          <p:nvPr/>
+        </p:nvSpPr>
+        <p:spPr>
+          <a:xfrm>
+            <a:off x="794662" y="309840"/>
+            <a:ext cx="987973" cy="1090449"/>
+          </a:xfrm>
+          <a:prstGeom prst="actionButtonDocument">
+            <a:avLst/>
+          </a:prstGeom>
+          <a:solidFill>
+            <a:schemeClr val="accent2">
+              <a:lumMod val="60000"/>
+              <a:lumOff val="40000"/>
+            </a:schemeClr>
+          </a:solidFill>
+          <a:ln>
+            <a:solidFill>
+              <a:schemeClr val="bg1"/>
+            </a:solidFill>
+          </a:ln>
+        </p:spPr>
+        <p:style>
+          <a:lnRef idx="2">
+            <a:schemeClr val="accent1">
+              <a:shade val="50000"/>
+            </a:schemeClr>
+          </a:lnRef>
+          <a:fillRef idx="1">
+            <a:schemeClr val="accent1"/>
+          </a:fillRef>
+          <a:effectRef idx="0">
+            <a:schemeClr val="accent1"/>
+          </a:effectRef>
+          <a:fontRef idx="minor">
+            <a:schemeClr val="lt1"/>
+          </a:fontRef>
+        </p:style>
+        <p:txBody>
+          <a:bodyPr rtlCol="0" anchor="ctr"/>
+          <a:lstStyle/>
+          <a:p>
+            <a:pPr algn="ctr"/>
+            <a:endParaRPr lang="en-US"/>
+          </a:p>
+        </p:txBody>
+      </p:sp>
+      <p:sp>
+        <p:nvSpPr>
+          <p:cNvPr id="65" name="TextBox 64">
+            <a:extLst>
+              <a:ext uri="{FF2B5EF4-FFF2-40B4-BE49-F238E27FC236}">
+                <a16:creationId xmlns:a16="http://schemas.microsoft.com/office/drawing/2014/main" id="{9A53DF5E-981D-DF4B-831D-7261B340A292}"/>
+              </a:ext>
+            </a:extLst>
+          </p:cNvPr>
+          <p:cNvSpPr txBox="1"/>
+          <p:nvPr/>
+        </p:nvSpPr>
+        <p:spPr>
+          <a:xfrm>
+            <a:off x="10121521" y="2001101"/>
+            <a:ext cx="1683089" cy="276999"/>
+          </a:xfrm>
+          <a:prstGeom prst="rect">
+            <a:avLst/>
+          </a:prstGeom>
+          <a:noFill/>
+        </p:spPr>
+        <p:txBody>
+          <a:bodyPr wrap="none" rtlCol="0">
+            <a:spAutoFit/>
+          </a:bodyPr>
+          <a:lstStyle/>
+          <a:p>
+            <a:r>
+              <a:rPr lang="en-US" sz="1200" dirty="0">
+                <a:hlinkClick r:id="rId2"/>
+              </a:rPr>
+              <a:t>https://openclipart.org/</a:t>
+            </a:r>
+            <a:endParaRPr lang="en-US" sz="1200" dirty="0"/>
+          </a:p>
+        </p:txBody>
+      </p:sp>
+    </p:spTree>
+    <p:extLst>
+      <p:ext uri="{BB962C8B-B14F-4D97-AF65-F5344CB8AC3E}">
+        <p14:creationId xmlns:p14="http://schemas.microsoft.com/office/powerpoint/2010/main" val="2599836842"/>
+      </p:ext>
+    </p:extLst>
+  </p:cSld>
+  <p:clrMapOvr>
+    <a:masterClrMapping/>
+  </p:clrMapOvr>
+</p:sld>
+</file>
+
+<file path=ppt/slides/slide6.xml><?xml version="1.0" encoding="utf-8"?>
+<p:sld xmlns:a="http://schemas.openxmlformats.org/drawingml/2006/main" xmlns:r="http://schemas.openxmlformats.org/officeDocument/2006/relationships" xmlns:p="http://schemas.openxmlformats.org/presentationml/2006/main">
+  <p:cSld>
+    <p:spTree>
+      <p:nvGrpSpPr>
+        <p:cNvPr id="1" name=""/>
+        <p:cNvGrpSpPr/>
+        <p:nvPr/>
+      </p:nvGrpSpPr>
+      <p:grpSpPr>
+        <a:xfrm>
+          <a:off x="0" y="0"/>
+          <a:ext cx="0" cy="0"/>
+          <a:chOff x="0" y="0"/>
+          <a:chExt cx="0" cy="0"/>
+        </a:xfrm>
+      </p:grpSpPr>
+      <p:sp>
+        <p:nvSpPr>
+          <p:cNvPr id="6" name="Action Button: Document 5">
+            <a:hlinkClick r:id="" action="ppaction://noaction" highlightClick="1"/>
+            <a:extLst>
+              <a:ext uri="{FF2B5EF4-FFF2-40B4-BE49-F238E27FC236}">
+                <a16:creationId xmlns:a16="http://schemas.microsoft.com/office/drawing/2014/main" id="{68EB5451-2B88-DD44-8945-00EC239C8048}"/>
+              </a:ext>
+            </a:extLst>
+          </p:cNvPr>
+          <p:cNvSpPr/>
+          <p:nvPr/>
+        </p:nvSpPr>
+        <p:spPr>
+          <a:xfrm>
+            <a:off x="5433092" y="386602"/>
+            <a:ext cx="987973" cy="1090449"/>
+          </a:xfrm>
+          <a:prstGeom prst="actionButtonDocument">
+            <a:avLst/>
+          </a:prstGeom>
+          <a:solidFill>
+            <a:schemeClr val="accent2">
+              <a:lumMod val="60000"/>
+              <a:lumOff val="40000"/>
+            </a:schemeClr>
+          </a:solidFill>
+          <a:ln>
+            <a:solidFill>
+              <a:schemeClr val="bg1"/>
+            </a:solidFill>
+          </a:ln>
+        </p:spPr>
+        <p:style>
+          <a:lnRef idx="2">
+            <a:schemeClr val="accent1">
+              <a:shade val="50000"/>
+            </a:schemeClr>
+          </a:lnRef>
+          <a:fillRef idx="1">
+            <a:schemeClr val="accent1"/>
+          </a:fillRef>
+          <a:effectRef idx="0">
+            <a:schemeClr val="accent1"/>
+          </a:effectRef>
+          <a:fontRef idx="minor">
+            <a:schemeClr val="lt1"/>
+          </a:fontRef>
+        </p:style>
+        <p:txBody>
+          <a:bodyPr rtlCol="0" anchor="ctr"/>
+          <a:lstStyle/>
+          <a:p>
+            <a:pPr algn="ctr"/>
+            <a:endParaRPr lang="en-US"/>
+          </a:p>
+        </p:txBody>
+      </p:sp>
+      <p:sp>
+        <p:nvSpPr>
+          <p:cNvPr id="7" name="Action Button: Document 6">
+            <a:hlinkClick r:id="" action="ppaction://noaction" highlightClick="1"/>
+            <a:extLst>
+              <a:ext uri="{FF2B5EF4-FFF2-40B4-BE49-F238E27FC236}">
+                <a16:creationId xmlns:a16="http://schemas.microsoft.com/office/drawing/2014/main" id="{CF3C8680-CCE6-8841-A3C3-E5222E4B433D}"/>
+              </a:ext>
+            </a:extLst>
+          </p:cNvPr>
+          <p:cNvSpPr/>
+          <p:nvPr/>
+        </p:nvSpPr>
+        <p:spPr>
+          <a:xfrm>
+            <a:off x="7775086" y="374624"/>
+            <a:ext cx="987973" cy="1090449"/>
+          </a:xfrm>
+          <a:prstGeom prst="actionButtonDocument">
+            <a:avLst/>
+          </a:prstGeom>
+          <a:solidFill>
+            <a:schemeClr val="accent2">
+              <a:lumMod val="60000"/>
+              <a:lumOff val="40000"/>
+            </a:schemeClr>
+          </a:solidFill>
+          <a:ln>
+            <a:solidFill>
+              <a:schemeClr val="bg1"/>
+            </a:solidFill>
+          </a:ln>
+        </p:spPr>
+        <p:style>
+          <a:lnRef idx="2">
+            <a:schemeClr val="accent1">
+              <a:shade val="50000"/>
+            </a:schemeClr>
+          </a:lnRef>
+          <a:fillRef idx="1">
+            <a:schemeClr val="accent1"/>
+          </a:fillRef>
+          <a:effectRef idx="0">
+            <a:schemeClr val="accent1"/>
+          </a:effectRef>
+          <a:fontRef idx="minor">
+            <a:schemeClr val="lt1"/>
+          </a:fontRef>
+        </p:style>
+        <p:txBody>
+          <a:bodyPr rtlCol="0" anchor="ctr"/>
+          <a:lstStyle/>
+          <a:p>
+            <a:pPr algn="ctr"/>
+            <a:endParaRPr lang="en-US"/>
+          </a:p>
+        </p:txBody>
+      </p:sp>
+      <p:sp>
+        <p:nvSpPr>
+          <p:cNvPr id="8" name="Action Button: Document 7">
+            <a:hlinkClick r:id="" action="ppaction://noaction" highlightClick="1"/>
+            <a:extLst>
+              <a:ext uri="{FF2B5EF4-FFF2-40B4-BE49-F238E27FC236}">
+                <a16:creationId xmlns:a16="http://schemas.microsoft.com/office/drawing/2014/main" id="{2C3D39BA-FD92-8145-AC8F-0CD30F3815C3}"/>
+              </a:ext>
+            </a:extLst>
+          </p:cNvPr>
+          <p:cNvSpPr/>
+          <p:nvPr/>
+        </p:nvSpPr>
+        <p:spPr>
+          <a:xfrm>
+            <a:off x="10121521" y="374624"/>
+            <a:ext cx="987973" cy="1090449"/>
+          </a:xfrm>
+          <a:prstGeom prst="actionButtonDocument">
+            <a:avLst/>
+          </a:prstGeom>
+          <a:solidFill>
+            <a:schemeClr val="accent2">
+              <a:lumMod val="60000"/>
+              <a:lumOff val="40000"/>
+            </a:schemeClr>
+          </a:solidFill>
+          <a:ln>
+            <a:solidFill>
+              <a:schemeClr val="bg1"/>
+            </a:solidFill>
+          </a:ln>
+        </p:spPr>
+        <p:style>
+          <a:lnRef idx="2">
+            <a:schemeClr val="accent1">
+              <a:shade val="50000"/>
+            </a:schemeClr>
+          </a:lnRef>
+          <a:fillRef idx="1">
+            <a:schemeClr val="accent1"/>
+          </a:fillRef>
+          <a:effectRef idx="0">
+            <a:schemeClr val="accent1"/>
+          </a:effectRef>
+          <a:fontRef idx="minor">
+            <a:schemeClr val="lt1"/>
+          </a:fontRef>
+        </p:style>
+        <p:txBody>
+          <a:bodyPr rtlCol="0" anchor="ctr"/>
+          <a:lstStyle/>
+          <a:p>
+            <a:pPr algn="ctr"/>
+            <a:endParaRPr lang="en-US"/>
+          </a:p>
+        </p:txBody>
+      </p:sp>
+      <p:sp>
+        <p:nvSpPr>
+          <p:cNvPr id="13" name="TextBox 12">
+            <a:extLst>
+              <a:ext uri="{FF2B5EF4-FFF2-40B4-BE49-F238E27FC236}">
+                <a16:creationId xmlns:a16="http://schemas.microsoft.com/office/drawing/2014/main" id="{817F6934-60C4-1948-B134-3C57037A38E5}"/>
+              </a:ext>
+            </a:extLst>
+          </p:cNvPr>
+          <p:cNvSpPr txBox="1"/>
+          <p:nvPr/>
+        </p:nvSpPr>
+        <p:spPr>
+          <a:xfrm>
+            <a:off x="2916790" y="1516889"/>
+            <a:ext cx="1318823" cy="369332"/>
+          </a:xfrm>
+          <a:prstGeom prst="rect">
+            <a:avLst/>
+          </a:prstGeom>
+          <a:noFill/>
+        </p:spPr>
+        <p:txBody>
+          <a:bodyPr wrap="none" rtlCol="0">
+            <a:spAutoFit/>
+          </a:bodyPr>
+          <a:lstStyle/>
+          <a:p>
+            <a:r>
+              <a:rPr lang="en-US" dirty="0"/>
+              <a:t>02-tidy.Rmd</a:t>
+            </a:r>
+          </a:p>
+        </p:txBody>
+      </p:sp>
+      <p:sp>
+        <p:nvSpPr>
+          <p:cNvPr id="14" name="TextBox 13">
+            <a:extLst>
+              <a:ext uri="{FF2B5EF4-FFF2-40B4-BE49-F238E27FC236}">
+                <a16:creationId xmlns:a16="http://schemas.microsoft.com/office/drawing/2014/main" id="{25077233-DC85-694C-8BD7-4E85BFC0DD66}"/>
+              </a:ext>
+            </a:extLst>
+          </p:cNvPr>
+          <p:cNvSpPr txBox="1"/>
+          <p:nvPr/>
+        </p:nvSpPr>
+        <p:spPr>
+          <a:xfrm>
+            <a:off x="421693" y="1516889"/>
+            <a:ext cx="1616148" cy="369332"/>
+          </a:xfrm>
+          <a:prstGeom prst="rect">
+            <a:avLst/>
+          </a:prstGeom>
+          <a:noFill/>
+        </p:spPr>
+        <p:txBody>
+          <a:bodyPr wrap="none" rtlCol="0">
+            <a:spAutoFit/>
+          </a:bodyPr>
+          <a:lstStyle/>
+          <a:p>
+            <a:r>
+              <a:rPr lang="en-US" dirty="0"/>
+              <a:t>01-import.Rmd</a:t>
+            </a:r>
+          </a:p>
+        </p:txBody>
+      </p:sp>
+      <p:sp>
+        <p:nvSpPr>
+          <p:cNvPr id="15" name="TextBox 14">
+            <a:extLst>
+              <a:ext uri="{FF2B5EF4-FFF2-40B4-BE49-F238E27FC236}">
+                <a16:creationId xmlns:a16="http://schemas.microsoft.com/office/drawing/2014/main" id="{A2E9674F-3B03-DE46-97CA-9B7427C7A466}"/>
+              </a:ext>
+            </a:extLst>
+          </p:cNvPr>
+          <p:cNvSpPr txBox="1"/>
+          <p:nvPr/>
+        </p:nvSpPr>
+        <p:spPr>
+          <a:xfrm>
+            <a:off x="5055155" y="1516889"/>
+            <a:ext cx="1664238" cy="369332"/>
+          </a:xfrm>
+          <a:prstGeom prst="rect">
+            <a:avLst/>
+          </a:prstGeom>
+          <a:noFill/>
+        </p:spPr>
+        <p:txBody>
+          <a:bodyPr wrap="none" rtlCol="0">
+            <a:spAutoFit/>
+          </a:bodyPr>
+          <a:lstStyle/>
+          <a:p>
+            <a:r>
+              <a:rPr lang="en-US" dirty="0"/>
+              <a:t>03-models.Rmd</a:t>
+            </a:r>
+          </a:p>
+        </p:txBody>
+      </p:sp>
+      <p:sp>
+        <p:nvSpPr>
+          <p:cNvPr id="18" name="TextBox 17">
+            <a:extLst>
+              <a:ext uri="{FF2B5EF4-FFF2-40B4-BE49-F238E27FC236}">
+                <a16:creationId xmlns:a16="http://schemas.microsoft.com/office/drawing/2014/main" id="{15BA7C0C-5DE3-324D-987E-CCBD86F2171A}"/>
+              </a:ext>
+            </a:extLst>
+          </p:cNvPr>
+          <p:cNvSpPr txBox="1"/>
+          <p:nvPr/>
+        </p:nvSpPr>
+        <p:spPr>
+          <a:xfrm>
+            <a:off x="7387677" y="1516889"/>
+            <a:ext cx="1762790" cy="369332"/>
+          </a:xfrm>
+          <a:prstGeom prst="rect">
+            <a:avLst/>
+          </a:prstGeom>
+          <a:noFill/>
+        </p:spPr>
+        <p:txBody>
+          <a:bodyPr wrap="none" rtlCol="0">
+            <a:spAutoFit/>
+          </a:bodyPr>
+          <a:lstStyle/>
+          <a:p>
+            <a:r>
+              <a:rPr lang="en-US" dirty="0"/>
+              <a:t>04-visualize.Rmd</a:t>
+            </a:r>
+          </a:p>
+        </p:txBody>
+      </p:sp>
+      <p:sp>
+        <p:nvSpPr>
+          <p:cNvPr id="19" name="TextBox 18">
+            <a:extLst>
+              <a:ext uri="{FF2B5EF4-FFF2-40B4-BE49-F238E27FC236}">
+                <a16:creationId xmlns:a16="http://schemas.microsoft.com/office/drawing/2014/main" id="{0D3529FA-493C-D340-917E-D2BE38F4E151}"/>
+              </a:ext>
+            </a:extLst>
+          </p:cNvPr>
+          <p:cNvSpPr txBox="1"/>
+          <p:nvPr/>
+        </p:nvSpPr>
+        <p:spPr>
+          <a:xfrm>
+            <a:off x="9487858" y="1548421"/>
+            <a:ext cx="2255297" cy="369332"/>
+          </a:xfrm>
+          <a:prstGeom prst="rect">
+            <a:avLst/>
+          </a:prstGeom>
+          <a:noFill/>
+        </p:spPr>
+        <p:txBody>
+          <a:bodyPr wrap="none" rtlCol="0">
+            <a:spAutoFit/>
+          </a:bodyPr>
+          <a:lstStyle/>
+          <a:p>
+            <a:r>
+              <a:rPr lang="en-US" dirty="0"/>
+              <a:t>05-communicate.Rmd</a:t>
+            </a:r>
+          </a:p>
+        </p:txBody>
+      </p:sp>
+      <p:sp>
+        <p:nvSpPr>
+          <p:cNvPr id="20" name="Right Arrow 19">
+            <a:extLst>
+              <a:ext uri="{FF2B5EF4-FFF2-40B4-BE49-F238E27FC236}">
+                <a16:creationId xmlns:a16="http://schemas.microsoft.com/office/drawing/2014/main" id="{519AB274-0280-634F-90B3-89BCB6CD12EA}"/>
+              </a:ext>
+            </a:extLst>
+          </p:cNvPr>
+          <p:cNvSpPr/>
+          <p:nvPr/>
+        </p:nvSpPr>
+        <p:spPr>
+          <a:xfrm rot="3830865">
+            <a:off x="2821106" y="3218792"/>
+            <a:ext cx="2990629" cy="420414"/>
+          </a:xfrm>
+          <a:prstGeom prst="rightArrow">
+            <a:avLst/>
+          </a:prstGeom>
+          <a:solidFill>
+            <a:schemeClr val="accent2"/>
+          </a:solidFill>
+          <a:ln>
+            <a:noFill/>
+          </a:ln>
+        </p:spPr>
+        <p:style>
+          <a:lnRef idx="2">
+            <a:schemeClr val="accent1">
+              <a:shade val="50000"/>
+            </a:schemeClr>
+          </a:lnRef>
+          <a:fillRef idx="1">
+            <a:schemeClr val="accent1"/>
+          </a:fillRef>
+          <a:effectRef idx="0">
+            <a:schemeClr val="accent1"/>
+          </a:effectRef>
+          <a:fontRef idx="minor">
+            <a:schemeClr val="lt1"/>
+          </a:fontRef>
+        </p:style>
+        <p:txBody>
+          <a:bodyPr rtlCol="0" anchor="ctr"/>
+          <a:lstStyle/>
+          <a:p>
+            <a:pPr algn="ctr"/>
+            <a:endParaRPr lang="en-US">
+              <a:solidFill>
+                <a:srgbClr val="FF0000"/>
+              </a:solidFill>
+              <a:highlight>
+                <a:srgbClr val="FA8538"/>
+              </a:highlight>
+            </a:endParaRPr>
+          </a:p>
+        </p:txBody>
+      </p:sp>
+      <p:sp>
+        <p:nvSpPr>
+          <p:cNvPr id="21" name="Right Arrow 20">
+            <a:extLst>
+              <a:ext uri="{FF2B5EF4-FFF2-40B4-BE49-F238E27FC236}">
+                <a16:creationId xmlns:a16="http://schemas.microsoft.com/office/drawing/2014/main" id="{A4F0C651-E7B4-0D48-83A4-11637097C025}"/>
+              </a:ext>
+            </a:extLst>
+          </p:cNvPr>
+          <p:cNvSpPr/>
+          <p:nvPr/>
+        </p:nvSpPr>
+        <p:spPr>
+          <a:xfrm rot="17248110">
+            <a:off x="5557691" y="3346443"/>
+            <a:ext cx="3209847" cy="420414"/>
+          </a:xfrm>
+          <a:prstGeom prst="rightArrow">
+            <a:avLst/>
+          </a:prstGeom>
+          <a:solidFill>
+            <a:schemeClr val="accent2"/>
+          </a:solidFill>
+          <a:ln>
+            <a:noFill/>
+          </a:ln>
+        </p:spPr>
+        <p:style>
+          <a:lnRef idx="2">
+            <a:schemeClr val="accent1">
+              <a:shade val="50000"/>
+            </a:schemeClr>
+          </a:lnRef>
+          <a:fillRef idx="1">
+            <a:schemeClr val="accent1"/>
+          </a:fillRef>
+          <a:effectRef idx="0">
+            <a:schemeClr val="accent1"/>
+          </a:effectRef>
+          <a:fontRef idx="minor">
+            <a:schemeClr val="lt1"/>
+          </a:fontRef>
+        </p:style>
+        <p:txBody>
+          <a:bodyPr rtlCol="0" anchor="ctr"/>
+          <a:lstStyle/>
+          <a:p>
+            <a:pPr algn="ctr"/>
+            <a:endParaRPr lang="en-US">
+              <a:solidFill>
+                <a:srgbClr val="FF0000"/>
+              </a:solidFill>
+              <a:highlight>
+                <a:srgbClr val="FA8538"/>
+              </a:highlight>
+            </a:endParaRPr>
+          </a:p>
+        </p:txBody>
+      </p:sp>
+      <p:sp>
+        <p:nvSpPr>
+          <p:cNvPr id="22" name="Right Arrow 21">
+            <a:extLst>
+              <a:ext uri="{FF2B5EF4-FFF2-40B4-BE49-F238E27FC236}">
+                <a16:creationId xmlns:a16="http://schemas.microsoft.com/office/drawing/2014/main" id="{723194B3-7105-934A-92C9-C5B8AAECF8DD}"/>
+              </a:ext>
+            </a:extLst>
+          </p:cNvPr>
+          <p:cNvSpPr/>
+          <p:nvPr/>
+        </p:nvSpPr>
+        <p:spPr>
+          <a:xfrm>
+            <a:off x="9165511" y="709640"/>
+            <a:ext cx="644694" cy="420414"/>
+          </a:xfrm>
+          <a:prstGeom prst="rightArrow">
+            <a:avLst/>
+          </a:prstGeom>
+          <a:solidFill>
+            <a:schemeClr val="bg2">
+              <a:lumMod val="75000"/>
+            </a:schemeClr>
+          </a:solidFill>
+          <a:ln>
+            <a:noFill/>
+          </a:ln>
+        </p:spPr>
+        <p:style>
+          <a:lnRef idx="2">
+            <a:schemeClr val="accent1">
+              <a:shade val="50000"/>
+            </a:schemeClr>
+          </a:lnRef>
+          <a:fillRef idx="1">
+            <a:schemeClr val="accent1"/>
+          </a:fillRef>
+          <a:effectRef idx="0">
+            <a:schemeClr val="accent1"/>
+          </a:effectRef>
+          <a:fontRef idx="minor">
+            <a:schemeClr val="lt1"/>
+          </a:fontRef>
+        </p:style>
+        <p:txBody>
+          <a:bodyPr rtlCol="0" anchor="ctr"/>
+          <a:lstStyle/>
+          <a:p>
+            <a:pPr algn="ctr"/>
+            <a:endParaRPr lang="en-US"/>
+          </a:p>
+        </p:txBody>
+      </p:sp>
+      <p:sp>
+        <p:nvSpPr>
+          <p:cNvPr id="23" name="Right Arrow 22">
+            <a:extLst>
+              <a:ext uri="{FF2B5EF4-FFF2-40B4-BE49-F238E27FC236}">
+                <a16:creationId xmlns:a16="http://schemas.microsoft.com/office/drawing/2014/main" id="{A1773BE5-6031-A44B-B46F-DCA2CE78B843}"/>
+              </a:ext>
+            </a:extLst>
+          </p:cNvPr>
+          <p:cNvSpPr/>
+          <p:nvPr/>
+        </p:nvSpPr>
+        <p:spPr>
+          <a:xfrm>
+            <a:off x="2120768" y="721619"/>
+            <a:ext cx="644694" cy="420414"/>
+          </a:xfrm>
+          <a:prstGeom prst="rightArrow">
+            <a:avLst/>
+          </a:prstGeom>
+          <a:solidFill>
+            <a:schemeClr val="bg2">
+              <a:lumMod val="75000"/>
+            </a:schemeClr>
+          </a:solidFill>
+          <a:ln>
+            <a:noFill/>
+          </a:ln>
+        </p:spPr>
+        <p:style>
+          <a:lnRef idx="2">
+            <a:schemeClr val="accent1">
+              <a:shade val="50000"/>
+            </a:schemeClr>
+          </a:lnRef>
+          <a:fillRef idx="1">
+            <a:schemeClr val="accent1"/>
+          </a:fillRef>
+          <a:effectRef idx="0">
+            <a:schemeClr val="accent1"/>
+          </a:effectRef>
+          <a:fontRef idx="minor">
+            <a:schemeClr val="lt1"/>
+          </a:fontRef>
+        </p:style>
+        <p:txBody>
+          <a:bodyPr rtlCol="0" anchor="ctr"/>
+          <a:lstStyle/>
+          <a:p>
+            <a:pPr algn="ctr"/>
+            <a:endParaRPr lang="en-US"/>
+          </a:p>
+        </p:txBody>
+      </p:sp>
+      <p:sp>
+        <p:nvSpPr>
+          <p:cNvPr id="63" name="Action Button: Document 62">
+            <a:hlinkClick r:id="" action="ppaction://noaction" highlightClick="1"/>
+            <a:extLst>
+              <a:ext uri="{FF2B5EF4-FFF2-40B4-BE49-F238E27FC236}">
+                <a16:creationId xmlns:a16="http://schemas.microsoft.com/office/drawing/2014/main" id="{AD49C542-D153-024F-AEB1-F7B58C99CD2E}"/>
+              </a:ext>
+            </a:extLst>
+          </p:cNvPr>
+          <p:cNvSpPr/>
+          <p:nvPr/>
+        </p:nvSpPr>
+        <p:spPr>
+          <a:xfrm>
+            <a:off x="3073052" y="294213"/>
+            <a:ext cx="987973" cy="1090449"/>
+          </a:xfrm>
+          <a:prstGeom prst="actionButtonDocument">
+            <a:avLst/>
+          </a:prstGeom>
+          <a:solidFill>
+            <a:schemeClr val="accent2">
+              <a:lumMod val="60000"/>
+              <a:lumOff val="40000"/>
+            </a:schemeClr>
+          </a:solidFill>
+          <a:ln>
+            <a:solidFill>
+              <a:schemeClr val="bg1"/>
+            </a:solidFill>
+          </a:ln>
+        </p:spPr>
+        <p:style>
+          <a:lnRef idx="2">
+            <a:schemeClr val="accent1">
+              <a:shade val="50000"/>
+            </a:schemeClr>
+          </a:lnRef>
+          <a:fillRef idx="1">
+            <a:schemeClr val="accent1"/>
+          </a:fillRef>
+          <a:effectRef idx="0">
+            <a:schemeClr val="accent1"/>
+          </a:effectRef>
+          <a:fontRef idx="minor">
+            <a:schemeClr val="lt1"/>
+          </a:fontRef>
+        </p:style>
+        <p:txBody>
+          <a:bodyPr rtlCol="0" anchor="ctr"/>
+          <a:lstStyle/>
+          <a:p>
+            <a:pPr algn="ctr"/>
+            <a:endParaRPr lang="en-US"/>
+          </a:p>
+        </p:txBody>
+      </p:sp>
+      <p:sp>
+        <p:nvSpPr>
+          <p:cNvPr id="64" name="Action Button: Document 63">
+            <a:hlinkClick r:id="" action="ppaction://noaction" highlightClick="1"/>
+            <a:extLst>
+              <a:ext uri="{FF2B5EF4-FFF2-40B4-BE49-F238E27FC236}">
+                <a16:creationId xmlns:a16="http://schemas.microsoft.com/office/drawing/2014/main" id="{4D555BF3-0372-E242-9F6A-0F07B4700627}"/>
+              </a:ext>
+            </a:extLst>
+          </p:cNvPr>
+          <p:cNvSpPr/>
+          <p:nvPr/>
+        </p:nvSpPr>
+        <p:spPr>
+          <a:xfrm>
+            <a:off x="794662" y="309840"/>
+            <a:ext cx="987973" cy="1090449"/>
+          </a:xfrm>
+          <a:prstGeom prst="actionButtonDocument">
+            <a:avLst/>
+          </a:prstGeom>
+          <a:solidFill>
+            <a:schemeClr val="accent2">
+              <a:lumMod val="60000"/>
+              <a:lumOff val="40000"/>
+            </a:schemeClr>
+          </a:solidFill>
+          <a:ln>
+            <a:solidFill>
+              <a:schemeClr val="bg1"/>
+            </a:solidFill>
+          </a:ln>
+        </p:spPr>
+        <p:style>
+          <a:lnRef idx="2">
+            <a:schemeClr val="accent1">
+              <a:shade val="50000"/>
+            </a:schemeClr>
+          </a:lnRef>
+          <a:fillRef idx="1">
+            <a:schemeClr val="accent1"/>
+          </a:fillRef>
+          <a:effectRef idx="0">
+            <a:schemeClr val="accent1"/>
+          </a:effectRef>
+          <a:fontRef idx="minor">
+            <a:schemeClr val="lt1"/>
+          </a:fontRef>
+        </p:style>
+        <p:txBody>
+          <a:bodyPr rtlCol="0" anchor="ctr"/>
+          <a:lstStyle/>
+          <a:p>
+            <a:pPr algn="ctr"/>
+            <a:endParaRPr lang="en-US"/>
+          </a:p>
+        </p:txBody>
+      </p:sp>
+      <p:sp>
+        <p:nvSpPr>
+          <p:cNvPr id="65" name="TextBox 64">
+            <a:extLst>
+              <a:ext uri="{FF2B5EF4-FFF2-40B4-BE49-F238E27FC236}">
+                <a16:creationId xmlns:a16="http://schemas.microsoft.com/office/drawing/2014/main" id="{9A53DF5E-981D-DF4B-831D-7261B340A292}"/>
+              </a:ext>
+            </a:extLst>
+          </p:cNvPr>
+          <p:cNvSpPr txBox="1"/>
+          <p:nvPr/>
+        </p:nvSpPr>
+        <p:spPr>
+          <a:xfrm>
+            <a:off x="9279976" y="5536818"/>
+            <a:ext cx="1683089" cy="276999"/>
+          </a:xfrm>
+          <a:prstGeom prst="rect">
+            <a:avLst/>
+          </a:prstGeom>
+          <a:noFill/>
+        </p:spPr>
+        <p:txBody>
+          <a:bodyPr wrap="none" rtlCol="0">
+            <a:spAutoFit/>
+          </a:bodyPr>
+          <a:lstStyle/>
+          <a:p>
+            <a:r>
+              <a:rPr lang="en-US" sz="1200" dirty="0">
+                <a:hlinkClick r:id="rId2"/>
+              </a:rPr>
+              <a:t>https://openclipart.org/</a:t>
+            </a:r>
+            <a:endParaRPr lang="en-US" sz="1200" dirty="0"/>
+          </a:p>
+        </p:txBody>
+      </p:sp>
+      <p:sp>
+        <p:nvSpPr>
+          <p:cNvPr id="27" name="Action Button: Document 26">
+            <a:hlinkClick r:id="" action="ppaction://noaction" highlightClick="1"/>
+            <a:extLst>
+              <a:ext uri="{FF2B5EF4-FFF2-40B4-BE49-F238E27FC236}">
+                <a16:creationId xmlns:a16="http://schemas.microsoft.com/office/drawing/2014/main" id="{D0573F44-0D64-5F85-1FAC-E0EB41DB8892}"/>
+              </a:ext>
+            </a:extLst>
+          </p:cNvPr>
+          <p:cNvSpPr/>
+          <p:nvPr/>
+        </p:nvSpPr>
+        <p:spPr>
+          <a:xfrm>
+            <a:off x="5448702" y="2470409"/>
+            <a:ext cx="987973" cy="1090449"/>
+          </a:xfrm>
+          <a:prstGeom prst="actionButtonDocument">
+            <a:avLst/>
+          </a:prstGeom>
+          <a:solidFill>
+            <a:schemeClr val="accent2">
+              <a:lumMod val="60000"/>
+              <a:lumOff val="40000"/>
+            </a:schemeClr>
+          </a:solidFill>
+          <a:ln>
+            <a:solidFill>
+              <a:schemeClr val="bg1"/>
+            </a:solidFill>
+          </a:ln>
+        </p:spPr>
+        <p:style>
+          <a:lnRef idx="2">
+            <a:schemeClr val="accent1">
+              <a:shade val="50000"/>
+            </a:schemeClr>
+          </a:lnRef>
+          <a:fillRef idx="1">
+            <a:schemeClr val="accent1"/>
+          </a:fillRef>
+          <a:effectRef idx="0">
+            <a:schemeClr val="accent1"/>
+          </a:effectRef>
+          <a:fontRef idx="minor">
+            <a:schemeClr val="lt1"/>
+          </a:fontRef>
+        </p:style>
+        <p:txBody>
+          <a:bodyPr rtlCol="0" anchor="ctr"/>
+          <a:lstStyle/>
+          <a:p>
+            <a:pPr algn="ctr"/>
+            <a:endParaRPr lang="en-US"/>
+          </a:p>
+        </p:txBody>
+      </p:sp>
+      <p:sp>
+        <p:nvSpPr>
+          <p:cNvPr id="28" name="TextBox 27">
+            <a:extLst>
+              <a:ext uri="{FF2B5EF4-FFF2-40B4-BE49-F238E27FC236}">
+                <a16:creationId xmlns:a16="http://schemas.microsoft.com/office/drawing/2014/main" id="{4D1D3C5D-3E94-F179-908B-D063CF7D8B43}"/>
+              </a:ext>
+            </a:extLst>
+          </p:cNvPr>
+          <p:cNvSpPr txBox="1"/>
+          <p:nvPr/>
+        </p:nvSpPr>
+        <p:spPr>
+          <a:xfrm>
+            <a:off x="5055155" y="3640757"/>
+            <a:ext cx="1854675" cy="369332"/>
+          </a:xfrm>
+          <a:prstGeom prst="rect">
+            <a:avLst/>
+          </a:prstGeom>
+          <a:noFill/>
+        </p:spPr>
+        <p:txBody>
+          <a:bodyPr wrap="none" rtlCol="0">
+            <a:spAutoFit/>
+          </a:bodyPr>
+          <a:lstStyle/>
+          <a:p>
+            <a:r>
+              <a:rPr lang="en-US" dirty="0">
+                <a:solidFill>
+                  <a:srgbClr val="FA8538"/>
+                </a:solidFill>
+              </a:rPr>
+              <a:t>03.A-models.Rmd</a:t>
+            </a:r>
+          </a:p>
+        </p:txBody>
+      </p:sp>
+      <p:sp>
+        <p:nvSpPr>
+          <p:cNvPr id="30" name="Action Button: Document 29">
+            <a:hlinkClick r:id="" action="ppaction://noaction" highlightClick="1"/>
+            <a:extLst>
+              <a:ext uri="{FF2B5EF4-FFF2-40B4-BE49-F238E27FC236}">
+                <a16:creationId xmlns:a16="http://schemas.microsoft.com/office/drawing/2014/main" id="{E45E9B2E-6355-1978-6D21-2452D806FA4E}"/>
+              </a:ext>
+            </a:extLst>
+          </p:cNvPr>
+          <p:cNvSpPr/>
+          <p:nvPr/>
+        </p:nvSpPr>
+        <p:spPr>
+          <a:xfrm>
+            <a:off x="5448702" y="4605434"/>
+            <a:ext cx="987973" cy="1090449"/>
+          </a:xfrm>
+          <a:prstGeom prst="actionButtonDocument">
+            <a:avLst/>
+          </a:prstGeom>
+          <a:solidFill>
+            <a:schemeClr val="accent2">
+              <a:lumMod val="60000"/>
+              <a:lumOff val="40000"/>
+            </a:schemeClr>
+          </a:solidFill>
+          <a:ln>
+            <a:solidFill>
+              <a:schemeClr val="bg1"/>
+            </a:solidFill>
+          </a:ln>
+        </p:spPr>
+        <p:style>
+          <a:lnRef idx="2">
+            <a:schemeClr val="accent1">
+              <a:shade val="50000"/>
+            </a:schemeClr>
+          </a:lnRef>
+          <a:fillRef idx="1">
+            <a:schemeClr val="accent1"/>
+          </a:fillRef>
+          <a:effectRef idx="0">
+            <a:schemeClr val="accent1"/>
+          </a:effectRef>
+          <a:fontRef idx="minor">
+            <a:schemeClr val="lt1"/>
+          </a:fontRef>
+        </p:style>
+        <p:txBody>
+          <a:bodyPr rtlCol="0" anchor="ctr"/>
+          <a:lstStyle/>
+          <a:p>
+            <a:pPr algn="ctr"/>
+            <a:endParaRPr lang="en-US"/>
+          </a:p>
+        </p:txBody>
+      </p:sp>
+      <p:sp>
+        <p:nvSpPr>
+          <p:cNvPr id="31" name="TextBox 30">
+            <a:extLst>
+              <a:ext uri="{FF2B5EF4-FFF2-40B4-BE49-F238E27FC236}">
+                <a16:creationId xmlns:a16="http://schemas.microsoft.com/office/drawing/2014/main" id="{B2264DCF-DB08-D60E-06B4-07347FB31C38}"/>
+              </a:ext>
+            </a:extLst>
+          </p:cNvPr>
+          <p:cNvSpPr txBox="1"/>
+          <p:nvPr/>
+        </p:nvSpPr>
+        <p:spPr>
+          <a:xfrm>
+            <a:off x="5055155" y="5775782"/>
+            <a:ext cx="1854675" cy="369332"/>
+          </a:xfrm>
+          <a:prstGeom prst="rect">
+            <a:avLst/>
+          </a:prstGeom>
+          <a:noFill/>
+        </p:spPr>
+        <p:txBody>
+          <a:bodyPr wrap="none" rtlCol="0">
+            <a:spAutoFit/>
+          </a:bodyPr>
+          <a:lstStyle/>
+          <a:p>
+            <a:r>
+              <a:rPr lang="en-US" dirty="0">
+                <a:solidFill>
+                  <a:srgbClr val="FA8538"/>
+                </a:solidFill>
+              </a:rPr>
+              <a:t>03.A-models.Rmd</a:t>
+            </a:r>
+          </a:p>
+        </p:txBody>
+      </p:sp>
+      <p:sp>
+        <p:nvSpPr>
+          <p:cNvPr id="32" name="Action Button: Document 31">
+            <a:hlinkClick r:id="" action="ppaction://noaction" highlightClick="1"/>
+            <a:extLst>
+              <a:ext uri="{FF2B5EF4-FFF2-40B4-BE49-F238E27FC236}">
+                <a16:creationId xmlns:a16="http://schemas.microsoft.com/office/drawing/2014/main" id="{E3CD96AE-DCE0-2BC4-8E02-FC448C452134}"/>
+              </a:ext>
+            </a:extLst>
+          </p:cNvPr>
+          <p:cNvSpPr/>
+          <p:nvPr/>
+        </p:nvSpPr>
+        <p:spPr>
+          <a:xfrm>
+            <a:off x="8993871" y="2727973"/>
+            <a:ext cx="987973" cy="1090449"/>
+          </a:xfrm>
+          <a:prstGeom prst="actionButtonDocument">
+            <a:avLst/>
+          </a:prstGeom>
+          <a:solidFill>
+            <a:schemeClr val="accent2">
+              <a:lumMod val="60000"/>
+              <a:lumOff val="40000"/>
+            </a:schemeClr>
+          </a:solidFill>
+          <a:ln>
+            <a:solidFill>
+              <a:schemeClr val="bg1"/>
+            </a:solidFill>
+          </a:ln>
+        </p:spPr>
+        <p:style>
+          <a:lnRef idx="2">
+            <a:schemeClr val="accent1">
+              <a:shade val="50000"/>
+            </a:schemeClr>
+          </a:lnRef>
+          <a:fillRef idx="1">
+            <a:schemeClr val="accent1"/>
+          </a:fillRef>
+          <a:effectRef idx="0">
+            <a:schemeClr val="accent1"/>
+          </a:effectRef>
+          <a:fontRef idx="minor">
+            <a:schemeClr val="lt1"/>
+          </a:fontRef>
+        </p:style>
+        <p:txBody>
+          <a:bodyPr rtlCol="0" anchor="ctr"/>
+          <a:lstStyle/>
+          <a:p>
+            <a:pPr algn="ctr"/>
+            <a:endParaRPr lang="en-US"/>
+          </a:p>
+        </p:txBody>
+      </p:sp>
+      <p:sp>
+        <p:nvSpPr>
+          <p:cNvPr id="33" name="TextBox 32">
+            <a:extLst>
+              <a:ext uri="{FF2B5EF4-FFF2-40B4-BE49-F238E27FC236}">
+                <a16:creationId xmlns:a16="http://schemas.microsoft.com/office/drawing/2014/main" id="{8217855D-F338-8371-8370-A09B328CD1EC}"/>
+              </a:ext>
+            </a:extLst>
+          </p:cNvPr>
+          <p:cNvSpPr txBox="1"/>
+          <p:nvPr/>
+        </p:nvSpPr>
+        <p:spPr>
+          <a:xfrm>
+            <a:off x="8387299" y="4010089"/>
+            <a:ext cx="2201115" cy="369332"/>
+          </a:xfrm>
+          <a:prstGeom prst="rect">
+            <a:avLst/>
+          </a:prstGeom>
+          <a:noFill/>
+        </p:spPr>
+        <p:txBody>
+          <a:bodyPr wrap="none" rtlCol="0">
+            <a:spAutoFit/>
+          </a:bodyPr>
+          <a:lstStyle/>
+          <a:p>
+            <a:r>
+              <a:rPr lang="en-US" dirty="0">
+                <a:solidFill>
+                  <a:srgbClr val="FA8538"/>
+                </a:solidFill>
+              </a:rPr>
+              <a:t>04.A-more-plots.Rmd</a:t>
+            </a:r>
+          </a:p>
+        </p:txBody>
+      </p:sp>
+      <p:sp>
+        <p:nvSpPr>
+          <p:cNvPr id="34" name="Right Arrow 33">
+            <a:extLst>
+              <a:ext uri="{FF2B5EF4-FFF2-40B4-BE49-F238E27FC236}">
+                <a16:creationId xmlns:a16="http://schemas.microsoft.com/office/drawing/2014/main" id="{E788902B-497B-C8CE-CC9A-865AADCD601E}"/>
+              </a:ext>
+            </a:extLst>
+          </p:cNvPr>
+          <p:cNvSpPr/>
+          <p:nvPr/>
+        </p:nvSpPr>
+        <p:spPr>
+          <a:xfrm rot="18750256">
+            <a:off x="6470734" y="4333740"/>
+            <a:ext cx="2293109" cy="420414"/>
+          </a:xfrm>
+          <a:prstGeom prst="rightArrow">
+            <a:avLst/>
+          </a:prstGeom>
+          <a:solidFill>
+            <a:schemeClr val="accent2"/>
+          </a:solidFill>
+          <a:ln>
+            <a:noFill/>
+          </a:ln>
+        </p:spPr>
+        <p:style>
+          <a:lnRef idx="2">
+            <a:schemeClr val="accent1">
+              <a:shade val="50000"/>
+            </a:schemeClr>
+          </a:lnRef>
+          <a:fillRef idx="1">
+            <a:schemeClr val="accent1"/>
+          </a:fillRef>
+          <a:effectRef idx="0">
+            <a:schemeClr val="accent1"/>
+          </a:effectRef>
+          <a:fontRef idx="minor">
+            <a:schemeClr val="lt1"/>
+          </a:fontRef>
+        </p:style>
+        <p:txBody>
+          <a:bodyPr rtlCol="0" anchor="ctr"/>
+          <a:lstStyle/>
+          <a:p>
+            <a:pPr algn="ctr"/>
+            <a:endParaRPr lang="en-US">
+              <a:solidFill>
+                <a:srgbClr val="FF0000"/>
+              </a:solidFill>
+              <a:highlight>
+                <a:srgbClr val="FA8538"/>
+              </a:highlight>
+            </a:endParaRPr>
+          </a:p>
+        </p:txBody>
+      </p:sp>
+      <p:sp>
+        <p:nvSpPr>
+          <p:cNvPr id="35" name="Right Arrow 34">
+            <a:extLst>
+              <a:ext uri="{FF2B5EF4-FFF2-40B4-BE49-F238E27FC236}">
+                <a16:creationId xmlns:a16="http://schemas.microsoft.com/office/drawing/2014/main" id="{F2A2D560-50E9-C2BD-E066-78B72E3693C2}"/>
+              </a:ext>
+            </a:extLst>
+          </p:cNvPr>
+          <p:cNvSpPr/>
+          <p:nvPr/>
+        </p:nvSpPr>
+        <p:spPr>
+          <a:xfrm rot="18179299">
+            <a:off x="9571114" y="2053826"/>
+            <a:ext cx="821461" cy="420414"/>
+          </a:xfrm>
+          <a:prstGeom prst="rightArrow">
+            <a:avLst/>
+          </a:prstGeom>
+          <a:solidFill>
+            <a:schemeClr val="accent2"/>
+          </a:solidFill>
+          <a:ln>
+            <a:noFill/>
+          </a:ln>
+        </p:spPr>
+        <p:style>
+          <a:lnRef idx="2">
+            <a:schemeClr val="accent1">
+              <a:shade val="50000"/>
+            </a:schemeClr>
+          </a:lnRef>
+          <a:fillRef idx="1">
+            <a:schemeClr val="accent1"/>
+          </a:fillRef>
+          <a:effectRef idx="0">
+            <a:schemeClr val="accent1"/>
+          </a:effectRef>
+          <a:fontRef idx="minor">
+            <a:schemeClr val="lt1"/>
+          </a:fontRef>
+        </p:style>
+        <p:txBody>
+          <a:bodyPr rtlCol="0" anchor="ctr"/>
+          <a:lstStyle/>
+          <a:p>
+            <a:pPr algn="ctr"/>
+            <a:endParaRPr lang="en-US">
+              <a:solidFill>
+                <a:srgbClr val="FF0000"/>
+              </a:solidFill>
+              <a:highlight>
+                <a:srgbClr val="FA8538"/>
+              </a:highlight>
+            </a:endParaRPr>
+          </a:p>
+        </p:txBody>
+      </p:sp>
+    </p:spTree>
+    <p:extLst>
+      <p:ext uri="{BB962C8B-B14F-4D97-AF65-F5344CB8AC3E}">
+        <p14:creationId xmlns:p14="http://schemas.microsoft.com/office/powerpoint/2010/main" val="2282613121"/>
+      </p:ext>
+    </p:extLst>
+  </p:cSld>
+  <p:clrMapOvr>
+    <a:masterClrMapping/>
+  </p:clrMapOvr>
+</p:sld>
+</file>
+
+<file path=ppt/slides/slide7.xml><?xml version="1.0" encoding="utf-8"?>
+<p:sld xmlns:a="http://schemas.openxmlformats.org/drawingml/2006/main" xmlns:r="http://schemas.openxmlformats.org/officeDocument/2006/relationships" xmlns:p="http://schemas.openxmlformats.org/presentationml/2006/main">
+  <p:cSld>
+    <p:spTree>
+      <p:nvGrpSpPr>
+        <p:cNvPr id="1" name=""/>
+        <p:cNvGrpSpPr/>
+        <p:nvPr/>
+      </p:nvGrpSpPr>
+      <p:grpSpPr>
+        <a:xfrm>
+          <a:off x="0" y="0"/>
+          <a:ext cx="0" cy="0"/>
+          <a:chOff x="0" y="0"/>
+          <a:chExt cx="0" cy="0"/>
+        </a:xfrm>
+      </p:grpSpPr>
+      <p:pic>
+        <p:nvPicPr>
+          <p:cNvPr id="5" name="Picture 4" descr="A picture containing graphical user interface&#10;&#10;Description automatically generated">
+            <a:extLst>
+              <a:ext uri="{FF2B5EF4-FFF2-40B4-BE49-F238E27FC236}">
+                <a16:creationId xmlns:a16="http://schemas.microsoft.com/office/drawing/2014/main" id="{83DF87D3-DD7B-0D4C-BA55-CF761DFAABCC}"/>
+              </a:ext>
+            </a:extLst>
+          </p:cNvPr>
+          <p:cNvPicPr>
+            <a:picLocks noChangeAspect="1"/>
+          </p:cNvPicPr>
+          <p:nvPr/>
+        </p:nvPicPr>
+        <p:blipFill>
+          <a:blip r:embed="rId2"/>
+          <a:stretch>
+            <a:fillRect/>
+          </a:stretch>
+        </p:blipFill>
+        <p:spPr>
+          <a:xfrm>
+            <a:off x="2822576" y="195943"/>
+            <a:ext cx="3166834" cy="3657600"/>
+          </a:xfrm>
+          <a:prstGeom prst="rect">
+            <a:avLst/>
+          </a:prstGeom>
+        </p:spPr>
+      </p:pic>
+      <p:pic>
+        <p:nvPicPr>
+          <p:cNvPr id="7" name="Picture 6" descr="Logo, company name&#10;&#10;Description automatically generated">
+            <a:extLst>
+              <a:ext uri="{FF2B5EF4-FFF2-40B4-BE49-F238E27FC236}">
+                <a16:creationId xmlns:a16="http://schemas.microsoft.com/office/drawing/2014/main" id="{709926C2-8DD6-CC41-9947-04047877DAB7}"/>
+              </a:ext>
+            </a:extLst>
+          </p:cNvPr>
+          <p:cNvPicPr>
+            <a:picLocks noChangeAspect="1"/>
+          </p:cNvPicPr>
+          <p:nvPr/>
+        </p:nvPicPr>
+        <p:blipFill>
+          <a:blip r:embed="rId3"/>
+          <a:stretch>
+            <a:fillRect/>
+          </a:stretch>
+        </p:blipFill>
+        <p:spPr>
+          <a:xfrm>
+            <a:off x="6199154" y="195943"/>
+            <a:ext cx="3170270" cy="3657600"/>
+          </a:xfrm>
+          <a:prstGeom prst="rect">
+            <a:avLst/>
+          </a:prstGeom>
+        </p:spPr>
+      </p:pic>
+      <p:pic>
+        <p:nvPicPr>
+          <p:cNvPr id="9" name="Picture 8" descr="Icon&#10;&#10;Description automatically generated">
+            <a:extLst>
+              <a:ext uri="{FF2B5EF4-FFF2-40B4-BE49-F238E27FC236}">
+                <a16:creationId xmlns:a16="http://schemas.microsoft.com/office/drawing/2014/main" id="{F72BDFA0-4F8E-8E40-858B-34F8EEC203A9}"/>
+              </a:ext>
+            </a:extLst>
+          </p:cNvPr>
+          <p:cNvPicPr>
+            <a:picLocks noChangeAspect="1"/>
+          </p:cNvPicPr>
+          <p:nvPr/>
+        </p:nvPicPr>
+        <p:blipFill>
+          <a:blip r:embed="rId4"/>
+          <a:stretch>
+            <a:fillRect/>
+          </a:stretch>
+        </p:blipFill>
+        <p:spPr>
+          <a:xfrm>
+            <a:off x="4512583" y="3106965"/>
+            <a:ext cx="3166834" cy="3657600"/>
+          </a:xfrm>
+          <a:prstGeom prst="rect">
+            <a:avLst/>
+          </a:prstGeom>
+        </p:spPr>
+      </p:pic>
+    </p:spTree>
+    <p:extLst>
+      <p:ext uri="{BB962C8B-B14F-4D97-AF65-F5344CB8AC3E}">
+        <p14:creationId xmlns:p14="http://schemas.microsoft.com/office/powerpoint/2010/main" val="956655739"/>
+      </p:ext>
+    </p:extLst>
+  </p:cSld>
+  <p:clrMapOvr>
+    <a:masterClrMapping/>
+  </p:clrMapOvr>
+</p:sld>
+</file>
+
 <file path=ppt/theme/theme1.xml><?xml version="1.0" encoding="utf-8"?>
 <a:theme xmlns:a="http://schemas.openxmlformats.org/drawingml/2006/main" name="Office Theme">
   <a:themeElements>

--- a/images/images.pptx
+++ b/images/images.pptx
@@ -5836,6 +5836,41 @@
           <a:noFill/>
         </p:spPr>
         <p:txBody>
+          <a:bodyPr wrap="square" rtlCol="0">
+            <a:spAutoFit/>
+          </a:bodyPr>
+          <a:lstStyle/>
+          <a:p>
+            <a:r>
+              <a:rPr lang="en-US" dirty="0"/>
+              <a:t>01-import.Rmd</a:t>
+            </a:r>
+          </a:p>
+        </p:txBody>
+      </p:sp>
+      <p:sp>
+        <p:nvSpPr>
+          <p:cNvPr id="15" name="TextBox 14">
+            <a:extLst>
+              <a:ext uri="{FF2B5EF4-FFF2-40B4-BE49-F238E27FC236}">
+                <a16:creationId xmlns:a16="http://schemas.microsoft.com/office/drawing/2014/main" id="{A2E9674F-3B03-DE46-97CA-9B7427C7A466}"/>
+              </a:ext>
+            </a:extLst>
+          </p:cNvPr>
+          <p:cNvSpPr txBox="1"/>
+          <p:nvPr/>
+        </p:nvSpPr>
+        <p:spPr>
+          <a:xfrm>
+            <a:off x="5055155" y="1516889"/>
+            <a:ext cx="1664238" cy="369332"/>
+          </a:xfrm>
+          <a:prstGeom prst="rect">
+            <a:avLst/>
+          </a:prstGeom>
+          <a:noFill/>
+        </p:spPr>
+        <p:txBody>
           <a:bodyPr wrap="none" rtlCol="0">
             <a:spAutoFit/>
           </a:bodyPr>
@@ -5843,17 +5878,17 @@
           <a:p>
             <a:r>
               <a:rPr lang="en-US" dirty="0"/>
-              <a:t>01-import.Rmd</a:t>
-            </a:r>
-          </a:p>
-        </p:txBody>
-      </p:sp>
-      <p:sp>
-        <p:nvSpPr>
-          <p:cNvPr id="15" name="TextBox 14">
-            <a:extLst>
-              <a:ext uri="{FF2B5EF4-FFF2-40B4-BE49-F238E27FC236}">
-                <a16:creationId xmlns:a16="http://schemas.microsoft.com/office/drawing/2014/main" id="{A2E9674F-3B03-DE46-97CA-9B7427C7A466}"/>
+              <a:t>03-models.Rmd</a:t>
+            </a:r>
+          </a:p>
+        </p:txBody>
+      </p:sp>
+      <p:sp>
+        <p:nvSpPr>
+          <p:cNvPr id="18" name="TextBox 17">
+            <a:extLst>
+              <a:ext uri="{FF2B5EF4-FFF2-40B4-BE49-F238E27FC236}">
+                <a16:creationId xmlns:a16="http://schemas.microsoft.com/office/drawing/2014/main" id="{15BA7C0C-5DE3-324D-987E-CCBD86F2171A}"/>
               </a:ext>
             </a:extLst>
           </p:cNvPr>
@@ -5862,8 +5897,8 @@
         </p:nvSpPr>
         <p:spPr>
           <a:xfrm>
-            <a:off x="5055155" y="1516889"/>
-            <a:ext cx="1664238" cy="369332"/>
+            <a:off x="7387677" y="1516889"/>
+            <a:ext cx="1762790" cy="369332"/>
           </a:xfrm>
           <a:prstGeom prst="rect">
             <a:avLst/>
@@ -5878,17 +5913,17 @@
           <a:p>
             <a:r>
               <a:rPr lang="en-US" dirty="0"/>
-              <a:t>03-models.Rmd</a:t>
-            </a:r>
-          </a:p>
-        </p:txBody>
-      </p:sp>
-      <p:sp>
-        <p:nvSpPr>
-          <p:cNvPr id="18" name="TextBox 17">
-            <a:extLst>
-              <a:ext uri="{FF2B5EF4-FFF2-40B4-BE49-F238E27FC236}">
-                <a16:creationId xmlns:a16="http://schemas.microsoft.com/office/drawing/2014/main" id="{15BA7C0C-5DE3-324D-987E-CCBD86F2171A}"/>
+              <a:t>04-visualize.Rmd</a:t>
+            </a:r>
+          </a:p>
+        </p:txBody>
+      </p:sp>
+      <p:sp>
+        <p:nvSpPr>
+          <p:cNvPr id="19" name="TextBox 18">
+            <a:extLst>
+              <a:ext uri="{FF2B5EF4-FFF2-40B4-BE49-F238E27FC236}">
+                <a16:creationId xmlns:a16="http://schemas.microsoft.com/office/drawing/2014/main" id="{0D3529FA-493C-D340-917E-D2BE38F4E151}"/>
               </a:ext>
             </a:extLst>
           </p:cNvPr>
@@ -5897,8 +5932,8 @@
         </p:nvSpPr>
         <p:spPr>
           <a:xfrm>
-            <a:off x="7387677" y="1516889"/>
-            <a:ext cx="1762790" cy="369332"/>
+            <a:off x="9487858" y="1548421"/>
+            <a:ext cx="2255297" cy="369332"/>
           </a:xfrm>
           <a:prstGeom prst="rect">
             <a:avLst/>
@@ -5913,41 +5948,6 @@
           <a:p>
             <a:r>
               <a:rPr lang="en-US" dirty="0"/>
-              <a:t>04-visualize.Rmd</a:t>
-            </a:r>
-          </a:p>
-        </p:txBody>
-      </p:sp>
-      <p:sp>
-        <p:nvSpPr>
-          <p:cNvPr id="19" name="TextBox 18">
-            <a:extLst>
-              <a:ext uri="{FF2B5EF4-FFF2-40B4-BE49-F238E27FC236}">
-                <a16:creationId xmlns:a16="http://schemas.microsoft.com/office/drawing/2014/main" id="{0D3529FA-493C-D340-917E-D2BE38F4E151}"/>
-              </a:ext>
-            </a:extLst>
-          </p:cNvPr>
-          <p:cNvSpPr txBox="1"/>
-          <p:nvPr/>
-        </p:nvSpPr>
-        <p:spPr>
-          <a:xfrm>
-            <a:off x="9487858" y="1548421"/>
-            <a:ext cx="2255297" cy="369332"/>
-          </a:xfrm>
-          <a:prstGeom prst="rect">
-            <a:avLst/>
-          </a:prstGeom>
-          <a:noFill/>
-        </p:spPr>
-        <p:txBody>
-          <a:bodyPr wrap="none" rtlCol="0">
-            <a:spAutoFit/>
-          </a:bodyPr>
-          <a:lstStyle/>
-          <a:p>
-            <a:r>
-              <a:rPr lang="en-US" dirty="0"/>
               <a:t>05-communicate.Rmd</a:t>
             </a:r>
           </a:p>
@@ -5966,15 +5966,15 @@
           <p:nvPr/>
         </p:nvSpPr>
         <p:spPr>
-          <a:xfrm rot="3830865">
-            <a:off x="2821106" y="3218792"/>
-            <a:ext cx="2990629" cy="420414"/>
+          <a:xfrm rot="4836832">
+            <a:off x="3292994" y="2318043"/>
+            <a:ext cx="1047861" cy="420414"/>
           </a:xfrm>
           <a:prstGeom prst="rightArrow">
             <a:avLst/>
           </a:prstGeom>
           <a:solidFill>
-            <a:schemeClr val="accent2"/>
+            <a:schemeClr val="accent3"/>
           </a:solidFill>
           <a:ln>
             <a:noFill/>
@@ -6026,14 +6026,14 @@
         </p:nvSpPr>
         <p:spPr>
           <a:xfrm rot="17248110">
-            <a:off x="5557691" y="3346443"/>
-            <a:ext cx="3209847" cy="420414"/>
+            <a:off x="7563052" y="2216584"/>
+            <a:ext cx="892466" cy="420414"/>
           </a:xfrm>
           <a:prstGeom prst="rightArrow">
             <a:avLst/>
           </a:prstGeom>
           <a:solidFill>
-            <a:schemeClr val="accent2"/>
+            <a:schemeClr val="accent3"/>
           </a:solidFill>
           <a:ln>
             <a:noFill/>
@@ -6073,10 +6073,10 @@
       </p:sp>
       <p:sp>
         <p:nvSpPr>
-          <p:cNvPr id="22" name="Right Arrow 21">
-            <a:extLst>
-              <a:ext uri="{FF2B5EF4-FFF2-40B4-BE49-F238E27FC236}">
-                <a16:creationId xmlns:a16="http://schemas.microsoft.com/office/drawing/2014/main" id="{723194B3-7105-934A-92C9-C5B8AAECF8DD}"/>
+          <p:cNvPr id="23" name="Right Arrow 22">
+            <a:extLst>
+              <a:ext uri="{FF2B5EF4-FFF2-40B4-BE49-F238E27FC236}">
+                <a16:creationId xmlns:a16="http://schemas.microsoft.com/office/drawing/2014/main" id="{A1773BE5-6031-A44B-B46F-DCA2CE78B843}"/>
               </a:ext>
             </a:extLst>
           </p:cNvPr>
@@ -6084,8 +6084,8 @@
           <p:nvPr/>
         </p:nvSpPr>
         <p:spPr>
-          <a:xfrm>
-            <a:off x="9165511" y="709640"/>
+          <a:xfrm rot="3726193">
+            <a:off x="1521611" y="2027148"/>
             <a:ext cx="644694" cy="420414"/>
           </a:xfrm>
           <a:prstGeom prst="rightArrow">
@@ -6127,10 +6127,11 @@
       </p:sp>
       <p:sp>
         <p:nvSpPr>
-          <p:cNvPr id="23" name="Right Arrow 22">
-            <a:extLst>
-              <a:ext uri="{FF2B5EF4-FFF2-40B4-BE49-F238E27FC236}">
-                <a16:creationId xmlns:a16="http://schemas.microsoft.com/office/drawing/2014/main" id="{A1773BE5-6031-A44B-B46F-DCA2CE78B843}"/>
+          <p:cNvPr id="63" name="Action Button: Document 62">
+            <a:hlinkClick r:id="" action="ppaction://noaction" highlightClick="1"/>
+            <a:extLst>
+              <a:ext uri="{FF2B5EF4-FFF2-40B4-BE49-F238E27FC236}">
+                <a16:creationId xmlns:a16="http://schemas.microsoft.com/office/drawing/2014/main" id="{AD49C542-D153-024F-AEB1-F7B58C99CD2E}"/>
               </a:ext>
             </a:extLst>
           </p:cNvPr>
@@ -6139,19 +6140,22 @@
         </p:nvSpPr>
         <p:spPr>
           <a:xfrm>
-            <a:off x="2120768" y="721619"/>
-            <a:ext cx="644694" cy="420414"/>
-          </a:xfrm>
-          <a:prstGeom prst="rightArrow">
+            <a:off x="3073052" y="294213"/>
+            <a:ext cx="987973" cy="1090449"/>
+          </a:xfrm>
+          <a:prstGeom prst="actionButtonDocument">
             <a:avLst/>
           </a:prstGeom>
           <a:solidFill>
-            <a:schemeClr val="bg2">
-              <a:lumMod val="75000"/>
+            <a:schemeClr val="accent2">
+              <a:lumMod val="60000"/>
+              <a:lumOff val="40000"/>
             </a:schemeClr>
           </a:solidFill>
           <a:ln>
-            <a:noFill/>
+            <a:solidFill>
+              <a:schemeClr val="bg1"/>
+            </a:solidFill>
           </a:ln>
         </p:spPr>
         <p:style>
@@ -6181,11 +6185,11 @@
       </p:sp>
       <p:sp>
         <p:nvSpPr>
-          <p:cNvPr id="63" name="Action Button: Document 62">
+          <p:cNvPr id="64" name="Action Button: Document 63">
             <a:hlinkClick r:id="" action="ppaction://noaction" highlightClick="1"/>
             <a:extLst>
               <a:ext uri="{FF2B5EF4-FFF2-40B4-BE49-F238E27FC236}">
-                <a16:creationId xmlns:a16="http://schemas.microsoft.com/office/drawing/2014/main" id="{AD49C542-D153-024F-AEB1-F7B58C99CD2E}"/>
+                <a16:creationId xmlns:a16="http://schemas.microsoft.com/office/drawing/2014/main" id="{4D555BF3-0372-E242-9F6A-0F07B4700627}"/>
               </a:ext>
             </a:extLst>
           </p:cNvPr>
@@ -6194,7 +6198,7 @@
         </p:nvSpPr>
         <p:spPr>
           <a:xfrm>
-            <a:off x="3073052" y="294213"/>
+            <a:off x="794662" y="309840"/>
             <a:ext cx="987973" cy="1090449"/>
           </a:xfrm>
           <a:prstGeom prst="actionButtonDocument">
@@ -6239,11 +6243,49 @@
       </p:sp>
       <p:sp>
         <p:nvSpPr>
-          <p:cNvPr id="64" name="Action Button: Document 63">
+          <p:cNvPr id="65" name="TextBox 64">
+            <a:extLst>
+              <a:ext uri="{FF2B5EF4-FFF2-40B4-BE49-F238E27FC236}">
+                <a16:creationId xmlns:a16="http://schemas.microsoft.com/office/drawing/2014/main" id="{9A53DF5E-981D-DF4B-831D-7261B340A292}"/>
+              </a:ext>
+            </a:extLst>
+          </p:cNvPr>
+          <p:cNvSpPr txBox="1"/>
+          <p:nvPr/>
+        </p:nvSpPr>
+        <p:spPr>
+          <a:xfrm>
+            <a:off x="9279976" y="5536818"/>
+            <a:ext cx="1683089" cy="276999"/>
+          </a:xfrm>
+          <a:prstGeom prst="rect">
+            <a:avLst/>
+          </a:prstGeom>
+          <a:noFill/>
+        </p:spPr>
+        <p:txBody>
+          <a:bodyPr wrap="none" rtlCol="0">
+            <a:spAutoFit/>
+          </a:bodyPr>
+          <a:lstStyle/>
+          <a:p>
+            <a:r>
+              <a:rPr lang="en-US" sz="1200" dirty="0">
+                <a:hlinkClick r:id="rId2"/>
+              </a:rPr>
+              <a:t>https://openclipart.org/</a:t>
+            </a:r>
+            <a:endParaRPr lang="en-US" sz="1200" dirty="0"/>
+          </a:p>
+        </p:txBody>
+      </p:sp>
+      <p:sp>
+        <p:nvSpPr>
+          <p:cNvPr id="27" name="Action Button: Document 26">
             <a:hlinkClick r:id="" action="ppaction://noaction" highlightClick="1"/>
             <a:extLst>
               <a:ext uri="{FF2B5EF4-FFF2-40B4-BE49-F238E27FC236}">
-                <a16:creationId xmlns:a16="http://schemas.microsoft.com/office/drawing/2014/main" id="{4D555BF3-0372-E242-9F6A-0F07B4700627}"/>
+                <a16:creationId xmlns:a16="http://schemas.microsoft.com/office/drawing/2014/main" id="{D0573F44-0D64-5F85-1FAC-E0EB41DB8892}"/>
               </a:ext>
             </a:extLst>
           </p:cNvPr>
@@ -6252,7 +6294,7 @@
         </p:nvSpPr>
         <p:spPr>
           <a:xfrm>
-            <a:off x="794662" y="309840"/>
+            <a:off x="5448702" y="2470409"/>
             <a:ext cx="987973" cy="1090449"/>
           </a:xfrm>
           <a:prstGeom prst="actionButtonDocument">
@@ -6297,10 +6339,10 @@
       </p:sp>
       <p:sp>
         <p:nvSpPr>
-          <p:cNvPr id="65" name="TextBox 64">
-            <a:extLst>
-              <a:ext uri="{FF2B5EF4-FFF2-40B4-BE49-F238E27FC236}">
-                <a16:creationId xmlns:a16="http://schemas.microsoft.com/office/drawing/2014/main" id="{9A53DF5E-981D-DF4B-831D-7261B340A292}"/>
+          <p:cNvPr id="28" name="TextBox 27">
+            <a:extLst>
+              <a:ext uri="{FF2B5EF4-FFF2-40B4-BE49-F238E27FC236}">
+                <a16:creationId xmlns:a16="http://schemas.microsoft.com/office/drawing/2014/main" id="{4D1D3C5D-3E94-F179-908B-D063CF7D8B43}"/>
               </a:ext>
             </a:extLst>
           </p:cNvPr>
@@ -6309,8 +6351,8 @@
         </p:nvSpPr>
         <p:spPr>
           <a:xfrm>
-            <a:off x="9279976" y="5536818"/>
-            <a:ext cx="1683089" cy="276999"/>
+            <a:off x="5055155" y="3640757"/>
+            <a:ext cx="1854675" cy="369332"/>
           </a:xfrm>
           <a:prstGeom prst="rect">
             <a:avLst/>
@@ -6324,22 +6366,23 @@
           <a:lstStyle/>
           <a:p>
             <a:r>
-              <a:rPr lang="en-US" sz="1200" dirty="0">
-                <a:hlinkClick r:id="rId2"/>
+              <a:rPr lang="en-US" dirty="0">
+                <a:solidFill>
+                  <a:srgbClr val="FA8538"/>
+                </a:solidFill>
               </a:rPr>
-              <a:t>https://openclipart.org/</a:t>
-            </a:r>
-            <a:endParaRPr lang="en-US" sz="1200" dirty="0"/>
-          </a:p>
-        </p:txBody>
-      </p:sp>
-      <p:sp>
-        <p:nvSpPr>
-          <p:cNvPr id="27" name="Action Button: Document 26">
+              <a:t>03.A-models.Rmd</a:t>
+            </a:r>
+          </a:p>
+        </p:txBody>
+      </p:sp>
+      <p:sp>
+        <p:nvSpPr>
+          <p:cNvPr id="30" name="Action Button: Document 29">
             <a:hlinkClick r:id="" action="ppaction://noaction" highlightClick="1"/>
             <a:extLst>
               <a:ext uri="{FF2B5EF4-FFF2-40B4-BE49-F238E27FC236}">
-                <a16:creationId xmlns:a16="http://schemas.microsoft.com/office/drawing/2014/main" id="{D0573F44-0D64-5F85-1FAC-E0EB41DB8892}"/>
+                <a16:creationId xmlns:a16="http://schemas.microsoft.com/office/drawing/2014/main" id="{E45E9B2E-6355-1978-6D21-2452D806FA4E}"/>
               </a:ext>
             </a:extLst>
           </p:cNvPr>
@@ -6348,7 +6391,7 @@
         </p:nvSpPr>
         <p:spPr>
           <a:xfrm>
-            <a:off x="5448702" y="2470409"/>
+            <a:off x="5448702" y="4605434"/>
             <a:ext cx="987973" cy="1090449"/>
           </a:xfrm>
           <a:prstGeom prst="actionButtonDocument">
@@ -6393,10 +6436,10 @@
       </p:sp>
       <p:sp>
         <p:nvSpPr>
-          <p:cNvPr id="28" name="TextBox 27">
-            <a:extLst>
-              <a:ext uri="{FF2B5EF4-FFF2-40B4-BE49-F238E27FC236}">
-                <a16:creationId xmlns:a16="http://schemas.microsoft.com/office/drawing/2014/main" id="{4D1D3C5D-3E94-F179-908B-D063CF7D8B43}"/>
+          <p:cNvPr id="31" name="TextBox 30">
+            <a:extLst>
+              <a:ext uri="{FF2B5EF4-FFF2-40B4-BE49-F238E27FC236}">
+                <a16:creationId xmlns:a16="http://schemas.microsoft.com/office/drawing/2014/main" id="{B2264DCF-DB08-D60E-06B4-07347FB31C38}"/>
               </a:ext>
             </a:extLst>
           </p:cNvPr>
@@ -6405,7 +6448,7 @@
         </p:nvSpPr>
         <p:spPr>
           <a:xfrm>
-            <a:off x="5055155" y="3640757"/>
+            <a:off x="5055155" y="5775782"/>
             <a:ext cx="1854675" cy="369332"/>
           </a:xfrm>
           <a:prstGeom prst="rect">
@@ -6432,11 +6475,10 @@
       </p:sp>
       <p:sp>
         <p:nvSpPr>
-          <p:cNvPr id="30" name="Action Button: Document 29">
-            <a:hlinkClick r:id="" action="ppaction://noaction" highlightClick="1"/>
-            <a:extLst>
-              <a:ext uri="{FF2B5EF4-FFF2-40B4-BE49-F238E27FC236}">
-                <a16:creationId xmlns:a16="http://schemas.microsoft.com/office/drawing/2014/main" id="{E45E9B2E-6355-1978-6D21-2452D806FA4E}"/>
+          <p:cNvPr id="34" name="Right Arrow 33">
+            <a:extLst>
+              <a:ext uri="{FF2B5EF4-FFF2-40B4-BE49-F238E27FC236}">
+                <a16:creationId xmlns:a16="http://schemas.microsoft.com/office/drawing/2014/main" id="{E788902B-497B-C8CE-CC9A-865AADCD601E}"/>
               </a:ext>
             </a:extLst>
           </p:cNvPr>
@@ -6444,23 +6486,18 @@
           <p:nvPr/>
         </p:nvSpPr>
         <p:spPr>
-          <a:xfrm>
-            <a:off x="5448702" y="4605434"/>
-            <a:ext cx="987973" cy="1090449"/>
-          </a:xfrm>
-          <a:prstGeom prst="actionButtonDocument">
+          <a:xfrm rot="17777608">
+            <a:off x="6406111" y="4483121"/>
+            <a:ext cx="1415761" cy="420414"/>
+          </a:xfrm>
+          <a:prstGeom prst="rightArrow">
             <a:avLst/>
           </a:prstGeom>
           <a:solidFill>
-            <a:schemeClr val="accent2">
-              <a:lumMod val="60000"/>
-              <a:lumOff val="40000"/>
-            </a:schemeClr>
+            <a:schemeClr val="accent3"/>
           </a:solidFill>
           <a:ln>
-            <a:solidFill>
-              <a:schemeClr val="bg1"/>
-            </a:solidFill>
+            <a:noFill/>
           </a:ln>
         </p:spPr>
         <p:style>
@@ -6484,56 +6521,23 @@
           <a:lstStyle/>
           <a:p>
             <a:pPr algn="ctr"/>
-            <a:endParaRPr lang="en-US"/>
-          </a:p>
-        </p:txBody>
-      </p:sp>
-      <p:sp>
-        <p:nvSpPr>
-          <p:cNvPr id="31" name="TextBox 30">
-            <a:extLst>
-              <a:ext uri="{FF2B5EF4-FFF2-40B4-BE49-F238E27FC236}">
-                <a16:creationId xmlns:a16="http://schemas.microsoft.com/office/drawing/2014/main" id="{B2264DCF-DB08-D60E-06B4-07347FB31C38}"/>
-              </a:ext>
-            </a:extLst>
-          </p:cNvPr>
-          <p:cNvSpPr txBox="1"/>
-          <p:nvPr/>
-        </p:nvSpPr>
-        <p:spPr>
-          <a:xfrm>
-            <a:off x="5055155" y="5775782"/>
-            <a:ext cx="1854675" cy="369332"/>
-          </a:xfrm>
-          <a:prstGeom prst="rect">
-            <a:avLst/>
-          </a:prstGeom>
-          <a:noFill/>
-        </p:spPr>
-        <p:txBody>
-          <a:bodyPr wrap="none" rtlCol="0">
-            <a:spAutoFit/>
-          </a:bodyPr>
-          <a:lstStyle/>
-          <a:p>
-            <a:r>
-              <a:rPr lang="en-US" dirty="0">
-                <a:solidFill>
-                  <a:srgbClr val="FA8538"/>
-                </a:solidFill>
-              </a:rPr>
-              <a:t>03.A-models.Rmd</a:t>
-            </a:r>
-          </a:p>
-        </p:txBody>
-      </p:sp>
-      <p:sp>
-        <p:nvSpPr>
-          <p:cNvPr id="32" name="Action Button: Document 31">
-            <a:hlinkClick r:id="" action="ppaction://noaction" highlightClick="1"/>
-            <a:extLst>
-              <a:ext uri="{FF2B5EF4-FFF2-40B4-BE49-F238E27FC236}">
-                <a16:creationId xmlns:a16="http://schemas.microsoft.com/office/drawing/2014/main" id="{E3CD96AE-DCE0-2BC4-8E02-FC448C452134}"/>
+            <a:endParaRPr lang="en-US">
+              <a:solidFill>
+                <a:srgbClr val="FF0000"/>
+              </a:solidFill>
+              <a:highlight>
+                <a:srgbClr val="FA8538"/>
+              </a:highlight>
+            </a:endParaRPr>
+          </a:p>
+        </p:txBody>
+      </p:sp>
+      <p:sp>
+        <p:nvSpPr>
+          <p:cNvPr id="35" name="Right Arrow 34">
+            <a:extLst>
+              <a:ext uri="{FF2B5EF4-FFF2-40B4-BE49-F238E27FC236}">
+                <a16:creationId xmlns:a16="http://schemas.microsoft.com/office/drawing/2014/main" id="{F2A2D560-50E9-C2BD-E066-78B72E3693C2}"/>
               </a:ext>
             </a:extLst>
           </p:cNvPr>
@@ -6541,23 +6545,18 @@
           <p:nvPr/>
         </p:nvSpPr>
         <p:spPr>
-          <a:xfrm>
-            <a:off x="8993871" y="2727973"/>
-            <a:ext cx="987973" cy="1090449"/>
-          </a:xfrm>
-          <a:prstGeom prst="actionButtonDocument">
+          <a:xfrm rot="18179299">
+            <a:off x="9990948" y="1997968"/>
+            <a:ext cx="821461" cy="420414"/>
+          </a:xfrm>
+          <a:prstGeom prst="rightArrow">
             <a:avLst/>
           </a:prstGeom>
           <a:solidFill>
-            <a:schemeClr val="accent2">
-              <a:lumMod val="60000"/>
-              <a:lumOff val="40000"/>
-            </a:schemeClr>
+            <a:schemeClr val="accent3"/>
           </a:solidFill>
           <a:ln>
-            <a:solidFill>
-              <a:schemeClr val="bg1"/>
-            </a:solidFill>
+            <a:noFill/>
           </a:ln>
         </p:spPr>
         <p:style>
@@ -6581,55 +6580,23 @@
           <a:lstStyle/>
           <a:p>
             <a:pPr algn="ctr"/>
-            <a:endParaRPr lang="en-US"/>
-          </a:p>
-        </p:txBody>
-      </p:sp>
-      <p:sp>
-        <p:nvSpPr>
-          <p:cNvPr id="33" name="TextBox 32">
-            <a:extLst>
-              <a:ext uri="{FF2B5EF4-FFF2-40B4-BE49-F238E27FC236}">
-                <a16:creationId xmlns:a16="http://schemas.microsoft.com/office/drawing/2014/main" id="{8217855D-F338-8371-8370-A09B328CD1EC}"/>
-              </a:ext>
-            </a:extLst>
-          </p:cNvPr>
-          <p:cNvSpPr txBox="1"/>
-          <p:nvPr/>
-        </p:nvSpPr>
-        <p:spPr>
-          <a:xfrm>
-            <a:off x="8387299" y="4010089"/>
-            <a:ext cx="2201115" cy="369332"/>
-          </a:xfrm>
-          <a:prstGeom prst="rect">
-            <a:avLst/>
-          </a:prstGeom>
-          <a:noFill/>
-        </p:spPr>
-        <p:txBody>
-          <a:bodyPr wrap="none" rtlCol="0">
-            <a:spAutoFit/>
-          </a:bodyPr>
-          <a:lstStyle/>
-          <a:p>
-            <a:r>
-              <a:rPr lang="en-US" dirty="0">
-                <a:solidFill>
-                  <a:srgbClr val="FA8538"/>
-                </a:solidFill>
-              </a:rPr>
-              <a:t>04.A-more-plots.Rmd</a:t>
-            </a:r>
-          </a:p>
-        </p:txBody>
-      </p:sp>
-      <p:sp>
-        <p:nvSpPr>
-          <p:cNvPr id="34" name="Right Arrow 33">
-            <a:extLst>
-              <a:ext uri="{FF2B5EF4-FFF2-40B4-BE49-F238E27FC236}">
-                <a16:creationId xmlns:a16="http://schemas.microsoft.com/office/drawing/2014/main" id="{E788902B-497B-C8CE-CC9A-865AADCD601E}"/>
+            <a:endParaRPr lang="en-US">
+              <a:solidFill>
+                <a:srgbClr val="FF0000"/>
+              </a:solidFill>
+              <a:highlight>
+                <a:srgbClr val="FA8538"/>
+              </a:highlight>
+            </a:endParaRPr>
+          </a:p>
+        </p:txBody>
+      </p:sp>
+      <p:sp>
+        <p:nvSpPr>
+          <p:cNvPr id="25" name="Magnetic Disk 24">
+            <a:extLst>
+              <a:ext uri="{FF2B5EF4-FFF2-40B4-BE49-F238E27FC236}">
+                <a16:creationId xmlns:a16="http://schemas.microsoft.com/office/drawing/2014/main" id="{47A50997-CE2F-F50D-FD54-03379BFC27E4}"/>
               </a:ext>
             </a:extLst>
           </p:cNvPr>
@@ -6637,19 +6604,16 @@
           <p:nvPr/>
         </p:nvSpPr>
         <p:spPr>
-          <a:xfrm rot="18750256">
-            <a:off x="6470734" y="4333740"/>
-            <a:ext cx="2293109" cy="420414"/>
-          </a:xfrm>
-          <a:prstGeom prst="rightArrow">
+          <a:xfrm>
+            <a:off x="2059380" y="2516295"/>
+            <a:ext cx="556529" cy="603318"/>
+          </a:xfrm>
+          <a:prstGeom prst="flowChartMagneticDisk">
             <a:avLst/>
           </a:prstGeom>
           <a:solidFill>
-            <a:schemeClr val="accent2"/>
+            <a:schemeClr val="accent5"/>
           </a:solidFill>
-          <a:ln>
-            <a:noFill/>
-          </a:ln>
         </p:spPr>
         <p:style>
           <a:lnRef idx="2">
@@ -6672,23 +6636,20 @@
           <a:lstStyle/>
           <a:p>
             <a:pPr algn="ctr"/>
-            <a:endParaRPr lang="en-US">
+            <a:endParaRPr lang="en-US" dirty="0">
               <a:solidFill>
-                <a:srgbClr val="FF0000"/>
+                <a:schemeClr val="accent1"/>
               </a:solidFill>
-              <a:highlight>
-                <a:srgbClr val="FA8538"/>
-              </a:highlight>
             </a:endParaRPr>
           </a:p>
         </p:txBody>
       </p:sp>
       <p:sp>
         <p:nvSpPr>
-          <p:cNvPr id="35" name="Right Arrow 34">
-            <a:extLst>
-              <a:ext uri="{FF2B5EF4-FFF2-40B4-BE49-F238E27FC236}">
-                <a16:creationId xmlns:a16="http://schemas.microsoft.com/office/drawing/2014/main" id="{F2A2D560-50E9-C2BD-E066-78B72E3693C2}"/>
+          <p:cNvPr id="26" name="Right Arrow 25">
+            <a:extLst>
+              <a:ext uri="{FF2B5EF4-FFF2-40B4-BE49-F238E27FC236}">
+                <a16:creationId xmlns:a16="http://schemas.microsoft.com/office/drawing/2014/main" id="{DE6370A8-E1F7-FD18-2335-52A70D686086}"/>
               </a:ext>
             </a:extLst>
           </p:cNvPr>
@@ -6696,15 +6657,17 @@
           <p:nvPr/>
         </p:nvSpPr>
         <p:spPr>
-          <a:xfrm rot="18179299">
-            <a:off x="9571114" y="2053826"/>
-            <a:ext cx="821461" cy="420414"/>
+          <a:xfrm rot="18034670">
+            <a:off x="2561595" y="2004873"/>
+            <a:ext cx="644694" cy="420414"/>
           </a:xfrm>
           <a:prstGeom prst="rightArrow">
             <a:avLst/>
           </a:prstGeom>
           <a:solidFill>
-            <a:schemeClr val="accent2"/>
+            <a:schemeClr val="bg2">
+              <a:lumMod val="75000"/>
+            </a:schemeClr>
           </a:solidFill>
           <a:ln>
             <a:noFill/>
@@ -6731,6 +6694,181 @@
           <a:lstStyle/>
           <a:p>
             <a:pPr algn="ctr"/>
+            <a:endParaRPr lang="en-US"/>
+          </a:p>
+        </p:txBody>
+      </p:sp>
+      <p:sp>
+        <p:nvSpPr>
+          <p:cNvPr id="29" name="TextBox 28">
+            <a:extLst>
+              <a:ext uri="{FF2B5EF4-FFF2-40B4-BE49-F238E27FC236}">
+                <a16:creationId xmlns:a16="http://schemas.microsoft.com/office/drawing/2014/main" id="{DA59F066-EB12-92BC-DC5B-4D70826412BD}"/>
+              </a:ext>
+            </a:extLst>
+          </p:cNvPr>
+          <p:cNvSpPr txBox="1"/>
+          <p:nvPr/>
+        </p:nvSpPr>
+        <p:spPr>
+          <a:xfrm>
+            <a:off x="1401307" y="3132373"/>
+            <a:ext cx="1863445" cy="369332"/>
+          </a:xfrm>
+          <a:prstGeom prst="rect">
+            <a:avLst/>
+          </a:prstGeom>
+          <a:noFill/>
+        </p:spPr>
+        <p:txBody>
+          <a:bodyPr wrap="square" rtlCol="0">
+            <a:spAutoFit/>
+          </a:bodyPr>
+          <a:lstStyle/>
+          <a:p>
+            <a:r>
+              <a:rPr lang="en-US" dirty="0"/>
+              <a:t>01-out-import.csv</a:t>
+            </a:r>
+          </a:p>
+        </p:txBody>
+      </p:sp>
+      <p:sp>
+        <p:nvSpPr>
+          <p:cNvPr id="36" name="TextBox 35">
+            <a:extLst>
+              <a:ext uri="{FF2B5EF4-FFF2-40B4-BE49-F238E27FC236}">
+                <a16:creationId xmlns:a16="http://schemas.microsoft.com/office/drawing/2014/main" id="{BB9CFC7E-495B-25C4-3ADA-BDD39A86C82C}"/>
+              </a:ext>
+            </a:extLst>
+          </p:cNvPr>
+          <p:cNvSpPr txBox="1"/>
+          <p:nvPr/>
+        </p:nvSpPr>
+        <p:spPr>
+          <a:xfrm>
+            <a:off x="3228899" y="3849876"/>
+            <a:ext cx="1589194" cy="369332"/>
+          </a:xfrm>
+          <a:prstGeom prst="rect">
+            <a:avLst/>
+          </a:prstGeom>
+          <a:noFill/>
+        </p:spPr>
+        <p:txBody>
+          <a:bodyPr wrap="square" rtlCol="0">
+            <a:spAutoFit/>
+          </a:bodyPr>
+          <a:lstStyle/>
+          <a:p>
+            <a:r>
+              <a:rPr lang="en-US" dirty="0"/>
+              <a:t>02-out-tidy.csv</a:t>
+            </a:r>
+          </a:p>
+        </p:txBody>
+      </p:sp>
+      <p:sp>
+        <p:nvSpPr>
+          <p:cNvPr id="38" name="Magnetic Disk 37">
+            <a:extLst>
+              <a:ext uri="{FF2B5EF4-FFF2-40B4-BE49-F238E27FC236}">
+                <a16:creationId xmlns:a16="http://schemas.microsoft.com/office/drawing/2014/main" id="{ACB6F7EB-D343-1713-60DA-3C2A9F8CBBBF}"/>
+              </a:ext>
+            </a:extLst>
+          </p:cNvPr>
+          <p:cNvSpPr/>
+          <p:nvPr/>
+        </p:nvSpPr>
+        <p:spPr>
+          <a:xfrm>
+            <a:off x="3711701" y="3200046"/>
+            <a:ext cx="556529" cy="603318"/>
+          </a:xfrm>
+          <a:prstGeom prst="flowChartMagneticDisk">
+            <a:avLst/>
+          </a:prstGeom>
+          <a:solidFill>
+            <a:schemeClr val="accent5"/>
+          </a:solidFill>
+        </p:spPr>
+        <p:style>
+          <a:lnRef idx="2">
+            <a:schemeClr val="accent1">
+              <a:shade val="50000"/>
+            </a:schemeClr>
+          </a:lnRef>
+          <a:fillRef idx="1">
+            <a:schemeClr val="accent1"/>
+          </a:fillRef>
+          <a:effectRef idx="0">
+            <a:schemeClr val="accent1"/>
+          </a:effectRef>
+          <a:fontRef idx="minor">
+            <a:schemeClr val="lt1"/>
+          </a:fontRef>
+        </p:style>
+        <p:txBody>
+          <a:bodyPr rtlCol="0" anchor="ctr"/>
+          <a:lstStyle/>
+          <a:p>
+            <a:pPr algn="ctr"/>
+            <a:endParaRPr lang="en-US" dirty="0">
+              <a:solidFill>
+                <a:schemeClr val="accent1"/>
+              </a:solidFill>
+            </a:endParaRPr>
+          </a:p>
+        </p:txBody>
+      </p:sp>
+      <p:sp>
+        <p:nvSpPr>
+          <p:cNvPr id="39" name="Right Arrow 38">
+            <a:extLst>
+              <a:ext uri="{FF2B5EF4-FFF2-40B4-BE49-F238E27FC236}">
+                <a16:creationId xmlns:a16="http://schemas.microsoft.com/office/drawing/2014/main" id="{2B220DF6-0226-7FE0-4192-4A83B463E2D3}"/>
+              </a:ext>
+            </a:extLst>
+          </p:cNvPr>
+          <p:cNvSpPr/>
+          <p:nvPr/>
+        </p:nvSpPr>
+        <p:spPr>
+          <a:xfrm rot="2539682">
+            <a:off x="4191718" y="4552629"/>
+            <a:ext cx="1047861" cy="420414"/>
+          </a:xfrm>
+          <a:prstGeom prst="rightArrow">
+            <a:avLst/>
+          </a:prstGeom>
+          <a:solidFill>
+            <a:schemeClr val="accent3"/>
+          </a:solidFill>
+          <a:ln>
+            <a:noFill/>
+          </a:ln>
+        </p:spPr>
+        <p:style>
+          <a:lnRef idx="2">
+            <a:schemeClr val="accent1">
+              <a:shade val="50000"/>
+            </a:schemeClr>
+          </a:lnRef>
+          <a:fillRef idx="1">
+            <a:schemeClr val="accent1"/>
+          </a:fillRef>
+          <a:effectRef idx="0">
+            <a:schemeClr val="accent1"/>
+          </a:effectRef>
+          <a:fontRef idx="minor">
+            <a:schemeClr val="lt1"/>
+          </a:fontRef>
+        </p:style>
+        <p:txBody>
+          <a:bodyPr rtlCol="0" anchor="ctr"/>
+          <a:lstStyle/>
+          <a:p>
+            <a:pPr algn="ctr"/>
             <a:endParaRPr lang="en-US">
               <a:solidFill>
                 <a:srgbClr val="FF0000"/>
@@ -6739,6 +6877,241 @@
                 <a:srgbClr val="FA8538"/>
               </a:highlight>
             </a:endParaRPr>
+          </a:p>
+        </p:txBody>
+      </p:sp>
+      <p:sp>
+        <p:nvSpPr>
+          <p:cNvPr id="40" name="Magnetic Disk 39">
+            <a:extLst>
+              <a:ext uri="{FF2B5EF4-FFF2-40B4-BE49-F238E27FC236}">
+                <a16:creationId xmlns:a16="http://schemas.microsoft.com/office/drawing/2014/main" id="{FC09CB78-6241-24D0-E749-4A01CE7385E4}"/>
+              </a:ext>
+            </a:extLst>
+          </p:cNvPr>
+          <p:cNvSpPr/>
+          <p:nvPr/>
+        </p:nvSpPr>
+        <p:spPr>
+          <a:xfrm>
+            <a:off x="7496821" y="2940420"/>
+            <a:ext cx="556529" cy="603318"/>
+          </a:xfrm>
+          <a:prstGeom prst="flowChartMagneticDisk">
+            <a:avLst/>
+          </a:prstGeom>
+          <a:solidFill>
+            <a:schemeClr val="accent5"/>
+          </a:solidFill>
+        </p:spPr>
+        <p:style>
+          <a:lnRef idx="2">
+            <a:schemeClr val="accent1">
+              <a:shade val="50000"/>
+            </a:schemeClr>
+          </a:lnRef>
+          <a:fillRef idx="1">
+            <a:schemeClr val="accent1"/>
+          </a:fillRef>
+          <a:effectRef idx="0">
+            <a:schemeClr val="accent1"/>
+          </a:effectRef>
+          <a:fontRef idx="minor">
+            <a:schemeClr val="lt1"/>
+          </a:fontRef>
+        </p:style>
+        <p:txBody>
+          <a:bodyPr rtlCol="0" anchor="ctr"/>
+          <a:lstStyle/>
+          <a:p>
+            <a:pPr algn="ctr"/>
+            <a:endParaRPr lang="en-US" dirty="0">
+              <a:solidFill>
+                <a:schemeClr val="accent1"/>
+              </a:solidFill>
+            </a:endParaRPr>
+          </a:p>
+        </p:txBody>
+      </p:sp>
+      <p:sp>
+        <p:nvSpPr>
+          <p:cNvPr id="41" name="TextBox 40">
+            <a:extLst>
+              <a:ext uri="{FF2B5EF4-FFF2-40B4-BE49-F238E27FC236}">
+                <a16:creationId xmlns:a16="http://schemas.microsoft.com/office/drawing/2014/main" id="{C43DF7B8-3673-2165-B2B9-E235DC222827}"/>
+              </a:ext>
+            </a:extLst>
+          </p:cNvPr>
+          <p:cNvSpPr txBox="1"/>
+          <p:nvPr/>
+        </p:nvSpPr>
+        <p:spPr>
+          <a:xfrm>
+            <a:off x="6834953" y="3492913"/>
+            <a:ext cx="1989142" cy="369332"/>
+          </a:xfrm>
+          <a:prstGeom prst="rect">
+            <a:avLst/>
+          </a:prstGeom>
+          <a:noFill/>
+        </p:spPr>
+        <p:txBody>
+          <a:bodyPr wrap="square" rtlCol="0">
+            <a:spAutoFit/>
+          </a:bodyPr>
+          <a:lstStyle/>
+          <a:p>
+            <a:r>
+              <a:rPr lang="en-US" dirty="0"/>
+              <a:t>03-out-models.csv</a:t>
+            </a:r>
+          </a:p>
+        </p:txBody>
+      </p:sp>
+      <p:sp>
+        <p:nvSpPr>
+          <p:cNvPr id="42" name="Right Arrow 41">
+            <a:extLst>
+              <a:ext uri="{FF2B5EF4-FFF2-40B4-BE49-F238E27FC236}">
+                <a16:creationId xmlns:a16="http://schemas.microsoft.com/office/drawing/2014/main" id="{E74F1F11-1CE9-0355-452D-7EC063C402EE}"/>
+              </a:ext>
+            </a:extLst>
+          </p:cNvPr>
+          <p:cNvSpPr/>
+          <p:nvPr/>
+        </p:nvSpPr>
+        <p:spPr>
+          <a:xfrm rot="2894254">
+            <a:off x="8582234" y="2058212"/>
+            <a:ext cx="812295" cy="420414"/>
+          </a:xfrm>
+          <a:prstGeom prst="rightArrow">
+            <a:avLst/>
+          </a:prstGeom>
+          <a:solidFill>
+            <a:schemeClr val="accent3"/>
+          </a:solidFill>
+          <a:ln>
+            <a:noFill/>
+          </a:ln>
+        </p:spPr>
+        <p:style>
+          <a:lnRef idx="2">
+            <a:schemeClr val="accent1">
+              <a:shade val="50000"/>
+            </a:schemeClr>
+          </a:lnRef>
+          <a:fillRef idx="1">
+            <a:schemeClr val="accent1"/>
+          </a:fillRef>
+          <a:effectRef idx="0">
+            <a:schemeClr val="accent1"/>
+          </a:effectRef>
+          <a:fontRef idx="minor">
+            <a:schemeClr val="lt1"/>
+          </a:fontRef>
+        </p:style>
+        <p:txBody>
+          <a:bodyPr rtlCol="0" anchor="ctr"/>
+          <a:lstStyle/>
+          <a:p>
+            <a:pPr algn="ctr"/>
+            <a:endParaRPr lang="en-US">
+              <a:solidFill>
+                <a:srgbClr val="FF0000"/>
+              </a:solidFill>
+              <a:highlight>
+                <a:srgbClr val="FA8538"/>
+              </a:highlight>
+            </a:endParaRPr>
+          </a:p>
+        </p:txBody>
+      </p:sp>
+      <p:sp>
+        <p:nvSpPr>
+          <p:cNvPr id="43" name="Magnetic Disk 42">
+            <a:extLst>
+              <a:ext uri="{FF2B5EF4-FFF2-40B4-BE49-F238E27FC236}">
+                <a16:creationId xmlns:a16="http://schemas.microsoft.com/office/drawing/2014/main" id="{8783CAB2-B832-15EF-FB45-8F12CADF1F0F}"/>
+              </a:ext>
+            </a:extLst>
+          </p:cNvPr>
+          <p:cNvSpPr/>
+          <p:nvPr/>
+        </p:nvSpPr>
+        <p:spPr>
+          <a:xfrm>
+            <a:off x="9423266" y="2412315"/>
+            <a:ext cx="556529" cy="603318"/>
+          </a:xfrm>
+          <a:prstGeom prst="flowChartMagneticDisk">
+            <a:avLst/>
+          </a:prstGeom>
+          <a:solidFill>
+            <a:schemeClr val="accent5"/>
+          </a:solidFill>
+        </p:spPr>
+        <p:style>
+          <a:lnRef idx="2">
+            <a:schemeClr val="accent1">
+              <a:shade val="50000"/>
+            </a:schemeClr>
+          </a:lnRef>
+          <a:fillRef idx="1">
+            <a:schemeClr val="accent1"/>
+          </a:fillRef>
+          <a:effectRef idx="0">
+            <a:schemeClr val="accent1"/>
+          </a:effectRef>
+          <a:fontRef idx="minor">
+            <a:schemeClr val="lt1"/>
+          </a:fontRef>
+        </p:style>
+        <p:txBody>
+          <a:bodyPr rtlCol="0" anchor="ctr"/>
+          <a:lstStyle/>
+          <a:p>
+            <a:pPr algn="ctr"/>
+            <a:endParaRPr lang="en-US" dirty="0">
+              <a:solidFill>
+                <a:schemeClr val="accent1"/>
+              </a:solidFill>
+            </a:endParaRPr>
+          </a:p>
+        </p:txBody>
+      </p:sp>
+      <p:sp>
+        <p:nvSpPr>
+          <p:cNvPr id="44" name="TextBox 43">
+            <a:extLst>
+              <a:ext uri="{FF2B5EF4-FFF2-40B4-BE49-F238E27FC236}">
+                <a16:creationId xmlns:a16="http://schemas.microsoft.com/office/drawing/2014/main" id="{3B77D63D-8031-A3E2-2ABC-7287E41C1E61}"/>
+              </a:ext>
+            </a:extLst>
+          </p:cNvPr>
+          <p:cNvSpPr txBox="1"/>
+          <p:nvPr/>
+        </p:nvSpPr>
+        <p:spPr>
+          <a:xfrm>
+            <a:off x="8988381" y="3057413"/>
+            <a:ext cx="1531886" cy="369332"/>
+          </a:xfrm>
+          <a:prstGeom prst="rect">
+            <a:avLst/>
+          </a:prstGeom>
+          <a:noFill/>
+        </p:spPr>
+        <p:txBody>
+          <a:bodyPr wrap="square" rtlCol="0">
+            <a:spAutoFit/>
+          </a:bodyPr>
+          <a:lstStyle/>
+          <a:p>
+            <a:r>
+              <a:rPr lang="en-US" dirty="0"/>
+              <a:t>04-out-vis.csv</a:t>
+            </a:r>
           </a:p>
         </p:txBody>
       </p:sp>

--- a/images/images.pptx
+++ b/images/images.pptx
@@ -7,11 +7,13 @@
   <p:sldIdLst>
     <p:sldId id="256" r:id="rId2"/>
     <p:sldId id="257" r:id="rId3"/>
-    <p:sldId id="258" r:id="rId4"/>
-    <p:sldId id="259" r:id="rId5"/>
-    <p:sldId id="260" r:id="rId6"/>
-    <p:sldId id="261" r:id="rId7"/>
-    <p:sldId id="262" r:id="rId8"/>
+    <p:sldId id="263" r:id="rId4"/>
+    <p:sldId id="264" r:id="rId5"/>
+    <p:sldId id="258" r:id="rId6"/>
+    <p:sldId id="259" r:id="rId7"/>
+    <p:sldId id="260" r:id="rId8"/>
+    <p:sldId id="261" r:id="rId9"/>
+    <p:sldId id="262" r:id="rId10"/>
   </p:sldIdLst>
   <p:sldSz cx="12192000" cy="6858000"/>
   <p:notesSz cx="6858000" cy="9144000"/>
@@ -265,7 +267,7 @@
           <a:p>
             <a:fld id="{94AF7B9F-3A11-934B-9C29-5145B1FA1C2C}" type="datetimeFigureOut">
               <a:rPr lang="en-US" smtClean="0"/>
-              <a:t>5/1/22</a:t>
+              <a:t>5/11/22</a:t>
             </a:fld>
             <a:endParaRPr lang="en-US"/>
           </a:p>
@@ -463,7 +465,7 @@
           <a:p>
             <a:fld id="{94AF7B9F-3A11-934B-9C29-5145B1FA1C2C}" type="datetimeFigureOut">
               <a:rPr lang="en-US" smtClean="0"/>
-              <a:t>5/1/22</a:t>
+              <a:t>5/11/22</a:t>
             </a:fld>
             <a:endParaRPr lang="en-US"/>
           </a:p>
@@ -671,7 +673,7 @@
           <a:p>
             <a:fld id="{94AF7B9F-3A11-934B-9C29-5145B1FA1C2C}" type="datetimeFigureOut">
               <a:rPr lang="en-US" smtClean="0"/>
-              <a:t>5/1/22</a:t>
+              <a:t>5/11/22</a:t>
             </a:fld>
             <a:endParaRPr lang="en-US"/>
           </a:p>
@@ -869,7 +871,7 @@
           <a:p>
             <a:fld id="{94AF7B9F-3A11-934B-9C29-5145B1FA1C2C}" type="datetimeFigureOut">
               <a:rPr lang="en-US" smtClean="0"/>
-              <a:t>5/1/22</a:t>
+              <a:t>5/11/22</a:t>
             </a:fld>
             <a:endParaRPr lang="en-US"/>
           </a:p>
@@ -1144,7 +1146,7 @@
           <a:p>
             <a:fld id="{94AF7B9F-3A11-934B-9C29-5145B1FA1C2C}" type="datetimeFigureOut">
               <a:rPr lang="en-US" smtClean="0"/>
-              <a:t>5/1/22</a:t>
+              <a:t>5/11/22</a:t>
             </a:fld>
             <a:endParaRPr lang="en-US"/>
           </a:p>
@@ -1409,7 +1411,7 @@
           <a:p>
             <a:fld id="{94AF7B9F-3A11-934B-9C29-5145B1FA1C2C}" type="datetimeFigureOut">
               <a:rPr lang="en-US" smtClean="0"/>
-              <a:t>5/1/22</a:t>
+              <a:t>5/11/22</a:t>
             </a:fld>
             <a:endParaRPr lang="en-US"/>
           </a:p>
@@ -1821,7 +1823,7 @@
           <a:p>
             <a:fld id="{94AF7B9F-3A11-934B-9C29-5145B1FA1C2C}" type="datetimeFigureOut">
               <a:rPr lang="en-US" smtClean="0"/>
-              <a:t>5/1/22</a:t>
+              <a:t>5/11/22</a:t>
             </a:fld>
             <a:endParaRPr lang="en-US"/>
           </a:p>
@@ -1962,7 +1964,7 @@
           <a:p>
             <a:fld id="{94AF7B9F-3A11-934B-9C29-5145B1FA1C2C}" type="datetimeFigureOut">
               <a:rPr lang="en-US" smtClean="0"/>
-              <a:t>5/1/22</a:t>
+              <a:t>5/11/22</a:t>
             </a:fld>
             <a:endParaRPr lang="en-US"/>
           </a:p>
@@ -2075,7 +2077,7 @@
           <a:p>
             <a:fld id="{94AF7B9F-3A11-934B-9C29-5145B1FA1C2C}" type="datetimeFigureOut">
               <a:rPr lang="en-US" smtClean="0"/>
-              <a:t>5/1/22</a:t>
+              <a:t>5/11/22</a:t>
             </a:fld>
             <a:endParaRPr lang="en-US"/>
           </a:p>
@@ -2386,7 +2388,7 @@
           <a:p>
             <a:fld id="{94AF7B9F-3A11-934B-9C29-5145B1FA1C2C}" type="datetimeFigureOut">
               <a:rPr lang="en-US" smtClean="0"/>
-              <a:t>5/1/22</a:t>
+              <a:t>5/11/22</a:t>
             </a:fld>
             <a:endParaRPr lang="en-US"/>
           </a:p>
@@ -2674,7 +2676,7 @@
           <a:p>
             <a:fld id="{94AF7B9F-3A11-934B-9C29-5145B1FA1C2C}" type="datetimeFigureOut">
               <a:rPr lang="en-US" smtClean="0"/>
-              <a:t>5/1/22</a:t>
+              <a:t>5/11/22</a:t>
             </a:fld>
             <a:endParaRPr lang="en-US"/>
           </a:p>
@@ -2915,7 +2917,7 @@
           <a:p>
             <a:fld id="{94AF7B9F-3A11-934B-9C29-5145B1FA1C2C}" type="datetimeFigureOut">
               <a:rPr lang="en-US" smtClean="0"/>
-              <a:t>5/1/22</a:t>
+              <a:t>5/11/22</a:t>
             </a:fld>
             <a:endParaRPr lang="en-US"/>
           </a:p>
@@ -3394,10 +3396,10 @@
       </p:grpSpPr>
       <p:sp>
         <p:nvSpPr>
-          <p:cNvPr id="15" name="Oval 14">
-            <a:extLst>
-              <a:ext uri="{FF2B5EF4-FFF2-40B4-BE49-F238E27FC236}">
-                <a16:creationId xmlns:a16="http://schemas.microsoft.com/office/drawing/2014/main" id="{B04AB635-5F46-E940-B18A-464E456F01E1}"/>
+          <p:cNvPr id="19" name="Rounded Rectangle 18">
+            <a:extLst>
+              <a:ext uri="{FF2B5EF4-FFF2-40B4-BE49-F238E27FC236}">
+                <a16:creationId xmlns:a16="http://schemas.microsoft.com/office/drawing/2014/main" id="{A7032FC1-B94D-AEC6-A16B-8D37253F6EA1}"/>
               </a:ext>
             </a:extLst>
           </p:cNvPr>
@@ -3406,17 +3408,19 @@
         </p:nvSpPr>
         <p:spPr>
           <a:xfrm>
-            <a:off x="3829314" y="2427514"/>
-            <a:ext cx="8101430" cy="3211286"/>
-          </a:xfrm>
-          <a:prstGeom prst="ellipse">
-            <a:avLst/>
-          </a:prstGeom>
-          <a:noFill/>
-          <a:ln w="57150">
-            <a:solidFill>
-              <a:schemeClr val="accent2"/>
-            </a:solidFill>
+            <a:off x="3881630" y="1754473"/>
+            <a:ext cx="7483055" cy="2547891"/>
+          </a:xfrm>
+          <a:prstGeom prst="roundRect">
+            <a:avLst/>
+          </a:prstGeom>
+          <a:solidFill>
+            <a:srgbClr val="7030A0">
+              <a:alpha val="25000"/>
+            </a:srgbClr>
+          </a:solidFill>
+          <a:ln>
+            <a:noFill/>
           </a:ln>
         </p:spPr>
         <p:style>
@@ -3440,16 +3444,227 @@
           <a:lstStyle/>
           <a:p>
             <a:pPr algn="ctr"/>
-            <a:endParaRPr lang="en-US"/>
-          </a:p>
-        </p:txBody>
-      </p:sp>
-      <p:sp>
-        <p:nvSpPr>
-          <p:cNvPr id="14" name="Oval 13">
-            <a:extLst>
-              <a:ext uri="{FF2B5EF4-FFF2-40B4-BE49-F238E27FC236}">
-                <a16:creationId xmlns:a16="http://schemas.microsoft.com/office/drawing/2014/main" id="{92B8821D-CD8C-2041-841C-9230CED40E9E}"/>
+            <a:endParaRPr lang="en-US" dirty="0"/>
+          </a:p>
+        </p:txBody>
+      </p:sp>
+      <p:sp>
+        <p:nvSpPr>
+          <p:cNvPr id="17" name="TextBox 16">
+            <a:extLst>
+              <a:ext uri="{FF2B5EF4-FFF2-40B4-BE49-F238E27FC236}">
+                <a16:creationId xmlns:a16="http://schemas.microsoft.com/office/drawing/2014/main" id="{3865FC87-5F53-3948-B754-C92ABE0C0788}"/>
+              </a:ext>
+            </a:extLst>
+          </p:cNvPr>
+          <p:cNvSpPr txBox="1"/>
+          <p:nvPr/>
+        </p:nvSpPr>
+        <p:spPr>
+          <a:xfrm>
+            <a:off x="7411307" y="2033809"/>
+            <a:ext cx="3908472" cy="923330"/>
+          </a:xfrm>
+          <a:prstGeom prst="rect">
+            <a:avLst/>
+          </a:prstGeom>
+          <a:noFill/>
+        </p:spPr>
+        <p:txBody>
+          <a:bodyPr wrap="square" rtlCol="0">
+            <a:spAutoFit/>
+          </a:bodyPr>
+          <a:lstStyle/>
+          <a:p>
+            <a:pPr marL="285750" indent="-285750">
+              <a:buFont typeface="Arial" panose="020B0604020202020204" pitchFamily="34" charset="0"/>
+              <a:buChar char="•"/>
+            </a:pPr>
+            <a:r>
+              <a:rPr lang="en-US" dirty="0">
+                <a:solidFill>
+                  <a:schemeClr val="accent2"/>
+                </a:solidFill>
+                <a:latin typeface="Arial" panose="020B0604020202020204" pitchFamily="34" charset="0"/>
+                <a:cs typeface="Arial" panose="020B0604020202020204" pitchFamily="34" charset="0"/>
+              </a:rPr>
+              <a:t>Historical data management.</a:t>
+            </a:r>
+          </a:p>
+          <a:p>
+            <a:pPr marL="285750" indent="-285750">
+              <a:buFont typeface="Arial" panose="020B0604020202020204" pitchFamily="34" charset="0"/>
+              <a:buChar char="•"/>
+            </a:pPr>
+            <a:r>
+              <a:rPr lang="en-US" dirty="0">
+                <a:latin typeface="Arial" panose="020B0604020202020204" pitchFamily="34" charset="0"/>
+                <a:cs typeface="Arial" panose="020B0604020202020204" pitchFamily="34" charset="0"/>
+              </a:rPr>
+              <a:t>End-to-end reruns on a schedule.</a:t>
+            </a:r>
+          </a:p>
+          <a:p>
+            <a:pPr marL="285750" indent="-285750">
+              <a:buFont typeface="Arial" panose="020B0604020202020204" pitchFamily="34" charset="0"/>
+              <a:buChar char="•"/>
+            </a:pPr>
+            <a:endParaRPr lang="en-US" dirty="0">
+              <a:latin typeface="Arial" panose="020B0604020202020204" pitchFamily="34" charset="0"/>
+              <a:cs typeface="Arial" panose="020B0604020202020204" pitchFamily="34" charset="0"/>
+            </a:endParaRPr>
+          </a:p>
+        </p:txBody>
+      </p:sp>
+      <p:sp>
+        <p:nvSpPr>
+          <p:cNvPr id="23" name="TextBox 22">
+            <a:extLst>
+              <a:ext uri="{FF2B5EF4-FFF2-40B4-BE49-F238E27FC236}">
+                <a16:creationId xmlns:a16="http://schemas.microsoft.com/office/drawing/2014/main" id="{97C82BE0-EDEF-464E-8576-4142C51CA2E3}"/>
+              </a:ext>
+            </a:extLst>
+          </p:cNvPr>
+          <p:cNvSpPr txBox="1"/>
+          <p:nvPr/>
+        </p:nvSpPr>
+        <p:spPr>
+          <a:xfrm>
+            <a:off x="1267191" y="1079043"/>
+            <a:ext cx="1938351" cy="584775"/>
+          </a:xfrm>
+          <a:prstGeom prst="rect">
+            <a:avLst/>
+          </a:prstGeom>
+          <a:noFill/>
+        </p:spPr>
+        <p:txBody>
+          <a:bodyPr wrap="none" rtlCol="0">
+            <a:spAutoFit/>
+          </a:bodyPr>
+          <a:lstStyle/>
+          <a:p>
+            <a:r>
+              <a:rPr lang="en-US" sz="3200" dirty="0">
+                <a:latin typeface="Arial" panose="020B0604020202020204" pitchFamily="34" charset="0"/>
+                <a:cs typeface="Arial" panose="020B0604020202020204" pitchFamily="34" charset="0"/>
+              </a:rPr>
+              <a:t>Make-like</a:t>
+            </a:r>
+          </a:p>
+        </p:txBody>
+      </p:sp>
+      <p:sp>
+        <p:nvSpPr>
+          <p:cNvPr id="24" name="TextBox 23">
+            <a:extLst>
+              <a:ext uri="{FF2B5EF4-FFF2-40B4-BE49-F238E27FC236}">
+                <a16:creationId xmlns:a16="http://schemas.microsoft.com/office/drawing/2014/main" id="{3802EDB0-B9A5-984F-95C6-4163B9A331EF}"/>
+              </a:ext>
+            </a:extLst>
+          </p:cNvPr>
+          <p:cNvSpPr txBox="1"/>
+          <p:nvPr/>
+        </p:nvSpPr>
+        <p:spPr>
+          <a:xfrm>
+            <a:off x="8788735" y="1096488"/>
+            <a:ext cx="2167581" cy="584775"/>
+          </a:xfrm>
+          <a:prstGeom prst="rect">
+            <a:avLst/>
+          </a:prstGeom>
+          <a:noFill/>
+        </p:spPr>
+        <p:txBody>
+          <a:bodyPr wrap="none" rtlCol="0">
+            <a:spAutoFit/>
+          </a:bodyPr>
+          <a:lstStyle/>
+          <a:p>
+            <a:r>
+              <a:rPr lang="en-US" sz="3200" dirty="0">
+                <a:latin typeface="Arial" panose="020B0604020202020204" pitchFamily="34" charset="0"/>
+                <a:cs typeface="Arial" panose="020B0604020202020204" pitchFamily="34" charset="0"/>
+              </a:rPr>
+              <a:t>Airflow-like</a:t>
+            </a:r>
+          </a:p>
+        </p:txBody>
+      </p:sp>
+      <p:sp>
+        <p:nvSpPr>
+          <p:cNvPr id="5" name="TextBox 4">
+            <a:extLst>
+              <a:ext uri="{FF2B5EF4-FFF2-40B4-BE49-F238E27FC236}">
+                <a16:creationId xmlns:a16="http://schemas.microsoft.com/office/drawing/2014/main" id="{88FB09D7-494F-495F-2B22-6D31A1A8B4F7}"/>
+              </a:ext>
+            </a:extLst>
+          </p:cNvPr>
+          <p:cNvSpPr txBox="1"/>
+          <p:nvPr/>
+        </p:nvSpPr>
+        <p:spPr>
+          <a:xfrm>
+            <a:off x="7411307" y="3058400"/>
+            <a:ext cx="3790205" cy="923330"/>
+          </a:xfrm>
+          <a:prstGeom prst="rect">
+            <a:avLst/>
+          </a:prstGeom>
+          <a:noFill/>
+        </p:spPr>
+        <p:txBody>
+          <a:bodyPr wrap="none" rtlCol="0">
+            <a:spAutoFit/>
+          </a:bodyPr>
+          <a:lstStyle/>
+          <a:p>
+            <a:pPr marL="285750" indent="-285750">
+              <a:buFont typeface="Arial" panose="020B0604020202020204" pitchFamily="34" charset="0"/>
+              <a:buChar char="•"/>
+            </a:pPr>
+            <a:r>
+              <a:rPr lang="en-US" dirty="0"/>
+              <a:t>{targets} + </a:t>
+            </a:r>
+            <a:r>
+              <a:rPr lang="en-US" dirty="0">
+                <a:solidFill>
+                  <a:schemeClr val="accent2"/>
+                </a:solidFill>
+              </a:rPr>
+              <a:t>{gittargets} or AWS/GCP </a:t>
+            </a:r>
+          </a:p>
+          <a:p>
+            <a:pPr marL="285750" indent="-285750">
+              <a:buFont typeface="Arial" panose="020B0604020202020204" pitchFamily="34" charset="0"/>
+              <a:buChar char="•"/>
+            </a:pPr>
+            <a:r>
+              <a:rPr lang="en-US" dirty="0"/>
+              <a:t>Airflow</a:t>
+            </a:r>
+          </a:p>
+          <a:p>
+            <a:pPr marL="285750" indent="-285750">
+              <a:buFont typeface="Arial" panose="020B0604020202020204" pitchFamily="34" charset="0"/>
+              <a:buChar char="•"/>
+            </a:pPr>
+            <a:r>
+              <a:rPr lang="en-US" dirty="0"/>
+              <a:t>Metaflow</a:t>
+            </a:r>
+          </a:p>
+        </p:txBody>
+      </p:sp>
+      <p:sp>
+        <p:nvSpPr>
+          <p:cNvPr id="8" name="Rounded Rectangle 7">
+            <a:extLst>
+              <a:ext uri="{FF2B5EF4-FFF2-40B4-BE49-F238E27FC236}">
+                <a16:creationId xmlns:a16="http://schemas.microsoft.com/office/drawing/2014/main" id="{C20BE477-F1EB-0006-F2BA-991C8867EBE3}"/>
               </a:ext>
             </a:extLst>
           </p:cNvPr>
@@ -3458,17 +3673,19 @@
         </p:nvSpPr>
         <p:spPr>
           <a:xfrm>
-            <a:off x="261257" y="2340429"/>
-            <a:ext cx="8362687" cy="3298371"/>
-          </a:xfrm>
-          <a:prstGeom prst="ellipse">
-            <a:avLst/>
-          </a:prstGeom>
-          <a:noFill/>
-          <a:ln w="57150">
-            <a:solidFill>
-              <a:srgbClr val="002060"/>
-            </a:solidFill>
+            <a:off x="957943" y="1763133"/>
+            <a:ext cx="6453364" cy="2547891"/>
+          </a:xfrm>
+          <a:prstGeom prst="roundRect">
+            <a:avLst/>
+          </a:prstGeom>
+          <a:solidFill>
+            <a:srgbClr val="002060">
+              <a:alpha val="25000"/>
+            </a:srgbClr>
+          </a:solidFill>
+          <a:ln>
+            <a:noFill/>
           </a:ln>
         </p:spPr>
         <p:style>
@@ -3510,8 +3727,8 @@
         </p:nvSpPr>
         <p:spPr>
           <a:xfrm>
-            <a:off x="4368859" y="3153567"/>
-            <a:ext cx="4255085" cy="1754326"/>
+            <a:off x="3960046" y="1961762"/>
+            <a:ext cx="3451261" cy="923330"/>
           </a:xfrm>
           <a:prstGeom prst="rect">
             <a:avLst/>
@@ -3529,8 +3746,11 @@
               <a:buChar char="•"/>
             </a:pPr>
             <a:r>
-              <a:rPr lang="en-US" dirty="0"/>
-              <a:t>DAG orchestration.</a:t>
+              <a:rPr lang="en-US" dirty="0">
+                <a:latin typeface="Arial" panose="020B0604020202020204" pitchFamily="34" charset="0"/>
+                <a:cs typeface="Arial" panose="020B0604020202020204" pitchFamily="34" charset="0"/>
+              </a:rPr>
+              <a:t>Orchestrate tasks in a graph.</a:t>
             </a:r>
           </a:p>
           <a:p>
@@ -3539,7 +3759,10 @@
               <a:buChar char="•"/>
             </a:pPr>
             <a:r>
-              <a:rPr lang="en-US" dirty="0"/>
+              <a:rPr lang="en-US" dirty="0">
+                <a:latin typeface="Arial" panose="020B0604020202020204" pitchFamily="34" charset="0"/>
+                <a:cs typeface="Arial" panose="020B0604020202020204" pitchFamily="34" charset="0"/>
+              </a:rPr>
               <a:t>Distributed computing.</a:t>
             </a:r>
           </a:p>
@@ -3549,77 +3772,66 @@
               <a:buChar char="•"/>
             </a:pPr>
             <a:r>
-              <a:rPr lang="en-US" dirty="0"/>
-              <a:t>Object storage (depending on the tool).</a:t>
-            </a:r>
-          </a:p>
+              <a:rPr lang="en-US" dirty="0">
+                <a:latin typeface="Arial" panose="020B0604020202020204" pitchFamily="34" charset="0"/>
+                <a:cs typeface="Arial" panose="020B0604020202020204" pitchFamily="34" charset="0"/>
+              </a:rPr>
+              <a:t>Data management.</a:t>
+            </a:r>
+          </a:p>
+        </p:txBody>
+      </p:sp>
+      <p:sp>
+        <p:nvSpPr>
+          <p:cNvPr id="2" name="TextBox 1">
+            <a:extLst>
+              <a:ext uri="{FF2B5EF4-FFF2-40B4-BE49-F238E27FC236}">
+                <a16:creationId xmlns:a16="http://schemas.microsoft.com/office/drawing/2014/main" id="{B7E81884-4CAF-B76D-7BF3-C1AF566E3920}"/>
+              </a:ext>
+            </a:extLst>
+          </p:cNvPr>
+          <p:cNvSpPr txBox="1"/>
+          <p:nvPr/>
+        </p:nvSpPr>
+        <p:spPr>
+          <a:xfrm>
+            <a:off x="3960046" y="3189065"/>
+            <a:ext cx="1332416" cy="1200329"/>
+          </a:xfrm>
+          <a:prstGeom prst="rect">
+            <a:avLst/>
+          </a:prstGeom>
+          <a:noFill/>
+        </p:spPr>
+        <p:txBody>
+          <a:bodyPr wrap="none" rtlCol="0">
+            <a:spAutoFit/>
+          </a:bodyPr>
+          <a:lstStyle/>
           <a:p>
             <a:pPr marL="285750" indent="-285750">
               <a:buFont typeface="Arial" panose="020B0604020202020204" pitchFamily="34" charset="0"/>
               <a:buChar char="•"/>
             </a:pPr>
             <a:r>
-              <a:rPr lang="en-US" dirty="0"/>
-              <a:t>Examples:</a:t>
-            </a:r>
-          </a:p>
-          <a:p>
-            <a:pPr marL="742950" lvl="1" indent="-285750">
-              <a:buFont typeface="Arial" panose="020B0604020202020204" pitchFamily="34" charset="0"/>
-              <a:buChar char="•"/>
-            </a:pPr>
-            <a:r>
-              <a:rPr lang="en-US" dirty="0"/>
-              <a:t>targets + gittargets/cloud + CRON.</a:t>
-            </a:r>
-          </a:p>
-          <a:p>
-            <a:pPr marL="742950" lvl="1" indent="-285750">
-              <a:buFont typeface="Arial" panose="020B0604020202020204" pitchFamily="34" charset="0"/>
-              <a:buChar char="•"/>
-            </a:pPr>
-            <a:r>
-              <a:rPr lang="en-US" dirty="0"/>
-              <a:t>Prefect </a:t>
-            </a:r>
-          </a:p>
-        </p:txBody>
-      </p:sp>
-      <p:sp>
-        <p:nvSpPr>
-          <p:cNvPr id="17" name="TextBox 16">
-            <a:extLst>
-              <a:ext uri="{FF2B5EF4-FFF2-40B4-BE49-F238E27FC236}">
-                <a16:creationId xmlns:a16="http://schemas.microsoft.com/office/drawing/2014/main" id="{3865FC87-5F53-3948-B754-C92ABE0C0788}"/>
-              </a:ext>
-            </a:extLst>
-          </p:cNvPr>
-          <p:cNvSpPr txBox="1"/>
-          <p:nvPr/>
-        </p:nvSpPr>
-        <p:spPr>
-          <a:xfrm>
-            <a:off x="8766163" y="3153567"/>
-            <a:ext cx="3015343" cy="2308324"/>
-          </a:xfrm>
-          <a:prstGeom prst="rect">
-            <a:avLst/>
-          </a:prstGeom>
-          <a:noFill/>
-        </p:spPr>
-        <p:txBody>
-          <a:bodyPr wrap="square" rtlCol="0">
-            <a:spAutoFit/>
-          </a:bodyPr>
-          <a:lstStyle/>
+              <a:rPr lang="en-US" dirty="0">
+                <a:latin typeface="Arial" panose="020B0604020202020204" pitchFamily="34" charset="0"/>
+                <a:cs typeface="Arial" panose="020B0604020202020204" pitchFamily="34" charset="0"/>
+              </a:rPr>
+              <a:t>{targets}</a:t>
+            </a:r>
+          </a:p>
           <a:p>
             <a:pPr marL="285750" indent="-285750">
               <a:buFont typeface="Arial" panose="020B0604020202020204" pitchFamily="34" charset="0"/>
               <a:buChar char="•"/>
             </a:pPr>
             <a:r>
-              <a:rPr lang="en-US" dirty="0"/>
-              <a:t>Run on a schedule.</a:t>
+              <a:rPr lang="en-US" dirty="0">
+                <a:latin typeface="Arial" panose="020B0604020202020204" pitchFamily="34" charset="0"/>
+                <a:cs typeface="Arial" panose="020B0604020202020204" pitchFamily="34" charset="0"/>
+              </a:rPr>
+              <a:t>Prefect</a:t>
             </a:r>
           </a:p>
           <a:p>
@@ -3628,20 +3840,90 @@
               <a:buChar char="•"/>
             </a:pPr>
             <a:r>
-              <a:rPr lang="en-US" dirty="0"/>
-              <a:t>Historical results storage.</a:t>
-            </a:r>
-          </a:p>
+              <a:rPr lang="en-US" dirty="0">
+                <a:latin typeface="Arial" panose="020B0604020202020204" pitchFamily="34" charset="0"/>
+                <a:cs typeface="Arial" panose="020B0604020202020204" pitchFamily="34" charset="0"/>
+              </a:rPr>
+              <a:t>DVC</a:t>
+            </a:r>
+          </a:p>
+          <a:p>
+            <a:endParaRPr lang="en-US" dirty="0"/>
+          </a:p>
+        </p:txBody>
+      </p:sp>
+      <p:sp>
+        <p:nvSpPr>
+          <p:cNvPr id="3" name="TextBox 2">
+            <a:extLst>
+              <a:ext uri="{FF2B5EF4-FFF2-40B4-BE49-F238E27FC236}">
+                <a16:creationId xmlns:a16="http://schemas.microsoft.com/office/drawing/2014/main" id="{B9CB20B8-B18F-32BB-7C74-F33BC205BB3B}"/>
+              </a:ext>
+            </a:extLst>
+          </p:cNvPr>
+          <p:cNvSpPr txBox="1"/>
+          <p:nvPr/>
+        </p:nvSpPr>
+        <p:spPr>
+          <a:xfrm>
+            <a:off x="1035949" y="1961762"/>
+            <a:ext cx="2704587" cy="646331"/>
+          </a:xfrm>
+          <a:prstGeom prst="rect">
+            <a:avLst/>
+          </a:prstGeom>
+          <a:noFill/>
+        </p:spPr>
+        <p:txBody>
+          <a:bodyPr wrap="none" rtlCol="0">
+            <a:spAutoFit/>
+          </a:bodyPr>
+          <a:lstStyle/>
           <a:p>
             <a:pPr marL="285750" indent="-285750">
               <a:buFont typeface="Arial" panose="020B0604020202020204" pitchFamily="34" charset="0"/>
               <a:buChar char="•"/>
             </a:pPr>
             <a:r>
-              <a:rPr lang="en-US" dirty="0"/>
-              <a:t>Manually resume from a failed step.</a:t>
-            </a:r>
-          </a:p>
+              <a:rPr lang="en-US" dirty="0">
+                <a:latin typeface="Arial" panose="020B0604020202020204" pitchFamily="34" charset="0"/>
+                <a:cs typeface="Arial" panose="020B0604020202020204" pitchFamily="34" charset="0"/>
+              </a:rPr>
+              <a:t>Skip up-to-date tasks.</a:t>
+            </a:r>
+          </a:p>
+          <a:p>
+            <a:endParaRPr lang="en-US" dirty="0"/>
+          </a:p>
+        </p:txBody>
+      </p:sp>
+      <p:sp>
+        <p:nvSpPr>
+          <p:cNvPr id="7" name="TextBox 6">
+            <a:extLst>
+              <a:ext uri="{FF2B5EF4-FFF2-40B4-BE49-F238E27FC236}">
+                <a16:creationId xmlns:a16="http://schemas.microsoft.com/office/drawing/2014/main" id="{A2668B1C-ABF3-B0DF-5885-FA6256121DBA}"/>
+              </a:ext>
+            </a:extLst>
+          </p:cNvPr>
+          <p:cNvSpPr txBox="1"/>
+          <p:nvPr/>
+        </p:nvSpPr>
+        <p:spPr>
+          <a:xfrm>
+            <a:off x="1035949" y="3189065"/>
+            <a:ext cx="1488484" cy="369332"/>
+          </a:xfrm>
+          <a:prstGeom prst="rect">
+            <a:avLst/>
+          </a:prstGeom>
+          <a:noFill/>
+        </p:spPr>
+        <p:txBody>
+          <a:bodyPr wrap="none" rtlCol="0">
+            <a:spAutoFit/>
+          </a:bodyPr>
+          <a:lstStyle/>
           <a:p>
             <a:pPr marL="285750" indent="-285750">
               <a:buFont typeface="Arial" panose="020B0604020202020204" pitchFamily="34" charset="0"/>
@@ -3649,197 +3931,7 @@
             </a:pPr>
             <a:r>
               <a:rPr lang="en-US" dirty="0"/>
-              <a:t>Examples:</a:t>
-            </a:r>
-          </a:p>
-          <a:p>
-            <a:pPr marL="742950" lvl="1" indent="-285750">
-              <a:buFont typeface="Arial" panose="020B0604020202020204" pitchFamily="34" charset="0"/>
-              <a:buChar char="•"/>
-            </a:pPr>
-            <a:r>
-              <a:rPr lang="en-US" dirty="0"/>
-              <a:t>Airflow</a:t>
-            </a:r>
-          </a:p>
-          <a:p>
-            <a:pPr marL="742950" lvl="1" indent="-285750">
-              <a:buFont typeface="Arial" panose="020B0604020202020204" pitchFamily="34" charset="0"/>
-              <a:buChar char="•"/>
-            </a:pPr>
-            <a:r>
-              <a:rPr lang="en-US" dirty="0"/>
-              <a:t>Metaflow</a:t>
-            </a:r>
-          </a:p>
-          <a:p>
-            <a:pPr marL="285750" indent="-285750">
-              <a:buFont typeface="Arial" panose="020B0604020202020204" pitchFamily="34" charset="0"/>
-              <a:buChar char="•"/>
-            </a:pPr>
-            <a:endParaRPr lang="en-US" dirty="0"/>
-          </a:p>
-        </p:txBody>
-      </p:sp>
-      <p:sp>
-        <p:nvSpPr>
-          <p:cNvPr id="18" name="TextBox 17">
-            <a:extLst>
-              <a:ext uri="{FF2B5EF4-FFF2-40B4-BE49-F238E27FC236}">
-                <a16:creationId xmlns:a16="http://schemas.microsoft.com/office/drawing/2014/main" id="{F86F0082-FCF0-0040-8704-BF28DF6A1784}"/>
-              </a:ext>
-            </a:extLst>
-          </p:cNvPr>
-          <p:cNvSpPr txBox="1"/>
-          <p:nvPr/>
-        </p:nvSpPr>
-        <p:spPr>
-          <a:xfrm>
-            <a:off x="958467" y="3015068"/>
-            <a:ext cx="3015343" cy="2308324"/>
-          </a:xfrm>
-          <a:prstGeom prst="rect">
-            <a:avLst/>
-          </a:prstGeom>
-          <a:noFill/>
-        </p:spPr>
-        <p:txBody>
-          <a:bodyPr wrap="square" rtlCol="0">
-            <a:spAutoFit/>
-          </a:bodyPr>
-          <a:lstStyle/>
-          <a:p>
-            <a:pPr marL="285750" indent="-285750">
-              <a:buFont typeface="Arial" panose="020B0604020202020204" pitchFamily="34" charset="0"/>
-              <a:buChar char="•"/>
-            </a:pPr>
-            <a:r>
-              <a:rPr lang="en-US" dirty="0"/>
-              <a:t>Automatically skip up-to-date targets to save time.</a:t>
-            </a:r>
-          </a:p>
-          <a:p>
-            <a:pPr marL="285750" indent="-285750">
-              <a:buFont typeface="Arial" panose="020B0604020202020204" pitchFamily="34" charset="0"/>
-              <a:buChar char="•"/>
-            </a:pPr>
-            <a:r>
-              <a:rPr lang="en-US" dirty="0"/>
-              <a:t>Examples:</a:t>
-            </a:r>
-          </a:p>
-          <a:p>
-            <a:pPr marL="742950" lvl="1" indent="-285750">
-              <a:buFont typeface="Arial" panose="020B0604020202020204" pitchFamily="34" charset="0"/>
-              <a:buChar char="•"/>
-            </a:pPr>
-            <a:r>
-              <a:rPr lang="en-US" dirty="0"/>
               <a:t>GNU Make</a:t>
-            </a:r>
-          </a:p>
-          <a:p>
-            <a:pPr marL="742950" lvl="1" indent="-285750">
-              <a:buFont typeface="Arial" panose="020B0604020202020204" pitchFamily="34" charset="0"/>
-              <a:buChar char="•"/>
-            </a:pPr>
-            <a:r>
-              <a:rPr lang="en-US" dirty="0"/>
-              <a:t>targets</a:t>
-            </a:r>
-          </a:p>
-          <a:p>
-            <a:pPr marL="742950" lvl="1" indent="-285750">
-              <a:buFont typeface="Arial" panose="020B0604020202020204" pitchFamily="34" charset="0"/>
-              <a:buChar char="•"/>
-            </a:pPr>
-            <a:r>
-              <a:rPr lang="en-US" dirty="0"/>
-              <a:t>drake</a:t>
-            </a:r>
-          </a:p>
-          <a:p>
-            <a:pPr marL="742950" lvl="1" indent="-285750">
-              <a:buFont typeface="Arial" panose="020B0604020202020204" pitchFamily="34" charset="0"/>
-              <a:buChar char="•"/>
-            </a:pPr>
-            <a:endParaRPr lang="en-US" dirty="0"/>
-          </a:p>
-          <a:p>
-            <a:pPr marL="285750" indent="-285750">
-              <a:buFont typeface="Arial" panose="020B0604020202020204" pitchFamily="34" charset="0"/>
-              <a:buChar char="•"/>
-            </a:pPr>
-            <a:endParaRPr lang="en-US" dirty="0"/>
-          </a:p>
-        </p:txBody>
-      </p:sp>
-      <p:sp>
-        <p:nvSpPr>
-          <p:cNvPr id="23" name="TextBox 22">
-            <a:extLst>
-              <a:ext uri="{FF2B5EF4-FFF2-40B4-BE49-F238E27FC236}">
-                <a16:creationId xmlns:a16="http://schemas.microsoft.com/office/drawing/2014/main" id="{97C82BE0-EDEF-464E-8576-4142C51CA2E3}"/>
-              </a:ext>
-            </a:extLst>
-          </p:cNvPr>
-          <p:cNvSpPr txBox="1"/>
-          <p:nvPr/>
-        </p:nvSpPr>
-        <p:spPr>
-          <a:xfrm>
-            <a:off x="391886" y="1632543"/>
-            <a:ext cx="2201821" cy="707886"/>
-          </a:xfrm>
-          <a:prstGeom prst="rect">
-            <a:avLst/>
-          </a:prstGeom>
-          <a:noFill/>
-        </p:spPr>
-        <p:txBody>
-          <a:bodyPr wrap="none" rtlCol="0">
-            <a:spAutoFit/>
-          </a:bodyPr>
-          <a:lstStyle/>
-          <a:p>
-            <a:r>
-              <a:rPr lang="en-US" sz="4000" dirty="0"/>
-              <a:t>Make-like</a:t>
-            </a:r>
-          </a:p>
-        </p:txBody>
-      </p:sp>
-      <p:sp>
-        <p:nvSpPr>
-          <p:cNvPr id="24" name="TextBox 23">
-            <a:extLst>
-              <a:ext uri="{FF2B5EF4-FFF2-40B4-BE49-F238E27FC236}">
-                <a16:creationId xmlns:a16="http://schemas.microsoft.com/office/drawing/2014/main" id="{3802EDB0-B9A5-984F-95C6-4163B9A331EF}"/>
-              </a:ext>
-            </a:extLst>
-          </p:cNvPr>
-          <p:cNvSpPr txBox="1"/>
-          <p:nvPr/>
-        </p:nvSpPr>
-        <p:spPr>
-          <a:xfrm>
-            <a:off x="9391715" y="1833347"/>
-            <a:ext cx="2539028" cy="707886"/>
-          </a:xfrm>
-          <a:prstGeom prst="rect">
-            <a:avLst/>
-          </a:prstGeom>
-          <a:noFill/>
-        </p:spPr>
-        <p:txBody>
-          <a:bodyPr wrap="none" rtlCol="0">
-            <a:spAutoFit/>
-          </a:bodyPr>
-          <a:lstStyle/>
-          <a:p>
-            <a:r>
-              <a:rPr lang="en-US" sz="4000" dirty="0"/>
-              <a:t>Airflow-like</a:t>
             </a:r>
           </a:p>
         </p:txBody>
@@ -3874,6 +3966,1314 @@
           <a:chExt cx="0" cy="0"/>
         </a:xfrm>
       </p:grpSpPr>
+      <p:sp>
+        <p:nvSpPr>
+          <p:cNvPr id="19" name="Rounded Rectangle 18">
+            <a:extLst>
+              <a:ext uri="{FF2B5EF4-FFF2-40B4-BE49-F238E27FC236}">
+                <a16:creationId xmlns:a16="http://schemas.microsoft.com/office/drawing/2014/main" id="{A7032FC1-B94D-AEC6-A16B-8D37253F6EA1}"/>
+              </a:ext>
+            </a:extLst>
+          </p:cNvPr>
+          <p:cNvSpPr/>
+          <p:nvPr/>
+        </p:nvSpPr>
+        <p:spPr>
+          <a:xfrm>
+            <a:off x="5949434" y="2155054"/>
+            <a:ext cx="5275061" cy="1524317"/>
+          </a:xfrm>
+          <a:prstGeom prst="roundRect">
+            <a:avLst/>
+          </a:prstGeom>
+          <a:solidFill>
+            <a:srgbClr val="C00000">
+              <a:alpha val="25000"/>
+            </a:srgbClr>
+          </a:solidFill>
+          <a:ln>
+            <a:noFill/>
+          </a:ln>
+        </p:spPr>
+        <p:style>
+          <a:lnRef idx="2">
+            <a:schemeClr val="accent1">
+              <a:shade val="50000"/>
+            </a:schemeClr>
+          </a:lnRef>
+          <a:fillRef idx="1">
+            <a:schemeClr val="accent1"/>
+          </a:fillRef>
+          <a:effectRef idx="0">
+            <a:schemeClr val="accent1"/>
+          </a:effectRef>
+          <a:fontRef idx="minor">
+            <a:schemeClr val="lt1"/>
+          </a:fontRef>
+        </p:style>
+        <p:txBody>
+          <a:bodyPr rtlCol="0" anchor="ctr"/>
+          <a:lstStyle/>
+          <a:p>
+            <a:pPr algn="ctr"/>
+            <a:endParaRPr lang="en-US" dirty="0"/>
+          </a:p>
+        </p:txBody>
+      </p:sp>
+      <p:sp>
+        <p:nvSpPr>
+          <p:cNvPr id="23" name="TextBox 22">
+            <a:extLst>
+              <a:ext uri="{FF2B5EF4-FFF2-40B4-BE49-F238E27FC236}">
+                <a16:creationId xmlns:a16="http://schemas.microsoft.com/office/drawing/2014/main" id="{97C82BE0-EDEF-464E-8576-4142C51CA2E3}"/>
+              </a:ext>
+            </a:extLst>
+          </p:cNvPr>
+          <p:cNvSpPr txBox="1"/>
+          <p:nvPr/>
+        </p:nvSpPr>
+        <p:spPr>
+          <a:xfrm>
+            <a:off x="2667893" y="1484357"/>
+            <a:ext cx="1027845" cy="584775"/>
+          </a:xfrm>
+          <a:prstGeom prst="rect">
+            <a:avLst/>
+          </a:prstGeom>
+          <a:noFill/>
+        </p:spPr>
+        <p:txBody>
+          <a:bodyPr wrap="none" rtlCol="0">
+            <a:spAutoFit/>
+          </a:bodyPr>
+          <a:lstStyle/>
+          <a:p>
+            <a:r>
+              <a:rPr lang="en-US" sz="3200" dirty="0">
+                <a:latin typeface="Arial" panose="020B0604020202020204" pitchFamily="34" charset="0"/>
+                <a:cs typeface="Arial" panose="020B0604020202020204" pitchFamily="34" charset="0"/>
+              </a:rPr>
+              <a:t>Pros</a:t>
+            </a:r>
+          </a:p>
+        </p:txBody>
+      </p:sp>
+      <p:sp>
+        <p:nvSpPr>
+          <p:cNvPr id="24" name="TextBox 23">
+            <a:extLst>
+              <a:ext uri="{FF2B5EF4-FFF2-40B4-BE49-F238E27FC236}">
+                <a16:creationId xmlns:a16="http://schemas.microsoft.com/office/drawing/2014/main" id="{3802EDB0-B9A5-984F-95C6-4163B9A331EF}"/>
+              </a:ext>
+            </a:extLst>
+          </p:cNvPr>
+          <p:cNvSpPr txBox="1"/>
+          <p:nvPr/>
+        </p:nvSpPr>
+        <p:spPr>
+          <a:xfrm>
+            <a:off x="7925434" y="1488257"/>
+            <a:ext cx="1141659" cy="584775"/>
+          </a:xfrm>
+          <a:prstGeom prst="rect">
+            <a:avLst/>
+          </a:prstGeom>
+          <a:noFill/>
+        </p:spPr>
+        <p:txBody>
+          <a:bodyPr wrap="none" rtlCol="0">
+            <a:spAutoFit/>
+          </a:bodyPr>
+          <a:lstStyle/>
+          <a:p>
+            <a:r>
+              <a:rPr lang="en-US" sz="3200" dirty="0">
+                <a:latin typeface="Arial" panose="020B0604020202020204" pitchFamily="34" charset="0"/>
+                <a:cs typeface="Arial" panose="020B0604020202020204" pitchFamily="34" charset="0"/>
+              </a:rPr>
+              <a:t>Cons</a:t>
+            </a:r>
+          </a:p>
+        </p:txBody>
+      </p:sp>
+      <p:sp>
+        <p:nvSpPr>
+          <p:cNvPr id="8" name="Rounded Rectangle 7">
+            <a:extLst>
+              <a:ext uri="{FF2B5EF4-FFF2-40B4-BE49-F238E27FC236}">
+                <a16:creationId xmlns:a16="http://schemas.microsoft.com/office/drawing/2014/main" id="{C20BE477-F1EB-0006-F2BA-991C8867EBE3}"/>
+              </a:ext>
+            </a:extLst>
+          </p:cNvPr>
+          <p:cNvSpPr/>
+          <p:nvPr/>
+        </p:nvSpPr>
+        <p:spPr>
+          <a:xfrm>
+            <a:off x="544286" y="2155054"/>
+            <a:ext cx="5275061" cy="1524317"/>
+          </a:xfrm>
+          <a:prstGeom prst="roundRect">
+            <a:avLst/>
+          </a:prstGeom>
+          <a:solidFill>
+            <a:srgbClr val="002060">
+              <a:alpha val="25000"/>
+            </a:srgbClr>
+          </a:solidFill>
+          <a:ln>
+            <a:noFill/>
+          </a:ln>
+        </p:spPr>
+        <p:style>
+          <a:lnRef idx="2">
+            <a:schemeClr val="accent1">
+              <a:shade val="50000"/>
+            </a:schemeClr>
+          </a:lnRef>
+          <a:fillRef idx="1">
+            <a:schemeClr val="accent1"/>
+          </a:fillRef>
+          <a:effectRef idx="0">
+            <a:schemeClr val="accent1"/>
+          </a:effectRef>
+          <a:fontRef idx="minor">
+            <a:schemeClr val="lt1"/>
+          </a:fontRef>
+        </p:style>
+        <p:txBody>
+          <a:bodyPr rtlCol="0" anchor="ctr"/>
+          <a:lstStyle/>
+          <a:p>
+            <a:pPr algn="ctr"/>
+            <a:endParaRPr lang="en-US"/>
+          </a:p>
+        </p:txBody>
+      </p:sp>
+      <p:sp>
+        <p:nvSpPr>
+          <p:cNvPr id="3" name="TextBox 2">
+            <a:extLst>
+              <a:ext uri="{FF2B5EF4-FFF2-40B4-BE49-F238E27FC236}">
+                <a16:creationId xmlns:a16="http://schemas.microsoft.com/office/drawing/2014/main" id="{B9CB20B8-B18F-32BB-7C74-F33BC205BB3B}"/>
+              </a:ext>
+            </a:extLst>
+          </p:cNvPr>
+          <p:cNvSpPr txBox="1"/>
+          <p:nvPr/>
+        </p:nvSpPr>
+        <p:spPr>
+          <a:xfrm>
+            <a:off x="664029" y="2353683"/>
+            <a:ext cx="5050972" cy="830997"/>
+          </a:xfrm>
+          <a:prstGeom prst="rect">
+            <a:avLst/>
+          </a:prstGeom>
+          <a:noFill/>
+        </p:spPr>
+        <p:txBody>
+          <a:bodyPr wrap="square" rtlCol="0">
+            <a:spAutoFit/>
+          </a:bodyPr>
+          <a:lstStyle/>
+          <a:p>
+            <a:pPr marL="285750" indent="-285750">
+              <a:buFont typeface="Arial" panose="020B0604020202020204" pitchFamily="34" charset="0"/>
+              <a:buChar char="•"/>
+            </a:pPr>
+            <a:r>
+              <a:rPr lang="en-US" sz="2400" dirty="0">
+                <a:latin typeface="Arial" panose="020B0604020202020204" pitchFamily="34" charset="0"/>
+                <a:cs typeface="Arial" panose="020B0604020202020204" pitchFamily="34" charset="0"/>
+              </a:rPr>
+              <a:t>Compact.</a:t>
+            </a:r>
+          </a:p>
+          <a:p>
+            <a:pPr marL="285750" indent="-285750">
+              <a:buFont typeface="Arial" panose="020B0604020202020204" pitchFamily="34" charset="0"/>
+              <a:buChar char="•"/>
+            </a:pPr>
+            <a:r>
+              <a:rPr lang="en-US" sz="2400" dirty="0">
+                <a:latin typeface="Arial" panose="020B0604020202020204" pitchFamily="34" charset="0"/>
+                <a:cs typeface="Arial" panose="020B0604020202020204" pitchFamily="34" charset="0"/>
+              </a:rPr>
+              <a:t>Simple to understand.</a:t>
+            </a:r>
+          </a:p>
+        </p:txBody>
+      </p:sp>
+      <p:sp>
+        <p:nvSpPr>
+          <p:cNvPr id="12" name="TextBox 11">
+            <a:extLst>
+              <a:ext uri="{FF2B5EF4-FFF2-40B4-BE49-F238E27FC236}">
+                <a16:creationId xmlns:a16="http://schemas.microsoft.com/office/drawing/2014/main" id="{CE02C8ED-0D59-C1F2-003A-2B4819D59311}"/>
+              </a:ext>
+            </a:extLst>
+          </p:cNvPr>
+          <p:cNvSpPr txBox="1"/>
+          <p:nvPr/>
+        </p:nvSpPr>
+        <p:spPr>
+          <a:xfrm>
+            <a:off x="6061479" y="2353683"/>
+            <a:ext cx="5050972" cy="1200329"/>
+          </a:xfrm>
+          <a:prstGeom prst="rect">
+            <a:avLst/>
+          </a:prstGeom>
+          <a:noFill/>
+        </p:spPr>
+        <p:txBody>
+          <a:bodyPr wrap="square" rtlCol="0">
+            <a:spAutoFit/>
+          </a:bodyPr>
+          <a:lstStyle/>
+          <a:p>
+            <a:pPr marL="285750" indent="-285750">
+              <a:buFont typeface="Arial" panose="020B0604020202020204" pitchFamily="34" charset="0"/>
+              <a:buChar char="•"/>
+            </a:pPr>
+            <a:r>
+              <a:rPr lang="en-US" sz="2400" dirty="0">
+                <a:latin typeface="Arial" panose="020B0604020202020204" pitchFamily="34" charset="0"/>
+                <a:cs typeface="Arial" panose="020B0604020202020204" pitchFamily="34" charset="0"/>
+              </a:rPr>
+              <a:t>Only tracks the current state.</a:t>
+            </a:r>
+          </a:p>
+          <a:p>
+            <a:pPr marL="285750" indent="-285750">
+              <a:buFont typeface="Arial" panose="020B0604020202020204" pitchFamily="34" charset="0"/>
+              <a:buChar char="•"/>
+            </a:pPr>
+            <a:r>
+              <a:rPr lang="en-US" sz="2400" dirty="0">
+                <a:latin typeface="Arial" panose="020B0604020202020204" pitchFamily="34" charset="0"/>
+                <a:cs typeface="Arial" panose="020B0604020202020204" pitchFamily="34" charset="0"/>
+              </a:rPr>
+              <a:t>Reverting to old code invalidates the targets.</a:t>
+            </a:r>
+          </a:p>
+        </p:txBody>
+      </p:sp>
+    </p:spTree>
+    <p:extLst>
+      <p:ext uri="{BB962C8B-B14F-4D97-AF65-F5344CB8AC3E}">
+        <p14:creationId xmlns:p14="http://schemas.microsoft.com/office/powerpoint/2010/main" val="4060897896"/>
+      </p:ext>
+    </p:extLst>
+  </p:cSld>
+  <p:clrMapOvr>
+    <a:masterClrMapping/>
+  </p:clrMapOvr>
+</p:sld>
+</file>
+
+<file path=ppt/slides/slide4.xml><?xml version="1.0" encoding="utf-8"?>
+<p:sld xmlns:a="http://schemas.openxmlformats.org/drawingml/2006/main" xmlns:r="http://schemas.openxmlformats.org/officeDocument/2006/relationships" xmlns:p="http://schemas.openxmlformats.org/presentationml/2006/main">
+  <p:cSld>
+    <p:spTree>
+      <p:nvGrpSpPr>
+        <p:cNvPr id="1" name=""/>
+        <p:cNvGrpSpPr/>
+        <p:nvPr/>
+      </p:nvGrpSpPr>
+      <p:grpSpPr>
+        <a:xfrm>
+          <a:off x="0" y="0"/>
+          <a:ext cx="0" cy="0"/>
+          <a:chOff x="0" y="0"/>
+          <a:chExt cx="0" cy="0"/>
+        </a:xfrm>
+      </p:grpSpPr>
+      <p:cxnSp>
+        <p:nvCxnSpPr>
+          <p:cNvPr id="30" name="Straight Connector 29">
+            <a:extLst>
+              <a:ext uri="{FF2B5EF4-FFF2-40B4-BE49-F238E27FC236}">
+                <a16:creationId xmlns:a16="http://schemas.microsoft.com/office/drawing/2014/main" id="{C0C69984-06D2-8068-1DEE-3260610FFDD5}"/>
+              </a:ext>
+            </a:extLst>
+          </p:cNvPr>
+          <p:cNvCxnSpPr>
+            <a:cxnSpLocks/>
+            <a:endCxn id="26" idx="0"/>
+          </p:cNvCxnSpPr>
+          <p:nvPr/>
+        </p:nvCxnSpPr>
+        <p:spPr>
+          <a:xfrm flipH="1">
+            <a:off x="10494319" y="1624066"/>
+            <a:ext cx="17307" cy="4460422"/>
+          </a:xfrm>
+          <a:prstGeom prst="line">
+            <a:avLst/>
+          </a:prstGeom>
+          <a:ln w="31750">
+            <a:solidFill>
+              <a:schemeClr val="tx1"/>
+            </a:solidFill>
+            <a:prstDash val="sysDot"/>
+          </a:ln>
+        </p:spPr>
+        <p:style>
+          <a:lnRef idx="1">
+            <a:schemeClr val="accent1"/>
+          </a:lnRef>
+          <a:fillRef idx="0">
+            <a:schemeClr val="accent1"/>
+          </a:fillRef>
+          <a:effectRef idx="0">
+            <a:schemeClr val="accent1"/>
+          </a:effectRef>
+          <a:fontRef idx="minor">
+            <a:schemeClr val="tx1"/>
+          </a:fontRef>
+        </p:style>
+      </p:cxnSp>
+      <p:cxnSp>
+        <p:nvCxnSpPr>
+          <p:cNvPr id="28" name="Straight Connector 27">
+            <a:extLst>
+              <a:ext uri="{FF2B5EF4-FFF2-40B4-BE49-F238E27FC236}">
+                <a16:creationId xmlns:a16="http://schemas.microsoft.com/office/drawing/2014/main" id="{ED56731F-9E62-05FB-D9C3-23B43B855DF8}"/>
+              </a:ext>
+            </a:extLst>
+          </p:cNvPr>
+          <p:cNvCxnSpPr>
+            <a:cxnSpLocks/>
+            <a:stCxn id="7" idx="2"/>
+            <a:endCxn id="23" idx="0"/>
+          </p:cNvCxnSpPr>
+          <p:nvPr/>
+        </p:nvCxnSpPr>
+        <p:spPr>
+          <a:xfrm>
+            <a:off x="4419437" y="1655412"/>
+            <a:ext cx="16228" cy="2499800"/>
+          </a:xfrm>
+          <a:prstGeom prst="line">
+            <a:avLst/>
+          </a:prstGeom>
+          <a:ln w="31750">
+            <a:solidFill>
+              <a:schemeClr val="tx1"/>
+            </a:solidFill>
+            <a:prstDash val="sysDot"/>
+          </a:ln>
+        </p:spPr>
+        <p:style>
+          <a:lnRef idx="1">
+            <a:schemeClr val="accent1"/>
+          </a:lnRef>
+          <a:fillRef idx="0">
+            <a:schemeClr val="accent1"/>
+          </a:fillRef>
+          <a:effectRef idx="0">
+            <a:schemeClr val="accent1"/>
+          </a:effectRef>
+          <a:fontRef idx="minor">
+            <a:schemeClr val="tx1"/>
+          </a:fontRef>
+        </p:style>
+      </p:cxnSp>
+      <p:sp>
+        <p:nvSpPr>
+          <p:cNvPr id="7" name="Rounded Rectangle 6">
+            <a:extLst>
+              <a:ext uri="{FF2B5EF4-FFF2-40B4-BE49-F238E27FC236}">
+                <a16:creationId xmlns:a16="http://schemas.microsoft.com/office/drawing/2014/main" id="{F3B7EA1C-E175-CE8B-4565-0395D612A1AC}"/>
+              </a:ext>
+            </a:extLst>
+          </p:cNvPr>
+          <p:cNvSpPr/>
+          <p:nvPr/>
+        </p:nvSpPr>
+        <p:spPr>
+          <a:xfrm>
+            <a:off x="3014690" y="1068366"/>
+            <a:ext cx="2809494" cy="587046"/>
+          </a:xfrm>
+          <a:prstGeom prst="roundRect">
+            <a:avLst/>
+          </a:prstGeom>
+          <a:solidFill>
+            <a:schemeClr val="accent6">
+              <a:lumMod val="50000"/>
+            </a:schemeClr>
+          </a:solidFill>
+        </p:spPr>
+        <p:style>
+          <a:lnRef idx="2">
+            <a:schemeClr val="accent1">
+              <a:shade val="50000"/>
+            </a:schemeClr>
+          </a:lnRef>
+          <a:fillRef idx="1">
+            <a:schemeClr val="accent1"/>
+          </a:fillRef>
+          <a:effectRef idx="0">
+            <a:schemeClr val="accent1"/>
+          </a:effectRef>
+          <a:fontRef idx="minor">
+            <a:schemeClr val="lt1"/>
+          </a:fontRef>
+        </p:style>
+        <p:txBody>
+          <a:bodyPr rtlCol="0" anchor="ctr"/>
+          <a:lstStyle/>
+          <a:p>
+            <a:pPr algn="ctr"/>
+            <a:r>
+              <a:rPr lang="en-US" sz="2800" dirty="0">
+                <a:latin typeface="Arial" panose="020B0604020202020204" pitchFamily="34" charset="0"/>
+                <a:cs typeface="Arial" panose="020B0604020202020204" pitchFamily="34" charset="0"/>
+              </a:rPr>
+              <a:t>e8ad30b</a:t>
+            </a:r>
+          </a:p>
+        </p:txBody>
+      </p:sp>
+      <p:sp>
+        <p:nvSpPr>
+          <p:cNvPr id="8" name="Rounded Rectangle 7">
+            <a:extLst>
+              <a:ext uri="{FF2B5EF4-FFF2-40B4-BE49-F238E27FC236}">
+                <a16:creationId xmlns:a16="http://schemas.microsoft.com/office/drawing/2014/main" id="{B433AE81-558C-E096-FBAA-2F51D16B3123}"/>
+              </a:ext>
+            </a:extLst>
+          </p:cNvPr>
+          <p:cNvSpPr/>
+          <p:nvPr/>
+        </p:nvSpPr>
+        <p:spPr>
+          <a:xfrm>
+            <a:off x="6052131" y="1068366"/>
+            <a:ext cx="2809494" cy="587046"/>
+          </a:xfrm>
+          <a:prstGeom prst="roundRect">
+            <a:avLst/>
+          </a:prstGeom>
+          <a:solidFill>
+            <a:schemeClr val="accent6">
+              <a:lumMod val="50000"/>
+            </a:schemeClr>
+          </a:solidFill>
+        </p:spPr>
+        <p:style>
+          <a:lnRef idx="2">
+            <a:schemeClr val="accent1">
+              <a:shade val="50000"/>
+            </a:schemeClr>
+          </a:lnRef>
+          <a:fillRef idx="1">
+            <a:schemeClr val="accent1"/>
+          </a:fillRef>
+          <a:effectRef idx="0">
+            <a:schemeClr val="accent1"/>
+          </a:effectRef>
+          <a:fontRef idx="minor">
+            <a:schemeClr val="lt1"/>
+          </a:fontRef>
+        </p:style>
+        <p:txBody>
+          <a:bodyPr rtlCol="0" anchor="ctr"/>
+          <a:lstStyle/>
+          <a:p>
+            <a:pPr algn="ctr"/>
+            <a:r>
+              <a:rPr lang="en-US" sz="2800" dirty="0">
+                <a:latin typeface="Arial" panose="020B0604020202020204" pitchFamily="34" charset="0"/>
+                <a:cs typeface="Arial" panose="020B0604020202020204" pitchFamily="34" charset="0"/>
+              </a:rPr>
+              <a:t>f81862f</a:t>
+            </a:r>
+          </a:p>
+        </p:txBody>
+      </p:sp>
+      <p:sp>
+        <p:nvSpPr>
+          <p:cNvPr id="9" name="Rounded Rectangle 8">
+            <a:extLst>
+              <a:ext uri="{FF2B5EF4-FFF2-40B4-BE49-F238E27FC236}">
+                <a16:creationId xmlns:a16="http://schemas.microsoft.com/office/drawing/2014/main" id="{44595B66-BA2E-230F-C0E0-6204A8F333F7}"/>
+              </a:ext>
+            </a:extLst>
+          </p:cNvPr>
+          <p:cNvSpPr/>
+          <p:nvPr/>
+        </p:nvSpPr>
+        <p:spPr>
+          <a:xfrm>
+            <a:off x="9089572" y="1068366"/>
+            <a:ext cx="2809494" cy="587046"/>
+          </a:xfrm>
+          <a:prstGeom prst="roundRect">
+            <a:avLst/>
+          </a:prstGeom>
+          <a:solidFill>
+            <a:schemeClr val="accent6">
+              <a:lumMod val="50000"/>
+            </a:schemeClr>
+          </a:solidFill>
+        </p:spPr>
+        <p:style>
+          <a:lnRef idx="2">
+            <a:schemeClr val="accent1">
+              <a:shade val="50000"/>
+            </a:schemeClr>
+          </a:lnRef>
+          <a:fillRef idx="1">
+            <a:schemeClr val="accent1"/>
+          </a:fillRef>
+          <a:effectRef idx="0">
+            <a:schemeClr val="accent1"/>
+          </a:effectRef>
+          <a:fontRef idx="minor">
+            <a:schemeClr val="lt1"/>
+          </a:fontRef>
+        </p:style>
+        <p:txBody>
+          <a:bodyPr rtlCol="0" anchor="ctr"/>
+          <a:lstStyle/>
+          <a:p>
+            <a:pPr algn="ctr"/>
+            <a:r>
+              <a:rPr lang="en-US" sz="2800" dirty="0">
+                <a:latin typeface="Arial" panose="020B0604020202020204" pitchFamily="34" charset="0"/>
+                <a:cs typeface="Arial" panose="020B0604020202020204" pitchFamily="34" charset="0"/>
+              </a:rPr>
+              <a:t>777b678</a:t>
+            </a:r>
+          </a:p>
+        </p:txBody>
+      </p:sp>
+      <p:sp>
+        <p:nvSpPr>
+          <p:cNvPr id="10" name="Rounded Rectangle 9">
+            <a:extLst>
+              <a:ext uri="{FF2B5EF4-FFF2-40B4-BE49-F238E27FC236}">
+                <a16:creationId xmlns:a16="http://schemas.microsoft.com/office/drawing/2014/main" id="{4F414C00-EEF1-EC3D-D6FA-1C21139D0E72}"/>
+              </a:ext>
+            </a:extLst>
+          </p:cNvPr>
+          <p:cNvSpPr/>
+          <p:nvPr/>
+        </p:nvSpPr>
+        <p:spPr>
+          <a:xfrm>
+            <a:off x="3014690" y="2611789"/>
+            <a:ext cx="2809494" cy="587046"/>
+          </a:xfrm>
+          <a:prstGeom prst="roundRect">
+            <a:avLst/>
+          </a:prstGeom>
+          <a:solidFill>
+            <a:schemeClr val="accent2">
+              <a:lumMod val="75000"/>
+            </a:schemeClr>
+          </a:solidFill>
+        </p:spPr>
+        <p:style>
+          <a:lnRef idx="2">
+            <a:schemeClr val="accent1">
+              <a:shade val="50000"/>
+            </a:schemeClr>
+          </a:lnRef>
+          <a:fillRef idx="1">
+            <a:schemeClr val="accent1"/>
+          </a:fillRef>
+          <a:effectRef idx="0">
+            <a:schemeClr val="accent1"/>
+          </a:effectRef>
+          <a:fontRef idx="minor">
+            <a:schemeClr val="lt1"/>
+          </a:fontRef>
+        </p:style>
+        <p:txBody>
+          <a:bodyPr rtlCol="0" anchor="ctr"/>
+          <a:lstStyle/>
+          <a:p>
+            <a:pPr algn="ctr"/>
+            <a:r>
+              <a:rPr lang="en-US" sz="2800" dirty="0">
+                <a:latin typeface="Arial" panose="020B0604020202020204" pitchFamily="34" charset="0"/>
+                <a:cs typeface="Arial" panose="020B0604020202020204" pitchFamily="34" charset="0"/>
+              </a:rPr>
+              <a:t>code=e8ad30b</a:t>
+            </a:r>
+          </a:p>
+        </p:txBody>
+      </p:sp>
+      <p:sp>
+        <p:nvSpPr>
+          <p:cNvPr id="11" name="Rounded Rectangle 10">
+            <a:extLst>
+              <a:ext uri="{FF2B5EF4-FFF2-40B4-BE49-F238E27FC236}">
+                <a16:creationId xmlns:a16="http://schemas.microsoft.com/office/drawing/2014/main" id="{1DD6571D-0DC5-DC12-DC52-BFEF2F02C85B}"/>
+              </a:ext>
+            </a:extLst>
+          </p:cNvPr>
+          <p:cNvSpPr/>
+          <p:nvPr/>
+        </p:nvSpPr>
+        <p:spPr>
+          <a:xfrm>
+            <a:off x="9089572" y="2611789"/>
+            <a:ext cx="2809494" cy="587046"/>
+          </a:xfrm>
+          <a:prstGeom prst="roundRect">
+            <a:avLst/>
+          </a:prstGeom>
+          <a:solidFill>
+            <a:schemeClr val="accent2">
+              <a:lumMod val="75000"/>
+            </a:schemeClr>
+          </a:solidFill>
+        </p:spPr>
+        <p:style>
+          <a:lnRef idx="2">
+            <a:schemeClr val="accent1">
+              <a:shade val="50000"/>
+            </a:schemeClr>
+          </a:lnRef>
+          <a:fillRef idx="1">
+            <a:schemeClr val="accent1"/>
+          </a:fillRef>
+          <a:effectRef idx="0">
+            <a:schemeClr val="accent1"/>
+          </a:effectRef>
+          <a:fontRef idx="minor">
+            <a:schemeClr val="lt1"/>
+          </a:fontRef>
+        </p:style>
+        <p:txBody>
+          <a:bodyPr rtlCol="0" anchor="ctr"/>
+          <a:lstStyle/>
+          <a:p>
+            <a:pPr algn="ctr"/>
+            <a:r>
+              <a:rPr lang="en-US" sz="2800" dirty="0">
+                <a:latin typeface="Arial" panose="020B0604020202020204" pitchFamily="34" charset="0"/>
+                <a:cs typeface="Arial" panose="020B0604020202020204" pitchFamily="34" charset="0"/>
+              </a:rPr>
+              <a:t>code=777b678</a:t>
+            </a:r>
+          </a:p>
+        </p:txBody>
+      </p:sp>
+      <p:sp>
+        <p:nvSpPr>
+          <p:cNvPr id="13" name="TextBox 12">
+            <a:extLst>
+              <a:ext uri="{FF2B5EF4-FFF2-40B4-BE49-F238E27FC236}">
+                <a16:creationId xmlns:a16="http://schemas.microsoft.com/office/drawing/2014/main" id="{EF8F8B5D-0DC8-0F56-926B-C22D7783FA0C}"/>
+              </a:ext>
+            </a:extLst>
+          </p:cNvPr>
+          <p:cNvSpPr txBox="1"/>
+          <p:nvPr/>
+        </p:nvSpPr>
+        <p:spPr>
+          <a:xfrm>
+            <a:off x="3319817" y="549141"/>
+            <a:ext cx="2064989" cy="461665"/>
+          </a:xfrm>
+          <a:prstGeom prst="rect">
+            <a:avLst/>
+          </a:prstGeom>
+          <a:noFill/>
+        </p:spPr>
+        <p:txBody>
+          <a:bodyPr wrap="none" rtlCol="0">
+            <a:spAutoFit/>
+          </a:bodyPr>
+          <a:lstStyle/>
+          <a:p>
+            <a:r>
+              <a:rPr lang="en-US" sz="2400" dirty="0">
+                <a:latin typeface="Arial" panose="020B0604020202020204" pitchFamily="34" charset="0"/>
+                <a:cs typeface="Arial" panose="020B0604020202020204" pitchFamily="34" charset="0"/>
+              </a:rPr>
+              <a:t>“First commit”</a:t>
+            </a:r>
+          </a:p>
+        </p:txBody>
+      </p:sp>
+      <p:sp>
+        <p:nvSpPr>
+          <p:cNvPr id="14" name="TextBox 13">
+            <a:extLst>
+              <a:ext uri="{FF2B5EF4-FFF2-40B4-BE49-F238E27FC236}">
+                <a16:creationId xmlns:a16="http://schemas.microsoft.com/office/drawing/2014/main" id="{40FFC9CA-215D-DB05-E6AE-9D5DEC176A87}"/>
+              </a:ext>
+            </a:extLst>
+          </p:cNvPr>
+          <p:cNvSpPr txBox="1"/>
+          <p:nvPr/>
+        </p:nvSpPr>
+        <p:spPr>
+          <a:xfrm>
+            <a:off x="6293823" y="549138"/>
+            <a:ext cx="2446504" cy="461665"/>
+          </a:xfrm>
+          <a:prstGeom prst="rect">
+            <a:avLst/>
+          </a:prstGeom>
+          <a:noFill/>
+        </p:spPr>
+        <p:txBody>
+          <a:bodyPr wrap="none" rtlCol="0">
+            <a:spAutoFit/>
+          </a:bodyPr>
+          <a:lstStyle/>
+          <a:p>
+            <a:r>
+              <a:rPr lang="en-US" sz="2400" dirty="0">
+                <a:latin typeface="Arial" panose="020B0604020202020204" pitchFamily="34" charset="0"/>
+                <a:cs typeface="Arial" panose="020B0604020202020204" pitchFamily="34" charset="0"/>
+              </a:rPr>
+              <a:t>“Develop model”</a:t>
+            </a:r>
+          </a:p>
+        </p:txBody>
+      </p:sp>
+      <p:sp>
+        <p:nvSpPr>
+          <p:cNvPr id="15" name="TextBox 14">
+            <a:extLst>
+              <a:ext uri="{FF2B5EF4-FFF2-40B4-BE49-F238E27FC236}">
+                <a16:creationId xmlns:a16="http://schemas.microsoft.com/office/drawing/2014/main" id="{0008E9BC-67F8-DBA1-8680-3E68FDCAF79C}"/>
+              </a:ext>
+            </a:extLst>
+          </p:cNvPr>
+          <p:cNvSpPr txBox="1"/>
+          <p:nvPr/>
+        </p:nvSpPr>
+        <p:spPr>
+          <a:xfrm>
+            <a:off x="9517212" y="549139"/>
+            <a:ext cx="2074607" cy="461665"/>
+          </a:xfrm>
+          <a:prstGeom prst="rect">
+            <a:avLst/>
+          </a:prstGeom>
+          <a:noFill/>
+        </p:spPr>
+        <p:txBody>
+          <a:bodyPr wrap="none" rtlCol="0">
+            <a:spAutoFit/>
+          </a:bodyPr>
+          <a:lstStyle/>
+          <a:p>
+            <a:r>
+              <a:rPr lang="en-US" sz="2400" dirty="0">
+                <a:latin typeface="Arial" panose="020B0604020202020204" pitchFamily="34" charset="0"/>
+                <a:cs typeface="Arial" panose="020B0604020202020204" pitchFamily="34" charset="0"/>
+              </a:rPr>
+              <a:t>“Update data”</a:t>
+            </a:r>
+          </a:p>
+        </p:txBody>
+      </p:sp>
+      <p:sp>
+        <p:nvSpPr>
+          <p:cNvPr id="16" name="TextBox 15">
+            <a:extLst>
+              <a:ext uri="{FF2B5EF4-FFF2-40B4-BE49-F238E27FC236}">
+                <a16:creationId xmlns:a16="http://schemas.microsoft.com/office/drawing/2014/main" id="{23530897-02D8-C679-D613-4E4104C85DDC}"/>
+              </a:ext>
+            </a:extLst>
+          </p:cNvPr>
+          <p:cNvSpPr txBox="1"/>
+          <p:nvPr/>
+        </p:nvSpPr>
+        <p:spPr>
+          <a:xfrm>
+            <a:off x="500743" y="1131056"/>
+            <a:ext cx="1967846" cy="461665"/>
+          </a:xfrm>
+          <a:prstGeom prst="rect">
+            <a:avLst/>
+          </a:prstGeom>
+          <a:noFill/>
+        </p:spPr>
+        <p:txBody>
+          <a:bodyPr wrap="none" rtlCol="0">
+            <a:spAutoFit/>
+          </a:bodyPr>
+          <a:lstStyle/>
+          <a:p>
+            <a:r>
+              <a:rPr lang="en-US" sz="2400" dirty="0"/>
+              <a:t>Code commits</a:t>
+            </a:r>
+          </a:p>
+        </p:txBody>
+      </p:sp>
+      <p:sp>
+        <p:nvSpPr>
+          <p:cNvPr id="17" name="TextBox 16">
+            <a:extLst>
+              <a:ext uri="{FF2B5EF4-FFF2-40B4-BE49-F238E27FC236}">
+                <a16:creationId xmlns:a16="http://schemas.microsoft.com/office/drawing/2014/main" id="{5FD3CEFA-A995-B4BD-CC1C-446655983831}"/>
+              </a:ext>
+            </a:extLst>
+          </p:cNvPr>
+          <p:cNvSpPr txBox="1"/>
+          <p:nvPr/>
+        </p:nvSpPr>
+        <p:spPr>
+          <a:xfrm>
+            <a:off x="500743" y="2674480"/>
+            <a:ext cx="1971886" cy="461665"/>
+          </a:xfrm>
+          <a:prstGeom prst="rect">
+            <a:avLst/>
+          </a:prstGeom>
+          <a:noFill/>
+        </p:spPr>
+        <p:txBody>
+          <a:bodyPr wrap="none" rtlCol="0">
+            <a:spAutoFit/>
+          </a:bodyPr>
+          <a:lstStyle/>
+          <a:p>
+            <a:r>
+              <a:rPr lang="en-US" sz="2400" dirty="0"/>
+              <a:t>Data branches</a:t>
+            </a:r>
+          </a:p>
+        </p:txBody>
+      </p:sp>
+      <p:sp>
+        <p:nvSpPr>
+          <p:cNvPr id="18" name="TextBox 17">
+            <a:extLst>
+              <a:ext uri="{FF2B5EF4-FFF2-40B4-BE49-F238E27FC236}">
+                <a16:creationId xmlns:a16="http://schemas.microsoft.com/office/drawing/2014/main" id="{B441365E-6515-D120-471B-A9818F38923F}"/>
+              </a:ext>
+            </a:extLst>
+          </p:cNvPr>
+          <p:cNvSpPr txBox="1"/>
+          <p:nvPr/>
+        </p:nvSpPr>
+        <p:spPr>
+          <a:xfrm>
+            <a:off x="500743" y="4217904"/>
+            <a:ext cx="2090509" cy="461665"/>
+          </a:xfrm>
+          <a:prstGeom prst="rect">
+            <a:avLst/>
+          </a:prstGeom>
+          <a:noFill/>
+        </p:spPr>
+        <p:txBody>
+          <a:bodyPr wrap="none" rtlCol="0">
+            <a:spAutoFit/>
+          </a:bodyPr>
+          <a:lstStyle/>
+          <a:p>
+            <a:r>
+              <a:rPr lang="en-US" sz="2400" dirty="0"/>
+              <a:t>Data snapshots</a:t>
+            </a:r>
+          </a:p>
+        </p:txBody>
+      </p:sp>
+      <p:cxnSp>
+        <p:nvCxnSpPr>
+          <p:cNvPr id="21" name="Straight Arrow Connector 20">
+            <a:extLst>
+              <a:ext uri="{FF2B5EF4-FFF2-40B4-BE49-F238E27FC236}">
+                <a16:creationId xmlns:a16="http://schemas.microsoft.com/office/drawing/2014/main" id="{1E89EA93-5691-6B46-9610-4EE78DE1967A}"/>
+              </a:ext>
+            </a:extLst>
+          </p:cNvPr>
+          <p:cNvCxnSpPr>
+            <a:cxnSpLocks/>
+          </p:cNvCxnSpPr>
+          <p:nvPr/>
+        </p:nvCxnSpPr>
+        <p:spPr>
+          <a:xfrm>
+            <a:off x="3014690" y="348343"/>
+            <a:ext cx="8884376" cy="0"/>
+          </a:xfrm>
+          <a:prstGeom prst="straightConnector1">
+            <a:avLst/>
+          </a:prstGeom>
+          <a:ln w="63500">
+            <a:solidFill>
+              <a:schemeClr val="accent3">
+                <a:lumMod val="75000"/>
+              </a:schemeClr>
+            </a:solidFill>
+            <a:tailEnd type="triangle"/>
+          </a:ln>
+        </p:spPr>
+        <p:style>
+          <a:lnRef idx="1">
+            <a:schemeClr val="accent1"/>
+          </a:lnRef>
+          <a:fillRef idx="0">
+            <a:schemeClr val="accent1"/>
+          </a:fillRef>
+          <a:effectRef idx="0">
+            <a:schemeClr val="accent1"/>
+          </a:effectRef>
+          <a:fontRef idx="minor">
+            <a:schemeClr val="tx1"/>
+          </a:fontRef>
+        </p:style>
+      </p:cxnSp>
+      <p:sp>
+        <p:nvSpPr>
+          <p:cNvPr id="23" name="Rounded Rectangle 22">
+            <a:extLst>
+              <a:ext uri="{FF2B5EF4-FFF2-40B4-BE49-F238E27FC236}">
+                <a16:creationId xmlns:a16="http://schemas.microsoft.com/office/drawing/2014/main" id="{3A66CAB7-DA3E-5D09-2637-C50DCFCFE768}"/>
+              </a:ext>
+            </a:extLst>
+          </p:cNvPr>
+          <p:cNvSpPr/>
+          <p:nvPr/>
+        </p:nvSpPr>
+        <p:spPr>
+          <a:xfrm>
+            <a:off x="3030918" y="4155212"/>
+            <a:ext cx="2809494" cy="587046"/>
+          </a:xfrm>
+          <a:prstGeom prst="roundRect">
+            <a:avLst/>
+          </a:prstGeom>
+          <a:solidFill>
+            <a:schemeClr val="accent6">
+              <a:lumMod val="50000"/>
+            </a:schemeClr>
+          </a:solidFill>
+        </p:spPr>
+        <p:style>
+          <a:lnRef idx="2">
+            <a:schemeClr val="accent1">
+              <a:shade val="50000"/>
+            </a:schemeClr>
+          </a:lnRef>
+          <a:fillRef idx="1">
+            <a:schemeClr val="accent1"/>
+          </a:fillRef>
+          <a:effectRef idx="0">
+            <a:schemeClr val="accent1"/>
+          </a:effectRef>
+          <a:fontRef idx="minor">
+            <a:schemeClr val="lt1"/>
+          </a:fontRef>
+        </p:style>
+        <p:txBody>
+          <a:bodyPr rtlCol="0" anchor="ctr"/>
+          <a:lstStyle/>
+          <a:p>
+            <a:pPr algn="ctr"/>
+            <a:r>
+              <a:rPr lang="en-US" sz="2800" dirty="0">
+                <a:latin typeface="Arial" panose="020B0604020202020204" pitchFamily="34" charset="0"/>
+                <a:cs typeface="Arial" panose="020B0604020202020204" pitchFamily="34" charset="0"/>
+              </a:rPr>
+              <a:t>e8ad30b</a:t>
+            </a:r>
+          </a:p>
+        </p:txBody>
+      </p:sp>
+      <p:sp>
+        <p:nvSpPr>
+          <p:cNvPr id="24" name="Rounded Rectangle 23">
+            <a:extLst>
+              <a:ext uri="{FF2B5EF4-FFF2-40B4-BE49-F238E27FC236}">
+                <a16:creationId xmlns:a16="http://schemas.microsoft.com/office/drawing/2014/main" id="{E6787C33-0470-63E4-DD51-292810D6D489}"/>
+              </a:ext>
+            </a:extLst>
+          </p:cNvPr>
+          <p:cNvSpPr/>
+          <p:nvPr/>
+        </p:nvSpPr>
+        <p:spPr>
+          <a:xfrm>
+            <a:off x="9089572" y="4155212"/>
+            <a:ext cx="2809494" cy="587046"/>
+          </a:xfrm>
+          <a:prstGeom prst="roundRect">
+            <a:avLst/>
+          </a:prstGeom>
+          <a:solidFill>
+            <a:schemeClr val="accent6">
+              <a:lumMod val="50000"/>
+            </a:schemeClr>
+          </a:solidFill>
+        </p:spPr>
+        <p:style>
+          <a:lnRef idx="2">
+            <a:schemeClr val="accent1">
+              <a:shade val="50000"/>
+            </a:schemeClr>
+          </a:lnRef>
+          <a:fillRef idx="1">
+            <a:schemeClr val="accent1"/>
+          </a:fillRef>
+          <a:effectRef idx="0">
+            <a:schemeClr val="accent1"/>
+          </a:effectRef>
+          <a:fontRef idx="minor">
+            <a:schemeClr val="lt1"/>
+          </a:fontRef>
+        </p:style>
+        <p:txBody>
+          <a:bodyPr rtlCol="0" anchor="ctr"/>
+          <a:lstStyle/>
+          <a:p>
+            <a:pPr algn="ctr"/>
+            <a:r>
+              <a:rPr lang="en-US" sz="2800" dirty="0">
+                <a:latin typeface="Arial" panose="020B0604020202020204" pitchFamily="34" charset="0"/>
+                <a:cs typeface="Arial" panose="020B0604020202020204" pitchFamily="34" charset="0"/>
+              </a:rPr>
+              <a:t>e8ad30b</a:t>
+            </a:r>
+          </a:p>
+        </p:txBody>
+      </p:sp>
+      <p:sp>
+        <p:nvSpPr>
+          <p:cNvPr id="25" name="Rounded Rectangle 24">
+            <a:extLst>
+              <a:ext uri="{FF2B5EF4-FFF2-40B4-BE49-F238E27FC236}">
+                <a16:creationId xmlns:a16="http://schemas.microsoft.com/office/drawing/2014/main" id="{F3B2DB0D-9A6E-B91D-532C-2D9DDDC9816C}"/>
+              </a:ext>
+            </a:extLst>
+          </p:cNvPr>
+          <p:cNvSpPr/>
+          <p:nvPr/>
+        </p:nvSpPr>
+        <p:spPr>
+          <a:xfrm>
+            <a:off x="9089572" y="5119850"/>
+            <a:ext cx="2809494" cy="587046"/>
+          </a:xfrm>
+          <a:prstGeom prst="roundRect">
+            <a:avLst/>
+          </a:prstGeom>
+          <a:solidFill>
+            <a:schemeClr val="bg2">
+              <a:lumMod val="50000"/>
+            </a:schemeClr>
+          </a:solidFill>
+        </p:spPr>
+        <p:style>
+          <a:lnRef idx="2">
+            <a:schemeClr val="accent1">
+              <a:shade val="50000"/>
+            </a:schemeClr>
+          </a:lnRef>
+          <a:fillRef idx="1">
+            <a:schemeClr val="accent1"/>
+          </a:fillRef>
+          <a:effectRef idx="0">
+            <a:schemeClr val="accent1"/>
+          </a:effectRef>
+          <a:fontRef idx="minor">
+            <a:schemeClr val="lt1"/>
+          </a:fontRef>
+        </p:style>
+        <p:txBody>
+          <a:bodyPr rtlCol="0" anchor="ctr"/>
+          <a:lstStyle/>
+          <a:p>
+            <a:pPr algn="ctr"/>
+            <a:r>
+              <a:rPr lang="en-US" sz="2800" dirty="0">
+                <a:latin typeface="Arial" panose="020B0604020202020204" pitchFamily="34" charset="0"/>
+                <a:cs typeface="Arial" panose="020B0604020202020204" pitchFamily="34" charset="0"/>
+              </a:rPr>
+              <a:t>e8ad30b</a:t>
+            </a:r>
+          </a:p>
+        </p:txBody>
+      </p:sp>
+      <p:sp>
+        <p:nvSpPr>
+          <p:cNvPr id="26" name="Rounded Rectangle 25">
+            <a:extLst>
+              <a:ext uri="{FF2B5EF4-FFF2-40B4-BE49-F238E27FC236}">
+                <a16:creationId xmlns:a16="http://schemas.microsoft.com/office/drawing/2014/main" id="{C5EBD60B-A605-3166-3A0D-63B610DDB9F9}"/>
+              </a:ext>
+            </a:extLst>
+          </p:cNvPr>
+          <p:cNvSpPr/>
+          <p:nvPr/>
+        </p:nvSpPr>
+        <p:spPr>
+          <a:xfrm>
+            <a:off x="9089572" y="6084488"/>
+            <a:ext cx="2809494" cy="587046"/>
+          </a:xfrm>
+          <a:prstGeom prst="roundRect">
+            <a:avLst/>
+          </a:prstGeom>
+          <a:solidFill>
+            <a:schemeClr val="bg2">
+              <a:lumMod val="50000"/>
+            </a:schemeClr>
+          </a:solidFill>
+        </p:spPr>
+        <p:style>
+          <a:lnRef idx="2">
+            <a:schemeClr val="accent1">
+              <a:shade val="50000"/>
+            </a:schemeClr>
+          </a:lnRef>
+          <a:fillRef idx="1">
+            <a:schemeClr val="accent1"/>
+          </a:fillRef>
+          <a:effectRef idx="0">
+            <a:schemeClr val="accent1"/>
+          </a:effectRef>
+          <a:fontRef idx="minor">
+            <a:schemeClr val="lt1"/>
+          </a:fontRef>
+        </p:style>
+        <p:txBody>
+          <a:bodyPr rtlCol="0" anchor="ctr"/>
+          <a:lstStyle/>
+          <a:p>
+            <a:pPr algn="ctr"/>
+            <a:r>
+              <a:rPr lang="en-US" sz="2800" dirty="0">
+                <a:latin typeface="Arial" panose="020B0604020202020204" pitchFamily="34" charset="0"/>
+                <a:cs typeface="Arial" panose="020B0604020202020204" pitchFamily="34" charset="0"/>
+              </a:rPr>
+              <a:t>e8ad30b</a:t>
+            </a:r>
+          </a:p>
+        </p:txBody>
+      </p:sp>
+      <p:sp>
+        <p:nvSpPr>
+          <p:cNvPr id="39" name="TextBox 38">
+            <a:extLst>
+              <a:ext uri="{FF2B5EF4-FFF2-40B4-BE49-F238E27FC236}">
+                <a16:creationId xmlns:a16="http://schemas.microsoft.com/office/drawing/2014/main" id="{2694A8F7-D70B-1718-55E0-D34453B849EE}"/>
+              </a:ext>
+            </a:extLst>
+          </p:cNvPr>
+          <p:cNvSpPr txBox="1"/>
+          <p:nvPr/>
+        </p:nvSpPr>
+        <p:spPr>
+          <a:xfrm>
+            <a:off x="5029331" y="5671772"/>
+            <a:ext cx="3467296" cy="461665"/>
+          </a:xfrm>
+          <a:prstGeom prst="rect">
+            <a:avLst/>
+          </a:prstGeom>
+          <a:noFill/>
+        </p:spPr>
+        <p:txBody>
+          <a:bodyPr wrap="none" rtlCol="0">
+            <a:spAutoFit/>
+          </a:bodyPr>
+          <a:lstStyle/>
+          <a:p>
+            <a:r>
+              <a:rPr lang="en-US" sz="2400" dirty="0"/>
+              <a:t>Old superseded snapshots</a:t>
+            </a:r>
+          </a:p>
+        </p:txBody>
+      </p:sp>
+      <p:sp>
+        <p:nvSpPr>
+          <p:cNvPr id="40" name="Left Bracket 39">
+            <a:extLst>
+              <a:ext uri="{FF2B5EF4-FFF2-40B4-BE49-F238E27FC236}">
+                <a16:creationId xmlns:a16="http://schemas.microsoft.com/office/drawing/2014/main" id="{75E7F2E5-DE2D-9E22-6A03-E7C4B409118F}"/>
+              </a:ext>
+            </a:extLst>
+          </p:cNvPr>
+          <p:cNvSpPr/>
+          <p:nvPr/>
+        </p:nvSpPr>
+        <p:spPr>
+          <a:xfrm>
+            <a:off x="8621486" y="5413373"/>
+            <a:ext cx="240139" cy="964638"/>
+          </a:xfrm>
+          <a:prstGeom prst="leftBracket">
+            <a:avLst/>
+          </a:prstGeom>
+          <a:ln w="31750">
+            <a:solidFill>
+              <a:schemeClr val="tx1"/>
+            </a:solidFill>
+            <a:prstDash val="solid"/>
+          </a:ln>
+        </p:spPr>
+        <p:style>
+          <a:lnRef idx="1">
+            <a:schemeClr val="accent1"/>
+          </a:lnRef>
+          <a:fillRef idx="0">
+            <a:schemeClr val="accent1"/>
+          </a:fillRef>
+          <a:effectRef idx="0">
+            <a:schemeClr val="accent1"/>
+          </a:effectRef>
+          <a:fontRef idx="minor">
+            <a:schemeClr val="tx1"/>
+          </a:fontRef>
+        </p:style>
+        <p:txBody>
+          <a:bodyPr rtlCol="0" anchor="ctr"/>
+          <a:lstStyle/>
+          <a:p>
+            <a:pPr algn="ctr"/>
+            <a:endParaRPr lang="en-US"/>
+          </a:p>
+        </p:txBody>
+      </p:sp>
+    </p:spTree>
+    <p:extLst>
+      <p:ext uri="{BB962C8B-B14F-4D97-AF65-F5344CB8AC3E}">
+        <p14:creationId xmlns:p14="http://schemas.microsoft.com/office/powerpoint/2010/main" val="4087722719"/>
+      </p:ext>
+    </p:extLst>
+  </p:cSld>
+  <p:clrMapOvr>
+    <a:masterClrMapping/>
+  </p:clrMapOvr>
+</p:sld>
+</file>
+
+<file path=ppt/slides/slide5.xml><?xml version="1.0" encoding="utf-8"?>
+<p:sld xmlns:a="http://schemas.openxmlformats.org/drawingml/2006/main" xmlns:r="http://schemas.openxmlformats.org/officeDocument/2006/relationships" xmlns:p="http://schemas.openxmlformats.org/presentationml/2006/main">
+  <p:cSld>
+    <p:spTree>
+      <p:nvGrpSpPr>
+        <p:cNvPr id="1" name=""/>
+        <p:cNvGrpSpPr/>
+        <p:nvPr/>
+      </p:nvGrpSpPr>
+      <p:grpSpPr>
+        <a:xfrm>
+          <a:off x="0" y="0"/>
+          <a:ext cx="0" cy="0"/>
+          <a:chOff x="0" y="0"/>
+          <a:chExt cx="0" cy="0"/>
+        </a:xfrm>
+      </p:grpSpPr>
       <p:pic>
         <p:nvPicPr>
           <p:cNvPr id="5" name="Picture 4" descr="Shape&#10;&#10;Description automatically generated">
@@ -3955,7 +5355,7 @@
 </p:sld>
 </file>
 
-<file path=ppt/slides/slide4.xml><?xml version="1.0" encoding="utf-8"?>
+<file path=ppt/slides/slide6.xml><?xml version="1.0" encoding="utf-8"?>
 <p:sld xmlns:a="http://schemas.openxmlformats.org/drawingml/2006/main" xmlns:r="http://schemas.openxmlformats.org/officeDocument/2006/relationships" xmlns:p="http://schemas.openxmlformats.org/presentationml/2006/main">
   <p:cSld>
     <p:spTree>
@@ -4838,7 +6238,7 @@
 </p:sld>
 </file>
 
-<file path=ppt/slides/slide5.xml><?xml version="1.0" encoding="utf-8"?>
+<file path=ppt/slides/slide7.xml><?xml version="1.0" encoding="utf-8"?>
 <p:sld xmlns:a="http://schemas.openxmlformats.org/drawingml/2006/main" xmlns:r="http://schemas.openxmlformats.org/officeDocument/2006/relationships" xmlns:p="http://schemas.openxmlformats.org/presentationml/2006/main">
   <p:cSld>
     <p:spTree>
@@ -5587,7 +6987,7 @@
 </p:sld>
 </file>
 
-<file path=ppt/slides/slide6.xml><?xml version="1.0" encoding="utf-8"?>
+<file path=ppt/slides/slide8.xml><?xml version="1.0" encoding="utf-8"?>
 <p:sld xmlns:a="http://schemas.openxmlformats.org/drawingml/2006/main" xmlns:r="http://schemas.openxmlformats.org/officeDocument/2006/relationships" xmlns:p="http://schemas.openxmlformats.org/presentationml/2006/main">
   <p:cSld>
     <p:spTree>
@@ -7128,7 +8528,7 @@
 </p:sld>
 </file>
 
-<file path=ppt/slides/slide7.xml><?xml version="1.0" encoding="utf-8"?>
+<file path=ppt/slides/slide9.xml><?xml version="1.0" encoding="utf-8"?>
 <p:sld xmlns:a="http://schemas.openxmlformats.org/drawingml/2006/main" xmlns:r="http://schemas.openxmlformats.org/officeDocument/2006/relationships" xmlns:p="http://schemas.openxmlformats.org/presentationml/2006/main">
   <p:cSld>
     <p:spTree>

--- a/images/images.pptx
+++ b/images/images.pptx
@@ -267,7 +267,7 @@
           <a:p>
             <a:fld id="{94AF7B9F-3A11-934B-9C29-5145B1FA1C2C}" type="datetimeFigureOut">
               <a:rPr lang="en-US" smtClean="0"/>
-              <a:t>5/11/22</a:t>
+              <a:t>5/12/22</a:t>
             </a:fld>
             <a:endParaRPr lang="en-US"/>
           </a:p>
@@ -465,7 +465,7 @@
           <a:p>
             <a:fld id="{94AF7B9F-3A11-934B-9C29-5145B1FA1C2C}" type="datetimeFigureOut">
               <a:rPr lang="en-US" smtClean="0"/>
-              <a:t>5/11/22</a:t>
+              <a:t>5/12/22</a:t>
             </a:fld>
             <a:endParaRPr lang="en-US"/>
           </a:p>
@@ -673,7 +673,7 @@
           <a:p>
             <a:fld id="{94AF7B9F-3A11-934B-9C29-5145B1FA1C2C}" type="datetimeFigureOut">
               <a:rPr lang="en-US" smtClean="0"/>
-              <a:t>5/11/22</a:t>
+              <a:t>5/12/22</a:t>
             </a:fld>
             <a:endParaRPr lang="en-US"/>
           </a:p>
@@ -871,7 +871,7 @@
           <a:p>
             <a:fld id="{94AF7B9F-3A11-934B-9C29-5145B1FA1C2C}" type="datetimeFigureOut">
               <a:rPr lang="en-US" smtClean="0"/>
-              <a:t>5/11/22</a:t>
+              <a:t>5/12/22</a:t>
             </a:fld>
             <a:endParaRPr lang="en-US"/>
           </a:p>
@@ -1146,7 +1146,7 @@
           <a:p>
             <a:fld id="{94AF7B9F-3A11-934B-9C29-5145B1FA1C2C}" type="datetimeFigureOut">
               <a:rPr lang="en-US" smtClean="0"/>
-              <a:t>5/11/22</a:t>
+              <a:t>5/12/22</a:t>
             </a:fld>
             <a:endParaRPr lang="en-US"/>
           </a:p>
@@ -1411,7 +1411,7 @@
           <a:p>
             <a:fld id="{94AF7B9F-3A11-934B-9C29-5145B1FA1C2C}" type="datetimeFigureOut">
               <a:rPr lang="en-US" smtClean="0"/>
-              <a:t>5/11/22</a:t>
+              <a:t>5/12/22</a:t>
             </a:fld>
             <a:endParaRPr lang="en-US"/>
           </a:p>
@@ -1823,7 +1823,7 @@
           <a:p>
             <a:fld id="{94AF7B9F-3A11-934B-9C29-5145B1FA1C2C}" type="datetimeFigureOut">
               <a:rPr lang="en-US" smtClean="0"/>
-              <a:t>5/11/22</a:t>
+              <a:t>5/12/22</a:t>
             </a:fld>
             <a:endParaRPr lang="en-US"/>
           </a:p>
@@ -1964,7 +1964,7 @@
           <a:p>
             <a:fld id="{94AF7B9F-3A11-934B-9C29-5145B1FA1C2C}" type="datetimeFigureOut">
               <a:rPr lang="en-US" smtClean="0"/>
-              <a:t>5/11/22</a:t>
+              <a:t>5/12/22</a:t>
             </a:fld>
             <a:endParaRPr lang="en-US"/>
           </a:p>
@@ -2077,7 +2077,7 @@
           <a:p>
             <a:fld id="{94AF7B9F-3A11-934B-9C29-5145B1FA1C2C}" type="datetimeFigureOut">
               <a:rPr lang="en-US" smtClean="0"/>
-              <a:t>5/11/22</a:t>
+              <a:t>5/12/22</a:t>
             </a:fld>
             <a:endParaRPr lang="en-US"/>
           </a:p>
@@ -2388,7 +2388,7 @@
           <a:p>
             <a:fld id="{94AF7B9F-3A11-934B-9C29-5145B1FA1C2C}" type="datetimeFigureOut">
               <a:rPr lang="en-US" smtClean="0"/>
-              <a:t>5/11/22</a:t>
+              <a:t>5/12/22</a:t>
             </a:fld>
             <a:endParaRPr lang="en-US"/>
           </a:p>
@@ -2676,7 +2676,7 @@
           <a:p>
             <a:fld id="{94AF7B9F-3A11-934B-9C29-5145B1FA1C2C}" type="datetimeFigureOut">
               <a:rPr lang="en-US" smtClean="0"/>
-              <a:t>5/11/22</a:t>
+              <a:t>5/12/22</a:t>
             </a:fld>
             <a:endParaRPr lang="en-US"/>
           </a:p>
@@ -2917,7 +2917,7 @@
           <a:p>
             <a:fld id="{94AF7B9F-3A11-934B-9C29-5145B1FA1C2C}" type="datetimeFigureOut">
               <a:rPr lang="en-US" smtClean="0"/>
-              <a:t>5/11/22</a:t>
+              <a:t>5/12/22</a:t>
             </a:fld>
             <a:endParaRPr lang="en-US"/>
           </a:p>
@@ -3396,10 +3396,10 @@
       </p:grpSpPr>
       <p:sp>
         <p:nvSpPr>
-          <p:cNvPr id="19" name="Rounded Rectangle 18">
-            <a:extLst>
-              <a:ext uri="{FF2B5EF4-FFF2-40B4-BE49-F238E27FC236}">
-                <a16:creationId xmlns:a16="http://schemas.microsoft.com/office/drawing/2014/main" id="{A7032FC1-B94D-AEC6-A16B-8D37253F6EA1}"/>
+          <p:cNvPr id="14" name="Oval 13">
+            <a:extLst>
+              <a:ext uri="{FF2B5EF4-FFF2-40B4-BE49-F238E27FC236}">
+                <a16:creationId xmlns:a16="http://schemas.microsoft.com/office/drawing/2014/main" id="{CA76A504-F201-DEF2-5FC0-2D442DCF2BC7}"/>
               </a:ext>
             </a:extLst>
           </p:cNvPr>
@@ -3408,10 +3408,64 @@
         </p:nvSpPr>
         <p:spPr>
           <a:xfrm>
-            <a:off x="3881630" y="1754473"/>
-            <a:ext cx="7483055" cy="2547891"/>
-          </a:xfrm>
-          <a:prstGeom prst="roundRect">
+            <a:off x="171432" y="1100123"/>
+            <a:ext cx="8001000" cy="4572000"/>
+          </a:xfrm>
+          <a:prstGeom prst="ellipse">
+            <a:avLst/>
+          </a:prstGeom>
+          <a:solidFill>
+            <a:srgbClr val="002060">
+              <a:alpha val="25000"/>
+            </a:srgbClr>
+          </a:solidFill>
+          <a:ln>
+            <a:noFill/>
+          </a:ln>
+        </p:spPr>
+        <p:style>
+          <a:lnRef idx="2">
+            <a:schemeClr val="accent1">
+              <a:shade val="50000"/>
+            </a:schemeClr>
+          </a:lnRef>
+          <a:fillRef idx="1">
+            <a:schemeClr val="accent1"/>
+          </a:fillRef>
+          <a:effectRef idx="0">
+            <a:schemeClr val="accent1"/>
+          </a:effectRef>
+          <a:fontRef idx="minor">
+            <a:schemeClr val="lt1"/>
+          </a:fontRef>
+        </p:style>
+        <p:txBody>
+          <a:bodyPr rtlCol="0" anchor="ctr"/>
+          <a:lstStyle/>
+          <a:p>
+            <a:pPr algn="ctr"/>
+            <a:endParaRPr lang="en-US"/>
+          </a:p>
+        </p:txBody>
+      </p:sp>
+      <p:sp>
+        <p:nvSpPr>
+          <p:cNvPr id="13" name="Oval 12">
+            <a:extLst>
+              <a:ext uri="{FF2B5EF4-FFF2-40B4-BE49-F238E27FC236}">
+                <a16:creationId xmlns:a16="http://schemas.microsoft.com/office/drawing/2014/main" id="{3E2CBD55-C81A-B3FF-3F17-A9E76CF6F01C}"/>
+              </a:ext>
+            </a:extLst>
+          </p:cNvPr>
+          <p:cNvSpPr/>
+          <p:nvPr/>
+        </p:nvSpPr>
+        <p:spPr>
+          <a:xfrm>
+            <a:off x="4034639" y="1143000"/>
+            <a:ext cx="8001000" cy="4572000"/>
+          </a:xfrm>
+          <a:prstGeom prst="ellipse">
             <a:avLst/>
           </a:prstGeom>
           <a:solidFill>
@@ -3444,7 +3498,7 @@
           <a:lstStyle/>
           <a:p>
             <a:pPr algn="ctr"/>
-            <a:endParaRPr lang="en-US" dirty="0"/>
+            <a:endParaRPr lang="en-US"/>
           </a:p>
         </p:txBody>
       </p:sp>
@@ -3462,8 +3516,8 @@
         </p:nvSpPr>
         <p:spPr>
           <a:xfrm>
-            <a:off x="7411307" y="2033809"/>
-            <a:ext cx="3908472" cy="923330"/>
+            <a:off x="8134545" y="2335504"/>
+            <a:ext cx="4008046" cy="923330"/>
           </a:xfrm>
           <a:prstGeom prst="rect">
             <a:avLst/>
@@ -3530,7 +3584,7 @@
         </p:nvSpPr>
         <p:spPr>
           <a:xfrm>
-            <a:off x="1267191" y="1079043"/>
+            <a:off x="3065463" y="536786"/>
             <a:ext cx="1938351" cy="584775"/>
           </a:xfrm>
           <a:prstGeom prst="rect">
@@ -3568,7 +3622,7 @@
         </p:nvSpPr>
         <p:spPr>
           <a:xfrm>
-            <a:off x="8788735" y="1096488"/>
+            <a:off x="7188188" y="536786"/>
             <a:ext cx="2167581" cy="584775"/>
           </a:xfrm>
           <a:prstGeom prst="rect">
@@ -3577,7 +3631,7 @@
           <a:noFill/>
         </p:spPr>
         <p:txBody>
-          <a:bodyPr wrap="none" rtlCol="0">
+          <a:bodyPr wrap="square" rtlCol="0">
             <a:spAutoFit/>
           </a:bodyPr>
           <a:lstStyle/>
@@ -3606,7 +3660,7 @@
         </p:nvSpPr>
         <p:spPr>
           <a:xfrm>
-            <a:off x="7411307" y="3058400"/>
+            <a:off x="8134545" y="3386123"/>
             <a:ext cx="3790205" cy="923330"/>
           </a:xfrm>
           <a:prstGeom prst="rect">
@@ -3619,6 +3673,26 @@
             <a:spAutoFit/>
           </a:bodyPr>
           <a:lstStyle/>
+          <a:p>
+            <a:pPr marL="285750" indent="-285750">
+              <a:buFont typeface="Arial" panose="020B0604020202020204" pitchFamily="34" charset="0"/>
+              <a:buChar char="•"/>
+            </a:pPr>
+            <a:r>
+              <a:rPr lang="en-US" dirty="0"/>
+              <a:t>Airflow</a:t>
+            </a:r>
+          </a:p>
+          <a:p>
+            <a:pPr marL="285750" indent="-285750">
+              <a:buFont typeface="Arial" panose="020B0604020202020204" pitchFamily="34" charset="0"/>
+              <a:buChar char="•"/>
+            </a:pPr>
+            <a:r>
+              <a:rPr lang="en-US" dirty="0"/>
+              <a:t>Metaflow</a:t>
+            </a:r>
+          </a:p>
           <a:p>
             <a:pPr marL="285750" indent="-285750">
               <a:buFont typeface="Arial" panose="020B0604020202020204" pitchFamily="34" charset="0"/>
@@ -3637,80 +3711,6 @@
               <a:t>{gittargets} or AWS/GCP </a:t>
             </a:r>
           </a:p>
-          <a:p>
-            <a:pPr marL="285750" indent="-285750">
-              <a:buFont typeface="Arial" panose="020B0604020202020204" pitchFamily="34" charset="0"/>
-              <a:buChar char="•"/>
-            </a:pPr>
-            <a:r>
-              <a:rPr lang="en-US" dirty="0"/>
-              <a:t>Airflow</a:t>
-            </a:r>
-          </a:p>
-          <a:p>
-            <a:pPr marL="285750" indent="-285750">
-              <a:buFont typeface="Arial" panose="020B0604020202020204" pitchFamily="34" charset="0"/>
-              <a:buChar char="•"/>
-            </a:pPr>
-            <a:r>
-              <a:rPr lang="en-US" dirty="0"/>
-              <a:t>Metaflow</a:t>
-            </a:r>
-          </a:p>
-        </p:txBody>
-      </p:sp>
-      <p:sp>
-        <p:nvSpPr>
-          <p:cNvPr id="8" name="Rounded Rectangle 7">
-            <a:extLst>
-              <a:ext uri="{FF2B5EF4-FFF2-40B4-BE49-F238E27FC236}">
-                <a16:creationId xmlns:a16="http://schemas.microsoft.com/office/drawing/2014/main" id="{C20BE477-F1EB-0006-F2BA-991C8867EBE3}"/>
-              </a:ext>
-            </a:extLst>
-          </p:cNvPr>
-          <p:cNvSpPr/>
-          <p:nvPr/>
-        </p:nvSpPr>
-        <p:spPr>
-          <a:xfrm>
-            <a:off x="957943" y="1763133"/>
-            <a:ext cx="6453364" cy="2547891"/>
-          </a:xfrm>
-          <a:prstGeom prst="roundRect">
-            <a:avLst/>
-          </a:prstGeom>
-          <a:solidFill>
-            <a:srgbClr val="002060">
-              <a:alpha val="25000"/>
-            </a:srgbClr>
-          </a:solidFill>
-          <a:ln>
-            <a:noFill/>
-          </a:ln>
-        </p:spPr>
-        <p:style>
-          <a:lnRef idx="2">
-            <a:schemeClr val="accent1">
-              <a:shade val="50000"/>
-            </a:schemeClr>
-          </a:lnRef>
-          <a:fillRef idx="1">
-            <a:schemeClr val="accent1"/>
-          </a:fillRef>
-          <a:effectRef idx="0">
-            <a:schemeClr val="accent1"/>
-          </a:effectRef>
-          <a:fontRef idx="minor">
-            <a:schemeClr val="lt1"/>
-          </a:fontRef>
-        </p:style>
-        <p:txBody>
-          <a:bodyPr rtlCol="0" anchor="ctr"/>
-          <a:lstStyle/>
-          <a:p>
-            <a:pPr algn="ctr"/>
-            <a:endParaRPr lang="en-US"/>
-          </a:p>
         </p:txBody>
       </p:sp>
       <p:sp>
@@ -3727,7 +3727,7 @@
         </p:nvSpPr>
         <p:spPr>
           <a:xfrm>
-            <a:off x="3960046" y="1961762"/>
+            <a:off x="4411400" y="2335504"/>
             <a:ext cx="3451261" cy="923330"/>
           </a:xfrm>
           <a:prstGeom prst="rect">
@@ -3795,7 +3795,7 @@
         </p:nvSpPr>
         <p:spPr>
           <a:xfrm>
-            <a:off x="3960046" y="3189065"/>
+            <a:off x="4411400" y="3429000"/>
             <a:ext cx="1332416" cy="1200329"/>
           </a:xfrm>
           <a:prstGeom prst="rect">
@@ -3808,6 +3808,32 @@
             <a:spAutoFit/>
           </a:bodyPr>
           <a:lstStyle/>
+          <a:p>
+            <a:pPr marL="285750" indent="-285750">
+              <a:buFont typeface="Arial" panose="020B0604020202020204" pitchFamily="34" charset="0"/>
+              <a:buChar char="•"/>
+            </a:pPr>
+            <a:r>
+              <a:rPr lang="en-US" dirty="0">
+                <a:latin typeface="Arial" panose="020B0604020202020204" pitchFamily="34" charset="0"/>
+                <a:cs typeface="Arial" panose="020B0604020202020204" pitchFamily="34" charset="0"/>
+              </a:rPr>
+              <a:t>Prefect</a:t>
+            </a:r>
+          </a:p>
+          <a:p>
+            <a:pPr marL="285750" indent="-285750">
+              <a:buFont typeface="Arial" panose="020B0604020202020204" pitchFamily="34" charset="0"/>
+              <a:buChar char="•"/>
+            </a:pPr>
+            <a:r>
+              <a:rPr lang="en-US" dirty="0">
+                <a:latin typeface="Arial" panose="020B0604020202020204" pitchFamily="34" charset="0"/>
+                <a:cs typeface="Arial" panose="020B0604020202020204" pitchFamily="34" charset="0"/>
+              </a:rPr>
+              <a:t>DVC</a:t>
+            </a:r>
+          </a:p>
           <a:p>
             <a:pPr marL="285750" indent="-285750">
               <a:buFont typeface="Arial" panose="020B0604020202020204" pitchFamily="34" charset="0"/>
@@ -3822,32 +3848,6 @@
             </a:r>
           </a:p>
           <a:p>
-            <a:pPr marL="285750" indent="-285750">
-              <a:buFont typeface="Arial" panose="020B0604020202020204" pitchFamily="34" charset="0"/>
-              <a:buChar char="•"/>
-            </a:pPr>
-            <a:r>
-              <a:rPr lang="en-US" dirty="0">
-                <a:latin typeface="Arial" panose="020B0604020202020204" pitchFamily="34" charset="0"/>
-                <a:cs typeface="Arial" panose="020B0604020202020204" pitchFamily="34" charset="0"/>
-              </a:rPr>
-              <a:t>Prefect</a:t>
-            </a:r>
-          </a:p>
-          <a:p>
-            <a:pPr marL="285750" indent="-285750">
-              <a:buFont typeface="Arial" panose="020B0604020202020204" pitchFamily="34" charset="0"/>
-              <a:buChar char="•"/>
-            </a:pPr>
-            <a:r>
-              <a:rPr lang="en-US" dirty="0">
-                <a:latin typeface="Arial" panose="020B0604020202020204" pitchFamily="34" charset="0"/>
-                <a:cs typeface="Arial" panose="020B0604020202020204" pitchFamily="34" charset="0"/>
-              </a:rPr>
-              <a:t>DVC</a:t>
-            </a:r>
-          </a:p>
-          <a:p>
             <a:endParaRPr lang="en-US" dirty="0"/>
           </a:p>
         </p:txBody>
@@ -3866,7 +3866,7 @@
         </p:nvSpPr>
         <p:spPr>
           <a:xfrm>
-            <a:off x="1035949" y="1961762"/>
+            <a:off x="1285641" y="2335504"/>
             <a:ext cx="2704587" cy="646331"/>
           </a:xfrm>
           <a:prstGeom prst="rect">
@@ -3911,8 +3911,8 @@
         </p:nvSpPr>
         <p:spPr>
           <a:xfrm>
-            <a:off x="1035949" y="3189065"/>
-            <a:ext cx="1488484" cy="369332"/>
+            <a:off x="1285641" y="3429000"/>
+            <a:ext cx="1488484" cy="646331"/>
           </a:xfrm>
           <a:prstGeom prst="rect">
             <a:avLst/>
@@ -3933,6 +3933,13 @@
               <a:rPr lang="en-US" dirty="0"/>
               <a:t>GNU Make</a:t>
             </a:r>
+          </a:p>
+          <a:p>
+            <a:pPr marL="285750" indent="-285750">
+              <a:buFont typeface="Arial" panose="020B0604020202020204" pitchFamily="34" charset="0"/>
+              <a:buChar char="•"/>
+            </a:pPr>
+            <a:endParaRPr lang="en-US" dirty="0"/>
           </a:p>
         </p:txBody>
       </p:sp>

--- a/images/images.pptx
+++ b/images/images.pptx
@@ -6,14 +6,15 @@
   </p:sldMasterIdLst>
   <p:sldIdLst>
     <p:sldId id="256" r:id="rId2"/>
-    <p:sldId id="257" r:id="rId3"/>
-    <p:sldId id="263" r:id="rId4"/>
-    <p:sldId id="264" r:id="rId5"/>
-    <p:sldId id="258" r:id="rId6"/>
-    <p:sldId id="259" r:id="rId7"/>
-    <p:sldId id="260" r:id="rId8"/>
-    <p:sldId id="261" r:id="rId9"/>
-    <p:sldId id="262" r:id="rId10"/>
+    <p:sldId id="265" r:id="rId3"/>
+    <p:sldId id="257" r:id="rId4"/>
+    <p:sldId id="263" r:id="rId5"/>
+    <p:sldId id="264" r:id="rId6"/>
+    <p:sldId id="258" r:id="rId7"/>
+    <p:sldId id="259" r:id="rId8"/>
+    <p:sldId id="260" r:id="rId9"/>
+    <p:sldId id="261" r:id="rId10"/>
+    <p:sldId id="262" r:id="rId11"/>
   </p:sldIdLst>
   <p:sldSz cx="12192000" cy="6858000"/>
   <p:notesSz cx="6858000" cy="9144000"/>
@@ -267,7 +268,7 @@
           <a:p>
             <a:fld id="{94AF7B9F-3A11-934B-9C29-5145B1FA1C2C}" type="datetimeFigureOut">
               <a:rPr lang="en-US" smtClean="0"/>
-              <a:t>5/12/22</a:t>
+              <a:t>5/13/22</a:t>
             </a:fld>
             <a:endParaRPr lang="en-US"/>
           </a:p>
@@ -465,7 +466,7 @@
           <a:p>
             <a:fld id="{94AF7B9F-3A11-934B-9C29-5145B1FA1C2C}" type="datetimeFigureOut">
               <a:rPr lang="en-US" smtClean="0"/>
-              <a:t>5/12/22</a:t>
+              <a:t>5/13/22</a:t>
             </a:fld>
             <a:endParaRPr lang="en-US"/>
           </a:p>
@@ -673,7 +674,7 @@
           <a:p>
             <a:fld id="{94AF7B9F-3A11-934B-9C29-5145B1FA1C2C}" type="datetimeFigureOut">
               <a:rPr lang="en-US" smtClean="0"/>
-              <a:t>5/12/22</a:t>
+              <a:t>5/13/22</a:t>
             </a:fld>
             <a:endParaRPr lang="en-US"/>
           </a:p>
@@ -871,7 +872,7 @@
           <a:p>
             <a:fld id="{94AF7B9F-3A11-934B-9C29-5145B1FA1C2C}" type="datetimeFigureOut">
               <a:rPr lang="en-US" smtClean="0"/>
-              <a:t>5/12/22</a:t>
+              <a:t>5/13/22</a:t>
             </a:fld>
             <a:endParaRPr lang="en-US"/>
           </a:p>
@@ -1146,7 +1147,7 @@
           <a:p>
             <a:fld id="{94AF7B9F-3A11-934B-9C29-5145B1FA1C2C}" type="datetimeFigureOut">
               <a:rPr lang="en-US" smtClean="0"/>
-              <a:t>5/12/22</a:t>
+              <a:t>5/13/22</a:t>
             </a:fld>
             <a:endParaRPr lang="en-US"/>
           </a:p>
@@ -1411,7 +1412,7 @@
           <a:p>
             <a:fld id="{94AF7B9F-3A11-934B-9C29-5145B1FA1C2C}" type="datetimeFigureOut">
               <a:rPr lang="en-US" smtClean="0"/>
-              <a:t>5/12/22</a:t>
+              <a:t>5/13/22</a:t>
             </a:fld>
             <a:endParaRPr lang="en-US"/>
           </a:p>
@@ -1823,7 +1824,7 @@
           <a:p>
             <a:fld id="{94AF7B9F-3A11-934B-9C29-5145B1FA1C2C}" type="datetimeFigureOut">
               <a:rPr lang="en-US" smtClean="0"/>
-              <a:t>5/12/22</a:t>
+              <a:t>5/13/22</a:t>
             </a:fld>
             <a:endParaRPr lang="en-US"/>
           </a:p>
@@ -1964,7 +1965,7 @@
           <a:p>
             <a:fld id="{94AF7B9F-3A11-934B-9C29-5145B1FA1C2C}" type="datetimeFigureOut">
               <a:rPr lang="en-US" smtClean="0"/>
-              <a:t>5/12/22</a:t>
+              <a:t>5/13/22</a:t>
             </a:fld>
             <a:endParaRPr lang="en-US"/>
           </a:p>
@@ -2077,7 +2078,7 @@
           <a:p>
             <a:fld id="{94AF7B9F-3A11-934B-9C29-5145B1FA1C2C}" type="datetimeFigureOut">
               <a:rPr lang="en-US" smtClean="0"/>
-              <a:t>5/12/22</a:t>
+              <a:t>5/13/22</a:t>
             </a:fld>
             <a:endParaRPr lang="en-US"/>
           </a:p>
@@ -2388,7 +2389,7 @@
           <a:p>
             <a:fld id="{94AF7B9F-3A11-934B-9C29-5145B1FA1C2C}" type="datetimeFigureOut">
               <a:rPr lang="en-US" smtClean="0"/>
-              <a:t>5/12/22</a:t>
+              <a:t>5/13/22</a:t>
             </a:fld>
             <a:endParaRPr lang="en-US"/>
           </a:p>
@@ -2676,7 +2677,7 @@
           <a:p>
             <a:fld id="{94AF7B9F-3A11-934B-9C29-5145B1FA1C2C}" type="datetimeFigureOut">
               <a:rPr lang="en-US" smtClean="0"/>
-              <a:t>5/12/22</a:t>
+              <a:t>5/13/22</a:t>
             </a:fld>
             <a:endParaRPr lang="en-US"/>
           </a:p>
@@ -2917,7 +2918,7 @@
           <a:p>
             <a:fld id="{94AF7B9F-3A11-934B-9C29-5145B1FA1C2C}" type="datetimeFigureOut">
               <a:rPr lang="en-US" smtClean="0"/>
-              <a:t>5/12/22</a:t>
+              <a:t>5/13/22</a:t>
             </a:fld>
             <a:endParaRPr lang="en-US"/>
           </a:p>
@@ -3377,6 +3378,126 @@
 </p:sld>
 </file>
 
+<file path=ppt/slides/slide10.xml><?xml version="1.0" encoding="utf-8"?>
+<p:sld xmlns:a="http://schemas.openxmlformats.org/drawingml/2006/main" xmlns:r="http://schemas.openxmlformats.org/officeDocument/2006/relationships" xmlns:p="http://schemas.openxmlformats.org/presentationml/2006/main">
+  <p:cSld>
+    <p:spTree>
+      <p:nvGrpSpPr>
+        <p:cNvPr id="1" name=""/>
+        <p:cNvGrpSpPr/>
+        <p:nvPr/>
+      </p:nvGrpSpPr>
+      <p:grpSpPr>
+        <a:xfrm>
+          <a:off x="0" y="0"/>
+          <a:ext cx="0" cy="0"/>
+          <a:chOff x="0" y="0"/>
+          <a:chExt cx="0" cy="0"/>
+        </a:xfrm>
+      </p:grpSpPr>
+      <p:pic>
+        <p:nvPicPr>
+          <p:cNvPr id="5" name="Picture 4" descr="A picture containing graphical user interface&#10;&#10;Description automatically generated">
+            <a:extLst>
+              <a:ext uri="{FF2B5EF4-FFF2-40B4-BE49-F238E27FC236}">
+                <a16:creationId xmlns:a16="http://schemas.microsoft.com/office/drawing/2014/main" id="{83DF87D3-DD7B-0D4C-BA55-CF761DFAABCC}"/>
+              </a:ext>
+            </a:extLst>
+          </p:cNvPr>
+          <p:cNvPicPr>
+            <a:picLocks noChangeAspect="1"/>
+          </p:cNvPicPr>
+          <p:nvPr/>
+        </p:nvPicPr>
+        <p:blipFill>
+          <a:blip r:embed="rId2"/>
+          <a:stretch>
+            <a:fillRect/>
+          </a:stretch>
+        </p:blipFill>
+        <p:spPr>
+          <a:xfrm>
+            <a:off x="2822576" y="195943"/>
+            <a:ext cx="3166834" cy="3657600"/>
+          </a:xfrm>
+          <a:prstGeom prst="rect">
+            <a:avLst/>
+          </a:prstGeom>
+        </p:spPr>
+      </p:pic>
+      <p:pic>
+        <p:nvPicPr>
+          <p:cNvPr id="7" name="Picture 6" descr="Logo, company name&#10;&#10;Description automatically generated">
+            <a:extLst>
+              <a:ext uri="{FF2B5EF4-FFF2-40B4-BE49-F238E27FC236}">
+                <a16:creationId xmlns:a16="http://schemas.microsoft.com/office/drawing/2014/main" id="{709926C2-8DD6-CC41-9947-04047877DAB7}"/>
+              </a:ext>
+            </a:extLst>
+          </p:cNvPr>
+          <p:cNvPicPr>
+            <a:picLocks noChangeAspect="1"/>
+          </p:cNvPicPr>
+          <p:nvPr/>
+        </p:nvPicPr>
+        <p:blipFill>
+          <a:blip r:embed="rId3"/>
+          <a:stretch>
+            <a:fillRect/>
+          </a:stretch>
+        </p:blipFill>
+        <p:spPr>
+          <a:xfrm>
+            <a:off x="6199154" y="195943"/>
+            <a:ext cx="3170270" cy="3657600"/>
+          </a:xfrm>
+          <a:prstGeom prst="rect">
+            <a:avLst/>
+          </a:prstGeom>
+        </p:spPr>
+      </p:pic>
+      <p:pic>
+        <p:nvPicPr>
+          <p:cNvPr id="9" name="Picture 8" descr="Icon&#10;&#10;Description automatically generated">
+            <a:extLst>
+              <a:ext uri="{FF2B5EF4-FFF2-40B4-BE49-F238E27FC236}">
+                <a16:creationId xmlns:a16="http://schemas.microsoft.com/office/drawing/2014/main" id="{F72BDFA0-4F8E-8E40-858B-34F8EEC203A9}"/>
+              </a:ext>
+            </a:extLst>
+          </p:cNvPr>
+          <p:cNvPicPr>
+            <a:picLocks noChangeAspect="1"/>
+          </p:cNvPicPr>
+          <p:nvPr/>
+        </p:nvPicPr>
+        <p:blipFill>
+          <a:blip r:embed="rId4"/>
+          <a:stretch>
+            <a:fillRect/>
+          </a:stretch>
+        </p:blipFill>
+        <p:spPr>
+          <a:xfrm>
+            <a:off x="4512583" y="3106965"/>
+            <a:ext cx="3166834" cy="3657600"/>
+          </a:xfrm>
+          <a:prstGeom prst="rect">
+            <a:avLst/>
+          </a:prstGeom>
+        </p:spPr>
+      </p:pic>
+    </p:spTree>
+    <p:extLst>
+      <p:ext uri="{BB962C8B-B14F-4D97-AF65-F5344CB8AC3E}">
+        <p14:creationId xmlns:p14="http://schemas.microsoft.com/office/powerpoint/2010/main" val="956655739"/>
+      </p:ext>
+    </p:extLst>
+  </p:cSld>
+  <p:clrMapOvr>
+    <a:masterClrMapping/>
+  </p:clrMapOvr>
+</p:sld>
+</file>
+
 <file path=ppt/slides/slide2.xml><?xml version="1.0" encoding="utf-8"?>
 <p:sld xmlns:a="http://schemas.openxmlformats.org/drawingml/2006/main" xmlns:r="http://schemas.openxmlformats.org/officeDocument/2006/relationships" xmlns:p="http://schemas.openxmlformats.org/presentationml/2006/main">
   <p:cSld>
@@ -3394,559 +3515,70 @@
           <a:chExt cx="0" cy="0"/>
         </a:xfrm>
       </p:grpSpPr>
-      <p:sp>
-        <p:nvSpPr>
-          <p:cNvPr id="14" name="Oval 13">
-            <a:extLst>
-              <a:ext uri="{FF2B5EF4-FFF2-40B4-BE49-F238E27FC236}">
-                <a16:creationId xmlns:a16="http://schemas.microsoft.com/office/drawing/2014/main" id="{CA76A504-F201-DEF2-5FC0-2D442DCF2BC7}"/>
-              </a:ext>
-            </a:extLst>
-          </p:cNvPr>
-          <p:cNvSpPr/>
-          <p:nvPr/>
-        </p:nvSpPr>
-        <p:spPr>
-          <a:xfrm>
-            <a:off x="171432" y="1100123"/>
-            <a:ext cx="8001000" cy="4572000"/>
-          </a:xfrm>
-          <a:prstGeom prst="ellipse">
-            <a:avLst/>
-          </a:prstGeom>
-          <a:solidFill>
-            <a:srgbClr val="002060">
-              <a:alpha val="25000"/>
-            </a:srgbClr>
-          </a:solidFill>
-          <a:ln>
-            <a:noFill/>
-          </a:ln>
-        </p:spPr>
-        <p:style>
-          <a:lnRef idx="2">
-            <a:schemeClr val="accent1">
-              <a:shade val="50000"/>
-            </a:schemeClr>
-          </a:lnRef>
-          <a:fillRef idx="1">
-            <a:schemeClr val="accent1"/>
-          </a:fillRef>
-          <a:effectRef idx="0">
-            <a:schemeClr val="accent1"/>
-          </a:effectRef>
-          <a:fontRef idx="minor">
-            <a:schemeClr val="lt1"/>
-          </a:fontRef>
-        </p:style>
-        <p:txBody>
-          <a:bodyPr rtlCol="0" anchor="ctr"/>
-          <a:lstStyle/>
-          <a:p>
-            <a:pPr algn="ctr"/>
-            <a:endParaRPr lang="en-US"/>
-          </a:p>
-        </p:txBody>
-      </p:sp>
-      <p:sp>
-        <p:nvSpPr>
-          <p:cNvPr id="13" name="Oval 12">
-            <a:extLst>
-              <a:ext uri="{FF2B5EF4-FFF2-40B4-BE49-F238E27FC236}">
-                <a16:creationId xmlns:a16="http://schemas.microsoft.com/office/drawing/2014/main" id="{3E2CBD55-C81A-B3FF-3F17-A9E76CF6F01C}"/>
-              </a:ext>
-            </a:extLst>
-          </p:cNvPr>
-          <p:cNvSpPr/>
-          <p:nvPr/>
-        </p:nvSpPr>
-        <p:spPr>
-          <a:xfrm>
-            <a:off x="4034639" y="1143000"/>
-            <a:ext cx="8001000" cy="4572000"/>
-          </a:xfrm>
-          <a:prstGeom prst="ellipse">
-            <a:avLst/>
-          </a:prstGeom>
-          <a:solidFill>
-            <a:srgbClr val="7030A0">
-              <a:alpha val="25000"/>
-            </a:srgbClr>
-          </a:solidFill>
-          <a:ln>
-            <a:noFill/>
-          </a:ln>
-        </p:spPr>
-        <p:style>
-          <a:lnRef idx="2">
-            <a:schemeClr val="accent1">
-              <a:shade val="50000"/>
-            </a:schemeClr>
-          </a:lnRef>
-          <a:fillRef idx="1">
-            <a:schemeClr val="accent1"/>
-          </a:fillRef>
-          <a:effectRef idx="0">
-            <a:schemeClr val="accent1"/>
-          </a:effectRef>
-          <a:fontRef idx="minor">
-            <a:schemeClr val="lt1"/>
-          </a:fontRef>
-        </p:style>
-        <p:txBody>
-          <a:bodyPr rtlCol="0" anchor="ctr"/>
-          <a:lstStyle/>
-          <a:p>
-            <a:pPr algn="ctr"/>
-            <a:endParaRPr lang="en-US"/>
-          </a:p>
-        </p:txBody>
-      </p:sp>
-      <p:sp>
-        <p:nvSpPr>
-          <p:cNvPr id="17" name="TextBox 16">
-            <a:extLst>
-              <a:ext uri="{FF2B5EF4-FFF2-40B4-BE49-F238E27FC236}">
-                <a16:creationId xmlns:a16="http://schemas.microsoft.com/office/drawing/2014/main" id="{3865FC87-5F53-3948-B754-C92ABE0C0788}"/>
-              </a:ext>
-            </a:extLst>
-          </p:cNvPr>
-          <p:cNvSpPr txBox="1"/>
-          <p:nvPr/>
-        </p:nvSpPr>
-        <p:spPr>
-          <a:xfrm>
-            <a:off x="8134545" y="2335504"/>
-            <a:ext cx="4008046" cy="923330"/>
+      <p:pic>
+        <p:nvPicPr>
+          <p:cNvPr id="5" name="Picture 4">
+            <a:extLst>
+              <a:ext uri="{FF2B5EF4-FFF2-40B4-BE49-F238E27FC236}">
+                <a16:creationId xmlns:a16="http://schemas.microsoft.com/office/drawing/2014/main" id="{5A4148D8-1E43-2101-1CEE-05402B946CC8}"/>
+              </a:ext>
+            </a:extLst>
+          </p:cNvPr>
+          <p:cNvPicPr>
+            <a:picLocks noChangeAspect="1"/>
+          </p:cNvPicPr>
+          <p:nvPr/>
+        </p:nvPicPr>
+        <p:blipFill>
+          <a:blip r:embed="rId2"/>
+          <a:stretch>
+            <a:fillRect/>
+          </a:stretch>
+        </p:blipFill>
+        <p:spPr>
+          <a:xfrm>
+            <a:off x="299271" y="629863"/>
+            <a:ext cx="2736892" cy="3161031"/>
           </a:xfrm>
           <a:prstGeom prst="rect">
             <a:avLst/>
           </a:prstGeom>
-          <a:noFill/>
-        </p:spPr>
-        <p:txBody>
-          <a:bodyPr wrap="square" rtlCol="0">
-            <a:spAutoFit/>
-          </a:bodyPr>
-          <a:lstStyle/>
-          <a:p>
-            <a:pPr marL="285750" indent="-285750">
-              <a:buFont typeface="Arial" panose="020B0604020202020204" pitchFamily="34" charset="0"/>
-              <a:buChar char="•"/>
-            </a:pPr>
-            <a:r>
-              <a:rPr lang="en-US" dirty="0">
-                <a:solidFill>
-                  <a:schemeClr val="accent2"/>
-                </a:solidFill>
-                <a:latin typeface="Arial" panose="020B0604020202020204" pitchFamily="34" charset="0"/>
-                <a:cs typeface="Arial" panose="020B0604020202020204" pitchFamily="34" charset="0"/>
-              </a:rPr>
-              <a:t>Historical data management.</a:t>
-            </a:r>
-          </a:p>
-          <a:p>
-            <a:pPr marL="285750" indent="-285750">
-              <a:buFont typeface="Arial" panose="020B0604020202020204" pitchFamily="34" charset="0"/>
-              <a:buChar char="•"/>
-            </a:pPr>
-            <a:r>
-              <a:rPr lang="en-US" dirty="0">
-                <a:latin typeface="Arial" panose="020B0604020202020204" pitchFamily="34" charset="0"/>
-                <a:cs typeface="Arial" panose="020B0604020202020204" pitchFamily="34" charset="0"/>
-              </a:rPr>
-              <a:t>End-to-end reruns on a schedule.</a:t>
-            </a:r>
-          </a:p>
-          <a:p>
-            <a:pPr marL="285750" indent="-285750">
-              <a:buFont typeface="Arial" panose="020B0604020202020204" pitchFamily="34" charset="0"/>
-              <a:buChar char="•"/>
-            </a:pPr>
-            <a:endParaRPr lang="en-US" dirty="0">
-              <a:latin typeface="Arial" panose="020B0604020202020204" pitchFamily="34" charset="0"/>
-              <a:cs typeface="Arial" panose="020B0604020202020204" pitchFamily="34" charset="0"/>
-            </a:endParaRPr>
-          </a:p>
-        </p:txBody>
-      </p:sp>
-      <p:sp>
-        <p:nvSpPr>
-          <p:cNvPr id="23" name="TextBox 22">
-            <a:extLst>
-              <a:ext uri="{FF2B5EF4-FFF2-40B4-BE49-F238E27FC236}">
-                <a16:creationId xmlns:a16="http://schemas.microsoft.com/office/drawing/2014/main" id="{97C82BE0-EDEF-464E-8576-4142C51CA2E3}"/>
-              </a:ext>
-            </a:extLst>
-          </p:cNvPr>
-          <p:cNvSpPr txBox="1"/>
-          <p:nvPr/>
-        </p:nvSpPr>
-        <p:spPr>
-          <a:xfrm>
-            <a:off x="3065463" y="536786"/>
-            <a:ext cx="1938351" cy="584775"/>
+        </p:spPr>
+      </p:pic>
+      <p:pic>
+        <p:nvPicPr>
+          <p:cNvPr id="7" name="Picture 6">
+            <a:extLst>
+              <a:ext uri="{FF2B5EF4-FFF2-40B4-BE49-F238E27FC236}">
+                <a16:creationId xmlns:a16="http://schemas.microsoft.com/office/drawing/2014/main" id="{354EA929-F6A0-B887-D995-B110D0214E65}"/>
+              </a:ext>
+            </a:extLst>
+          </p:cNvPr>
+          <p:cNvPicPr>
+            <a:picLocks noChangeAspect="1"/>
+          </p:cNvPicPr>
+          <p:nvPr/>
+        </p:nvPicPr>
+        <p:blipFill>
+          <a:blip r:embed="rId3"/>
+          <a:stretch>
+            <a:fillRect/>
+          </a:stretch>
+        </p:blipFill>
+        <p:spPr>
+          <a:xfrm>
+            <a:off x="3417045" y="1400146"/>
+            <a:ext cx="8336132" cy="1431537"/>
           </a:xfrm>
           <a:prstGeom prst="rect">
             <a:avLst/>
           </a:prstGeom>
-          <a:noFill/>
-        </p:spPr>
-        <p:txBody>
-          <a:bodyPr wrap="none" rtlCol="0">
-            <a:spAutoFit/>
-          </a:bodyPr>
-          <a:lstStyle/>
-          <a:p>
-            <a:r>
-              <a:rPr lang="en-US" sz="3200" dirty="0">
-                <a:latin typeface="Arial" panose="020B0604020202020204" pitchFamily="34" charset="0"/>
-                <a:cs typeface="Arial" panose="020B0604020202020204" pitchFamily="34" charset="0"/>
-              </a:rPr>
-              <a:t>Make-like</a:t>
-            </a:r>
-          </a:p>
-        </p:txBody>
-      </p:sp>
-      <p:sp>
-        <p:nvSpPr>
-          <p:cNvPr id="24" name="TextBox 23">
-            <a:extLst>
-              <a:ext uri="{FF2B5EF4-FFF2-40B4-BE49-F238E27FC236}">
-                <a16:creationId xmlns:a16="http://schemas.microsoft.com/office/drawing/2014/main" id="{3802EDB0-B9A5-984F-95C6-4163B9A331EF}"/>
-              </a:ext>
-            </a:extLst>
-          </p:cNvPr>
-          <p:cNvSpPr txBox="1"/>
-          <p:nvPr/>
-        </p:nvSpPr>
-        <p:spPr>
-          <a:xfrm>
-            <a:off x="7188188" y="536786"/>
-            <a:ext cx="2167581" cy="584775"/>
-          </a:xfrm>
-          <a:prstGeom prst="rect">
-            <a:avLst/>
-          </a:prstGeom>
-          <a:noFill/>
-        </p:spPr>
-        <p:txBody>
-          <a:bodyPr wrap="square" rtlCol="0">
-            <a:spAutoFit/>
-          </a:bodyPr>
-          <a:lstStyle/>
-          <a:p>
-            <a:r>
-              <a:rPr lang="en-US" sz="3200" dirty="0">
-                <a:latin typeface="Arial" panose="020B0604020202020204" pitchFamily="34" charset="0"/>
-                <a:cs typeface="Arial" panose="020B0604020202020204" pitchFamily="34" charset="0"/>
-              </a:rPr>
-              <a:t>Airflow-like</a:t>
-            </a:r>
-          </a:p>
-        </p:txBody>
-      </p:sp>
-      <p:sp>
-        <p:nvSpPr>
-          <p:cNvPr id="5" name="TextBox 4">
-            <a:extLst>
-              <a:ext uri="{FF2B5EF4-FFF2-40B4-BE49-F238E27FC236}">
-                <a16:creationId xmlns:a16="http://schemas.microsoft.com/office/drawing/2014/main" id="{88FB09D7-494F-495F-2B22-6D31A1A8B4F7}"/>
-              </a:ext>
-            </a:extLst>
-          </p:cNvPr>
-          <p:cNvSpPr txBox="1"/>
-          <p:nvPr/>
-        </p:nvSpPr>
-        <p:spPr>
-          <a:xfrm>
-            <a:off x="8134545" y="3386123"/>
-            <a:ext cx="3790205" cy="923330"/>
-          </a:xfrm>
-          <a:prstGeom prst="rect">
-            <a:avLst/>
-          </a:prstGeom>
-          <a:noFill/>
-        </p:spPr>
-        <p:txBody>
-          <a:bodyPr wrap="none" rtlCol="0">
-            <a:spAutoFit/>
-          </a:bodyPr>
-          <a:lstStyle/>
-          <a:p>
-            <a:pPr marL="285750" indent="-285750">
-              <a:buFont typeface="Arial" panose="020B0604020202020204" pitchFamily="34" charset="0"/>
-              <a:buChar char="•"/>
-            </a:pPr>
-            <a:r>
-              <a:rPr lang="en-US" dirty="0"/>
-              <a:t>Airflow</a:t>
-            </a:r>
-          </a:p>
-          <a:p>
-            <a:pPr marL="285750" indent="-285750">
-              <a:buFont typeface="Arial" panose="020B0604020202020204" pitchFamily="34" charset="0"/>
-              <a:buChar char="•"/>
-            </a:pPr>
-            <a:r>
-              <a:rPr lang="en-US" dirty="0"/>
-              <a:t>Metaflow</a:t>
-            </a:r>
-          </a:p>
-          <a:p>
-            <a:pPr marL="285750" indent="-285750">
-              <a:buFont typeface="Arial" panose="020B0604020202020204" pitchFamily="34" charset="0"/>
-              <a:buChar char="•"/>
-            </a:pPr>
-            <a:r>
-              <a:rPr lang="en-US" dirty="0"/>
-              <a:t>{targets} + </a:t>
-            </a:r>
-            <a:r>
-              <a:rPr lang="en-US" dirty="0">
-                <a:solidFill>
-                  <a:schemeClr val="accent2"/>
-                </a:solidFill>
-              </a:rPr>
-              <a:t>{gittargets} or AWS/GCP </a:t>
-            </a:r>
-          </a:p>
-        </p:txBody>
-      </p:sp>
-      <p:sp>
-        <p:nvSpPr>
-          <p:cNvPr id="16" name="TextBox 15">
-            <a:extLst>
-              <a:ext uri="{FF2B5EF4-FFF2-40B4-BE49-F238E27FC236}">
-                <a16:creationId xmlns:a16="http://schemas.microsoft.com/office/drawing/2014/main" id="{B3F6EDF7-F29A-3549-B353-844DF237FAE2}"/>
-              </a:ext>
-            </a:extLst>
-          </p:cNvPr>
-          <p:cNvSpPr txBox="1"/>
-          <p:nvPr/>
-        </p:nvSpPr>
-        <p:spPr>
-          <a:xfrm>
-            <a:off x="4411400" y="2335504"/>
-            <a:ext cx="3451261" cy="923330"/>
-          </a:xfrm>
-          <a:prstGeom prst="rect">
-            <a:avLst/>
-          </a:prstGeom>
-          <a:noFill/>
-        </p:spPr>
-        <p:txBody>
-          <a:bodyPr wrap="square" rtlCol="0">
-            <a:spAutoFit/>
-          </a:bodyPr>
-          <a:lstStyle/>
-          <a:p>
-            <a:pPr marL="285750" indent="-285750">
-              <a:buFont typeface="Arial" panose="020B0604020202020204" pitchFamily="34" charset="0"/>
-              <a:buChar char="•"/>
-            </a:pPr>
-            <a:r>
-              <a:rPr lang="en-US" dirty="0">
-                <a:latin typeface="Arial" panose="020B0604020202020204" pitchFamily="34" charset="0"/>
-                <a:cs typeface="Arial" panose="020B0604020202020204" pitchFamily="34" charset="0"/>
-              </a:rPr>
-              <a:t>Orchestrate tasks in a graph.</a:t>
-            </a:r>
-          </a:p>
-          <a:p>
-            <a:pPr marL="285750" indent="-285750">
-              <a:buFont typeface="Arial" panose="020B0604020202020204" pitchFamily="34" charset="0"/>
-              <a:buChar char="•"/>
-            </a:pPr>
-            <a:r>
-              <a:rPr lang="en-US" dirty="0">
-                <a:latin typeface="Arial" panose="020B0604020202020204" pitchFamily="34" charset="0"/>
-                <a:cs typeface="Arial" panose="020B0604020202020204" pitchFamily="34" charset="0"/>
-              </a:rPr>
-              <a:t>Distributed computing.</a:t>
-            </a:r>
-          </a:p>
-          <a:p>
-            <a:pPr marL="285750" indent="-285750">
-              <a:buFont typeface="Arial" panose="020B0604020202020204" pitchFamily="34" charset="0"/>
-              <a:buChar char="•"/>
-            </a:pPr>
-            <a:r>
-              <a:rPr lang="en-US" dirty="0">
-                <a:latin typeface="Arial" panose="020B0604020202020204" pitchFamily="34" charset="0"/>
-                <a:cs typeface="Arial" panose="020B0604020202020204" pitchFamily="34" charset="0"/>
-              </a:rPr>
-              <a:t>Data management.</a:t>
-            </a:r>
-          </a:p>
-        </p:txBody>
-      </p:sp>
-      <p:sp>
-        <p:nvSpPr>
-          <p:cNvPr id="2" name="TextBox 1">
-            <a:extLst>
-              <a:ext uri="{FF2B5EF4-FFF2-40B4-BE49-F238E27FC236}">
-                <a16:creationId xmlns:a16="http://schemas.microsoft.com/office/drawing/2014/main" id="{B7E81884-4CAF-B76D-7BF3-C1AF566E3920}"/>
-              </a:ext>
-            </a:extLst>
-          </p:cNvPr>
-          <p:cNvSpPr txBox="1"/>
-          <p:nvPr/>
-        </p:nvSpPr>
-        <p:spPr>
-          <a:xfrm>
-            <a:off x="4411400" y="3429000"/>
-            <a:ext cx="1332416" cy="1200329"/>
-          </a:xfrm>
-          <a:prstGeom prst="rect">
-            <a:avLst/>
-          </a:prstGeom>
-          <a:noFill/>
-        </p:spPr>
-        <p:txBody>
-          <a:bodyPr wrap="none" rtlCol="0">
-            <a:spAutoFit/>
-          </a:bodyPr>
-          <a:lstStyle/>
-          <a:p>
-            <a:pPr marL="285750" indent="-285750">
-              <a:buFont typeface="Arial" panose="020B0604020202020204" pitchFamily="34" charset="0"/>
-              <a:buChar char="•"/>
-            </a:pPr>
-            <a:r>
-              <a:rPr lang="en-US" dirty="0">
-                <a:latin typeface="Arial" panose="020B0604020202020204" pitchFamily="34" charset="0"/>
-                <a:cs typeface="Arial" panose="020B0604020202020204" pitchFamily="34" charset="0"/>
-              </a:rPr>
-              <a:t>Prefect</a:t>
-            </a:r>
-          </a:p>
-          <a:p>
-            <a:pPr marL="285750" indent="-285750">
-              <a:buFont typeface="Arial" panose="020B0604020202020204" pitchFamily="34" charset="0"/>
-              <a:buChar char="•"/>
-            </a:pPr>
-            <a:r>
-              <a:rPr lang="en-US" dirty="0">
-                <a:latin typeface="Arial" panose="020B0604020202020204" pitchFamily="34" charset="0"/>
-                <a:cs typeface="Arial" panose="020B0604020202020204" pitchFamily="34" charset="0"/>
-              </a:rPr>
-              <a:t>DVC</a:t>
-            </a:r>
-          </a:p>
-          <a:p>
-            <a:pPr marL="285750" indent="-285750">
-              <a:buFont typeface="Arial" panose="020B0604020202020204" pitchFamily="34" charset="0"/>
-              <a:buChar char="•"/>
-            </a:pPr>
-            <a:r>
-              <a:rPr lang="en-US" dirty="0">
-                <a:latin typeface="Arial" panose="020B0604020202020204" pitchFamily="34" charset="0"/>
-                <a:cs typeface="Arial" panose="020B0604020202020204" pitchFamily="34" charset="0"/>
-              </a:rPr>
-              <a:t>{targets}</a:t>
-            </a:r>
-          </a:p>
-          <a:p>
-            <a:endParaRPr lang="en-US" dirty="0"/>
-          </a:p>
-        </p:txBody>
-      </p:sp>
-      <p:sp>
-        <p:nvSpPr>
-          <p:cNvPr id="3" name="TextBox 2">
-            <a:extLst>
-              <a:ext uri="{FF2B5EF4-FFF2-40B4-BE49-F238E27FC236}">
-                <a16:creationId xmlns:a16="http://schemas.microsoft.com/office/drawing/2014/main" id="{B9CB20B8-B18F-32BB-7C74-F33BC205BB3B}"/>
-              </a:ext>
-            </a:extLst>
-          </p:cNvPr>
-          <p:cNvSpPr txBox="1"/>
-          <p:nvPr/>
-        </p:nvSpPr>
-        <p:spPr>
-          <a:xfrm>
-            <a:off x="1285641" y="2335504"/>
-            <a:ext cx="2704587" cy="646331"/>
-          </a:xfrm>
-          <a:prstGeom prst="rect">
-            <a:avLst/>
-          </a:prstGeom>
-          <a:noFill/>
-        </p:spPr>
-        <p:txBody>
-          <a:bodyPr wrap="none" rtlCol="0">
-            <a:spAutoFit/>
-          </a:bodyPr>
-          <a:lstStyle/>
-          <a:p>
-            <a:pPr marL="285750" indent="-285750">
-              <a:buFont typeface="Arial" panose="020B0604020202020204" pitchFamily="34" charset="0"/>
-              <a:buChar char="•"/>
-            </a:pPr>
-            <a:r>
-              <a:rPr lang="en-US" dirty="0">
-                <a:latin typeface="Arial" panose="020B0604020202020204" pitchFamily="34" charset="0"/>
-                <a:cs typeface="Arial" panose="020B0604020202020204" pitchFamily="34" charset="0"/>
-              </a:rPr>
-              <a:t>Skip up-to-date tasks.</a:t>
-            </a:r>
-          </a:p>
-          <a:p>
-            <a:endParaRPr lang="en-US" dirty="0"/>
-          </a:p>
-        </p:txBody>
-      </p:sp>
-      <p:sp>
-        <p:nvSpPr>
-          <p:cNvPr id="7" name="TextBox 6">
-            <a:extLst>
-              <a:ext uri="{FF2B5EF4-FFF2-40B4-BE49-F238E27FC236}">
-                <a16:creationId xmlns:a16="http://schemas.microsoft.com/office/drawing/2014/main" id="{A2668B1C-ABF3-B0DF-5885-FA6256121DBA}"/>
-              </a:ext>
-            </a:extLst>
-          </p:cNvPr>
-          <p:cNvSpPr txBox="1"/>
-          <p:nvPr/>
-        </p:nvSpPr>
-        <p:spPr>
-          <a:xfrm>
-            <a:off x="1285641" y="3429000"/>
-            <a:ext cx="1488484" cy="646331"/>
-          </a:xfrm>
-          <a:prstGeom prst="rect">
-            <a:avLst/>
-          </a:prstGeom>
-          <a:noFill/>
-        </p:spPr>
-        <p:txBody>
-          <a:bodyPr wrap="none" rtlCol="0">
-            <a:spAutoFit/>
-          </a:bodyPr>
-          <a:lstStyle/>
-          <a:p>
-            <a:pPr marL="285750" indent="-285750">
-              <a:buFont typeface="Arial" panose="020B0604020202020204" pitchFamily="34" charset="0"/>
-              <a:buChar char="•"/>
-            </a:pPr>
-            <a:r>
-              <a:rPr lang="en-US" dirty="0"/>
-              <a:t>GNU Make</a:t>
-            </a:r>
-          </a:p>
-          <a:p>
-            <a:pPr marL="285750" indent="-285750">
-              <a:buFont typeface="Arial" panose="020B0604020202020204" pitchFamily="34" charset="0"/>
-              <a:buChar char="•"/>
-            </a:pPr>
-            <a:endParaRPr lang="en-US" dirty="0"/>
-          </a:p>
-        </p:txBody>
-      </p:sp>
+        </p:spPr>
+      </p:pic>
     </p:spTree>
     <p:extLst>
       <p:ext uri="{BB962C8B-B14F-4D97-AF65-F5344CB8AC3E}">
-        <p14:creationId xmlns:p14="http://schemas.microsoft.com/office/powerpoint/2010/main" val="661681111"/>
+        <p14:creationId xmlns:p14="http://schemas.microsoft.com/office/powerpoint/2010/main" val="1485340136"/>
       </p:ext>
     </p:extLst>
   </p:cSld>
@@ -3975,10 +3607,10 @@
       </p:grpSpPr>
       <p:sp>
         <p:nvSpPr>
-          <p:cNvPr id="19" name="Rounded Rectangle 18">
-            <a:extLst>
-              <a:ext uri="{FF2B5EF4-FFF2-40B4-BE49-F238E27FC236}">
-                <a16:creationId xmlns:a16="http://schemas.microsoft.com/office/drawing/2014/main" id="{A7032FC1-B94D-AEC6-A16B-8D37253F6EA1}"/>
+          <p:cNvPr id="14" name="Oval 13">
+            <a:extLst>
+              <a:ext uri="{FF2B5EF4-FFF2-40B4-BE49-F238E27FC236}">
+                <a16:creationId xmlns:a16="http://schemas.microsoft.com/office/drawing/2014/main" id="{CA76A504-F201-DEF2-5FC0-2D442DCF2BC7}"/>
               </a:ext>
             </a:extLst>
           </p:cNvPr>
@@ -3987,140 +3619,10 @@
         </p:nvSpPr>
         <p:spPr>
           <a:xfrm>
-            <a:off x="5949434" y="2155054"/>
-            <a:ext cx="5275061" cy="1524317"/>
-          </a:xfrm>
-          <a:prstGeom prst="roundRect">
-            <a:avLst/>
-          </a:prstGeom>
-          <a:solidFill>
-            <a:srgbClr val="C00000">
-              <a:alpha val="25000"/>
-            </a:srgbClr>
-          </a:solidFill>
-          <a:ln>
-            <a:noFill/>
-          </a:ln>
-        </p:spPr>
-        <p:style>
-          <a:lnRef idx="2">
-            <a:schemeClr val="accent1">
-              <a:shade val="50000"/>
-            </a:schemeClr>
-          </a:lnRef>
-          <a:fillRef idx="1">
-            <a:schemeClr val="accent1"/>
-          </a:fillRef>
-          <a:effectRef idx="0">
-            <a:schemeClr val="accent1"/>
-          </a:effectRef>
-          <a:fontRef idx="minor">
-            <a:schemeClr val="lt1"/>
-          </a:fontRef>
-        </p:style>
-        <p:txBody>
-          <a:bodyPr rtlCol="0" anchor="ctr"/>
-          <a:lstStyle/>
-          <a:p>
-            <a:pPr algn="ctr"/>
-            <a:endParaRPr lang="en-US" dirty="0"/>
-          </a:p>
-        </p:txBody>
-      </p:sp>
-      <p:sp>
-        <p:nvSpPr>
-          <p:cNvPr id="23" name="TextBox 22">
-            <a:extLst>
-              <a:ext uri="{FF2B5EF4-FFF2-40B4-BE49-F238E27FC236}">
-                <a16:creationId xmlns:a16="http://schemas.microsoft.com/office/drawing/2014/main" id="{97C82BE0-EDEF-464E-8576-4142C51CA2E3}"/>
-              </a:ext>
-            </a:extLst>
-          </p:cNvPr>
-          <p:cNvSpPr txBox="1"/>
-          <p:nvPr/>
-        </p:nvSpPr>
-        <p:spPr>
-          <a:xfrm>
-            <a:off x="2667893" y="1484357"/>
-            <a:ext cx="1027845" cy="584775"/>
-          </a:xfrm>
-          <a:prstGeom prst="rect">
-            <a:avLst/>
-          </a:prstGeom>
-          <a:noFill/>
-        </p:spPr>
-        <p:txBody>
-          <a:bodyPr wrap="none" rtlCol="0">
-            <a:spAutoFit/>
-          </a:bodyPr>
-          <a:lstStyle/>
-          <a:p>
-            <a:r>
-              <a:rPr lang="en-US" sz="3200" dirty="0">
-                <a:latin typeface="Arial" panose="020B0604020202020204" pitchFamily="34" charset="0"/>
-                <a:cs typeface="Arial" panose="020B0604020202020204" pitchFamily="34" charset="0"/>
-              </a:rPr>
-              <a:t>Pros</a:t>
-            </a:r>
-          </a:p>
-        </p:txBody>
-      </p:sp>
-      <p:sp>
-        <p:nvSpPr>
-          <p:cNvPr id="24" name="TextBox 23">
-            <a:extLst>
-              <a:ext uri="{FF2B5EF4-FFF2-40B4-BE49-F238E27FC236}">
-                <a16:creationId xmlns:a16="http://schemas.microsoft.com/office/drawing/2014/main" id="{3802EDB0-B9A5-984F-95C6-4163B9A331EF}"/>
-              </a:ext>
-            </a:extLst>
-          </p:cNvPr>
-          <p:cNvSpPr txBox="1"/>
-          <p:nvPr/>
-        </p:nvSpPr>
-        <p:spPr>
-          <a:xfrm>
-            <a:off x="7925434" y="1488257"/>
-            <a:ext cx="1141659" cy="584775"/>
-          </a:xfrm>
-          <a:prstGeom prst="rect">
-            <a:avLst/>
-          </a:prstGeom>
-          <a:noFill/>
-        </p:spPr>
-        <p:txBody>
-          <a:bodyPr wrap="none" rtlCol="0">
-            <a:spAutoFit/>
-          </a:bodyPr>
-          <a:lstStyle/>
-          <a:p>
-            <a:r>
-              <a:rPr lang="en-US" sz="3200" dirty="0">
-                <a:latin typeface="Arial" panose="020B0604020202020204" pitchFamily="34" charset="0"/>
-                <a:cs typeface="Arial" panose="020B0604020202020204" pitchFamily="34" charset="0"/>
-              </a:rPr>
-              <a:t>Cons</a:t>
-            </a:r>
-          </a:p>
-        </p:txBody>
-      </p:sp>
-      <p:sp>
-        <p:nvSpPr>
-          <p:cNvPr id="8" name="Rounded Rectangle 7">
-            <a:extLst>
-              <a:ext uri="{FF2B5EF4-FFF2-40B4-BE49-F238E27FC236}">
-                <a16:creationId xmlns:a16="http://schemas.microsoft.com/office/drawing/2014/main" id="{C20BE477-F1EB-0006-F2BA-991C8867EBE3}"/>
-              </a:ext>
-            </a:extLst>
-          </p:cNvPr>
-          <p:cNvSpPr/>
-          <p:nvPr/>
-        </p:nvSpPr>
-        <p:spPr>
-          <a:xfrm>
-            <a:off x="544286" y="2155054"/>
-            <a:ext cx="5275061" cy="1524317"/>
-          </a:xfrm>
-          <a:prstGeom prst="roundRect">
+            <a:off x="171432" y="1100123"/>
+            <a:ext cx="8001000" cy="4572000"/>
+          </a:xfrm>
+          <a:prstGeom prst="ellipse">
             <a:avLst/>
           </a:prstGeom>
           <a:solidFill>
@@ -4159,10 +3661,64 @@
       </p:sp>
       <p:sp>
         <p:nvSpPr>
-          <p:cNvPr id="3" name="TextBox 2">
-            <a:extLst>
-              <a:ext uri="{FF2B5EF4-FFF2-40B4-BE49-F238E27FC236}">
-                <a16:creationId xmlns:a16="http://schemas.microsoft.com/office/drawing/2014/main" id="{B9CB20B8-B18F-32BB-7C74-F33BC205BB3B}"/>
+          <p:cNvPr id="13" name="Oval 12">
+            <a:extLst>
+              <a:ext uri="{FF2B5EF4-FFF2-40B4-BE49-F238E27FC236}">
+                <a16:creationId xmlns:a16="http://schemas.microsoft.com/office/drawing/2014/main" id="{3E2CBD55-C81A-B3FF-3F17-A9E76CF6F01C}"/>
+              </a:ext>
+            </a:extLst>
+          </p:cNvPr>
+          <p:cNvSpPr/>
+          <p:nvPr/>
+        </p:nvSpPr>
+        <p:spPr>
+          <a:xfrm>
+            <a:off x="4034639" y="1143000"/>
+            <a:ext cx="8001000" cy="4572000"/>
+          </a:xfrm>
+          <a:prstGeom prst="ellipse">
+            <a:avLst/>
+          </a:prstGeom>
+          <a:solidFill>
+            <a:srgbClr val="7030A0">
+              <a:alpha val="25000"/>
+            </a:srgbClr>
+          </a:solidFill>
+          <a:ln>
+            <a:noFill/>
+          </a:ln>
+        </p:spPr>
+        <p:style>
+          <a:lnRef idx="2">
+            <a:schemeClr val="accent1">
+              <a:shade val="50000"/>
+            </a:schemeClr>
+          </a:lnRef>
+          <a:fillRef idx="1">
+            <a:schemeClr val="accent1"/>
+          </a:fillRef>
+          <a:effectRef idx="0">
+            <a:schemeClr val="accent1"/>
+          </a:effectRef>
+          <a:fontRef idx="minor">
+            <a:schemeClr val="lt1"/>
+          </a:fontRef>
+        </p:style>
+        <p:txBody>
+          <a:bodyPr rtlCol="0" anchor="ctr"/>
+          <a:lstStyle/>
+          <a:p>
+            <a:pPr algn="ctr"/>
+            <a:endParaRPr lang="en-US"/>
+          </a:p>
+        </p:txBody>
+      </p:sp>
+      <p:sp>
+        <p:nvSpPr>
+          <p:cNvPr id="17" name="TextBox 16">
+            <a:extLst>
+              <a:ext uri="{FF2B5EF4-FFF2-40B4-BE49-F238E27FC236}">
+                <a16:creationId xmlns:a16="http://schemas.microsoft.com/office/drawing/2014/main" id="{3865FC87-5F53-3948-B754-C92ABE0C0788}"/>
               </a:ext>
             </a:extLst>
           </p:cNvPr>
@@ -4171,8 +3727,8 @@
         </p:nvSpPr>
         <p:spPr>
           <a:xfrm>
-            <a:off x="664029" y="2353683"/>
-            <a:ext cx="5050972" cy="830997"/>
+            <a:off x="8134545" y="2335504"/>
+            <a:ext cx="4008046" cy="923330"/>
           </a:xfrm>
           <a:prstGeom prst="rect">
             <a:avLst/>
@@ -4190,11 +3746,14 @@
               <a:buChar char="•"/>
             </a:pPr>
             <a:r>
-              <a:rPr lang="en-US" sz="2400" dirty="0">
+              <a:rPr lang="en-US" dirty="0">
+                <a:solidFill>
+                  <a:schemeClr val="accent2"/>
+                </a:solidFill>
                 <a:latin typeface="Arial" panose="020B0604020202020204" pitchFamily="34" charset="0"/>
                 <a:cs typeface="Arial" panose="020B0604020202020204" pitchFamily="34" charset="0"/>
               </a:rPr>
-              <a:t>Compact.</a:t>
+              <a:t>Historical data management.</a:t>
             </a:r>
           </a:p>
           <a:p>
@@ -4203,74 +3762,402 @@
               <a:buChar char="•"/>
             </a:pPr>
             <a:r>
-              <a:rPr lang="en-US" sz="2400" dirty="0">
+              <a:rPr lang="en-US" dirty="0">
                 <a:latin typeface="Arial" panose="020B0604020202020204" pitchFamily="34" charset="0"/>
                 <a:cs typeface="Arial" panose="020B0604020202020204" pitchFamily="34" charset="0"/>
               </a:rPr>
-              <a:t>Simple to understand.</a:t>
-            </a:r>
-          </a:p>
-        </p:txBody>
-      </p:sp>
-      <p:sp>
-        <p:nvSpPr>
-          <p:cNvPr id="12" name="TextBox 11">
-            <a:extLst>
-              <a:ext uri="{FF2B5EF4-FFF2-40B4-BE49-F238E27FC236}">
-                <a16:creationId xmlns:a16="http://schemas.microsoft.com/office/drawing/2014/main" id="{CE02C8ED-0D59-C1F2-003A-2B4819D59311}"/>
-              </a:ext>
-            </a:extLst>
-          </p:cNvPr>
-          <p:cNvSpPr txBox="1"/>
-          <p:nvPr/>
-        </p:nvSpPr>
-        <p:spPr>
-          <a:xfrm>
-            <a:off x="6061479" y="2353683"/>
-            <a:ext cx="5050972" cy="1200329"/>
-          </a:xfrm>
-          <a:prstGeom prst="rect">
-            <a:avLst/>
-          </a:prstGeom>
-          <a:noFill/>
-        </p:spPr>
-        <p:txBody>
-          <a:bodyPr wrap="square" rtlCol="0">
-            <a:spAutoFit/>
-          </a:bodyPr>
-          <a:lstStyle/>
+              <a:t>End-to-end reruns on a schedule.</a:t>
+            </a:r>
+          </a:p>
           <a:p>
             <a:pPr marL="285750" indent="-285750">
               <a:buFont typeface="Arial" panose="020B0604020202020204" pitchFamily="34" charset="0"/>
               <a:buChar char="•"/>
             </a:pPr>
-            <a:r>
-              <a:rPr lang="en-US" sz="2400" dirty="0">
+            <a:endParaRPr lang="en-US" dirty="0">
+              <a:latin typeface="Arial" panose="020B0604020202020204" pitchFamily="34" charset="0"/>
+              <a:cs typeface="Arial" panose="020B0604020202020204" pitchFamily="34" charset="0"/>
+            </a:endParaRPr>
+          </a:p>
+        </p:txBody>
+      </p:sp>
+      <p:sp>
+        <p:nvSpPr>
+          <p:cNvPr id="23" name="TextBox 22">
+            <a:extLst>
+              <a:ext uri="{FF2B5EF4-FFF2-40B4-BE49-F238E27FC236}">
+                <a16:creationId xmlns:a16="http://schemas.microsoft.com/office/drawing/2014/main" id="{97C82BE0-EDEF-464E-8576-4142C51CA2E3}"/>
+              </a:ext>
+            </a:extLst>
+          </p:cNvPr>
+          <p:cNvSpPr txBox="1"/>
+          <p:nvPr/>
+        </p:nvSpPr>
+        <p:spPr>
+          <a:xfrm>
+            <a:off x="3065463" y="536786"/>
+            <a:ext cx="1938351" cy="584775"/>
+          </a:xfrm>
+          <a:prstGeom prst="rect">
+            <a:avLst/>
+          </a:prstGeom>
+          <a:noFill/>
+        </p:spPr>
+        <p:txBody>
+          <a:bodyPr wrap="none" rtlCol="0">
+            <a:spAutoFit/>
+          </a:bodyPr>
+          <a:lstStyle/>
+          <a:p>
+            <a:r>
+              <a:rPr lang="en-US" sz="3200" dirty="0">
                 <a:latin typeface="Arial" panose="020B0604020202020204" pitchFamily="34" charset="0"/>
                 <a:cs typeface="Arial" panose="020B0604020202020204" pitchFamily="34" charset="0"/>
               </a:rPr>
-              <a:t>Only tracks the current state.</a:t>
-            </a:r>
-          </a:p>
+              <a:t>Make-like</a:t>
+            </a:r>
+          </a:p>
+        </p:txBody>
+      </p:sp>
+      <p:sp>
+        <p:nvSpPr>
+          <p:cNvPr id="24" name="TextBox 23">
+            <a:extLst>
+              <a:ext uri="{FF2B5EF4-FFF2-40B4-BE49-F238E27FC236}">
+                <a16:creationId xmlns:a16="http://schemas.microsoft.com/office/drawing/2014/main" id="{3802EDB0-B9A5-984F-95C6-4163B9A331EF}"/>
+              </a:ext>
+            </a:extLst>
+          </p:cNvPr>
+          <p:cNvSpPr txBox="1"/>
+          <p:nvPr/>
+        </p:nvSpPr>
+        <p:spPr>
+          <a:xfrm>
+            <a:off x="7188188" y="536786"/>
+            <a:ext cx="2167581" cy="584775"/>
+          </a:xfrm>
+          <a:prstGeom prst="rect">
+            <a:avLst/>
+          </a:prstGeom>
+          <a:noFill/>
+        </p:spPr>
+        <p:txBody>
+          <a:bodyPr wrap="square" rtlCol="0">
+            <a:spAutoFit/>
+          </a:bodyPr>
+          <a:lstStyle/>
+          <a:p>
+            <a:r>
+              <a:rPr lang="en-US" sz="3200" dirty="0">
+                <a:latin typeface="Arial" panose="020B0604020202020204" pitchFamily="34" charset="0"/>
+                <a:cs typeface="Arial" panose="020B0604020202020204" pitchFamily="34" charset="0"/>
+              </a:rPr>
+              <a:t>Airflow-like</a:t>
+            </a:r>
+          </a:p>
+        </p:txBody>
+      </p:sp>
+      <p:sp>
+        <p:nvSpPr>
+          <p:cNvPr id="5" name="TextBox 4">
+            <a:extLst>
+              <a:ext uri="{FF2B5EF4-FFF2-40B4-BE49-F238E27FC236}">
+                <a16:creationId xmlns:a16="http://schemas.microsoft.com/office/drawing/2014/main" id="{88FB09D7-494F-495F-2B22-6D31A1A8B4F7}"/>
+              </a:ext>
+            </a:extLst>
+          </p:cNvPr>
+          <p:cNvSpPr txBox="1"/>
+          <p:nvPr/>
+        </p:nvSpPr>
+        <p:spPr>
+          <a:xfrm>
+            <a:off x="8134545" y="3386123"/>
+            <a:ext cx="3790205" cy="923330"/>
+          </a:xfrm>
+          <a:prstGeom prst="rect">
+            <a:avLst/>
+          </a:prstGeom>
+          <a:noFill/>
+        </p:spPr>
+        <p:txBody>
+          <a:bodyPr wrap="none" rtlCol="0">
+            <a:spAutoFit/>
+          </a:bodyPr>
+          <a:lstStyle/>
           <a:p>
             <a:pPr marL="285750" indent="-285750">
               <a:buFont typeface="Arial" panose="020B0604020202020204" pitchFamily="34" charset="0"/>
               <a:buChar char="•"/>
             </a:pPr>
             <a:r>
-              <a:rPr lang="en-US" sz="2400" dirty="0">
+              <a:rPr lang="en-US" dirty="0"/>
+              <a:t>Airflow</a:t>
+            </a:r>
+          </a:p>
+          <a:p>
+            <a:pPr marL="285750" indent="-285750">
+              <a:buFont typeface="Arial" panose="020B0604020202020204" pitchFamily="34" charset="0"/>
+              <a:buChar char="•"/>
+            </a:pPr>
+            <a:r>
+              <a:rPr lang="en-US" dirty="0"/>
+              <a:t>Metaflow</a:t>
+            </a:r>
+          </a:p>
+          <a:p>
+            <a:pPr marL="285750" indent="-285750">
+              <a:buFont typeface="Arial" panose="020B0604020202020204" pitchFamily="34" charset="0"/>
+              <a:buChar char="•"/>
+            </a:pPr>
+            <a:r>
+              <a:rPr lang="en-US" dirty="0"/>
+              <a:t>{targets} + </a:t>
+            </a:r>
+            <a:r>
+              <a:rPr lang="en-US" dirty="0">
+                <a:solidFill>
+                  <a:schemeClr val="accent2"/>
+                </a:solidFill>
+              </a:rPr>
+              <a:t>{gittargets} or AWS/GCP </a:t>
+            </a:r>
+          </a:p>
+        </p:txBody>
+      </p:sp>
+      <p:sp>
+        <p:nvSpPr>
+          <p:cNvPr id="16" name="TextBox 15">
+            <a:extLst>
+              <a:ext uri="{FF2B5EF4-FFF2-40B4-BE49-F238E27FC236}">
+                <a16:creationId xmlns:a16="http://schemas.microsoft.com/office/drawing/2014/main" id="{B3F6EDF7-F29A-3549-B353-844DF237FAE2}"/>
+              </a:ext>
+            </a:extLst>
+          </p:cNvPr>
+          <p:cNvSpPr txBox="1"/>
+          <p:nvPr/>
+        </p:nvSpPr>
+        <p:spPr>
+          <a:xfrm>
+            <a:off x="4411400" y="2335504"/>
+            <a:ext cx="3451261" cy="923330"/>
+          </a:xfrm>
+          <a:prstGeom prst="rect">
+            <a:avLst/>
+          </a:prstGeom>
+          <a:noFill/>
+        </p:spPr>
+        <p:txBody>
+          <a:bodyPr wrap="square" rtlCol="0">
+            <a:spAutoFit/>
+          </a:bodyPr>
+          <a:lstStyle/>
+          <a:p>
+            <a:pPr marL="285750" indent="-285750">
+              <a:buFont typeface="Arial" panose="020B0604020202020204" pitchFamily="34" charset="0"/>
+              <a:buChar char="•"/>
+            </a:pPr>
+            <a:r>
+              <a:rPr lang="en-US" dirty="0">
                 <a:latin typeface="Arial" panose="020B0604020202020204" pitchFamily="34" charset="0"/>
                 <a:cs typeface="Arial" panose="020B0604020202020204" pitchFamily="34" charset="0"/>
               </a:rPr>
-              <a:t>Reverting to old code invalidates the targets.</a:t>
-            </a:r>
+              <a:t>Orchestrate tasks in a graph.</a:t>
+            </a:r>
+          </a:p>
+          <a:p>
+            <a:pPr marL="285750" indent="-285750">
+              <a:buFont typeface="Arial" panose="020B0604020202020204" pitchFamily="34" charset="0"/>
+              <a:buChar char="•"/>
+            </a:pPr>
+            <a:r>
+              <a:rPr lang="en-US" dirty="0">
+                <a:latin typeface="Arial" panose="020B0604020202020204" pitchFamily="34" charset="0"/>
+                <a:cs typeface="Arial" panose="020B0604020202020204" pitchFamily="34" charset="0"/>
+              </a:rPr>
+              <a:t>Distributed computing.</a:t>
+            </a:r>
+          </a:p>
+          <a:p>
+            <a:pPr marL="285750" indent="-285750">
+              <a:buFont typeface="Arial" panose="020B0604020202020204" pitchFamily="34" charset="0"/>
+              <a:buChar char="•"/>
+            </a:pPr>
+            <a:r>
+              <a:rPr lang="en-US" dirty="0">
+                <a:latin typeface="Arial" panose="020B0604020202020204" pitchFamily="34" charset="0"/>
+                <a:cs typeface="Arial" panose="020B0604020202020204" pitchFamily="34" charset="0"/>
+              </a:rPr>
+              <a:t>Data management.</a:t>
+            </a:r>
+          </a:p>
+        </p:txBody>
+      </p:sp>
+      <p:sp>
+        <p:nvSpPr>
+          <p:cNvPr id="2" name="TextBox 1">
+            <a:extLst>
+              <a:ext uri="{FF2B5EF4-FFF2-40B4-BE49-F238E27FC236}">
+                <a16:creationId xmlns:a16="http://schemas.microsoft.com/office/drawing/2014/main" id="{B7E81884-4CAF-B76D-7BF3-C1AF566E3920}"/>
+              </a:ext>
+            </a:extLst>
+          </p:cNvPr>
+          <p:cNvSpPr txBox="1"/>
+          <p:nvPr/>
+        </p:nvSpPr>
+        <p:spPr>
+          <a:xfrm>
+            <a:off x="4411400" y="3431219"/>
+            <a:ext cx="1332416" cy="1200329"/>
+          </a:xfrm>
+          <a:prstGeom prst="rect">
+            <a:avLst/>
+          </a:prstGeom>
+          <a:noFill/>
+        </p:spPr>
+        <p:txBody>
+          <a:bodyPr wrap="none" rtlCol="0">
+            <a:spAutoFit/>
+          </a:bodyPr>
+          <a:lstStyle/>
+          <a:p>
+            <a:pPr marL="285750" indent="-285750">
+              <a:buFont typeface="Arial" panose="020B0604020202020204" pitchFamily="34" charset="0"/>
+              <a:buChar char="•"/>
+            </a:pPr>
+            <a:r>
+              <a:rPr lang="en-US" dirty="0">
+                <a:latin typeface="Arial" panose="020B0604020202020204" pitchFamily="34" charset="0"/>
+                <a:cs typeface="Arial" panose="020B0604020202020204" pitchFamily="34" charset="0"/>
+              </a:rPr>
+              <a:t>Prefect</a:t>
+            </a:r>
+          </a:p>
+          <a:p>
+            <a:pPr marL="285750" indent="-285750">
+              <a:buFont typeface="Arial" panose="020B0604020202020204" pitchFamily="34" charset="0"/>
+              <a:buChar char="•"/>
+            </a:pPr>
+            <a:r>
+              <a:rPr lang="en-US" dirty="0">
+                <a:latin typeface="Arial" panose="020B0604020202020204" pitchFamily="34" charset="0"/>
+                <a:cs typeface="Arial" panose="020B0604020202020204" pitchFamily="34" charset="0"/>
+              </a:rPr>
+              <a:t>DVC</a:t>
+            </a:r>
+          </a:p>
+          <a:p>
+            <a:pPr marL="285750" indent="-285750">
+              <a:buFont typeface="Arial" panose="020B0604020202020204" pitchFamily="34" charset="0"/>
+              <a:buChar char="•"/>
+            </a:pPr>
+            <a:r>
+              <a:rPr lang="en-US" dirty="0">
+                <a:latin typeface="Arial" panose="020B0604020202020204" pitchFamily="34" charset="0"/>
+                <a:cs typeface="Arial" panose="020B0604020202020204" pitchFamily="34" charset="0"/>
+              </a:rPr>
+              <a:t>{targets}</a:t>
+            </a:r>
+          </a:p>
+          <a:p>
+            <a:endParaRPr lang="en-US" dirty="0"/>
+          </a:p>
+        </p:txBody>
+      </p:sp>
+      <p:sp>
+        <p:nvSpPr>
+          <p:cNvPr id="3" name="TextBox 2">
+            <a:extLst>
+              <a:ext uri="{FF2B5EF4-FFF2-40B4-BE49-F238E27FC236}">
+                <a16:creationId xmlns:a16="http://schemas.microsoft.com/office/drawing/2014/main" id="{B9CB20B8-B18F-32BB-7C74-F33BC205BB3B}"/>
+              </a:ext>
+            </a:extLst>
+          </p:cNvPr>
+          <p:cNvSpPr txBox="1"/>
+          <p:nvPr/>
+        </p:nvSpPr>
+        <p:spPr>
+          <a:xfrm>
+            <a:off x="1285641" y="2335504"/>
+            <a:ext cx="2704587" cy="646331"/>
+          </a:xfrm>
+          <a:prstGeom prst="rect">
+            <a:avLst/>
+          </a:prstGeom>
+          <a:noFill/>
+        </p:spPr>
+        <p:txBody>
+          <a:bodyPr wrap="none" rtlCol="0">
+            <a:spAutoFit/>
+          </a:bodyPr>
+          <a:lstStyle/>
+          <a:p>
+            <a:pPr marL="285750" indent="-285750">
+              <a:buFont typeface="Arial" panose="020B0604020202020204" pitchFamily="34" charset="0"/>
+              <a:buChar char="•"/>
+            </a:pPr>
+            <a:r>
+              <a:rPr lang="en-US" dirty="0">
+                <a:latin typeface="Arial" panose="020B0604020202020204" pitchFamily="34" charset="0"/>
+                <a:cs typeface="Arial" panose="020B0604020202020204" pitchFamily="34" charset="0"/>
+              </a:rPr>
+              <a:t>Skip up-to-date tasks.</a:t>
+            </a:r>
+          </a:p>
+          <a:p>
+            <a:endParaRPr lang="en-US" dirty="0"/>
+          </a:p>
+        </p:txBody>
+      </p:sp>
+      <p:sp>
+        <p:nvSpPr>
+          <p:cNvPr id="7" name="TextBox 6">
+            <a:extLst>
+              <a:ext uri="{FF2B5EF4-FFF2-40B4-BE49-F238E27FC236}">
+                <a16:creationId xmlns:a16="http://schemas.microsoft.com/office/drawing/2014/main" id="{A2668B1C-ABF3-B0DF-5885-FA6256121DBA}"/>
+              </a:ext>
+            </a:extLst>
+          </p:cNvPr>
+          <p:cNvSpPr txBox="1"/>
+          <p:nvPr/>
+        </p:nvSpPr>
+        <p:spPr>
+          <a:xfrm>
+            <a:off x="1285641" y="3429000"/>
+            <a:ext cx="1488484" cy="646331"/>
+          </a:xfrm>
+          <a:prstGeom prst="rect">
+            <a:avLst/>
+          </a:prstGeom>
+          <a:noFill/>
+        </p:spPr>
+        <p:txBody>
+          <a:bodyPr wrap="none" rtlCol="0">
+            <a:spAutoFit/>
+          </a:bodyPr>
+          <a:lstStyle/>
+          <a:p>
+            <a:pPr marL="285750" indent="-285750">
+              <a:buFont typeface="Arial" panose="020B0604020202020204" pitchFamily="34" charset="0"/>
+              <a:buChar char="•"/>
+            </a:pPr>
+            <a:r>
+              <a:rPr lang="en-US" dirty="0"/>
+              <a:t>GNU Make</a:t>
+            </a:r>
+          </a:p>
+          <a:p>
+            <a:pPr marL="285750" indent="-285750">
+              <a:buFont typeface="Arial" panose="020B0604020202020204" pitchFamily="34" charset="0"/>
+              <a:buChar char="•"/>
+            </a:pPr>
+            <a:endParaRPr lang="en-US" dirty="0"/>
           </a:p>
         </p:txBody>
       </p:sp>
     </p:spTree>
     <p:extLst>
       <p:ext uri="{BB962C8B-B14F-4D97-AF65-F5344CB8AC3E}">
-        <p14:creationId xmlns:p14="http://schemas.microsoft.com/office/powerpoint/2010/main" val="4060897896"/>
+        <p14:creationId xmlns:p14="http://schemas.microsoft.com/office/powerpoint/2010/main" val="661681111"/>
       </p:ext>
     </p:extLst>
   </p:cSld>
@@ -4297,122 +4184,34 @@
           <a:chExt cx="0" cy="0"/>
         </a:xfrm>
       </p:grpSpPr>
-      <p:cxnSp>
-        <p:nvCxnSpPr>
-          <p:cNvPr id="30" name="Straight Connector 29">
-            <a:extLst>
-              <a:ext uri="{FF2B5EF4-FFF2-40B4-BE49-F238E27FC236}">
-                <a16:creationId xmlns:a16="http://schemas.microsoft.com/office/drawing/2014/main" id="{C0C69984-06D2-8068-1DEE-3260610FFDD5}"/>
-              </a:ext>
-            </a:extLst>
-          </p:cNvPr>
-          <p:cNvCxnSpPr>
-            <a:cxnSpLocks/>
-            <a:endCxn id="26" idx="0"/>
-          </p:cNvCxnSpPr>
-          <p:nvPr/>
-        </p:nvCxnSpPr>
-        <p:spPr>
-          <a:xfrm flipH="1">
-            <a:off x="10494319" y="1624066"/>
-            <a:ext cx="17307" cy="4460422"/>
-          </a:xfrm>
-          <a:prstGeom prst="line">
-            <a:avLst/>
-          </a:prstGeom>
-          <a:ln w="31750">
-            <a:solidFill>
-              <a:schemeClr val="tx1"/>
-            </a:solidFill>
-            <a:prstDash val="sysDot"/>
+      <p:sp>
+        <p:nvSpPr>
+          <p:cNvPr id="19" name="Rounded Rectangle 18">
+            <a:extLst>
+              <a:ext uri="{FF2B5EF4-FFF2-40B4-BE49-F238E27FC236}">
+                <a16:creationId xmlns:a16="http://schemas.microsoft.com/office/drawing/2014/main" id="{A7032FC1-B94D-AEC6-A16B-8D37253F6EA1}"/>
+              </a:ext>
+            </a:extLst>
+          </p:cNvPr>
+          <p:cNvSpPr/>
+          <p:nvPr/>
+        </p:nvSpPr>
+        <p:spPr>
+          <a:xfrm>
+            <a:off x="5949434" y="2155054"/>
+            <a:ext cx="5275061" cy="1524317"/>
+          </a:xfrm>
+          <a:prstGeom prst="roundRect">
+            <a:avLst/>
+          </a:prstGeom>
+          <a:solidFill>
+            <a:srgbClr val="C00000">
+              <a:alpha val="25000"/>
+            </a:srgbClr>
+          </a:solidFill>
+          <a:ln>
+            <a:noFill/>
           </a:ln>
-        </p:spPr>
-        <p:style>
-          <a:lnRef idx="1">
-            <a:schemeClr val="accent1"/>
-          </a:lnRef>
-          <a:fillRef idx="0">
-            <a:schemeClr val="accent1"/>
-          </a:fillRef>
-          <a:effectRef idx="0">
-            <a:schemeClr val="accent1"/>
-          </a:effectRef>
-          <a:fontRef idx="minor">
-            <a:schemeClr val="tx1"/>
-          </a:fontRef>
-        </p:style>
-      </p:cxnSp>
-      <p:cxnSp>
-        <p:nvCxnSpPr>
-          <p:cNvPr id="28" name="Straight Connector 27">
-            <a:extLst>
-              <a:ext uri="{FF2B5EF4-FFF2-40B4-BE49-F238E27FC236}">
-                <a16:creationId xmlns:a16="http://schemas.microsoft.com/office/drawing/2014/main" id="{ED56731F-9E62-05FB-D9C3-23B43B855DF8}"/>
-              </a:ext>
-            </a:extLst>
-          </p:cNvPr>
-          <p:cNvCxnSpPr>
-            <a:cxnSpLocks/>
-            <a:stCxn id="7" idx="2"/>
-            <a:endCxn id="23" idx="0"/>
-          </p:cNvCxnSpPr>
-          <p:nvPr/>
-        </p:nvCxnSpPr>
-        <p:spPr>
-          <a:xfrm>
-            <a:off x="4419437" y="1655412"/>
-            <a:ext cx="16228" cy="2499800"/>
-          </a:xfrm>
-          <a:prstGeom prst="line">
-            <a:avLst/>
-          </a:prstGeom>
-          <a:ln w="31750">
-            <a:solidFill>
-              <a:schemeClr val="tx1"/>
-            </a:solidFill>
-            <a:prstDash val="sysDot"/>
-          </a:ln>
-        </p:spPr>
-        <p:style>
-          <a:lnRef idx="1">
-            <a:schemeClr val="accent1"/>
-          </a:lnRef>
-          <a:fillRef idx="0">
-            <a:schemeClr val="accent1"/>
-          </a:fillRef>
-          <a:effectRef idx="0">
-            <a:schemeClr val="accent1"/>
-          </a:effectRef>
-          <a:fontRef idx="minor">
-            <a:schemeClr val="tx1"/>
-          </a:fontRef>
-        </p:style>
-      </p:cxnSp>
-      <p:sp>
-        <p:nvSpPr>
-          <p:cNvPr id="7" name="Rounded Rectangle 6">
-            <a:extLst>
-              <a:ext uri="{FF2B5EF4-FFF2-40B4-BE49-F238E27FC236}">
-                <a16:creationId xmlns:a16="http://schemas.microsoft.com/office/drawing/2014/main" id="{F3B7EA1C-E175-CE8B-4565-0395D612A1AC}"/>
-              </a:ext>
-            </a:extLst>
-          </p:cNvPr>
-          <p:cNvSpPr/>
-          <p:nvPr/>
-        </p:nvSpPr>
-        <p:spPr>
-          <a:xfrm>
-            <a:off x="3014690" y="1068366"/>
-            <a:ext cx="2809494" cy="587046"/>
-          </a:xfrm>
-          <a:prstGeom prst="roundRect">
-            <a:avLst/>
-          </a:prstGeom>
-          <a:solidFill>
-            <a:schemeClr val="accent6">
-              <a:lumMod val="50000"/>
-            </a:schemeClr>
-          </a:solidFill>
         </p:spPr>
         <p:style>
           <a:lnRef idx="2">
@@ -4435,12 +4234,82 @@
           <a:lstStyle/>
           <a:p>
             <a:pPr algn="ctr"/>
-            <a:r>
-              <a:rPr lang="en-US" sz="2800" dirty="0">
+            <a:endParaRPr lang="en-US" dirty="0"/>
+          </a:p>
+        </p:txBody>
+      </p:sp>
+      <p:sp>
+        <p:nvSpPr>
+          <p:cNvPr id="23" name="TextBox 22">
+            <a:extLst>
+              <a:ext uri="{FF2B5EF4-FFF2-40B4-BE49-F238E27FC236}">
+                <a16:creationId xmlns:a16="http://schemas.microsoft.com/office/drawing/2014/main" id="{97C82BE0-EDEF-464E-8576-4142C51CA2E3}"/>
+              </a:ext>
+            </a:extLst>
+          </p:cNvPr>
+          <p:cNvSpPr txBox="1"/>
+          <p:nvPr/>
+        </p:nvSpPr>
+        <p:spPr>
+          <a:xfrm>
+            <a:off x="2667893" y="1484357"/>
+            <a:ext cx="1027845" cy="584775"/>
+          </a:xfrm>
+          <a:prstGeom prst="rect">
+            <a:avLst/>
+          </a:prstGeom>
+          <a:noFill/>
+        </p:spPr>
+        <p:txBody>
+          <a:bodyPr wrap="none" rtlCol="0">
+            <a:spAutoFit/>
+          </a:bodyPr>
+          <a:lstStyle/>
+          <a:p>
+            <a:r>
+              <a:rPr lang="en-US" sz="3200" dirty="0">
                 <a:latin typeface="Arial" panose="020B0604020202020204" pitchFamily="34" charset="0"/>
                 <a:cs typeface="Arial" panose="020B0604020202020204" pitchFamily="34" charset="0"/>
               </a:rPr>
-              <a:t>e8ad30b</a:t>
+              <a:t>Pros</a:t>
+            </a:r>
+          </a:p>
+        </p:txBody>
+      </p:sp>
+      <p:sp>
+        <p:nvSpPr>
+          <p:cNvPr id="24" name="TextBox 23">
+            <a:extLst>
+              <a:ext uri="{FF2B5EF4-FFF2-40B4-BE49-F238E27FC236}">
+                <a16:creationId xmlns:a16="http://schemas.microsoft.com/office/drawing/2014/main" id="{3802EDB0-B9A5-984F-95C6-4163B9A331EF}"/>
+              </a:ext>
+            </a:extLst>
+          </p:cNvPr>
+          <p:cNvSpPr txBox="1"/>
+          <p:nvPr/>
+        </p:nvSpPr>
+        <p:spPr>
+          <a:xfrm>
+            <a:off x="7925434" y="1488257"/>
+            <a:ext cx="1141659" cy="584775"/>
+          </a:xfrm>
+          <a:prstGeom prst="rect">
+            <a:avLst/>
+          </a:prstGeom>
+          <a:noFill/>
+        </p:spPr>
+        <p:txBody>
+          <a:bodyPr wrap="none" rtlCol="0">
+            <a:spAutoFit/>
+          </a:bodyPr>
+          <a:lstStyle/>
+          <a:p>
+            <a:r>
+              <a:rPr lang="en-US" sz="3200" dirty="0">
+                <a:latin typeface="Arial" panose="020B0604020202020204" pitchFamily="34" charset="0"/>
+                <a:cs typeface="Arial" panose="020B0604020202020204" pitchFamily="34" charset="0"/>
+              </a:rPr>
+              <a:t>Cons</a:t>
             </a:r>
           </a:p>
         </p:txBody>
@@ -4450,7 +4319,7 @@
           <p:cNvPr id="8" name="Rounded Rectangle 7">
             <a:extLst>
               <a:ext uri="{FF2B5EF4-FFF2-40B4-BE49-F238E27FC236}">
-                <a16:creationId xmlns:a16="http://schemas.microsoft.com/office/drawing/2014/main" id="{B433AE81-558C-E096-FBAA-2F51D16B3123}"/>
+                <a16:creationId xmlns:a16="http://schemas.microsoft.com/office/drawing/2014/main" id="{C20BE477-F1EB-0006-F2BA-991C8867EBE3}"/>
               </a:ext>
             </a:extLst>
           </p:cNvPr>
@@ -4459,17 +4328,20 @@
         </p:nvSpPr>
         <p:spPr>
           <a:xfrm>
-            <a:off x="6052131" y="1068366"/>
-            <a:ext cx="2809494" cy="587046"/>
+            <a:off x="544286" y="2155054"/>
+            <a:ext cx="5275061" cy="1524317"/>
           </a:xfrm>
           <a:prstGeom prst="roundRect">
             <a:avLst/>
           </a:prstGeom>
           <a:solidFill>
-            <a:schemeClr val="accent6">
-              <a:lumMod val="50000"/>
-            </a:schemeClr>
+            <a:srgbClr val="002060">
+              <a:alpha val="25000"/>
+            </a:srgbClr>
           </a:solidFill>
+          <a:ln>
+            <a:noFill/>
+          </a:ln>
         </p:spPr>
         <p:style>
           <a:lnRef idx="2">
@@ -4492,193 +4364,16 @@
           <a:lstStyle/>
           <a:p>
             <a:pPr algn="ctr"/>
-            <a:r>
-              <a:rPr lang="en-US" sz="2800" dirty="0">
-                <a:latin typeface="Arial" panose="020B0604020202020204" pitchFamily="34" charset="0"/>
-                <a:cs typeface="Arial" panose="020B0604020202020204" pitchFamily="34" charset="0"/>
-              </a:rPr>
-              <a:t>f81862f</a:t>
-            </a:r>
-          </a:p>
-        </p:txBody>
-      </p:sp>
-      <p:sp>
-        <p:nvSpPr>
-          <p:cNvPr id="9" name="Rounded Rectangle 8">
-            <a:extLst>
-              <a:ext uri="{FF2B5EF4-FFF2-40B4-BE49-F238E27FC236}">
-                <a16:creationId xmlns:a16="http://schemas.microsoft.com/office/drawing/2014/main" id="{44595B66-BA2E-230F-C0E0-6204A8F333F7}"/>
-              </a:ext>
-            </a:extLst>
-          </p:cNvPr>
-          <p:cNvSpPr/>
-          <p:nvPr/>
-        </p:nvSpPr>
-        <p:spPr>
-          <a:xfrm>
-            <a:off x="9089572" y="1068366"/>
-            <a:ext cx="2809494" cy="587046"/>
-          </a:xfrm>
-          <a:prstGeom prst="roundRect">
-            <a:avLst/>
-          </a:prstGeom>
-          <a:solidFill>
-            <a:schemeClr val="accent6">
-              <a:lumMod val="50000"/>
-            </a:schemeClr>
-          </a:solidFill>
-        </p:spPr>
-        <p:style>
-          <a:lnRef idx="2">
-            <a:schemeClr val="accent1">
-              <a:shade val="50000"/>
-            </a:schemeClr>
-          </a:lnRef>
-          <a:fillRef idx="1">
-            <a:schemeClr val="accent1"/>
-          </a:fillRef>
-          <a:effectRef idx="0">
-            <a:schemeClr val="accent1"/>
-          </a:effectRef>
-          <a:fontRef idx="minor">
-            <a:schemeClr val="lt1"/>
-          </a:fontRef>
-        </p:style>
-        <p:txBody>
-          <a:bodyPr rtlCol="0" anchor="ctr"/>
-          <a:lstStyle/>
-          <a:p>
-            <a:pPr algn="ctr"/>
-            <a:r>
-              <a:rPr lang="en-US" sz="2800" dirty="0">
-                <a:latin typeface="Arial" panose="020B0604020202020204" pitchFamily="34" charset="0"/>
-                <a:cs typeface="Arial" panose="020B0604020202020204" pitchFamily="34" charset="0"/>
-              </a:rPr>
-              <a:t>777b678</a:t>
-            </a:r>
-          </a:p>
-        </p:txBody>
-      </p:sp>
-      <p:sp>
-        <p:nvSpPr>
-          <p:cNvPr id="10" name="Rounded Rectangle 9">
-            <a:extLst>
-              <a:ext uri="{FF2B5EF4-FFF2-40B4-BE49-F238E27FC236}">
-                <a16:creationId xmlns:a16="http://schemas.microsoft.com/office/drawing/2014/main" id="{4F414C00-EEF1-EC3D-D6FA-1C21139D0E72}"/>
-              </a:ext>
-            </a:extLst>
-          </p:cNvPr>
-          <p:cNvSpPr/>
-          <p:nvPr/>
-        </p:nvSpPr>
-        <p:spPr>
-          <a:xfrm>
-            <a:off x="3014690" y="2611789"/>
-            <a:ext cx="2809494" cy="587046"/>
-          </a:xfrm>
-          <a:prstGeom prst="roundRect">
-            <a:avLst/>
-          </a:prstGeom>
-          <a:solidFill>
-            <a:schemeClr val="accent2">
-              <a:lumMod val="75000"/>
-            </a:schemeClr>
-          </a:solidFill>
-        </p:spPr>
-        <p:style>
-          <a:lnRef idx="2">
-            <a:schemeClr val="accent1">
-              <a:shade val="50000"/>
-            </a:schemeClr>
-          </a:lnRef>
-          <a:fillRef idx="1">
-            <a:schemeClr val="accent1"/>
-          </a:fillRef>
-          <a:effectRef idx="0">
-            <a:schemeClr val="accent1"/>
-          </a:effectRef>
-          <a:fontRef idx="minor">
-            <a:schemeClr val="lt1"/>
-          </a:fontRef>
-        </p:style>
-        <p:txBody>
-          <a:bodyPr rtlCol="0" anchor="ctr"/>
-          <a:lstStyle/>
-          <a:p>
-            <a:pPr algn="ctr"/>
-            <a:r>
-              <a:rPr lang="en-US" sz="2800" dirty="0">
-                <a:latin typeface="Arial" panose="020B0604020202020204" pitchFamily="34" charset="0"/>
-                <a:cs typeface="Arial" panose="020B0604020202020204" pitchFamily="34" charset="0"/>
-              </a:rPr>
-              <a:t>code=e8ad30b</a:t>
-            </a:r>
-          </a:p>
-        </p:txBody>
-      </p:sp>
-      <p:sp>
-        <p:nvSpPr>
-          <p:cNvPr id="11" name="Rounded Rectangle 10">
-            <a:extLst>
-              <a:ext uri="{FF2B5EF4-FFF2-40B4-BE49-F238E27FC236}">
-                <a16:creationId xmlns:a16="http://schemas.microsoft.com/office/drawing/2014/main" id="{1DD6571D-0DC5-DC12-DC52-BFEF2F02C85B}"/>
-              </a:ext>
-            </a:extLst>
-          </p:cNvPr>
-          <p:cNvSpPr/>
-          <p:nvPr/>
-        </p:nvSpPr>
-        <p:spPr>
-          <a:xfrm>
-            <a:off x="9089572" y="2611789"/>
-            <a:ext cx="2809494" cy="587046"/>
-          </a:xfrm>
-          <a:prstGeom prst="roundRect">
-            <a:avLst/>
-          </a:prstGeom>
-          <a:solidFill>
-            <a:schemeClr val="accent2">
-              <a:lumMod val="75000"/>
-            </a:schemeClr>
-          </a:solidFill>
-        </p:spPr>
-        <p:style>
-          <a:lnRef idx="2">
-            <a:schemeClr val="accent1">
-              <a:shade val="50000"/>
-            </a:schemeClr>
-          </a:lnRef>
-          <a:fillRef idx="1">
-            <a:schemeClr val="accent1"/>
-          </a:fillRef>
-          <a:effectRef idx="0">
-            <a:schemeClr val="accent1"/>
-          </a:effectRef>
-          <a:fontRef idx="minor">
-            <a:schemeClr val="lt1"/>
-          </a:fontRef>
-        </p:style>
-        <p:txBody>
-          <a:bodyPr rtlCol="0" anchor="ctr"/>
-          <a:lstStyle/>
-          <a:p>
-            <a:pPr algn="ctr"/>
-            <a:r>
-              <a:rPr lang="en-US" sz="2800" dirty="0">
-                <a:latin typeface="Arial" panose="020B0604020202020204" pitchFamily="34" charset="0"/>
-                <a:cs typeface="Arial" panose="020B0604020202020204" pitchFamily="34" charset="0"/>
-              </a:rPr>
-              <a:t>code=777b678</a:t>
-            </a:r>
-          </a:p>
-        </p:txBody>
-      </p:sp>
-      <p:sp>
-        <p:nvSpPr>
-          <p:cNvPr id="13" name="TextBox 12">
-            <a:extLst>
-              <a:ext uri="{FF2B5EF4-FFF2-40B4-BE49-F238E27FC236}">
-                <a16:creationId xmlns:a16="http://schemas.microsoft.com/office/drawing/2014/main" id="{EF8F8B5D-0DC8-0F56-926B-C22D7783FA0C}"/>
+            <a:endParaRPr lang="en-US"/>
+          </a:p>
+        </p:txBody>
+      </p:sp>
+      <p:sp>
+        <p:nvSpPr>
+          <p:cNvPr id="3" name="TextBox 2">
+            <a:extLst>
+              <a:ext uri="{FF2B5EF4-FFF2-40B4-BE49-F238E27FC236}">
+                <a16:creationId xmlns:a16="http://schemas.microsoft.com/office/drawing/2014/main" id="{B9CB20B8-B18F-32BB-7C74-F33BC205BB3B}"/>
               </a:ext>
             </a:extLst>
           </p:cNvPr>
@@ -4687,8 +4382,8 @@
         </p:nvSpPr>
         <p:spPr>
           <a:xfrm>
-            <a:off x="3319817" y="549141"/>
-            <a:ext cx="2064989" cy="461665"/>
+            <a:off x="664029" y="2353683"/>
+            <a:ext cx="5050972" cy="830997"/>
           </a:xfrm>
           <a:prstGeom prst="rect">
             <a:avLst/>
@@ -4696,65 +4391,44 @@
           <a:noFill/>
         </p:spPr>
         <p:txBody>
-          <a:bodyPr wrap="none" rtlCol="0">
+          <a:bodyPr wrap="square" rtlCol="0">
             <a:spAutoFit/>
           </a:bodyPr>
           <a:lstStyle/>
           <a:p>
+            <a:pPr marL="285750" indent="-285750">
+              <a:buFont typeface="Arial" panose="020B0604020202020204" pitchFamily="34" charset="0"/>
+              <a:buChar char="•"/>
+            </a:pPr>
             <a:r>
               <a:rPr lang="en-US" sz="2400" dirty="0">
                 <a:latin typeface="Arial" panose="020B0604020202020204" pitchFamily="34" charset="0"/>
                 <a:cs typeface="Arial" panose="020B0604020202020204" pitchFamily="34" charset="0"/>
               </a:rPr>
-              <a:t>“First commit”</a:t>
-            </a:r>
-          </a:p>
-        </p:txBody>
-      </p:sp>
-      <p:sp>
-        <p:nvSpPr>
-          <p:cNvPr id="14" name="TextBox 13">
-            <a:extLst>
-              <a:ext uri="{FF2B5EF4-FFF2-40B4-BE49-F238E27FC236}">
-                <a16:creationId xmlns:a16="http://schemas.microsoft.com/office/drawing/2014/main" id="{40FFC9CA-215D-DB05-E6AE-9D5DEC176A87}"/>
-              </a:ext>
-            </a:extLst>
-          </p:cNvPr>
-          <p:cNvSpPr txBox="1"/>
-          <p:nvPr/>
-        </p:nvSpPr>
-        <p:spPr>
-          <a:xfrm>
-            <a:off x="6293823" y="549138"/>
-            <a:ext cx="2446504" cy="461665"/>
-          </a:xfrm>
-          <a:prstGeom prst="rect">
-            <a:avLst/>
-          </a:prstGeom>
-          <a:noFill/>
-        </p:spPr>
-        <p:txBody>
-          <a:bodyPr wrap="none" rtlCol="0">
-            <a:spAutoFit/>
-          </a:bodyPr>
-          <a:lstStyle/>
-          <a:p>
+              <a:t>Compact.</a:t>
+            </a:r>
+          </a:p>
+          <a:p>
+            <a:pPr marL="285750" indent="-285750">
+              <a:buFont typeface="Arial" panose="020B0604020202020204" pitchFamily="34" charset="0"/>
+              <a:buChar char="•"/>
+            </a:pPr>
             <a:r>
               <a:rPr lang="en-US" sz="2400" dirty="0">
                 <a:latin typeface="Arial" panose="020B0604020202020204" pitchFamily="34" charset="0"/>
                 <a:cs typeface="Arial" panose="020B0604020202020204" pitchFamily="34" charset="0"/>
               </a:rPr>
-              <a:t>“Develop model”</a:t>
-            </a:r>
-          </a:p>
-        </p:txBody>
-      </p:sp>
-      <p:sp>
-        <p:nvSpPr>
-          <p:cNvPr id="15" name="TextBox 14">
-            <a:extLst>
-              <a:ext uri="{FF2B5EF4-FFF2-40B4-BE49-F238E27FC236}">
-                <a16:creationId xmlns:a16="http://schemas.microsoft.com/office/drawing/2014/main" id="{0008E9BC-67F8-DBA1-8680-3E68FDCAF79C}"/>
+              <a:t>Simple to understand.</a:t>
+            </a:r>
+          </a:p>
+        </p:txBody>
+      </p:sp>
+      <p:sp>
+        <p:nvSpPr>
+          <p:cNvPr id="12" name="TextBox 11">
+            <a:extLst>
+              <a:ext uri="{FF2B5EF4-FFF2-40B4-BE49-F238E27FC236}">
+                <a16:creationId xmlns:a16="http://schemas.microsoft.com/office/drawing/2014/main" id="{CE02C8ED-0D59-C1F2-003A-2B4819D59311}"/>
               </a:ext>
             </a:extLst>
           </p:cNvPr>
@@ -4763,8 +4437,8 @@
         </p:nvSpPr>
         <p:spPr>
           <a:xfrm>
-            <a:off x="9517212" y="549139"/>
-            <a:ext cx="2074607" cy="461665"/>
+            <a:off x="6061479" y="2353683"/>
+            <a:ext cx="5050972" cy="1200329"/>
           </a:xfrm>
           <a:prstGeom prst="rect">
             <a:avLst/>
@@ -4772,489 +4446,42 @@
           <a:noFill/>
         </p:spPr>
         <p:txBody>
-          <a:bodyPr wrap="none" rtlCol="0">
+          <a:bodyPr wrap="square" rtlCol="0">
             <a:spAutoFit/>
           </a:bodyPr>
           <a:lstStyle/>
           <a:p>
+            <a:pPr marL="285750" indent="-285750">
+              <a:buFont typeface="Arial" panose="020B0604020202020204" pitchFamily="34" charset="0"/>
+              <a:buChar char="•"/>
+            </a:pPr>
             <a:r>
               <a:rPr lang="en-US" sz="2400" dirty="0">
                 <a:latin typeface="Arial" panose="020B0604020202020204" pitchFamily="34" charset="0"/>
                 <a:cs typeface="Arial" panose="020B0604020202020204" pitchFamily="34" charset="0"/>
               </a:rPr>
-              <a:t>“Update data”</a:t>
-            </a:r>
-          </a:p>
-        </p:txBody>
-      </p:sp>
-      <p:sp>
-        <p:nvSpPr>
-          <p:cNvPr id="16" name="TextBox 15">
-            <a:extLst>
-              <a:ext uri="{FF2B5EF4-FFF2-40B4-BE49-F238E27FC236}">
-                <a16:creationId xmlns:a16="http://schemas.microsoft.com/office/drawing/2014/main" id="{23530897-02D8-C679-D613-4E4104C85DDC}"/>
-              </a:ext>
-            </a:extLst>
-          </p:cNvPr>
-          <p:cNvSpPr txBox="1"/>
-          <p:nvPr/>
-        </p:nvSpPr>
-        <p:spPr>
-          <a:xfrm>
-            <a:off x="500743" y="1131056"/>
-            <a:ext cx="1967846" cy="461665"/>
-          </a:xfrm>
-          <a:prstGeom prst="rect">
-            <a:avLst/>
-          </a:prstGeom>
-          <a:noFill/>
-        </p:spPr>
-        <p:txBody>
-          <a:bodyPr wrap="none" rtlCol="0">
-            <a:spAutoFit/>
-          </a:bodyPr>
-          <a:lstStyle/>
-          <a:p>
-            <a:r>
-              <a:rPr lang="en-US" sz="2400" dirty="0"/>
-              <a:t>Code commits</a:t>
-            </a:r>
-          </a:p>
-        </p:txBody>
-      </p:sp>
-      <p:sp>
-        <p:nvSpPr>
-          <p:cNvPr id="17" name="TextBox 16">
-            <a:extLst>
-              <a:ext uri="{FF2B5EF4-FFF2-40B4-BE49-F238E27FC236}">
-                <a16:creationId xmlns:a16="http://schemas.microsoft.com/office/drawing/2014/main" id="{5FD3CEFA-A995-B4BD-CC1C-446655983831}"/>
-              </a:ext>
-            </a:extLst>
-          </p:cNvPr>
-          <p:cNvSpPr txBox="1"/>
-          <p:nvPr/>
-        </p:nvSpPr>
-        <p:spPr>
-          <a:xfrm>
-            <a:off x="500743" y="2674480"/>
-            <a:ext cx="1971886" cy="461665"/>
-          </a:xfrm>
-          <a:prstGeom prst="rect">
-            <a:avLst/>
-          </a:prstGeom>
-          <a:noFill/>
-        </p:spPr>
-        <p:txBody>
-          <a:bodyPr wrap="none" rtlCol="0">
-            <a:spAutoFit/>
-          </a:bodyPr>
-          <a:lstStyle/>
-          <a:p>
-            <a:r>
-              <a:rPr lang="en-US" sz="2400" dirty="0"/>
-              <a:t>Data branches</a:t>
-            </a:r>
-          </a:p>
-        </p:txBody>
-      </p:sp>
-      <p:sp>
-        <p:nvSpPr>
-          <p:cNvPr id="18" name="TextBox 17">
-            <a:extLst>
-              <a:ext uri="{FF2B5EF4-FFF2-40B4-BE49-F238E27FC236}">
-                <a16:creationId xmlns:a16="http://schemas.microsoft.com/office/drawing/2014/main" id="{B441365E-6515-D120-471B-A9818F38923F}"/>
-              </a:ext>
-            </a:extLst>
-          </p:cNvPr>
-          <p:cNvSpPr txBox="1"/>
-          <p:nvPr/>
-        </p:nvSpPr>
-        <p:spPr>
-          <a:xfrm>
-            <a:off x="500743" y="4217904"/>
-            <a:ext cx="2090509" cy="461665"/>
-          </a:xfrm>
-          <a:prstGeom prst="rect">
-            <a:avLst/>
-          </a:prstGeom>
-          <a:noFill/>
-        </p:spPr>
-        <p:txBody>
-          <a:bodyPr wrap="none" rtlCol="0">
-            <a:spAutoFit/>
-          </a:bodyPr>
-          <a:lstStyle/>
-          <a:p>
-            <a:r>
-              <a:rPr lang="en-US" sz="2400" dirty="0"/>
-              <a:t>Data snapshots</a:t>
-            </a:r>
-          </a:p>
-        </p:txBody>
-      </p:sp>
-      <p:cxnSp>
-        <p:nvCxnSpPr>
-          <p:cNvPr id="21" name="Straight Arrow Connector 20">
-            <a:extLst>
-              <a:ext uri="{FF2B5EF4-FFF2-40B4-BE49-F238E27FC236}">
-                <a16:creationId xmlns:a16="http://schemas.microsoft.com/office/drawing/2014/main" id="{1E89EA93-5691-6B46-9610-4EE78DE1967A}"/>
-              </a:ext>
-            </a:extLst>
-          </p:cNvPr>
-          <p:cNvCxnSpPr>
-            <a:cxnSpLocks/>
-          </p:cNvCxnSpPr>
-          <p:nvPr/>
-        </p:nvCxnSpPr>
-        <p:spPr>
-          <a:xfrm>
-            <a:off x="3014690" y="348343"/>
-            <a:ext cx="8884376" cy="0"/>
-          </a:xfrm>
-          <a:prstGeom prst="straightConnector1">
-            <a:avLst/>
-          </a:prstGeom>
-          <a:ln w="63500">
-            <a:solidFill>
-              <a:schemeClr val="accent3">
-                <a:lumMod val="75000"/>
-              </a:schemeClr>
-            </a:solidFill>
-            <a:tailEnd type="triangle"/>
-          </a:ln>
-        </p:spPr>
-        <p:style>
-          <a:lnRef idx="1">
-            <a:schemeClr val="accent1"/>
-          </a:lnRef>
-          <a:fillRef idx="0">
-            <a:schemeClr val="accent1"/>
-          </a:fillRef>
-          <a:effectRef idx="0">
-            <a:schemeClr val="accent1"/>
-          </a:effectRef>
-          <a:fontRef idx="minor">
-            <a:schemeClr val="tx1"/>
-          </a:fontRef>
-        </p:style>
-      </p:cxnSp>
-      <p:sp>
-        <p:nvSpPr>
-          <p:cNvPr id="23" name="Rounded Rectangle 22">
-            <a:extLst>
-              <a:ext uri="{FF2B5EF4-FFF2-40B4-BE49-F238E27FC236}">
-                <a16:creationId xmlns:a16="http://schemas.microsoft.com/office/drawing/2014/main" id="{3A66CAB7-DA3E-5D09-2637-C50DCFCFE768}"/>
-              </a:ext>
-            </a:extLst>
-          </p:cNvPr>
-          <p:cNvSpPr/>
-          <p:nvPr/>
-        </p:nvSpPr>
-        <p:spPr>
-          <a:xfrm>
-            <a:off x="3030918" y="4155212"/>
-            <a:ext cx="2809494" cy="587046"/>
-          </a:xfrm>
-          <a:prstGeom prst="roundRect">
-            <a:avLst/>
-          </a:prstGeom>
-          <a:solidFill>
-            <a:schemeClr val="accent6">
-              <a:lumMod val="50000"/>
-            </a:schemeClr>
-          </a:solidFill>
-        </p:spPr>
-        <p:style>
-          <a:lnRef idx="2">
-            <a:schemeClr val="accent1">
-              <a:shade val="50000"/>
-            </a:schemeClr>
-          </a:lnRef>
-          <a:fillRef idx="1">
-            <a:schemeClr val="accent1"/>
-          </a:fillRef>
-          <a:effectRef idx="0">
-            <a:schemeClr val="accent1"/>
-          </a:effectRef>
-          <a:fontRef idx="minor">
-            <a:schemeClr val="lt1"/>
-          </a:fontRef>
-        </p:style>
-        <p:txBody>
-          <a:bodyPr rtlCol="0" anchor="ctr"/>
-          <a:lstStyle/>
-          <a:p>
-            <a:pPr algn="ctr"/>
-            <a:r>
-              <a:rPr lang="en-US" sz="2800" dirty="0">
+              <a:t>Only tracks the current state.</a:t>
+            </a:r>
+          </a:p>
+          <a:p>
+            <a:pPr marL="285750" indent="-285750">
+              <a:buFont typeface="Arial" panose="020B0604020202020204" pitchFamily="34" charset="0"/>
+              <a:buChar char="•"/>
+            </a:pPr>
+            <a:r>
+              <a:rPr lang="en-US" sz="2400" dirty="0">
                 <a:latin typeface="Arial" panose="020B0604020202020204" pitchFamily="34" charset="0"/>
                 <a:cs typeface="Arial" panose="020B0604020202020204" pitchFamily="34" charset="0"/>
               </a:rPr>
-              <a:t>e8ad30b</a:t>
-            </a:r>
-          </a:p>
-        </p:txBody>
-      </p:sp>
-      <p:sp>
-        <p:nvSpPr>
-          <p:cNvPr id="24" name="Rounded Rectangle 23">
-            <a:extLst>
-              <a:ext uri="{FF2B5EF4-FFF2-40B4-BE49-F238E27FC236}">
-                <a16:creationId xmlns:a16="http://schemas.microsoft.com/office/drawing/2014/main" id="{E6787C33-0470-63E4-DD51-292810D6D489}"/>
-              </a:ext>
-            </a:extLst>
-          </p:cNvPr>
-          <p:cNvSpPr/>
-          <p:nvPr/>
-        </p:nvSpPr>
-        <p:spPr>
-          <a:xfrm>
-            <a:off x="9089572" y="4155212"/>
-            <a:ext cx="2809494" cy="587046"/>
-          </a:xfrm>
-          <a:prstGeom prst="roundRect">
-            <a:avLst/>
-          </a:prstGeom>
-          <a:solidFill>
-            <a:schemeClr val="accent6">
-              <a:lumMod val="50000"/>
-            </a:schemeClr>
-          </a:solidFill>
-        </p:spPr>
-        <p:style>
-          <a:lnRef idx="2">
-            <a:schemeClr val="accent1">
-              <a:shade val="50000"/>
-            </a:schemeClr>
-          </a:lnRef>
-          <a:fillRef idx="1">
-            <a:schemeClr val="accent1"/>
-          </a:fillRef>
-          <a:effectRef idx="0">
-            <a:schemeClr val="accent1"/>
-          </a:effectRef>
-          <a:fontRef idx="minor">
-            <a:schemeClr val="lt1"/>
-          </a:fontRef>
-        </p:style>
-        <p:txBody>
-          <a:bodyPr rtlCol="0" anchor="ctr"/>
-          <a:lstStyle/>
-          <a:p>
-            <a:pPr algn="ctr"/>
-            <a:r>
-              <a:rPr lang="en-US" sz="2800" dirty="0">
-                <a:latin typeface="Arial" panose="020B0604020202020204" pitchFamily="34" charset="0"/>
-                <a:cs typeface="Arial" panose="020B0604020202020204" pitchFamily="34" charset="0"/>
-              </a:rPr>
-              <a:t>e8ad30b</a:t>
-            </a:r>
-          </a:p>
-        </p:txBody>
-      </p:sp>
-      <p:sp>
-        <p:nvSpPr>
-          <p:cNvPr id="25" name="Rounded Rectangle 24">
-            <a:extLst>
-              <a:ext uri="{FF2B5EF4-FFF2-40B4-BE49-F238E27FC236}">
-                <a16:creationId xmlns:a16="http://schemas.microsoft.com/office/drawing/2014/main" id="{F3B2DB0D-9A6E-B91D-532C-2D9DDDC9816C}"/>
-              </a:ext>
-            </a:extLst>
-          </p:cNvPr>
-          <p:cNvSpPr/>
-          <p:nvPr/>
-        </p:nvSpPr>
-        <p:spPr>
-          <a:xfrm>
-            <a:off x="9089572" y="5119850"/>
-            <a:ext cx="2809494" cy="587046"/>
-          </a:xfrm>
-          <a:prstGeom prst="roundRect">
-            <a:avLst/>
-          </a:prstGeom>
-          <a:solidFill>
-            <a:schemeClr val="bg2">
-              <a:lumMod val="50000"/>
-            </a:schemeClr>
-          </a:solidFill>
-        </p:spPr>
-        <p:style>
-          <a:lnRef idx="2">
-            <a:schemeClr val="accent1">
-              <a:shade val="50000"/>
-            </a:schemeClr>
-          </a:lnRef>
-          <a:fillRef idx="1">
-            <a:schemeClr val="accent1"/>
-          </a:fillRef>
-          <a:effectRef idx="0">
-            <a:schemeClr val="accent1"/>
-          </a:effectRef>
-          <a:fontRef idx="minor">
-            <a:schemeClr val="lt1"/>
-          </a:fontRef>
-        </p:style>
-        <p:txBody>
-          <a:bodyPr rtlCol="0" anchor="ctr"/>
-          <a:lstStyle/>
-          <a:p>
-            <a:pPr algn="ctr"/>
-            <a:r>
-              <a:rPr lang="en-US" sz="2800" dirty="0">
-                <a:latin typeface="Arial" panose="020B0604020202020204" pitchFamily="34" charset="0"/>
-                <a:cs typeface="Arial" panose="020B0604020202020204" pitchFamily="34" charset="0"/>
-              </a:rPr>
-              <a:t>e8ad30b</a:t>
-            </a:r>
-          </a:p>
-        </p:txBody>
-      </p:sp>
-      <p:sp>
-        <p:nvSpPr>
-          <p:cNvPr id="26" name="Rounded Rectangle 25">
-            <a:extLst>
-              <a:ext uri="{FF2B5EF4-FFF2-40B4-BE49-F238E27FC236}">
-                <a16:creationId xmlns:a16="http://schemas.microsoft.com/office/drawing/2014/main" id="{C5EBD60B-A605-3166-3A0D-63B610DDB9F9}"/>
-              </a:ext>
-            </a:extLst>
-          </p:cNvPr>
-          <p:cNvSpPr/>
-          <p:nvPr/>
-        </p:nvSpPr>
-        <p:spPr>
-          <a:xfrm>
-            <a:off x="9089572" y="6084488"/>
-            <a:ext cx="2809494" cy="587046"/>
-          </a:xfrm>
-          <a:prstGeom prst="roundRect">
-            <a:avLst/>
-          </a:prstGeom>
-          <a:solidFill>
-            <a:schemeClr val="bg2">
-              <a:lumMod val="50000"/>
-            </a:schemeClr>
-          </a:solidFill>
-        </p:spPr>
-        <p:style>
-          <a:lnRef idx="2">
-            <a:schemeClr val="accent1">
-              <a:shade val="50000"/>
-            </a:schemeClr>
-          </a:lnRef>
-          <a:fillRef idx="1">
-            <a:schemeClr val="accent1"/>
-          </a:fillRef>
-          <a:effectRef idx="0">
-            <a:schemeClr val="accent1"/>
-          </a:effectRef>
-          <a:fontRef idx="minor">
-            <a:schemeClr val="lt1"/>
-          </a:fontRef>
-        </p:style>
-        <p:txBody>
-          <a:bodyPr rtlCol="0" anchor="ctr"/>
-          <a:lstStyle/>
-          <a:p>
-            <a:pPr algn="ctr"/>
-            <a:r>
-              <a:rPr lang="en-US" sz="2800" dirty="0">
-                <a:latin typeface="Arial" panose="020B0604020202020204" pitchFamily="34" charset="0"/>
-                <a:cs typeface="Arial" panose="020B0604020202020204" pitchFamily="34" charset="0"/>
-              </a:rPr>
-              <a:t>e8ad30b</a:t>
-            </a:r>
-          </a:p>
-        </p:txBody>
-      </p:sp>
-      <p:sp>
-        <p:nvSpPr>
-          <p:cNvPr id="39" name="TextBox 38">
-            <a:extLst>
-              <a:ext uri="{FF2B5EF4-FFF2-40B4-BE49-F238E27FC236}">
-                <a16:creationId xmlns:a16="http://schemas.microsoft.com/office/drawing/2014/main" id="{2694A8F7-D70B-1718-55E0-D34453B849EE}"/>
-              </a:ext>
-            </a:extLst>
-          </p:cNvPr>
-          <p:cNvSpPr txBox="1"/>
-          <p:nvPr/>
-        </p:nvSpPr>
-        <p:spPr>
-          <a:xfrm>
-            <a:off x="5029331" y="5671772"/>
-            <a:ext cx="3467296" cy="461665"/>
-          </a:xfrm>
-          <a:prstGeom prst="rect">
-            <a:avLst/>
-          </a:prstGeom>
-          <a:noFill/>
-        </p:spPr>
-        <p:txBody>
-          <a:bodyPr wrap="none" rtlCol="0">
-            <a:spAutoFit/>
-          </a:bodyPr>
-          <a:lstStyle/>
-          <a:p>
-            <a:r>
-              <a:rPr lang="en-US" sz="2400" dirty="0"/>
-              <a:t>Old superseded snapshots</a:t>
-            </a:r>
-          </a:p>
-        </p:txBody>
-      </p:sp>
-      <p:sp>
-        <p:nvSpPr>
-          <p:cNvPr id="40" name="Left Bracket 39">
-            <a:extLst>
-              <a:ext uri="{FF2B5EF4-FFF2-40B4-BE49-F238E27FC236}">
-                <a16:creationId xmlns:a16="http://schemas.microsoft.com/office/drawing/2014/main" id="{75E7F2E5-DE2D-9E22-6A03-E7C4B409118F}"/>
-              </a:ext>
-            </a:extLst>
-          </p:cNvPr>
-          <p:cNvSpPr/>
-          <p:nvPr/>
-        </p:nvSpPr>
-        <p:spPr>
-          <a:xfrm>
-            <a:off x="8621486" y="5413373"/>
-            <a:ext cx="240139" cy="964638"/>
-          </a:xfrm>
-          <a:prstGeom prst="leftBracket">
-            <a:avLst/>
-          </a:prstGeom>
-          <a:ln w="31750">
-            <a:solidFill>
-              <a:schemeClr val="tx1"/>
-            </a:solidFill>
-            <a:prstDash val="solid"/>
-          </a:ln>
-        </p:spPr>
-        <p:style>
-          <a:lnRef idx="1">
-            <a:schemeClr val="accent1"/>
-          </a:lnRef>
-          <a:fillRef idx="0">
-            <a:schemeClr val="accent1"/>
-          </a:fillRef>
-          <a:effectRef idx="0">
-            <a:schemeClr val="accent1"/>
-          </a:effectRef>
-          <a:fontRef idx="minor">
-            <a:schemeClr val="tx1"/>
-          </a:fontRef>
-        </p:style>
-        <p:txBody>
-          <a:bodyPr rtlCol="0" anchor="ctr"/>
-          <a:lstStyle/>
-          <a:p>
-            <a:pPr algn="ctr"/>
-            <a:endParaRPr lang="en-US"/>
+              <a:t>Reverting to old code invalidates the targets.</a:t>
+            </a:r>
           </a:p>
         </p:txBody>
       </p:sp>
     </p:spTree>
     <p:extLst>
       <p:ext uri="{BB962C8B-B14F-4D97-AF65-F5344CB8AC3E}">
-        <p14:creationId xmlns:p14="http://schemas.microsoft.com/office/powerpoint/2010/main" val="4087722719"/>
+        <p14:creationId xmlns:p14="http://schemas.microsoft.com/office/powerpoint/2010/main" val="4060897896"/>
       </p:ext>
     </p:extLst>
   </p:cSld>
@@ -5281,6 +4508,990 @@
           <a:chExt cx="0" cy="0"/>
         </a:xfrm>
       </p:grpSpPr>
+      <p:cxnSp>
+        <p:nvCxnSpPr>
+          <p:cNvPr id="30" name="Straight Connector 29">
+            <a:extLst>
+              <a:ext uri="{FF2B5EF4-FFF2-40B4-BE49-F238E27FC236}">
+                <a16:creationId xmlns:a16="http://schemas.microsoft.com/office/drawing/2014/main" id="{C0C69984-06D2-8068-1DEE-3260610FFDD5}"/>
+              </a:ext>
+            </a:extLst>
+          </p:cNvPr>
+          <p:cNvCxnSpPr>
+            <a:cxnSpLocks/>
+            <a:endCxn id="26" idx="0"/>
+          </p:cNvCxnSpPr>
+          <p:nvPr/>
+        </p:nvCxnSpPr>
+        <p:spPr>
+          <a:xfrm flipH="1">
+            <a:off x="10494319" y="1624066"/>
+            <a:ext cx="17307" cy="4460422"/>
+          </a:xfrm>
+          <a:prstGeom prst="line">
+            <a:avLst/>
+          </a:prstGeom>
+          <a:ln w="31750">
+            <a:solidFill>
+              <a:schemeClr val="tx1"/>
+            </a:solidFill>
+            <a:prstDash val="sysDot"/>
+          </a:ln>
+        </p:spPr>
+        <p:style>
+          <a:lnRef idx="1">
+            <a:schemeClr val="accent1"/>
+          </a:lnRef>
+          <a:fillRef idx="0">
+            <a:schemeClr val="accent1"/>
+          </a:fillRef>
+          <a:effectRef idx="0">
+            <a:schemeClr val="accent1"/>
+          </a:effectRef>
+          <a:fontRef idx="minor">
+            <a:schemeClr val="tx1"/>
+          </a:fontRef>
+        </p:style>
+      </p:cxnSp>
+      <p:cxnSp>
+        <p:nvCxnSpPr>
+          <p:cNvPr id="28" name="Straight Connector 27">
+            <a:extLst>
+              <a:ext uri="{FF2B5EF4-FFF2-40B4-BE49-F238E27FC236}">
+                <a16:creationId xmlns:a16="http://schemas.microsoft.com/office/drawing/2014/main" id="{ED56731F-9E62-05FB-D9C3-23B43B855DF8}"/>
+              </a:ext>
+            </a:extLst>
+          </p:cNvPr>
+          <p:cNvCxnSpPr>
+            <a:cxnSpLocks/>
+            <a:stCxn id="7" idx="2"/>
+            <a:endCxn id="23" idx="0"/>
+          </p:cNvCxnSpPr>
+          <p:nvPr/>
+        </p:nvCxnSpPr>
+        <p:spPr>
+          <a:xfrm>
+            <a:off x="4419437" y="1655412"/>
+            <a:ext cx="16228" cy="2499800"/>
+          </a:xfrm>
+          <a:prstGeom prst="line">
+            <a:avLst/>
+          </a:prstGeom>
+          <a:ln w="31750">
+            <a:solidFill>
+              <a:schemeClr val="tx1"/>
+            </a:solidFill>
+            <a:prstDash val="sysDot"/>
+          </a:ln>
+        </p:spPr>
+        <p:style>
+          <a:lnRef idx="1">
+            <a:schemeClr val="accent1"/>
+          </a:lnRef>
+          <a:fillRef idx="0">
+            <a:schemeClr val="accent1"/>
+          </a:fillRef>
+          <a:effectRef idx="0">
+            <a:schemeClr val="accent1"/>
+          </a:effectRef>
+          <a:fontRef idx="minor">
+            <a:schemeClr val="tx1"/>
+          </a:fontRef>
+        </p:style>
+      </p:cxnSp>
+      <p:sp>
+        <p:nvSpPr>
+          <p:cNvPr id="7" name="Rounded Rectangle 6">
+            <a:extLst>
+              <a:ext uri="{FF2B5EF4-FFF2-40B4-BE49-F238E27FC236}">
+                <a16:creationId xmlns:a16="http://schemas.microsoft.com/office/drawing/2014/main" id="{F3B7EA1C-E175-CE8B-4565-0395D612A1AC}"/>
+              </a:ext>
+            </a:extLst>
+          </p:cNvPr>
+          <p:cNvSpPr/>
+          <p:nvPr/>
+        </p:nvSpPr>
+        <p:spPr>
+          <a:xfrm>
+            <a:off x="3014690" y="1068366"/>
+            <a:ext cx="2809494" cy="587046"/>
+          </a:xfrm>
+          <a:prstGeom prst="roundRect">
+            <a:avLst/>
+          </a:prstGeom>
+          <a:solidFill>
+            <a:schemeClr val="accent6">
+              <a:lumMod val="50000"/>
+            </a:schemeClr>
+          </a:solidFill>
+        </p:spPr>
+        <p:style>
+          <a:lnRef idx="2">
+            <a:schemeClr val="accent1">
+              <a:shade val="50000"/>
+            </a:schemeClr>
+          </a:lnRef>
+          <a:fillRef idx="1">
+            <a:schemeClr val="accent1"/>
+          </a:fillRef>
+          <a:effectRef idx="0">
+            <a:schemeClr val="accent1"/>
+          </a:effectRef>
+          <a:fontRef idx="minor">
+            <a:schemeClr val="lt1"/>
+          </a:fontRef>
+        </p:style>
+        <p:txBody>
+          <a:bodyPr rtlCol="0" anchor="ctr"/>
+          <a:lstStyle/>
+          <a:p>
+            <a:pPr algn="ctr"/>
+            <a:r>
+              <a:rPr lang="en-US" sz="2800" dirty="0">
+                <a:latin typeface="Arial" panose="020B0604020202020204" pitchFamily="34" charset="0"/>
+                <a:cs typeface="Arial" panose="020B0604020202020204" pitchFamily="34" charset="0"/>
+              </a:rPr>
+              <a:t>e8ad30b</a:t>
+            </a:r>
+          </a:p>
+        </p:txBody>
+      </p:sp>
+      <p:sp>
+        <p:nvSpPr>
+          <p:cNvPr id="8" name="Rounded Rectangle 7">
+            <a:extLst>
+              <a:ext uri="{FF2B5EF4-FFF2-40B4-BE49-F238E27FC236}">
+                <a16:creationId xmlns:a16="http://schemas.microsoft.com/office/drawing/2014/main" id="{B433AE81-558C-E096-FBAA-2F51D16B3123}"/>
+              </a:ext>
+            </a:extLst>
+          </p:cNvPr>
+          <p:cNvSpPr/>
+          <p:nvPr/>
+        </p:nvSpPr>
+        <p:spPr>
+          <a:xfrm>
+            <a:off x="6052131" y="1068366"/>
+            <a:ext cx="2809494" cy="587046"/>
+          </a:xfrm>
+          <a:prstGeom prst="roundRect">
+            <a:avLst/>
+          </a:prstGeom>
+          <a:solidFill>
+            <a:schemeClr val="accent6">
+              <a:lumMod val="50000"/>
+            </a:schemeClr>
+          </a:solidFill>
+        </p:spPr>
+        <p:style>
+          <a:lnRef idx="2">
+            <a:schemeClr val="accent1">
+              <a:shade val="50000"/>
+            </a:schemeClr>
+          </a:lnRef>
+          <a:fillRef idx="1">
+            <a:schemeClr val="accent1"/>
+          </a:fillRef>
+          <a:effectRef idx="0">
+            <a:schemeClr val="accent1"/>
+          </a:effectRef>
+          <a:fontRef idx="minor">
+            <a:schemeClr val="lt1"/>
+          </a:fontRef>
+        </p:style>
+        <p:txBody>
+          <a:bodyPr rtlCol="0" anchor="ctr"/>
+          <a:lstStyle/>
+          <a:p>
+            <a:pPr algn="ctr"/>
+            <a:r>
+              <a:rPr lang="en-US" sz="2800" dirty="0">
+                <a:latin typeface="Arial" panose="020B0604020202020204" pitchFamily="34" charset="0"/>
+                <a:cs typeface="Arial" panose="020B0604020202020204" pitchFamily="34" charset="0"/>
+              </a:rPr>
+              <a:t>f81862f</a:t>
+            </a:r>
+          </a:p>
+        </p:txBody>
+      </p:sp>
+      <p:sp>
+        <p:nvSpPr>
+          <p:cNvPr id="9" name="Rounded Rectangle 8">
+            <a:extLst>
+              <a:ext uri="{FF2B5EF4-FFF2-40B4-BE49-F238E27FC236}">
+                <a16:creationId xmlns:a16="http://schemas.microsoft.com/office/drawing/2014/main" id="{44595B66-BA2E-230F-C0E0-6204A8F333F7}"/>
+              </a:ext>
+            </a:extLst>
+          </p:cNvPr>
+          <p:cNvSpPr/>
+          <p:nvPr/>
+        </p:nvSpPr>
+        <p:spPr>
+          <a:xfrm>
+            <a:off x="9089572" y="1068366"/>
+            <a:ext cx="2809494" cy="587046"/>
+          </a:xfrm>
+          <a:prstGeom prst="roundRect">
+            <a:avLst/>
+          </a:prstGeom>
+          <a:solidFill>
+            <a:schemeClr val="accent6">
+              <a:lumMod val="50000"/>
+            </a:schemeClr>
+          </a:solidFill>
+        </p:spPr>
+        <p:style>
+          <a:lnRef idx="2">
+            <a:schemeClr val="accent1">
+              <a:shade val="50000"/>
+            </a:schemeClr>
+          </a:lnRef>
+          <a:fillRef idx="1">
+            <a:schemeClr val="accent1"/>
+          </a:fillRef>
+          <a:effectRef idx="0">
+            <a:schemeClr val="accent1"/>
+          </a:effectRef>
+          <a:fontRef idx="minor">
+            <a:schemeClr val="lt1"/>
+          </a:fontRef>
+        </p:style>
+        <p:txBody>
+          <a:bodyPr rtlCol="0" anchor="ctr"/>
+          <a:lstStyle/>
+          <a:p>
+            <a:pPr algn="ctr"/>
+            <a:r>
+              <a:rPr lang="en-US" sz="2800" dirty="0">
+                <a:latin typeface="Arial" panose="020B0604020202020204" pitchFamily="34" charset="0"/>
+                <a:cs typeface="Arial" panose="020B0604020202020204" pitchFamily="34" charset="0"/>
+              </a:rPr>
+              <a:t>777b678</a:t>
+            </a:r>
+          </a:p>
+        </p:txBody>
+      </p:sp>
+      <p:sp>
+        <p:nvSpPr>
+          <p:cNvPr id="10" name="Rounded Rectangle 9">
+            <a:extLst>
+              <a:ext uri="{FF2B5EF4-FFF2-40B4-BE49-F238E27FC236}">
+                <a16:creationId xmlns:a16="http://schemas.microsoft.com/office/drawing/2014/main" id="{4F414C00-EEF1-EC3D-D6FA-1C21139D0E72}"/>
+              </a:ext>
+            </a:extLst>
+          </p:cNvPr>
+          <p:cNvSpPr/>
+          <p:nvPr/>
+        </p:nvSpPr>
+        <p:spPr>
+          <a:xfrm>
+            <a:off x="3014690" y="2611789"/>
+            <a:ext cx="2809494" cy="587046"/>
+          </a:xfrm>
+          <a:prstGeom prst="roundRect">
+            <a:avLst/>
+          </a:prstGeom>
+          <a:solidFill>
+            <a:schemeClr val="accent2">
+              <a:lumMod val="75000"/>
+            </a:schemeClr>
+          </a:solidFill>
+        </p:spPr>
+        <p:style>
+          <a:lnRef idx="2">
+            <a:schemeClr val="accent1">
+              <a:shade val="50000"/>
+            </a:schemeClr>
+          </a:lnRef>
+          <a:fillRef idx="1">
+            <a:schemeClr val="accent1"/>
+          </a:fillRef>
+          <a:effectRef idx="0">
+            <a:schemeClr val="accent1"/>
+          </a:effectRef>
+          <a:fontRef idx="minor">
+            <a:schemeClr val="lt1"/>
+          </a:fontRef>
+        </p:style>
+        <p:txBody>
+          <a:bodyPr rtlCol="0" anchor="ctr"/>
+          <a:lstStyle/>
+          <a:p>
+            <a:pPr algn="ctr"/>
+            <a:r>
+              <a:rPr lang="en-US" sz="2800" dirty="0">
+                <a:latin typeface="Arial" panose="020B0604020202020204" pitchFamily="34" charset="0"/>
+                <a:cs typeface="Arial" panose="020B0604020202020204" pitchFamily="34" charset="0"/>
+              </a:rPr>
+              <a:t>code=e8ad30b</a:t>
+            </a:r>
+          </a:p>
+        </p:txBody>
+      </p:sp>
+      <p:sp>
+        <p:nvSpPr>
+          <p:cNvPr id="11" name="Rounded Rectangle 10">
+            <a:extLst>
+              <a:ext uri="{FF2B5EF4-FFF2-40B4-BE49-F238E27FC236}">
+                <a16:creationId xmlns:a16="http://schemas.microsoft.com/office/drawing/2014/main" id="{1DD6571D-0DC5-DC12-DC52-BFEF2F02C85B}"/>
+              </a:ext>
+            </a:extLst>
+          </p:cNvPr>
+          <p:cNvSpPr/>
+          <p:nvPr/>
+        </p:nvSpPr>
+        <p:spPr>
+          <a:xfrm>
+            <a:off x="9089572" y="2611789"/>
+            <a:ext cx="2809494" cy="587046"/>
+          </a:xfrm>
+          <a:prstGeom prst="roundRect">
+            <a:avLst/>
+          </a:prstGeom>
+          <a:solidFill>
+            <a:schemeClr val="accent2">
+              <a:lumMod val="75000"/>
+            </a:schemeClr>
+          </a:solidFill>
+        </p:spPr>
+        <p:style>
+          <a:lnRef idx="2">
+            <a:schemeClr val="accent1">
+              <a:shade val="50000"/>
+            </a:schemeClr>
+          </a:lnRef>
+          <a:fillRef idx="1">
+            <a:schemeClr val="accent1"/>
+          </a:fillRef>
+          <a:effectRef idx="0">
+            <a:schemeClr val="accent1"/>
+          </a:effectRef>
+          <a:fontRef idx="minor">
+            <a:schemeClr val="lt1"/>
+          </a:fontRef>
+        </p:style>
+        <p:txBody>
+          <a:bodyPr rtlCol="0" anchor="ctr"/>
+          <a:lstStyle/>
+          <a:p>
+            <a:pPr algn="ctr"/>
+            <a:r>
+              <a:rPr lang="en-US" sz="2800" dirty="0">
+                <a:latin typeface="Arial" panose="020B0604020202020204" pitchFamily="34" charset="0"/>
+                <a:cs typeface="Arial" panose="020B0604020202020204" pitchFamily="34" charset="0"/>
+              </a:rPr>
+              <a:t>code=777b678</a:t>
+            </a:r>
+          </a:p>
+        </p:txBody>
+      </p:sp>
+      <p:sp>
+        <p:nvSpPr>
+          <p:cNvPr id="13" name="TextBox 12">
+            <a:extLst>
+              <a:ext uri="{FF2B5EF4-FFF2-40B4-BE49-F238E27FC236}">
+                <a16:creationId xmlns:a16="http://schemas.microsoft.com/office/drawing/2014/main" id="{EF8F8B5D-0DC8-0F56-926B-C22D7783FA0C}"/>
+              </a:ext>
+            </a:extLst>
+          </p:cNvPr>
+          <p:cNvSpPr txBox="1"/>
+          <p:nvPr/>
+        </p:nvSpPr>
+        <p:spPr>
+          <a:xfrm>
+            <a:off x="3319817" y="549141"/>
+            <a:ext cx="2064989" cy="461665"/>
+          </a:xfrm>
+          <a:prstGeom prst="rect">
+            <a:avLst/>
+          </a:prstGeom>
+          <a:noFill/>
+        </p:spPr>
+        <p:txBody>
+          <a:bodyPr wrap="none" rtlCol="0">
+            <a:spAutoFit/>
+          </a:bodyPr>
+          <a:lstStyle/>
+          <a:p>
+            <a:r>
+              <a:rPr lang="en-US" sz="2400" dirty="0">
+                <a:latin typeface="Arial" panose="020B0604020202020204" pitchFamily="34" charset="0"/>
+                <a:cs typeface="Arial" panose="020B0604020202020204" pitchFamily="34" charset="0"/>
+              </a:rPr>
+              <a:t>“First commit”</a:t>
+            </a:r>
+          </a:p>
+        </p:txBody>
+      </p:sp>
+      <p:sp>
+        <p:nvSpPr>
+          <p:cNvPr id="14" name="TextBox 13">
+            <a:extLst>
+              <a:ext uri="{FF2B5EF4-FFF2-40B4-BE49-F238E27FC236}">
+                <a16:creationId xmlns:a16="http://schemas.microsoft.com/office/drawing/2014/main" id="{40FFC9CA-215D-DB05-E6AE-9D5DEC176A87}"/>
+              </a:ext>
+            </a:extLst>
+          </p:cNvPr>
+          <p:cNvSpPr txBox="1"/>
+          <p:nvPr/>
+        </p:nvSpPr>
+        <p:spPr>
+          <a:xfrm>
+            <a:off x="6293823" y="549138"/>
+            <a:ext cx="2446504" cy="461665"/>
+          </a:xfrm>
+          <a:prstGeom prst="rect">
+            <a:avLst/>
+          </a:prstGeom>
+          <a:noFill/>
+        </p:spPr>
+        <p:txBody>
+          <a:bodyPr wrap="none" rtlCol="0">
+            <a:spAutoFit/>
+          </a:bodyPr>
+          <a:lstStyle/>
+          <a:p>
+            <a:r>
+              <a:rPr lang="en-US" sz="2400" dirty="0">
+                <a:latin typeface="Arial" panose="020B0604020202020204" pitchFamily="34" charset="0"/>
+                <a:cs typeface="Arial" panose="020B0604020202020204" pitchFamily="34" charset="0"/>
+              </a:rPr>
+              <a:t>“Develop model”</a:t>
+            </a:r>
+          </a:p>
+        </p:txBody>
+      </p:sp>
+      <p:sp>
+        <p:nvSpPr>
+          <p:cNvPr id="15" name="TextBox 14">
+            <a:extLst>
+              <a:ext uri="{FF2B5EF4-FFF2-40B4-BE49-F238E27FC236}">
+                <a16:creationId xmlns:a16="http://schemas.microsoft.com/office/drawing/2014/main" id="{0008E9BC-67F8-DBA1-8680-3E68FDCAF79C}"/>
+              </a:ext>
+            </a:extLst>
+          </p:cNvPr>
+          <p:cNvSpPr txBox="1"/>
+          <p:nvPr/>
+        </p:nvSpPr>
+        <p:spPr>
+          <a:xfrm>
+            <a:off x="9517212" y="549139"/>
+            <a:ext cx="2074607" cy="461665"/>
+          </a:xfrm>
+          <a:prstGeom prst="rect">
+            <a:avLst/>
+          </a:prstGeom>
+          <a:noFill/>
+        </p:spPr>
+        <p:txBody>
+          <a:bodyPr wrap="none" rtlCol="0">
+            <a:spAutoFit/>
+          </a:bodyPr>
+          <a:lstStyle/>
+          <a:p>
+            <a:r>
+              <a:rPr lang="en-US" sz="2400" dirty="0">
+                <a:latin typeface="Arial" panose="020B0604020202020204" pitchFamily="34" charset="0"/>
+                <a:cs typeface="Arial" panose="020B0604020202020204" pitchFamily="34" charset="0"/>
+              </a:rPr>
+              <a:t>“Update data”</a:t>
+            </a:r>
+          </a:p>
+        </p:txBody>
+      </p:sp>
+      <p:sp>
+        <p:nvSpPr>
+          <p:cNvPr id="16" name="TextBox 15">
+            <a:extLst>
+              <a:ext uri="{FF2B5EF4-FFF2-40B4-BE49-F238E27FC236}">
+                <a16:creationId xmlns:a16="http://schemas.microsoft.com/office/drawing/2014/main" id="{23530897-02D8-C679-D613-4E4104C85DDC}"/>
+              </a:ext>
+            </a:extLst>
+          </p:cNvPr>
+          <p:cNvSpPr txBox="1"/>
+          <p:nvPr/>
+        </p:nvSpPr>
+        <p:spPr>
+          <a:xfrm>
+            <a:off x="500743" y="1131056"/>
+            <a:ext cx="1967846" cy="461665"/>
+          </a:xfrm>
+          <a:prstGeom prst="rect">
+            <a:avLst/>
+          </a:prstGeom>
+          <a:noFill/>
+        </p:spPr>
+        <p:txBody>
+          <a:bodyPr wrap="none" rtlCol="0">
+            <a:spAutoFit/>
+          </a:bodyPr>
+          <a:lstStyle/>
+          <a:p>
+            <a:r>
+              <a:rPr lang="en-US" sz="2400" dirty="0"/>
+              <a:t>Code commits</a:t>
+            </a:r>
+          </a:p>
+        </p:txBody>
+      </p:sp>
+      <p:sp>
+        <p:nvSpPr>
+          <p:cNvPr id="17" name="TextBox 16">
+            <a:extLst>
+              <a:ext uri="{FF2B5EF4-FFF2-40B4-BE49-F238E27FC236}">
+                <a16:creationId xmlns:a16="http://schemas.microsoft.com/office/drawing/2014/main" id="{5FD3CEFA-A995-B4BD-CC1C-446655983831}"/>
+              </a:ext>
+            </a:extLst>
+          </p:cNvPr>
+          <p:cNvSpPr txBox="1"/>
+          <p:nvPr/>
+        </p:nvSpPr>
+        <p:spPr>
+          <a:xfrm>
+            <a:off x="500743" y="2674480"/>
+            <a:ext cx="1971886" cy="461665"/>
+          </a:xfrm>
+          <a:prstGeom prst="rect">
+            <a:avLst/>
+          </a:prstGeom>
+          <a:noFill/>
+        </p:spPr>
+        <p:txBody>
+          <a:bodyPr wrap="none" rtlCol="0">
+            <a:spAutoFit/>
+          </a:bodyPr>
+          <a:lstStyle/>
+          <a:p>
+            <a:r>
+              <a:rPr lang="en-US" sz="2400" dirty="0"/>
+              <a:t>Data branches</a:t>
+            </a:r>
+          </a:p>
+        </p:txBody>
+      </p:sp>
+      <p:sp>
+        <p:nvSpPr>
+          <p:cNvPr id="18" name="TextBox 17">
+            <a:extLst>
+              <a:ext uri="{FF2B5EF4-FFF2-40B4-BE49-F238E27FC236}">
+                <a16:creationId xmlns:a16="http://schemas.microsoft.com/office/drawing/2014/main" id="{B441365E-6515-D120-471B-A9818F38923F}"/>
+              </a:ext>
+            </a:extLst>
+          </p:cNvPr>
+          <p:cNvSpPr txBox="1"/>
+          <p:nvPr/>
+        </p:nvSpPr>
+        <p:spPr>
+          <a:xfrm>
+            <a:off x="500743" y="4217904"/>
+            <a:ext cx="2090509" cy="461665"/>
+          </a:xfrm>
+          <a:prstGeom prst="rect">
+            <a:avLst/>
+          </a:prstGeom>
+          <a:noFill/>
+        </p:spPr>
+        <p:txBody>
+          <a:bodyPr wrap="none" rtlCol="0">
+            <a:spAutoFit/>
+          </a:bodyPr>
+          <a:lstStyle/>
+          <a:p>
+            <a:r>
+              <a:rPr lang="en-US" sz="2400" dirty="0"/>
+              <a:t>Data snapshots</a:t>
+            </a:r>
+          </a:p>
+        </p:txBody>
+      </p:sp>
+      <p:cxnSp>
+        <p:nvCxnSpPr>
+          <p:cNvPr id="21" name="Straight Arrow Connector 20">
+            <a:extLst>
+              <a:ext uri="{FF2B5EF4-FFF2-40B4-BE49-F238E27FC236}">
+                <a16:creationId xmlns:a16="http://schemas.microsoft.com/office/drawing/2014/main" id="{1E89EA93-5691-6B46-9610-4EE78DE1967A}"/>
+              </a:ext>
+            </a:extLst>
+          </p:cNvPr>
+          <p:cNvCxnSpPr>
+            <a:cxnSpLocks/>
+          </p:cNvCxnSpPr>
+          <p:nvPr/>
+        </p:nvCxnSpPr>
+        <p:spPr>
+          <a:xfrm>
+            <a:off x="3014690" y="348343"/>
+            <a:ext cx="8884376" cy="0"/>
+          </a:xfrm>
+          <a:prstGeom prst="straightConnector1">
+            <a:avLst/>
+          </a:prstGeom>
+          <a:ln w="63500">
+            <a:solidFill>
+              <a:schemeClr val="accent3">
+                <a:lumMod val="75000"/>
+              </a:schemeClr>
+            </a:solidFill>
+            <a:tailEnd type="triangle"/>
+          </a:ln>
+        </p:spPr>
+        <p:style>
+          <a:lnRef idx="1">
+            <a:schemeClr val="accent1"/>
+          </a:lnRef>
+          <a:fillRef idx="0">
+            <a:schemeClr val="accent1"/>
+          </a:fillRef>
+          <a:effectRef idx="0">
+            <a:schemeClr val="accent1"/>
+          </a:effectRef>
+          <a:fontRef idx="minor">
+            <a:schemeClr val="tx1"/>
+          </a:fontRef>
+        </p:style>
+      </p:cxnSp>
+      <p:sp>
+        <p:nvSpPr>
+          <p:cNvPr id="23" name="Rounded Rectangle 22">
+            <a:extLst>
+              <a:ext uri="{FF2B5EF4-FFF2-40B4-BE49-F238E27FC236}">
+                <a16:creationId xmlns:a16="http://schemas.microsoft.com/office/drawing/2014/main" id="{3A66CAB7-DA3E-5D09-2637-C50DCFCFE768}"/>
+              </a:ext>
+            </a:extLst>
+          </p:cNvPr>
+          <p:cNvSpPr/>
+          <p:nvPr/>
+        </p:nvSpPr>
+        <p:spPr>
+          <a:xfrm>
+            <a:off x="3030918" y="4155212"/>
+            <a:ext cx="2809494" cy="587046"/>
+          </a:xfrm>
+          <a:prstGeom prst="roundRect">
+            <a:avLst/>
+          </a:prstGeom>
+          <a:solidFill>
+            <a:schemeClr val="accent6">
+              <a:lumMod val="50000"/>
+            </a:schemeClr>
+          </a:solidFill>
+        </p:spPr>
+        <p:style>
+          <a:lnRef idx="2">
+            <a:schemeClr val="accent1">
+              <a:shade val="50000"/>
+            </a:schemeClr>
+          </a:lnRef>
+          <a:fillRef idx="1">
+            <a:schemeClr val="accent1"/>
+          </a:fillRef>
+          <a:effectRef idx="0">
+            <a:schemeClr val="accent1"/>
+          </a:effectRef>
+          <a:fontRef idx="minor">
+            <a:schemeClr val="lt1"/>
+          </a:fontRef>
+        </p:style>
+        <p:txBody>
+          <a:bodyPr rtlCol="0" anchor="ctr"/>
+          <a:lstStyle/>
+          <a:p>
+            <a:pPr algn="ctr"/>
+            <a:r>
+              <a:rPr lang="en-US" sz="2800" dirty="0">
+                <a:latin typeface="Arial" panose="020B0604020202020204" pitchFamily="34" charset="0"/>
+                <a:cs typeface="Arial" panose="020B0604020202020204" pitchFamily="34" charset="0"/>
+              </a:rPr>
+              <a:t>e8ad30b</a:t>
+            </a:r>
+          </a:p>
+        </p:txBody>
+      </p:sp>
+      <p:sp>
+        <p:nvSpPr>
+          <p:cNvPr id="24" name="Rounded Rectangle 23">
+            <a:extLst>
+              <a:ext uri="{FF2B5EF4-FFF2-40B4-BE49-F238E27FC236}">
+                <a16:creationId xmlns:a16="http://schemas.microsoft.com/office/drawing/2014/main" id="{E6787C33-0470-63E4-DD51-292810D6D489}"/>
+              </a:ext>
+            </a:extLst>
+          </p:cNvPr>
+          <p:cNvSpPr/>
+          <p:nvPr/>
+        </p:nvSpPr>
+        <p:spPr>
+          <a:xfrm>
+            <a:off x="9089572" y="4155212"/>
+            <a:ext cx="2809494" cy="587046"/>
+          </a:xfrm>
+          <a:prstGeom prst="roundRect">
+            <a:avLst/>
+          </a:prstGeom>
+          <a:solidFill>
+            <a:schemeClr val="accent6">
+              <a:lumMod val="50000"/>
+            </a:schemeClr>
+          </a:solidFill>
+        </p:spPr>
+        <p:style>
+          <a:lnRef idx="2">
+            <a:schemeClr val="accent1">
+              <a:shade val="50000"/>
+            </a:schemeClr>
+          </a:lnRef>
+          <a:fillRef idx="1">
+            <a:schemeClr val="accent1"/>
+          </a:fillRef>
+          <a:effectRef idx="0">
+            <a:schemeClr val="accent1"/>
+          </a:effectRef>
+          <a:fontRef idx="minor">
+            <a:schemeClr val="lt1"/>
+          </a:fontRef>
+        </p:style>
+        <p:txBody>
+          <a:bodyPr rtlCol="0" anchor="ctr"/>
+          <a:lstStyle/>
+          <a:p>
+            <a:pPr algn="ctr"/>
+            <a:r>
+              <a:rPr lang="en-US" sz="2800" dirty="0">
+                <a:latin typeface="Arial" panose="020B0604020202020204" pitchFamily="34" charset="0"/>
+                <a:cs typeface="Arial" panose="020B0604020202020204" pitchFamily="34" charset="0"/>
+              </a:rPr>
+              <a:t>e8ad30b</a:t>
+            </a:r>
+          </a:p>
+        </p:txBody>
+      </p:sp>
+      <p:sp>
+        <p:nvSpPr>
+          <p:cNvPr id="25" name="Rounded Rectangle 24">
+            <a:extLst>
+              <a:ext uri="{FF2B5EF4-FFF2-40B4-BE49-F238E27FC236}">
+                <a16:creationId xmlns:a16="http://schemas.microsoft.com/office/drawing/2014/main" id="{F3B2DB0D-9A6E-B91D-532C-2D9DDDC9816C}"/>
+              </a:ext>
+            </a:extLst>
+          </p:cNvPr>
+          <p:cNvSpPr/>
+          <p:nvPr/>
+        </p:nvSpPr>
+        <p:spPr>
+          <a:xfrm>
+            <a:off x="9089572" y="5119850"/>
+            <a:ext cx="2809494" cy="587046"/>
+          </a:xfrm>
+          <a:prstGeom prst="roundRect">
+            <a:avLst/>
+          </a:prstGeom>
+          <a:solidFill>
+            <a:schemeClr val="bg2">
+              <a:lumMod val="50000"/>
+            </a:schemeClr>
+          </a:solidFill>
+        </p:spPr>
+        <p:style>
+          <a:lnRef idx="2">
+            <a:schemeClr val="accent1">
+              <a:shade val="50000"/>
+            </a:schemeClr>
+          </a:lnRef>
+          <a:fillRef idx="1">
+            <a:schemeClr val="accent1"/>
+          </a:fillRef>
+          <a:effectRef idx="0">
+            <a:schemeClr val="accent1"/>
+          </a:effectRef>
+          <a:fontRef idx="minor">
+            <a:schemeClr val="lt1"/>
+          </a:fontRef>
+        </p:style>
+        <p:txBody>
+          <a:bodyPr rtlCol="0" anchor="ctr"/>
+          <a:lstStyle/>
+          <a:p>
+            <a:pPr algn="ctr"/>
+            <a:r>
+              <a:rPr lang="en-US" sz="2800" dirty="0">
+                <a:latin typeface="Arial" panose="020B0604020202020204" pitchFamily="34" charset="0"/>
+                <a:cs typeface="Arial" panose="020B0604020202020204" pitchFamily="34" charset="0"/>
+              </a:rPr>
+              <a:t>e8ad30b</a:t>
+            </a:r>
+          </a:p>
+        </p:txBody>
+      </p:sp>
+      <p:sp>
+        <p:nvSpPr>
+          <p:cNvPr id="26" name="Rounded Rectangle 25">
+            <a:extLst>
+              <a:ext uri="{FF2B5EF4-FFF2-40B4-BE49-F238E27FC236}">
+                <a16:creationId xmlns:a16="http://schemas.microsoft.com/office/drawing/2014/main" id="{C5EBD60B-A605-3166-3A0D-63B610DDB9F9}"/>
+              </a:ext>
+            </a:extLst>
+          </p:cNvPr>
+          <p:cNvSpPr/>
+          <p:nvPr/>
+        </p:nvSpPr>
+        <p:spPr>
+          <a:xfrm>
+            <a:off x="9089572" y="6084488"/>
+            <a:ext cx="2809494" cy="587046"/>
+          </a:xfrm>
+          <a:prstGeom prst="roundRect">
+            <a:avLst/>
+          </a:prstGeom>
+          <a:solidFill>
+            <a:schemeClr val="bg2">
+              <a:lumMod val="50000"/>
+            </a:schemeClr>
+          </a:solidFill>
+        </p:spPr>
+        <p:style>
+          <a:lnRef idx="2">
+            <a:schemeClr val="accent1">
+              <a:shade val="50000"/>
+            </a:schemeClr>
+          </a:lnRef>
+          <a:fillRef idx="1">
+            <a:schemeClr val="accent1"/>
+          </a:fillRef>
+          <a:effectRef idx="0">
+            <a:schemeClr val="accent1"/>
+          </a:effectRef>
+          <a:fontRef idx="minor">
+            <a:schemeClr val="lt1"/>
+          </a:fontRef>
+        </p:style>
+        <p:txBody>
+          <a:bodyPr rtlCol="0" anchor="ctr"/>
+          <a:lstStyle/>
+          <a:p>
+            <a:pPr algn="ctr"/>
+            <a:r>
+              <a:rPr lang="en-US" sz="2800" dirty="0">
+                <a:latin typeface="Arial" panose="020B0604020202020204" pitchFamily="34" charset="0"/>
+                <a:cs typeface="Arial" panose="020B0604020202020204" pitchFamily="34" charset="0"/>
+              </a:rPr>
+              <a:t>e8ad30b</a:t>
+            </a:r>
+          </a:p>
+        </p:txBody>
+      </p:sp>
+      <p:sp>
+        <p:nvSpPr>
+          <p:cNvPr id="39" name="TextBox 38">
+            <a:extLst>
+              <a:ext uri="{FF2B5EF4-FFF2-40B4-BE49-F238E27FC236}">
+                <a16:creationId xmlns:a16="http://schemas.microsoft.com/office/drawing/2014/main" id="{2694A8F7-D70B-1718-55E0-D34453B849EE}"/>
+              </a:ext>
+            </a:extLst>
+          </p:cNvPr>
+          <p:cNvSpPr txBox="1"/>
+          <p:nvPr/>
+        </p:nvSpPr>
+        <p:spPr>
+          <a:xfrm>
+            <a:off x="5029331" y="5671772"/>
+            <a:ext cx="3467296" cy="461665"/>
+          </a:xfrm>
+          <a:prstGeom prst="rect">
+            <a:avLst/>
+          </a:prstGeom>
+          <a:noFill/>
+        </p:spPr>
+        <p:txBody>
+          <a:bodyPr wrap="none" rtlCol="0">
+            <a:spAutoFit/>
+          </a:bodyPr>
+          <a:lstStyle/>
+          <a:p>
+            <a:r>
+              <a:rPr lang="en-US" sz="2400" dirty="0"/>
+              <a:t>Old superseded snapshots</a:t>
+            </a:r>
+          </a:p>
+        </p:txBody>
+      </p:sp>
+      <p:sp>
+        <p:nvSpPr>
+          <p:cNvPr id="40" name="Left Bracket 39">
+            <a:extLst>
+              <a:ext uri="{FF2B5EF4-FFF2-40B4-BE49-F238E27FC236}">
+                <a16:creationId xmlns:a16="http://schemas.microsoft.com/office/drawing/2014/main" id="{75E7F2E5-DE2D-9E22-6A03-E7C4B409118F}"/>
+              </a:ext>
+            </a:extLst>
+          </p:cNvPr>
+          <p:cNvSpPr/>
+          <p:nvPr/>
+        </p:nvSpPr>
+        <p:spPr>
+          <a:xfrm>
+            <a:off x="8621486" y="5413373"/>
+            <a:ext cx="240139" cy="964638"/>
+          </a:xfrm>
+          <a:prstGeom prst="leftBracket">
+            <a:avLst/>
+          </a:prstGeom>
+          <a:ln w="31750">
+            <a:solidFill>
+              <a:schemeClr val="tx1"/>
+            </a:solidFill>
+            <a:prstDash val="solid"/>
+          </a:ln>
+        </p:spPr>
+        <p:style>
+          <a:lnRef idx="1">
+            <a:schemeClr val="accent1"/>
+          </a:lnRef>
+          <a:fillRef idx="0">
+            <a:schemeClr val="accent1"/>
+          </a:fillRef>
+          <a:effectRef idx="0">
+            <a:schemeClr val="accent1"/>
+          </a:effectRef>
+          <a:fontRef idx="minor">
+            <a:schemeClr val="tx1"/>
+          </a:fontRef>
+        </p:style>
+        <p:txBody>
+          <a:bodyPr rtlCol="0" anchor="ctr"/>
+          <a:lstStyle/>
+          <a:p>
+            <a:pPr algn="ctr"/>
+            <a:endParaRPr lang="en-US"/>
+          </a:p>
+        </p:txBody>
+      </p:sp>
+    </p:spTree>
+    <p:extLst>
+      <p:ext uri="{BB962C8B-B14F-4D97-AF65-F5344CB8AC3E}">
+        <p14:creationId xmlns:p14="http://schemas.microsoft.com/office/powerpoint/2010/main" val="4087722719"/>
+      </p:ext>
+    </p:extLst>
+  </p:cSld>
+  <p:clrMapOvr>
+    <a:masterClrMapping/>
+  </p:clrMapOvr>
+</p:sld>
+</file>
+
+<file path=ppt/slides/slide6.xml><?xml version="1.0" encoding="utf-8"?>
+<p:sld xmlns:a="http://schemas.openxmlformats.org/drawingml/2006/main" xmlns:r="http://schemas.openxmlformats.org/officeDocument/2006/relationships" xmlns:p="http://schemas.openxmlformats.org/presentationml/2006/main">
+  <p:cSld>
+    <p:spTree>
+      <p:nvGrpSpPr>
+        <p:cNvPr id="1" name=""/>
+        <p:cNvGrpSpPr/>
+        <p:nvPr/>
+      </p:nvGrpSpPr>
+      <p:grpSpPr>
+        <a:xfrm>
+          <a:off x="0" y="0"/>
+          <a:ext cx="0" cy="0"/>
+          <a:chOff x="0" y="0"/>
+          <a:chExt cx="0" cy="0"/>
+        </a:xfrm>
+      </p:grpSpPr>
       <p:pic>
         <p:nvPicPr>
           <p:cNvPr id="5" name="Picture 4" descr="Shape&#10;&#10;Description automatically generated">
@@ -5362,7 +5573,7 @@
 </p:sld>
 </file>
 
-<file path=ppt/slides/slide6.xml><?xml version="1.0" encoding="utf-8"?>
+<file path=ppt/slides/slide7.xml><?xml version="1.0" encoding="utf-8"?>
 <p:sld xmlns:a="http://schemas.openxmlformats.org/drawingml/2006/main" xmlns:r="http://schemas.openxmlformats.org/officeDocument/2006/relationships" xmlns:p="http://schemas.openxmlformats.org/presentationml/2006/main">
   <p:cSld>
     <p:spTree>
@@ -6245,755 +6456,6 @@
 </p:sld>
 </file>
 
-<file path=ppt/slides/slide7.xml><?xml version="1.0" encoding="utf-8"?>
-<p:sld xmlns:a="http://schemas.openxmlformats.org/drawingml/2006/main" xmlns:r="http://schemas.openxmlformats.org/officeDocument/2006/relationships" xmlns:p="http://schemas.openxmlformats.org/presentationml/2006/main">
-  <p:cSld>
-    <p:spTree>
-      <p:nvGrpSpPr>
-        <p:cNvPr id="1" name=""/>
-        <p:cNvGrpSpPr/>
-        <p:nvPr/>
-      </p:nvGrpSpPr>
-      <p:grpSpPr>
-        <a:xfrm>
-          <a:off x="0" y="0"/>
-          <a:ext cx="0" cy="0"/>
-          <a:chOff x="0" y="0"/>
-          <a:chExt cx="0" cy="0"/>
-        </a:xfrm>
-      </p:grpSpPr>
-      <p:sp>
-        <p:nvSpPr>
-          <p:cNvPr id="6" name="Action Button: Document 5">
-            <a:hlinkClick r:id="" action="ppaction://noaction" highlightClick="1"/>
-            <a:extLst>
-              <a:ext uri="{FF2B5EF4-FFF2-40B4-BE49-F238E27FC236}">
-                <a16:creationId xmlns:a16="http://schemas.microsoft.com/office/drawing/2014/main" id="{68EB5451-2B88-DD44-8945-00EC239C8048}"/>
-              </a:ext>
-            </a:extLst>
-          </p:cNvPr>
-          <p:cNvSpPr/>
-          <p:nvPr/>
-        </p:nvSpPr>
-        <p:spPr>
-          <a:xfrm>
-            <a:off x="5433092" y="386602"/>
-            <a:ext cx="987973" cy="1090449"/>
-          </a:xfrm>
-          <a:prstGeom prst="actionButtonDocument">
-            <a:avLst/>
-          </a:prstGeom>
-          <a:solidFill>
-            <a:schemeClr val="accent2">
-              <a:lumMod val="60000"/>
-              <a:lumOff val="40000"/>
-            </a:schemeClr>
-          </a:solidFill>
-          <a:ln>
-            <a:solidFill>
-              <a:schemeClr val="bg1"/>
-            </a:solidFill>
-          </a:ln>
-        </p:spPr>
-        <p:style>
-          <a:lnRef idx="2">
-            <a:schemeClr val="accent1">
-              <a:shade val="50000"/>
-            </a:schemeClr>
-          </a:lnRef>
-          <a:fillRef idx="1">
-            <a:schemeClr val="accent1"/>
-          </a:fillRef>
-          <a:effectRef idx="0">
-            <a:schemeClr val="accent1"/>
-          </a:effectRef>
-          <a:fontRef idx="minor">
-            <a:schemeClr val="lt1"/>
-          </a:fontRef>
-        </p:style>
-        <p:txBody>
-          <a:bodyPr rtlCol="0" anchor="ctr"/>
-          <a:lstStyle/>
-          <a:p>
-            <a:pPr algn="ctr"/>
-            <a:endParaRPr lang="en-US"/>
-          </a:p>
-        </p:txBody>
-      </p:sp>
-      <p:sp>
-        <p:nvSpPr>
-          <p:cNvPr id="7" name="Action Button: Document 6">
-            <a:hlinkClick r:id="" action="ppaction://noaction" highlightClick="1"/>
-            <a:extLst>
-              <a:ext uri="{FF2B5EF4-FFF2-40B4-BE49-F238E27FC236}">
-                <a16:creationId xmlns:a16="http://schemas.microsoft.com/office/drawing/2014/main" id="{CF3C8680-CCE6-8841-A3C3-E5222E4B433D}"/>
-              </a:ext>
-            </a:extLst>
-          </p:cNvPr>
-          <p:cNvSpPr/>
-          <p:nvPr/>
-        </p:nvSpPr>
-        <p:spPr>
-          <a:xfrm>
-            <a:off x="7775086" y="374624"/>
-            <a:ext cx="987973" cy="1090449"/>
-          </a:xfrm>
-          <a:prstGeom prst="actionButtonDocument">
-            <a:avLst/>
-          </a:prstGeom>
-          <a:solidFill>
-            <a:schemeClr val="accent2">
-              <a:lumMod val="60000"/>
-              <a:lumOff val="40000"/>
-            </a:schemeClr>
-          </a:solidFill>
-          <a:ln>
-            <a:solidFill>
-              <a:schemeClr val="bg1"/>
-            </a:solidFill>
-          </a:ln>
-        </p:spPr>
-        <p:style>
-          <a:lnRef idx="2">
-            <a:schemeClr val="accent1">
-              <a:shade val="50000"/>
-            </a:schemeClr>
-          </a:lnRef>
-          <a:fillRef idx="1">
-            <a:schemeClr val="accent1"/>
-          </a:fillRef>
-          <a:effectRef idx="0">
-            <a:schemeClr val="accent1"/>
-          </a:effectRef>
-          <a:fontRef idx="minor">
-            <a:schemeClr val="lt1"/>
-          </a:fontRef>
-        </p:style>
-        <p:txBody>
-          <a:bodyPr rtlCol="0" anchor="ctr"/>
-          <a:lstStyle/>
-          <a:p>
-            <a:pPr algn="ctr"/>
-            <a:endParaRPr lang="en-US"/>
-          </a:p>
-        </p:txBody>
-      </p:sp>
-      <p:sp>
-        <p:nvSpPr>
-          <p:cNvPr id="8" name="Action Button: Document 7">
-            <a:hlinkClick r:id="" action="ppaction://noaction" highlightClick="1"/>
-            <a:extLst>
-              <a:ext uri="{FF2B5EF4-FFF2-40B4-BE49-F238E27FC236}">
-                <a16:creationId xmlns:a16="http://schemas.microsoft.com/office/drawing/2014/main" id="{2C3D39BA-FD92-8145-AC8F-0CD30F3815C3}"/>
-              </a:ext>
-            </a:extLst>
-          </p:cNvPr>
-          <p:cNvSpPr/>
-          <p:nvPr/>
-        </p:nvSpPr>
-        <p:spPr>
-          <a:xfrm>
-            <a:off x="10121521" y="374624"/>
-            <a:ext cx="987973" cy="1090449"/>
-          </a:xfrm>
-          <a:prstGeom prst="actionButtonDocument">
-            <a:avLst/>
-          </a:prstGeom>
-          <a:solidFill>
-            <a:schemeClr val="accent2">
-              <a:lumMod val="60000"/>
-              <a:lumOff val="40000"/>
-            </a:schemeClr>
-          </a:solidFill>
-          <a:ln>
-            <a:solidFill>
-              <a:schemeClr val="bg1"/>
-            </a:solidFill>
-          </a:ln>
-        </p:spPr>
-        <p:style>
-          <a:lnRef idx="2">
-            <a:schemeClr val="accent1">
-              <a:shade val="50000"/>
-            </a:schemeClr>
-          </a:lnRef>
-          <a:fillRef idx="1">
-            <a:schemeClr val="accent1"/>
-          </a:fillRef>
-          <a:effectRef idx="0">
-            <a:schemeClr val="accent1"/>
-          </a:effectRef>
-          <a:fontRef idx="minor">
-            <a:schemeClr val="lt1"/>
-          </a:fontRef>
-        </p:style>
-        <p:txBody>
-          <a:bodyPr rtlCol="0" anchor="ctr"/>
-          <a:lstStyle/>
-          <a:p>
-            <a:pPr algn="ctr"/>
-            <a:endParaRPr lang="en-US"/>
-          </a:p>
-        </p:txBody>
-      </p:sp>
-      <p:sp>
-        <p:nvSpPr>
-          <p:cNvPr id="13" name="TextBox 12">
-            <a:extLst>
-              <a:ext uri="{FF2B5EF4-FFF2-40B4-BE49-F238E27FC236}">
-                <a16:creationId xmlns:a16="http://schemas.microsoft.com/office/drawing/2014/main" id="{817F6934-60C4-1948-B134-3C57037A38E5}"/>
-              </a:ext>
-            </a:extLst>
-          </p:cNvPr>
-          <p:cNvSpPr txBox="1"/>
-          <p:nvPr/>
-        </p:nvSpPr>
-        <p:spPr>
-          <a:xfrm>
-            <a:off x="2916790" y="1516889"/>
-            <a:ext cx="1318823" cy="369332"/>
-          </a:xfrm>
-          <a:prstGeom prst="rect">
-            <a:avLst/>
-          </a:prstGeom>
-          <a:noFill/>
-        </p:spPr>
-        <p:txBody>
-          <a:bodyPr wrap="none" rtlCol="0">
-            <a:spAutoFit/>
-          </a:bodyPr>
-          <a:lstStyle/>
-          <a:p>
-            <a:r>
-              <a:rPr lang="en-US" dirty="0"/>
-              <a:t>02-tidy.Rmd</a:t>
-            </a:r>
-          </a:p>
-        </p:txBody>
-      </p:sp>
-      <p:sp>
-        <p:nvSpPr>
-          <p:cNvPr id="14" name="TextBox 13">
-            <a:extLst>
-              <a:ext uri="{FF2B5EF4-FFF2-40B4-BE49-F238E27FC236}">
-                <a16:creationId xmlns:a16="http://schemas.microsoft.com/office/drawing/2014/main" id="{25077233-DC85-694C-8BD7-4E85BFC0DD66}"/>
-              </a:ext>
-            </a:extLst>
-          </p:cNvPr>
-          <p:cNvSpPr txBox="1"/>
-          <p:nvPr/>
-        </p:nvSpPr>
-        <p:spPr>
-          <a:xfrm>
-            <a:off x="421693" y="1516889"/>
-            <a:ext cx="1616148" cy="369332"/>
-          </a:xfrm>
-          <a:prstGeom prst="rect">
-            <a:avLst/>
-          </a:prstGeom>
-          <a:noFill/>
-        </p:spPr>
-        <p:txBody>
-          <a:bodyPr wrap="none" rtlCol="0">
-            <a:spAutoFit/>
-          </a:bodyPr>
-          <a:lstStyle/>
-          <a:p>
-            <a:r>
-              <a:rPr lang="en-US" dirty="0"/>
-              <a:t>01-import.Rmd</a:t>
-            </a:r>
-          </a:p>
-        </p:txBody>
-      </p:sp>
-      <p:sp>
-        <p:nvSpPr>
-          <p:cNvPr id="15" name="TextBox 14">
-            <a:extLst>
-              <a:ext uri="{FF2B5EF4-FFF2-40B4-BE49-F238E27FC236}">
-                <a16:creationId xmlns:a16="http://schemas.microsoft.com/office/drawing/2014/main" id="{A2E9674F-3B03-DE46-97CA-9B7427C7A466}"/>
-              </a:ext>
-            </a:extLst>
-          </p:cNvPr>
-          <p:cNvSpPr txBox="1"/>
-          <p:nvPr/>
-        </p:nvSpPr>
-        <p:spPr>
-          <a:xfrm>
-            <a:off x="5055155" y="1516889"/>
-            <a:ext cx="1664238" cy="369332"/>
-          </a:xfrm>
-          <a:prstGeom prst="rect">
-            <a:avLst/>
-          </a:prstGeom>
-          <a:noFill/>
-        </p:spPr>
-        <p:txBody>
-          <a:bodyPr wrap="none" rtlCol="0">
-            <a:spAutoFit/>
-          </a:bodyPr>
-          <a:lstStyle/>
-          <a:p>
-            <a:r>
-              <a:rPr lang="en-US" dirty="0"/>
-              <a:t>03-models.Rmd</a:t>
-            </a:r>
-          </a:p>
-        </p:txBody>
-      </p:sp>
-      <p:sp>
-        <p:nvSpPr>
-          <p:cNvPr id="18" name="TextBox 17">
-            <a:extLst>
-              <a:ext uri="{FF2B5EF4-FFF2-40B4-BE49-F238E27FC236}">
-                <a16:creationId xmlns:a16="http://schemas.microsoft.com/office/drawing/2014/main" id="{15BA7C0C-5DE3-324D-987E-CCBD86F2171A}"/>
-              </a:ext>
-            </a:extLst>
-          </p:cNvPr>
-          <p:cNvSpPr txBox="1"/>
-          <p:nvPr/>
-        </p:nvSpPr>
-        <p:spPr>
-          <a:xfrm>
-            <a:off x="7387677" y="1516889"/>
-            <a:ext cx="1762790" cy="369332"/>
-          </a:xfrm>
-          <a:prstGeom prst="rect">
-            <a:avLst/>
-          </a:prstGeom>
-          <a:noFill/>
-        </p:spPr>
-        <p:txBody>
-          <a:bodyPr wrap="none" rtlCol="0">
-            <a:spAutoFit/>
-          </a:bodyPr>
-          <a:lstStyle/>
-          <a:p>
-            <a:r>
-              <a:rPr lang="en-US" dirty="0"/>
-              <a:t>04-visualize.Rmd</a:t>
-            </a:r>
-          </a:p>
-        </p:txBody>
-      </p:sp>
-      <p:sp>
-        <p:nvSpPr>
-          <p:cNvPr id="19" name="TextBox 18">
-            <a:extLst>
-              <a:ext uri="{FF2B5EF4-FFF2-40B4-BE49-F238E27FC236}">
-                <a16:creationId xmlns:a16="http://schemas.microsoft.com/office/drawing/2014/main" id="{0D3529FA-493C-D340-917E-D2BE38F4E151}"/>
-              </a:ext>
-            </a:extLst>
-          </p:cNvPr>
-          <p:cNvSpPr txBox="1"/>
-          <p:nvPr/>
-        </p:nvSpPr>
-        <p:spPr>
-          <a:xfrm>
-            <a:off x="9487858" y="1548421"/>
-            <a:ext cx="2255297" cy="369332"/>
-          </a:xfrm>
-          <a:prstGeom prst="rect">
-            <a:avLst/>
-          </a:prstGeom>
-          <a:noFill/>
-        </p:spPr>
-        <p:txBody>
-          <a:bodyPr wrap="none" rtlCol="0">
-            <a:spAutoFit/>
-          </a:bodyPr>
-          <a:lstStyle/>
-          <a:p>
-            <a:r>
-              <a:rPr lang="en-US" dirty="0"/>
-              <a:t>05-communicate.Rmd</a:t>
-            </a:r>
-          </a:p>
-        </p:txBody>
-      </p:sp>
-      <p:sp>
-        <p:nvSpPr>
-          <p:cNvPr id="20" name="Right Arrow 19">
-            <a:extLst>
-              <a:ext uri="{FF2B5EF4-FFF2-40B4-BE49-F238E27FC236}">
-                <a16:creationId xmlns:a16="http://schemas.microsoft.com/office/drawing/2014/main" id="{519AB274-0280-634F-90B3-89BCB6CD12EA}"/>
-              </a:ext>
-            </a:extLst>
-          </p:cNvPr>
-          <p:cNvSpPr/>
-          <p:nvPr/>
-        </p:nvSpPr>
-        <p:spPr>
-          <a:xfrm>
-            <a:off x="4431514" y="721619"/>
-            <a:ext cx="644694" cy="420414"/>
-          </a:xfrm>
-          <a:prstGeom prst="rightArrow">
-            <a:avLst/>
-          </a:prstGeom>
-          <a:solidFill>
-            <a:schemeClr val="bg2">
-              <a:lumMod val="75000"/>
-            </a:schemeClr>
-          </a:solidFill>
-          <a:ln>
-            <a:noFill/>
-          </a:ln>
-        </p:spPr>
-        <p:style>
-          <a:lnRef idx="2">
-            <a:schemeClr val="accent1">
-              <a:shade val="50000"/>
-            </a:schemeClr>
-          </a:lnRef>
-          <a:fillRef idx="1">
-            <a:schemeClr val="accent1"/>
-          </a:fillRef>
-          <a:effectRef idx="0">
-            <a:schemeClr val="accent1"/>
-          </a:effectRef>
-          <a:fontRef idx="minor">
-            <a:schemeClr val="lt1"/>
-          </a:fontRef>
-        </p:style>
-        <p:txBody>
-          <a:bodyPr rtlCol="0" anchor="ctr"/>
-          <a:lstStyle/>
-          <a:p>
-            <a:pPr algn="ctr"/>
-            <a:endParaRPr lang="en-US"/>
-          </a:p>
-        </p:txBody>
-      </p:sp>
-      <p:sp>
-        <p:nvSpPr>
-          <p:cNvPr id="21" name="Right Arrow 20">
-            <a:extLst>
-              <a:ext uri="{FF2B5EF4-FFF2-40B4-BE49-F238E27FC236}">
-                <a16:creationId xmlns:a16="http://schemas.microsoft.com/office/drawing/2014/main" id="{A4F0C651-E7B4-0D48-83A4-11637097C025}"/>
-              </a:ext>
-            </a:extLst>
-          </p:cNvPr>
-          <p:cNvSpPr/>
-          <p:nvPr/>
-        </p:nvSpPr>
-        <p:spPr>
-          <a:xfrm>
-            <a:off x="6773508" y="709640"/>
-            <a:ext cx="644694" cy="420414"/>
-          </a:xfrm>
-          <a:prstGeom prst="rightArrow">
-            <a:avLst/>
-          </a:prstGeom>
-          <a:solidFill>
-            <a:schemeClr val="bg2">
-              <a:lumMod val="75000"/>
-            </a:schemeClr>
-          </a:solidFill>
-          <a:ln>
-            <a:noFill/>
-          </a:ln>
-        </p:spPr>
-        <p:style>
-          <a:lnRef idx="2">
-            <a:schemeClr val="accent1">
-              <a:shade val="50000"/>
-            </a:schemeClr>
-          </a:lnRef>
-          <a:fillRef idx="1">
-            <a:schemeClr val="accent1"/>
-          </a:fillRef>
-          <a:effectRef idx="0">
-            <a:schemeClr val="accent1"/>
-          </a:effectRef>
-          <a:fontRef idx="minor">
-            <a:schemeClr val="lt1"/>
-          </a:fontRef>
-        </p:style>
-        <p:txBody>
-          <a:bodyPr rtlCol="0" anchor="ctr"/>
-          <a:lstStyle/>
-          <a:p>
-            <a:pPr algn="ctr"/>
-            <a:endParaRPr lang="en-US"/>
-          </a:p>
-        </p:txBody>
-      </p:sp>
-      <p:sp>
-        <p:nvSpPr>
-          <p:cNvPr id="22" name="Right Arrow 21">
-            <a:extLst>
-              <a:ext uri="{FF2B5EF4-FFF2-40B4-BE49-F238E27FC236}">
-                <a16:creationId xmlns:a16="http://schemas.microsoft.com/office/drawing/2014/main" id="{723194B3-7105-934A-92C9-C5B8AAECF8DD}"/>
-              </a:ext>
-            </a:extLst>
-          </p:cNvPr>
-          <p:cNvSpPr/>
-          <p:nvPr/>
-        </p:nvSpPr>
-        <p:spPr>
-          <a:xfrm>
-            <a:off x="9165511" y="709640"/>
-            <a:ext cx="644694" cy="420414"/>
-          </a:xfrm>
-          <a:prstGeom prst="rightArrow">
-            <a:avLst/>
-          </a:prstGeom>
-          <a:solidFill>
-            <a:schemeClr val="bg2">
-              <a:lumMod val="75000"/>
-            </a:schemeClr>
-          </a:solidFill>
-          <a:ln>
-            <a:noFill/>
-          </a:ln>
-        </p:spPr>
-        <p:style>
-          <a:lnRef idx="2">
-            <a:schemeClr val="accent1">
-              <a:shade val="50000"/>
-            </a:schemeClr>
-          </a:lnRef>
-          <a:fillRef idx="1">
-            <a:schemeClr val="accent1"/>
-          </a:fillRef>
-          <a:effectRef idx="0">
-            <a:schemeClr val="accent1"/>
-          </a:effectRef>
-          <a:fontRef idx="minor">
-            <a:schemeClr val="lt1"/>
-          </a:fontRef>
-        </p:style>
-        <p:txBody>
-          <a:bodyPr rtlCol="0" anchor="ctr"/>
-          <a:lstStyle/>
-          <a:p>
-            <a:pPr algn="ctr"/>
-            <a:endParaRPr lang="en-US"/>
-          </a:p>
-        </p:txBody>
-      </p:sp>
-      <p:sp>
-        <p:nvSpPr>
-          <p:cNvPr id="23" name="Right Arrow 22">
-            <a:extLst>
-              <a:ext uri="{FF2B5EF4-FFF2-40B4-BE49-F238E27FC236}">
-                <a16:creationId xmlns:a16="http://schemas.microsoft.com/office/drawing/2014/main" id="{A1773BE5-6031-A44B-B46F-DCA2CE78B843}"/>
-              </a:ext>
-            </a:extLst>
-          </p:cNvPr>
-          <p:cNvSpPr/>
-          <p:nvPr/>
-        </p:nvSpPr>
-        <p:spPr>
-          <a:xfrm>
-            <a:off x="2120768" y="721619"/>
-            <a:ext cx="644694" cy="420414"/>
-          </a:xfrm>
-          <a:prstGeom prst="rightArrow">
-            <a:avLst/>
-          </a:prstGeom>
-          <a:solidFill>
-            <a:schemeClr val="bg2">
-              <a:lumMod val="75000"/>
-            </a:schemeClr>
-          </a:solidFill>
-          <a:ln>
-            <a:noFill/>
-          </a:ln>
-        </p:spPr>
-        <p:style>
-          <a:lnRef idx="2">
-            <a:schemeClr val="accent1">
-              <a:shade val="50000"/>
-            </a:schemeClr>
-          </a:lnRef>
-          <a:fillRef idx="1">
-            <a:schemeClr val="accent1"/>
-          </a:fillRef>
-          <a:effectRef idx="0">
-            <a:schemeClr val="accent1"/>
-          </a:effectRef>
-          <a:fontRef idx="minor">
-            <a:schemeClr val="lt1"/>
-          </a:fontRef>
-        </p:style>
-        <p:txBody>
-          <a:bodyPr rtlCol="0" anchor="ctr"/>
-          <a:lstStyle/>
-          <a:p>
-            <a:pPr algn="ctr"/>
-            <a:endParaRPr lang="en-US"/>
-          </a:p>
-        </p:txBody>
-      </p:sp>
-      <p:sp>
-        <p:nvSpPr>
-          <p:cNvPr id="63" name="Action Button: Document 62">
-            <a:hlinkClick r:id="" action="ppaction://noaction" highlightClick="1"/>
-            <a:extLst>
-              <a:ext uri="{FF2B5EF4-FFF2-40B4-BE49-F238E27FC236}">
-                <a16:creationId xmlns:a16="http://schemas.microsoft.com/office/drawing/2014/main" id="{AD49C542-D153-024F-AEB1-F7B58C99CD2E}"/>
-              </a:ext>
-            </a:extLst>
-          </p:cNvPr>
-          <p:cNvSpPr/>
-          <p:nvPr/>
-        </p:nvSpPr>
-        <p:spPr>
-          <a:xfrm>
-            <a:off x="3073052" y="294213"/>
-            <a:ext cx="987973" cy="1090449"/>
-          </a:xfrm>
-          <a:prstGeom prst="actionButtonDocument">
-            <a:avLst/>
-          </a:prstGeom>
-          <a:solidFill>
-            <a:schemeClr val="accent2">
-              <a:lumMod val="60000"/>
-              <a:lumOff val="40000"/>
-            </a:schemeClr>
-          </a:solidFill>
-          <a:ln>
-            <a:solidFill>
-              <a:schemeClr val="bg1"/>
-            </a:solidFill>
-          </a:ln>
-        </p:spPr>
-        <p:style>
-          <a:lnRef idx="2">
-            <a:schemeClr val="accent1">
-              <a:shade val="50000"/>
-            </a:schemeClr>
-          </a:lnRef>
-          <a:fillRef idx="1">
-            <a:schemeClr val="accent1"/>
-          </a:fillRef>
-          <a:effectRef idx="0">
-            <a:schemeClr val="accent1"/>
-          </a:effectRef>
-          <a:fontRef idx="minor">
-            <a:schemeClr val="lt1"/>
-          </a:fontRef>
-        </p:style>
-        <p:txBody>
-          <a:bodyPr rtlCol="0" anchor="ctr"/>
-          <a:lstStyle/>
-          <a:p>
-            <a:pPr algn="ctr"/>
-            <a:endParaRPr lang="en-US"/>
-          </a:p>
-        </p:txBody>
-      </p:sp>
-      <p:sp>
-        <p:nvSpPr>
-          <p:cNvPr id="64" name="Action Button: Document 63">
-            <a:hlinkClick r:id="" action="ppaction://noaction" highlightClick="1"/>
-            <a:extLst>
-              <a:ext uri="{FF2B5EF4-FFF2-40B4-BE49-F238E27FC236}">
-                <a16:creationId xmlns:a16="http://schemas.microsoft.com/office/drawing/2014/main" id="{4D555BF3-0372-E242-9F6A-0F07B4700627}"/>
-              </a:ext>
-            </a:extLst>
-          </p:cNvPr>
-          <p:cNvSpPr/>
-          <p:nvPr/>
-        </p:nvSpPr>
-        <p:spPr>
-          <a:xfrm>
-            <a:off x="794662" y="309840"/>
-            <a:ext cx="987973" cy="1090449"/>
-          </a:xfrm>
-          <a:prstGeom prst="actionButtonDocument">
-            <a:avLst/>
-          </a:prstGeom>
-          <a:solidFill>
-            <a:schemeClr val="accent2">
-              <a:lumMod val="60000"/>
-              <a:lumOff val="40000"/>
-            </a:schemeClr>
-          </a:solidFill>
-          <a:ln>
-            <a:solidFill>
-              <a:schemeClr val="bg1"/>
-            </a:solidFill>
-          </a:ln>
-        </p:spPr>
-        <p:style>
-          <a:lnRef idx="2">
-            <a:schemeClr val="accent1">
-              <a:shade val="50000"/>
-            </a:schemeClr>
-          </a:lnRef>
-          <a:fillRef idx="1">
-            <a:schemeClr val="accent1"/>
-          </a:fillRef>
-          <a:effectRef idx="0">
-            <a:schemeClr val="accent1"/>
-          </a:effectRef>
-          <a:fontRef idx="minor">
-            <a:schemeClr val="lt1"/>
-          </a:fontRef>
-        </p:style>
-        <p:txBody>
-          <a:bodyPr rtlCol="0" anchor="ctr"/>
-          <a:lstStyle/>
-          <a:p>
-            <a:pPr algn="ctr"/>
-            <a:endParaRPr lang="en-US"/>
-          </a:p>
-        </p:txBody>
-      </p:sp>
-      <p:sp>
-        <p:nvSpPr>
-          <p:cNvPr id="65" name="TextBox 64">
-            <a:extLst>
-              <a:ext uri="{FF2B5EF4-FFF2-40B4-BE49-F238E27FC236}">
-                <a16:creationId xmlns:a16="http://schemas.microsoft.com/office/drawing/2014/main" id="{9A53DF5E-981D-DF4B-831D-7261B340A292}"/>
-              </a:ext>
-            </a:extLst>
-          </p:cNvPr>
-          <p:cNvSpPr txBox="1"/>
-          <p:nvPr/>
-        </p:nvSpPr>
-        <p:spPr>
-          <a:xfrm>
-            <a:off x="10121521" y="2001101"/>
-            <a:ext cx="1683089" cy="276999"/>
-          </a:xfrm>
-          <a:prstGeom prst="rect">
-            <a:avLst/>
-          </a:prstGeom>
-          <a:noFill/>
-        </p:spPr>
-        <p:txBody>
-          <a:bodyPr wrap="none" rtlCol="0">
-            <a:spAutoFit/>
-          </a:bodyPr>
-          <a:lstStyle/>
-          <a:p>
-            <a:r>
-              <a:rPr lang="en-US" sz="1200" dirty="0">
-                <a:hlinkClick r:id="rId2"/>
-              </a:rPr>
-              <a:t>https://openclipart.org/</a:t>
-            </a:r>
-            <a:endParaRPr lang="en-US" sz="1200" dirty="0"/>
-          </a:p>
-        </p:txBody>
-      </p:sp>
-    </p:spTree>
-    <p:extLst>
-      <p:ext uri="{BB962C8B-B14F-4D97-AF65-F5344CB8AC3E}">
-        <p14:creationId xmlns:p14="http://schemas.microsoft.com/office/powerpoint/2010/main" val="2599836842"/>
-      </p:ext>
-    </p:extLst>
-  </p:cSld>
-  <p:clrMapOvr>
-    <a:masterClrMapping/>
-  </p:clrMapOvr>
-</p:sld>
-</file>
-
 <file path=ppt/slides/slide8.xml><?xml version="1.0" encoding="utf-8"?>
 <p:sld xmlns:a="http://schemas.openxmlformats.org/drawingml/2006/main" xmlns:r="http://schemas.openxmlformats.org/officeDocument/2006/relationships" xmlns:p="http://schemas.openxmlformats.org/presentationml/2006/main">
   <p:cSld>
@@ -7243,41 +6705,6 @@
           <a:noFill/>
         </p:spPr>
         <p:txBody>
-          <a:bodyPr wrap="square" rtlCol="0">
-            <a:spAutoFit/>
-          </a:bodyPr>
-          <a:lstStyle/>
-          <a:p>
-            <a:r>
-              <a:rPr lang="en-US" dirty="0"/>
-              <a:t>01-import.Rmd</a:t>
-            </a:r>
-          </a:p>
-        </p:txBody>
-      </p:sp>
-      <p:sp>
-        <p:nvSpPr>
-          <p:cNvPr id="15" name="TextBox 14">
-            <a:extLst>
-              <a:ext uri="{FF2B5EF4-FFF2-40B4-BE49-F238E27FC236}">
-                <a16:creationId xmlns:a16="http://schemas.microsoft.com/office/drawing/2014/main" id="{A2E9674F-3B03-DE46-97CA-9B7427C7A466}"/>
-              </a:ext>
-            </a:extLst>
-          </p:cNvPr>
-          <p:cNvSpPr txBox="1"/>
-          <p:nvPr/>
-        </p:nvSpPr>
-        <p:spPr>
-          <a:xfrm>
-            <a:off x="5055155" y="1516889"/>
-            <a:ext cx="1664238" cy="369332"/>
-          </a:xfrm>
-          <a:prstGeom prst="rect">
-            <a:avLst/>
-          </a:prstGeom>
-          <a:noFill/>
-        </p:spPr>
-        <p:txBody>
           <a:bodyPr wrap="none" rtlCol="0">
             <a:spAutoFit/>
           </a:bodyPr>
@@ -7285,17 +6712,17 @@
           <a:p>
             <a:r>
               <a:rPr lang="en-US" dirty="0"/>
-              <a:t>03-models.Rmd</a:t>
-            </a:r>
-          </a:p>
-        </p:txBody>
-      </p:sp>
-      <p:sp>
-        <p:nvSpPr>
-          <p:cNvPr id="18" name="TextBox 17">
-            <a:extLst>
-              <a:ext uri="{FF2B5EF4-FFF2-40B4-BE49-F238E27FC236}">
-                <a16:creationId xmlns:a16="http://schemas.microsoft.com/office/drawing/2014/main" id="{15BA7C0C-5DE3-324D-987E-CCBD86F2171A}"/>
+              <a:t>01-import.Rmd</a:t>
+            </a:r>
+          </a:p>
+        </p:txBody>
+      </p:sp>
+      <p:sp>
+        <p:nvSpPr>
+          <p:cNvPr id="15" name="TextBox 14">
+            <a:extLst>
+              <a:ext uri="{FF2B5EF4-FFF2-40B4-BE49-F238E27FC236}">
+                <a16:creationId xmlns:a16="http://schemas.microsoft.com/office/drawing/2014/main" id="{A2E9674F-3B03-DE46-97CA-9B7427C7A466}"/>
               </a:ext>
             </a:extLst>
           </p:cNvPr>
@@ -7304,8 +6731,8 @@
         </p:nvSpPr>
         <p:spPr>
           <a:xfrm>
-            <a:off x="7387677" y="1516889"/>
-            <a:ext cx="1762790" cy="369332"/>
+            <a:off x="5055155" y="1516889"/>
+            <a:ext cx="1664238" cy="369332"/>
           </a:xfrm>
           <a:prstGeom prst="rect">
             <a:avLst/>
@@ -7320,17 +6747,17 @@
           <a:p>
             <a:r>
               <a:rPr lang="en-US" dirty="0"/>
-              <a:t>04-visualize.Rmd</a:t>
-            </a:r>
-          </a:p>
-        </p:txBody>
-      </p:sp>
-      <p:sp>
-        <p:nvSpPr>
-          <p:cNvPr id="19" name="TextBox 18">
-            <a:extLst>
-              <a:ext uri="{FF2B5EF4-FFF2-40B4-BE49-F238E27FC236}">
-                <a16:creationId xmlns:a16="http://schemas.microsoft.com/office/drawing/2014/main" id="{0D3529FA-493C-D340-917E-D2BE38F4E151}"/>
+              <a:t>03-models.Rmd</a:t>
+            </a:r>
+          </a:p>
+        </p:txBody>
+      </p:sp>
+      <p:sp>
+        <p:nvSpPr>
+          <p:cNvPr id="18" name="TextBox 17">
+            <a:extLst>
+              <a:ext uri="{FF2B5EF4-FFF2-40B4-BE49-F238E27FC236}">
+                <a16:creationId xmlns:a16="http://schemas.microsoft.com/office/drawing/2014/main" id="{15BA7C0C-5DE3-324D-987E-CCBD86F2171A}"/>
               </a:ext>
             </a:extLst>
           </p:cNvPr>
@@ -7339,8 +6766,8 @@
         </p:nvSpPr>
         <p:spPr>
           <a:xfrm>
-            <a:off x="9487858" y="1548421"/>
-            <a:ext cx="2255297" cy="369332"/>
+            <a:off x="7387677" y="1516889"/>
+            <a:ext cx="1762790" cy="369332"/>
           </a:xfrm>
           <a:prstGeom prst="rect">
             <a:avLst/>
@@ -7355,6 +6782,41 @@
           <a:p>
             <a:r>
               <a:rPr lang="en-US" dirty="0"/>
+              <a:t>04-visualize.Rmd</a:t>
+            </a:r>
+          </a:p>
+        </p:txBody>
+      </p:sp>
+      <p:sp>
+        <p:nvSpPr>
+          <p:cNvPr id="19" name="TextBox 18">
+            <a:extLst>
+              <a:ext uri="{FF2B5EF4-FFF2-40B4-BE49-F238E27FC236}">
+                <a16:creationId xmlns:a16="http://schemas.microsoft.com/office/drawing/2014/main" id="{0D3529FA-493C-D340-917E-D2BE38F4E151}"/>
+              </a:ext>
+            </a:extLst>
+          </p:cNvPr>
+          <p:cNvSpPr txBox="1"/>
+          <p:nvPr/>
+        </p:nvSpPr>
+        <p:spPr>
+          <a:xfrm>
+            <a:off x="9487858" y="1548421"/>
+            <a:ext cx="2255297" cy="369332"/>
+          </a:xfrm>
+          <a:prstGeom prst="rect">
+            <a:avLst/>
+          </a:prstGeom>
+          <a:noFill/>
+        </p:spPr>
+        <p:txBody>
+          <a:bodyPr wrap="none" rtlCol="0">
+            <a:spAutoFit/>
+          </a:bodyPr>
+          <a:lstStyle/>
+          <a:p>
+            <a:r>
+              <a:rPr lang="en-US" dirty="0"/>
               <a:t>05-communicate.Rmd</a:t>
             </a:r>
           </a:p>
@@ -7373,15 +6835,17 @@
           <p:nvPr/>
         </p:nvSpPr>
         <p:spPr>
-          <a:xfrm rot="4836832">
-            <a:off x="3292994" y="2318043"/>
-            <a:ext cx="1047861" cy="420414"/>
+          <a:xfrm>
+            <a:off x="4431514" y="721619"/>
+            <a:ext cx="644694" cy="420414"/>
           </a:xfrm>
           <a:prstGeom prst="rightArrow">
             <a:avLst/>
           </a:prstGeom>
           <a:solidFill>
-            <a:schemeClr val="accent3"/>
+            <a:schemeClr val="bg2">
+              <a:lumMod val="75000"/>
+            </a:schemeClr>
           </a:solidFill>
           <a:ln>
             <a:noFill/>
@@ -7408,14 +6872,7 @@
           <a:lstStyle/>
           <a:p>
             <a:pPr algn="ctr"/>
-            <a:endParaRPr lang="en-US">
-              <a:solidFill>
-                <a:srgbClr val="FF0000"/>
-              </a:solidFill>
-              <a:highlight>
-                <a:srgbClr val="FA8538"/>
-              </a:highlight>
-            </a:endParaRPr>
+            <a:endParaRPr lang="en-US"/>
           </a:p>
         </p:txBody>
       </p:sp>
@@ -7432,15 +6889,17 @@
           <p:nvPr/>
         </p:nvSpPr>
         <p:spPr>
-          <a:xfrm rot="17248110">
-            <a:off x="7563052" y="2216584"/>
-            <a:ext cx="892466" cy="420414"/>
+          <a:xfrm>
+            <a:off x="6773508" y="709640"/>
+            <a:ext cx="644694" cy="420414"/>
           </a:xfrm>
           <a:prstGeom prst="rightArrow">
             <a:avLst/>
           </a:prstGeom>
           <a:solidFill>
-            <a:schemeClr val="accent3"/>
+            <a:schemeClr val="bg2">
+              <a:lumMod val="75000"/>
+            </a:schemeClr>
           </a:solidFill>
           <a:ln>
             <a:noFill/>
@@ -7467,14 +6926,61 @@
           <a:lstStyle/>
           <a:p>
             <a:pPr algn="ctr"/>
-            <a:endParaRPr lang="en-US">
-              <a:solidFill>
-                <a:srgbClr val="FF0000"/>
-              </a:solidFill>
-              <a:highlight>
-                <a:srgbClr val="FA8538"/>
-              </a:highlight>
-            </a:endParaRPr>
+            <a:endParaRPr lang="en-US"/>
+          </a:p>
+        </p:txBody>
+      </p:sp>
+      <p:sp>
+        <p:nvSpPr>
+          <p:cNvPr id="22" name="Right Arrow 21">
+            <a:extLst>
+              <a:ext uri="{FF2B5EF4-FFF2-40B4-BE49-F238E27FC236}">
+                <a16:creationId xmlns:a16="http://schemas.microsoft.com/office/drawing/2014/main" id="{723194B3-7105-934A-92C9-C5B8AAECF8DD}"/>
+              </a:ext>
+            </a:extLst>
+          </p:cNvPr>
+          <p:cNvSpPr/>
+          <p:nvPr/>
+        </p:nvSpPr>
+        <p:spPr>
+          <a:xfrm>
+            <a:off x="9165511" y="709640"/>
+            <a:ext cx="644694" cy="420414"/>
+          </a:xfrm>
+          <a:prstGeom prst="rightArrow">
+            <a:avLst/>
+          </a:prstGeom>
+          <a:solidFill>
+            <a:schemeClr val="bg2">
+              <a:lumMod val="75000"/>
+            </a:schemeClr>
+          </a:solidFill>
+          <a:ln>
+            <a:noFill/>
+          </a:ln>
+        </p:spPr>
+        <p:style>
+          <a:lnRef idx="2">
+            <a:schemeClr val="accent1">
+              <a:shade val="50000"/>
+            </a:schemeClr>
+          </a:lnRef>
+          <a:fillRef idx="1">
+            <a:schemeClr val="accent1"/>
+          </a:fillRef>
+          <a:effectRef idx="0">
+            <a:schemeClr val="accent1"/>
+          </a:effectRef>
+          <a:fontRef idx="minor">
+            <a:schemeClr val="lt1"/>
+          </a:fontRef>
+        </p:style>
+        <p:txBody>
+          <a:bodyPr rtlCol="0" anchor="ctr"/>
+          <a:lstStyle/>
+          <a:p>
+            <a:pPr algn="ctr"/>
+            <a:endParaRPr lang="en-US"/>
           </a:p>
         </p:txBody>
       </p:sp>
@@ -7491,8 +6997,8 @@
           <p:nvPr/>
         </p:nvSpPr>
         <p:spPr>
-          <a:xfrm rot="3726193">
-            <a:off x="1521611" y="2027148"/>
+          <a:xfrm>
+            <a:off x="2120768" y="721619"/>
             <a:ext cx="644694" cy="420414"/>
           </a:xfrm>
           <a:prstGeom prst="rightArrow">
@@ -7662,7 +7168,7 @@
         </p:nvSpPr>
         <p:spPr>
           <a:xfrm>
-            <a:off x="9279976" y="5536818"/>
+            <a:off x="10121521" y="2001101"/>
             <a:ext cx="1683089" cy="276999"/>
           </a:xfrm>
           <a:prstGeom prst="rect">
@@ -7686,846 +7192,10 @@
           </a:p>
         </p:txBody>
       </p:sp>
-      <p:sp>
-        <p:nvSpPr>
-          <p:cNvPr id="27" name="Action Button: Document 26">
-            <a:hlinkClick r:id="" action="ppaction://noaction" highlightClick="1"/>
-            <a:extLst>
-              <a:ext uri="{FF2B5EF4-FFF2-40B4-BE49-F238E27FC236}">
-                <a16:creationId xmlns:a16="http://schemas.microsoft.com/office/drawing/2014/main" id="{D0573F44-0D64-5F85-1FAC-E0EB41DB8892}"/>
-              </a:ext>
-            </a:extLst>
-          </p:cNvPr>
-          <p:cNvSpPr/>
-          <p:nvPr/>
-        </p:nvSpPr>
-        <p:spPr>
-          <a:xfrm>
-            <a:off x="5448702" y="2470409"/>
-            <a:ext cx="987973" cy="1090449"/>
-          </a:xfrm>
-          <a:prstGeom prst="actionButtonDocument">
-            <a:avLst/>
-          </a:prstGeom>
-          <a:solidFill>
-            <a:schemeClr val="accent2">
-              <a:lumMod val="60000"/>
-              <a:lumOff val="40000"/>
-            </a:schemeClr>
-          </a:solidFill>
-          <a:ln>
-            <a:solidFill>
-              <a:schemeClr val="bg1"/>
-            </a:solidFill>
-          </a:ln>
-        </p:spPr>
-        <p:style>
-          <a:lnRef idx="2">
-            <a:schemeClr val="accent1">
-              <a:shade val="50000"/>
-            </a:schemeClr>
-          </a:lnRef>
-          <a:fillRef idx="1">
-            <a:schemeClr val="accent1"/>
-          </a:fillRef>
-          <a:effectRef idx="0">
-            <a:schemeClr val="accent1"/>
-          </a:effectRef>
-          <a:fontRef idx="minor">
-            <a:schemeClr val="lt1"/>
-          </a:fontRef>
-        </p:style>
-        <p:txBody>
-          <a:bodyPr rtlCol="0" anchor="ctr"/>
-          <a:lstStyle/>
-          <a:p>
-            <a:pPr algn="ctr"/>
-            <a:endParaRPr lang="en-US"/>
-          </a:p>
-        </p:txBody>
-      </p:sp>
-      <p:sp>
-        <p:nvSpPr>
-          <p:cNvPr id="28" name="TextBox 27">
-            <a:extLst>
-              <a:ext uri="{FF2B5EF4-FFF2-40B4-BE49-F238E27FC236}">
-                <a16:creationId xmlns:a16="http://schemas.microsoft.com/office/drawing/2014/main" id="{4D1D3C5D-3E94-F179-908B-D063CF7D8B43}"/>
-              </a:ext>
-            </a:extLst>
-          </p:cNvPr>
-          <p:cNvSpPr txBox="1"/>
-          <p:nvPr/>
-        </p:nvSpPr>
-        <p:spPr>
-          <a:xfrm>
-            <a:off x="5055155" y="3640757"/>
-            <a:ext cx="1854675" cy="369332"/>
-          </a:xfrm>
-          <a:prstGeom prst="rect">
-            <a:avLst/>
-          </a:prstGeom>
-          <a:noFill/>
-        </p:spPr>
-        <p:txBody>
-          <a:bodyPr wrap="none" rtlCol="0">
-            <a:spAutoFit/>
-          </a:bodyPr>
-          <a:lstStyle/>
-          <a:p>
-            <a:r>
-              <a:rPr lang="en-US" dirty="0">
-                <a:solidFill>
-                  <a:srgbClr val="FA8538"/>
-                </a:solidFill>
-              </a:rPr>
-              <a:t>03.A-models.Rmd</a:t>
-            </a:r>
-          </a:p>
-        </p:txBody>
-      </p:sp>
-      <p:sp>
-        <p:nvSpPr>
-          <p:cNvPr id="30" name="Action Button: Document 29">
-            <a:hlinkClick r:id="" action="ppaction://noaction" highlightClick="1"/>
-            <a:extLst>
-              <a:ext uri="{FF2B5EF4-FFF2-40B4-BE49-F238E27FC236}">
-                <a16:creationId xmlns:a16="http://schemas.microsoft.com/office/drawing/2014/main" id="{E45E9B2E-6355-1978-6D21-2452D806FA4E}"/>
-              </a:ext>
-            </a:extLst>
-          </p:cNvPr>
-          <p:cNvSpPr/>
-          <p:nvPr/>
-        </p:nvSpPr>
-        <p:spPr>
-          <a:xfrm>
-            <a:off x="5448702" y="4605434"/>
-            <a:ext cx="987973" cy="1090449"/>
-          </a:xfrm>
-          <a:prstGeom prst="actionButtonDocument">
-            <a:avLst/>
-          </a:prstGeom>
-          <a:solidFill>
-            <a:schemeClr val="accent2">
-              <a:lumMod val="60000"/>
-              <a:lumOff val="40000"/>
-            </a:schemeClr>
-          </a:solidFill>
-          <a:ln>
-            <a:solidFill>
-              <a:schemeClr val="bg1"/>
-            </a:solidFill>
-          </a:ln>
-        </p:spPr>
-        <p:style>
-          <a:lnRef idx="2">
-            <a:schemeClr val="accent1">
-              <a:shade val="50000"/>
-            </a:schemeClr>
-          </a:lnRef>
-          <a:fillRef idx="1">
-            <a:schemeClr val="accent1"/>
-          </a:fillRef>
-          <a:effectRef idx="0">
-            <a:schemeClr val="accent1"/>
-          </a:effectRef>
-          <a:fontRef idx="minor">
-            <a:schemeClr val="lt1"/>
-          </a:fontRef>
-        </p:style>
-        <p:txBody>
-          <a:bodyPr rtlCol="0" anchor="ctr"/>
-          <a:lstStyle/>
-          <a:p>
-            <a:pPr algn="ctr"/>
-            <a:endParaRPr lang="en-US"/>
-          </a:p>
-        </p:txBody>
-      </p:sp>
-      <p:sp>
-        <p:nvSpPr>
-          <p:cNvPr id="31" name="TextBox 30">
-            <a:extLst>
-              <a:ext uri="{FF2B5EF4-FFF2-40B4-BE49-F238E27FC236}">
-                <a16:creationId xmlns:a16="http://schemas.microsoft.com/office/drawing/2014/main" id="{B2264DCF-DB08-D60E-06B4-07347FB31C38}"/>
-              </a:ext>
-            </a:extLst>
-          </p:cNvPr>
-          <p:cNvSpPr txBox="1"/>
-          <p:nvPr/>
-        </p:nvSpPr>
-        <p:spPr>
-          <a:xfrm>
-            <a:off x="5055155" y="5775782"/>
-            <a:ext cx="1854675" cy="369332"/>
-          </a:xfrm>
-          <a:prstGeom prst="rect">
-            <a:avLst/>
-          </a:prstGeom>
-          <a:noFill/>
-        </p:spPr>
-        <p:txBody>
-          <a:bodyPr wrap="none" rtlCol="0">
-            <a:spAutoFit/>
-          </a:bodyPr>
-          <a:lstStyle/>
-          <a:p>
-            <a:r>
-              <a:rPr lang="en-US" dirty="0">
-                <a:solidFill>
-                  <a:srgbClr val="FA8538"/>
-                </a:solidFill>
-              </a:rPr>
-              <a:t>03.A-models.Rmd</a:t>
-            </a:r>
-          </a:p>
-        </p:txBody>
-      </p:sp>
-      <p:sp>
-        <p:nvSpPr>
-          <p:cNvPr id="34" name="Right Arrow 33">
-            <a:extLst>
-              <a:ext uri="{FF2B5EF4-FFF2-40B4-BE49-F238E27FC236}">
-                <a16:creationId xmlns:a16="http://schemas.microsoft.com/office/drawing/2014/main" id="{E788902B-497B-C8CE-CC9A-865AADCD601E}"/>
-              </a:ext>
-            </a:extLst>
-          </p:cNvPr>
-          <p:cNvSpPr/>
-          <p:nvPr/>
-        </p:nvSpPr>
-        <p:spPr>
-          <a:xfrm rot="17777608">
-            <a:off x="6406111" y="4483121"/>
-            <a:ext cx="1415761" cy="420414"/>
-          </a:xfrm>
-          <a:prstGeom prst="rightArrow">
-            <a:avLst/>
-          </a:prstGeom>
-          <a:solidFill>
-            <a:schemeClr val="accent3"/>
-          </a:solidFill>
-          <a:ln>
-            <a:noFill/>
-          </a:ln>
-        </p:spPr>
-        <p:style>
-          <a:lnRef idx="2">
-            <a:schemeClr val="accent1">
-              <a:shade val="50000"/>
-            </a:schemeClr>
-          </a:lnRef>
-          <a:fillRef idx="1">
-            <a:schemeClr val="accent1"/>
-          </a:fillRef>
-          <a:effectRef idx="0">
-            <a:schemeClr val="accent1"/>
-          </a:effectRef>
-          <a:fontRef idx="minor">
-            <a:schemeClr val="lt1"/>
-          </a:fontRef>
-        </p:style>
-        <p:txBody>
-          <a:bodyPr rtlCol="0" anchor="ctr"/>
-          <a:lstStyle/>
-          <a:p>
-            <a:pPr algn="ctr"/>
-            <a:endParaRPr lang="en-US">
-              <a:solidFill>
-                <a:srgbClr val="FF0000"/>
-              </a:solidFill>
-              <a:highlight>
-                <a:srgbClr val="FA8538"/>
-              </a:highlight>
-            </a:endParaRPr>
-          </a:p>
-        </p:txBody>
-      </p:sp>
-      <p:sp>
-        <p:nvSpPr>
-          <p:cNvPr id="35" name="Right Arrow 34">
-            <a:extLst>
-              <a:ext uri="{FF2B5EF4-FFF2-40B4-BE49-F238E27FC236}">
-                <a16:creationId xmlns:a16="http://schemas.microsoft.com/office/drawing/2014/main" id="{F2A2D560-50E9-C2BD-E066-78B72E3693C2}"/>
-              </a:ext>
-            </a:extLst>
-          </p:cNvPr>
-          <p:cNvSpPr/>
-          <p:nvPr/>
-        </p:nvSpPr>
-        <p:spPr>
-          <a:xfrm rot="18179299">
-            <a:off x="9990948" y="1997968"/>
-            <a:ext cx="821461" cy="420414"/>
-          </a:xfrm>
-          <a:prstGeom prst="rightArrow">
-            <a:avLst/>
-          </a:prstGeom>
-          <a:solidFill>
-            <a:schemeClr val="accent3"/>
-          </a:solidFill>
-          <a:ln>
-            <a:noFill/>
-          </a:ln>
-        </p:spPr>
-        <p:style>
-          <a:lnRef idx="2">
-            <a:schemeClr val="accent1">
-              <a:shade val="50000"/>
-            </a:schemeClr>
-          </a:lnRef>
-          <a:fillRef idx="1">
-            <a:schemeClr val="accent1"/>
-          </a:fillRef>
-          <a:effectRef idx="0">
-            <a:schemeClr val="accent1"/>
-          </a:effectRef>
-          <a:fontRef idx="minor">
-            <a:schemeClr val="lt1"/>
-          </a:fontRef>
-        </p:style>
-        <p:txBody>
-          <a:bodyPr rtlCol="0" anchor="ctr"/>
-          <a:lstStyle/>
-          <a:p>
-            <a:pPr algn="ctr"/>
-            <a:endParaRPr lang="en-US">
-              <a:solidFill>
-                <a:srgbClr val="FF0000"/>
-              </a:solidFill>
-              <a:highlight>
-                <a:srgbClr val="FA8538"/>
-              </a:highlight>
-            </a:endParaRPr>
-          </a:p>
-        </p:txBody>
-      </p:sp>
-      <p:sp>
-        <p:nvSpPr>
-          <p:cNvPr id="25" name="Magnetic Disk 24">
-            <a:extLst>
-              <a:ext uri="{FF2B5EF4-FFF2-40B4-BE49-F238E27FC236}">
-                <a16:creationId xmlns:a16="http://schemas.microsoft.com/office/drawing/2014/main" id="{47A50997-CE2F-F50D-FD54-03379BFC27E4}"/>
-              </a:ext>
-            </a:extLst>
-          </p:cNvPr>
-          <p:cNvSpPr/>
-          <p:nvPr/>
-        </p:nvSpPr>
-        <p:spPr>
-          <a:xfrm>
-            <a:off x="2059380" y="2516295"/>
-            <a:ext cx="556529" cy="603318"/>
-          </a:xfrm>
-          <a:prstGeom prst="flowChartMagneticDisk">
-            <a:avLst/>
-          </a:prstGeom>
-          <a:solidFill>
-            <a:schemeClr val="accent5"/>
-          </a:solidFill>
-        </p:spPr>
-        <p:style>
-          <a:lnRef idx="2">
-            <a:schemeClr val="accent1">
-              <a:shade val="50000"/>
-            </a:schemeClr>
-          </a:lnRef>
-          <a:fillRef idx="1">
-            <a:schemeClr val="accent1"/>
-          </a:fillRef>
-          <a:effectRef idx="0">
-            <a:schemeClr val="accent1"/>
-          </a:effectRef>
-          <a:fontRef idx="minor">
-            <a:schemeClr val="lt1"/>
-          </a:fontRef>
-        </p:style>
-        <p:txBody>
-          <a:bodyPr rtlCol="0" anchor="ctr"/>
-          <a:lstStyle/>
-          <a:p>
-            <a:pPr algn="ctr"/>
-            <a:endParaRPr lang="en-US" dirty="0">
-              <a:solidFill>
-                <a:schemeClr val="accent1"/>
-              </a:solidFill>
-            </a:endParaRPr>
-          </a:p>
-        </p:txBody>
-      </p:sp>
-      <p:sp>
-        <p:nvSpPr>
-          <p:cNvPr id="26" name="Right Arrow 25">
-            <a:extLst>
-              <a:ext uri="{FF2B5EF4-FFF2-40B4-BE49-F238E27FC236}">
-                <a16:creationId xmlns:a16="http://schemas.microsoft.com/office/drawing/2014/main" id="{DE6370A8-E1F7-FD18-2335-52A70D686086}"/>
-              </a:ext>
-            </a:extLst>
-          </p:cNvPr>
-          <p:cNvSpPr/>
-          <p:nvPr/>
-        </p:nvSpPr>
-        <p:spPr>
-          <a:xfrm rot="18034670">
-            <a:off x="2561595" y="2004873"/>
-            <a:ext cx="644694" cy="420414"/>
-          </a:xfrm>
-          <a:prstGeom prst="rightArrow">
-            <a:avLst/>
-          </a:prstGeom>
-          <a:solidFill>
-            <a:schemeClr val="bg2">
-              <a:lumMod val="75000"/>
-            </a:schemeClr>
-          </a:solidFill>
-          <a:ln>
-            <a:noFill/>
-          </a:ln>
-        </p:spPr>
-        <p:style>
-          <a:lnRef idx="2">
-            <a:schemeClr val="accent1">
-              <a:shade val="50000"/>
-            </a:schemeClr>
-          </a:lnRef>
-          <a:fillRef idx="1">
-            <a:schemeClr val="accent1"/>
-          </a:fillRef>
-          <a:effectRef idx="0">
-            <a:schemeClr val="accent1"/>
-          </a:effectRef>
-          <a:fontRef idx="minor">
-            <a:schemeClr val="lt1"/>
-          </a:fontRef>
-        </p:style>
-        <p:txBody>
-          <a:bodyPr rtlCol="0" anchor="ctr"/>
-          <a:lstStyle/>
-          <a:p>
-            <a:pPr algn="ctr"/>
-            <a:endParaRPr lang="en-US"/>
-          </a:p>
-        </p:txBody>
-      </p:sp>
-      <p:sp>
-        <p:nvSpPr>
-          <p:cNvPr id="29" name="TextBox 28">
-            <a:extLst>
-              <a:ext uri="{FF2B5EF4-FFF2-40B4-BE49-F238E27FC236}">
-                <a16:creationId xmlns:a16="http://schemas.microsoft.com/office/drawing/2014/main" id="{DA59F066-EB12-92BC-DC5B-4D70826412BD}"/>
-              </a:ext>
-            </a:extLst>
-          </p:cNvPr>
-          <p:cNvSpPr txBox="1"/>
-          <p:nvPr/>
-        </p:nvSpPr>
-        <p:spPr>
-          <a:xfrm>
-            <a:off x="1401307" y="3132373"/>
-            <a:ext cx="1863445" cy="369332"/>
-          </a:xfrm>
-          <a:prstGeom prst="rect">
-            <a:avLst/>
-          </a:prstGeom>
-          <a:noFill/>
-        </p:spPr>
-        <p:txBody>
-          <a:bodyPr wrap="square" rtlCol="0">
-            <a:spAutoFit/>
-          </a:bodyPr>
-          <a:lstStyle/>
-          <a:p>
-            <a:r>
-              <a:rPr lang="en-US" dirty="0"/>
-              <a:t>01-out-import.csv</a:t>
-            </a:r>
-          </a:p>
-        </p:txBody>
-      </p:sp>
-      <p:sp>
-        <p:nvSpPr>
-          <p:cNvPr id="36" name="TextBox 35">
-            <a:extLst>
-              <a:ext uri="{FF2B5EF4-FFF2-40B4-BE49-F238E27FC236}">
-                <a16:creationId xmlns:a16="http://schemas.microsoft.com/office/drawing/2014/main" id="{BB9CFC7E-495B-25C4-3ADA-BDD39A86C82C}"/>
-              </a:ext>
-            </a:extLst>
-          </p:cNvPr>
-          <p:cNvSpPr txBox="1"/>
-          <p:nvPr/>
-        </p:nvSpPr>
-        <p:spPr>
-          <a:xfrm>
-            <a:off x="3228899" y="3849876"/>
-            <a:ext cx="1589194" cy="369332"/>
-          </a:xfrm>
-          <a:prstGeom prst="rect">
-            <a:avLst/>
-          </a:prstGeom>
-          <a:noFill/>
-        </p:spPr>
-        <p:txBody>
-          <a:bodyPr wrap="square" rtlCol="0">
-            <a:spAutoFit/>
-          </a:bodyPr>
-          <a:lstStyle/>
-          <a:p>
-            <a:r>
-              <a:rPr lang="en-US" dirty="0"/>
-              <a:t>02-out-tidy.csv</a:t>
-            </a:r>
-          </a:p>
-        </p:txBody>
-      </p:sp>
-      <p:sp>
-        <p:nvSpPr>
-          <p:cNvPr id="38" name="Magnetic Disk 37">
-            <a:extLst>
-              <a:ext uri="{FF2B5EF4-FFF2-40B4-BE49-F238E27FC236}">
-                <a16:creationId xmlns:a16="http://schemas.microsoft.com/office/drawing/2014/main" id="{ACB6F7EB-D343-1713-60DA-3C2A9F8CBBBF}"/>
-              </a:ext>
-            </a:extLst>
-          </p:cNvPr>
-          <p:cNvSpPr/>
-          <p:nvPr/>
-        </p:nvSpPr>
-        <p:spPr>
-          <a:xfrm>
-            <a:off x="3711701" y="3200046"/>
-            <a:ext cx="556529" cy="603318"/>
-          </a:xfrm>
-          <a:prstGeom prst="flowChartMagneticDisk">
-            <a:avLst/>
-          </a:prstGeom>
-          <a:solidFill>
-            <a:schemeClr val="accent5"/>
-          </a:solidFill>
-        </p:spPr>
-        <p:style>
-          <a:lnRef idx="2">
-            <a:schemeClr val="accent1">
-              <a:shade val="50000"/>
-            </a:schemeClr>
-          </a:lnRef>
-          <a:fillRef idx="1">
-            <a:schemeClr val="accent1"/>
-          </a:fillRef>
-          <a:effectRef idx="0">
-            <a:schemeClr val="accent1"/>
-          </a:effectRef>
-          <a:fontRef idx="minor">
-            <a:schemeClr val="lt1"/>
-          </a:fontRef>
-        </p:style>
-        <p:txBody>
-          <a:bodyPr rtlCol="0" anchor="ctr"/>
-          <a:lstStyle/>
-          <a:p>
-            <a:pPr algn="ctr"/>
-            <a:endParaRPr lang="en-US" dirty="0">
-              <a:solidFill>
-                <a:schemeClr val="accent1"/>
-              </a:solidFill>
-            </a:endParaRPr>
-          </a:p>
-        </p:txBody>
-      </p:sp>
-      <p:sp>
-        <p:nvSpPr>
-          <p:cNvPr id="39" name="Right Arrow 38">
-            <a:extLst>
-              <a:ext uri="{FF2B5EF4-FFF2-40B4-BE49-F238E27FC236}">
-                <a16:creationId xmlns:a16="http://schemas.microsoft.com/office/drawing/2014/main" id="{2B220DF6-0226-7FE0-4192-4A83B463E2D3}"/>
-              </a:ext>
-            </a:extLst>
-          </p:cNvPr>
-          <p:cNvSpPr/>
-          <p:nvPr/>
-        </p:nvSpPr>
-        <p:spPr>
-          <a:xfrm rot="2539682">
-            <a:off x="4191718" y="4552629"/>
-            <a:ext cx="1047861" cy="420414"/>
-          </a:xfrm>
-          <a:prstGeom prst="rightArrow">
-            <a:avLst/>
-          </a:prstGeom>
-          <a:solidFill>
-            <a:schemeClr val="accent3"/>
-          </a:solidFill>
-          <a:ln>
-            <a:noFill/>
-          </a:ln>
-        </p:spPr>
-        <p:style>
-          <a:lnRef idx="2">
-            <a:schemeClr val="accent1">
-              <a:shade val="50000"/>
-            </a:schemeClr>
-          </a:lnRef>
-          <a:fillRef idx="1">
-            <a:schemeClr val="accent1"/>
-          </a:fillRef>
-          <a:effectRef idx="0">
-            <a:schemeClr val="accent1"/>
-          </a:effectRef>
-          <a:fontRef idx="minor">
-            <a:schemeClr val="lt1"/>
-          </a:fontRef>
-        </p:style>
-        <p:txBody>
-          <a:bodyPr rtlCol="0" anchor="ctr"/>
-          <a:lstStyle/>
-          <a:p>
-            <a:pPr algn="ctr"/>
-            <a:endParaRPr lang="en-US">
-              <a:solidFill>
-                <a:srgbClr val="FF0000"/>
-              </a:solidFill>
-              <a:highlight>
-                <a:srgbClr val="FA8538"/>
-              </a:highlight>
-            </a:endParaRPr>
-          </a:p>
-        </p:txBody>
-      </p:sp>
-      <p:sp>
-        <p:nvSpPr>
-          <p:cNvPr id="40" name="Magnetic Disk 39">
-            <a:extLst>
-              <a:ext uri="{FF2B5EF4-FFF2-40B4-BE49-F238E27FC236}">
-                <a16:creationId xmlns:a16="http://schemas.microsoft.com/office/drawing/2014/main" id="{FC09CB78-6241-24D0-E749-4A01CE7385E4}"/>
-              </a:ext>
-            </a:extLst>
-          </p:cNvPr>
-          <p:cNvSpPr/>
-          <p:nvPr/>
-        </p:nvSpPr>
-        <p:spPr>
-          <a:xfrm>
-            <a:off x="7496821" y="2940420"/>
-            <a:ext cx="556529" cy="603318"/>
-          </a:xfrm>
-          <a:prstGeom prst="flowChartMagneticDisk">
-            <a:avLst/>
-          </a:prstGeom>
-          <a:solidFill>
-            <a:schemeClr val="accent5"/>
-          </a:solidFill>
-        </p:spPr>
-        <p:style>
-          <a:lnRef idx="2">
-            <a:schemeClr val="accent1">
-              <a:shade val="50000"/>
-            </a:schemeClr>
-          </a:lnRef>
-          <a:fillRef idx="1">
-            <a:schemeClr val="accent1"/>
-          </a:fillRef>
-          <a:effectRef idx="0">
-            <a:schemeClr val="accent1"/>
-          </a:effectRef>
-          <a:fontRef idx="minor">
-            <a:schemeClr val="lt1"/>
-          </a:fontRef>
-        </p:style>
-        <p:txBody>
-          <a:bodyPr rtlCol="0" anchor="ctr"/>
-          <a:lstStyle/>
-          <a:p>
-            <a:pPr algn="ctr"/>
-            <a:endParaRPr lang="en-US" dirty="0">
-              <a:solidFill>
-                <a:schemeClr val="accent1"/>
-              </a:solidFill>
-            </a:endParaRPr>
-          </a:p>
-        </p:txBody>
-      </p:sp>
-      <p:sp>
-        <p:nvSpPr>
-          <p:cNvPr id="41" name="TextBox 40">
-            <a:extLst>
-              <a:ext uri="{FF2B5EF4-FFF2-40B4-BE49-F238E27FC236}">
-                <a16:creationId xmlns:a16="http://schemas.microsoft.com/office/drawing/2014/main" id="{C43DF7B8-3673-2165-B2B9-E235DC222827}"/>
-              </a:ext>
-            </a:extLst>
-          </p:cNvPr>
-          <p:cNvSpPr txBox="1"/>
-          <p:nvPr/>
-        </p:nvSpPr>
-        <p:spPr>
-          <a:xfrm>
-            <a:off x="6834953" y="3492913"/>
-            <a:ext cx="1989142" cy="369332"/>
-          </a:xfrm>
-          <a:prstGeom prst="rect">
-            <a:avLst/>
-          </a:prstGeom>
-          <a:noFill/>
-        </p:spPr>
-        <p:txBody>
-          <a:bodyPr wrap="square" rtlCol="0">
-            <a:spAutoFit/>
-          </a:bodyPr>
-          <a:lstStyle/>
-          <a:p>
-            <a:r>
-              <a:rPr lang="en-US" dirty="0"/>
-              <a:t>03-out-models.csv</a:t>
-            </a:r>
-          </a:p>
-        </p:txBody>
-      </p:sp>
-      <p:sp>
-        <p:nvSpPr>
-          <p:cNvPr id="42" name="Right Arrow 41">
-            <a:extLst>
-              <a:ext uri="{FF2B5EF4-FFF2-40B4-BE49-F238E27FC236}">
-                <a16:creationId xmlns:a16="http://schemas.microsoft.com/office/drawing/2014/main" id="{E74F1F11-1CE9-0355-452D-7EC063C402EE}"/>
-              </a:ext>
-            </a:extLst>
-          </p:cNvPr>
-          <p:cNvSpPr/>
-          <p:nvPr/>
-        </p:nvSpPr>
-        <p:spPr>
-          <a:xfrm rot="2894254">
-            <a:off x="8582234" y="2058212"/>
-            <a:ext cx="812295" cy="420414"/>
-          </a:xfrm>
-          <a:prstGeom prst="rightArrow">
-            <a:avLst/>
-          </a:prstGeom>
-          <a:solidFill>
-            <a:schemeClr val="accent3"/>
-          </a:solidFill>
-          <a:ln>
-            <a:noFill/>
-          </a:ln>
-        </p:spPr>
-        <p:style>
-          <a:lnRef idx="2">
-            <a:schemeClr val="accent1">
-              <a:shade val="50000"/>
-            </a:schemeClr>
-          </a:lnRef>
-          <a:fillRef idx="1">
-            <a:schemeClr val="accent1"/>
-          </a:fillRef>
-          <a:effectRef idx="0">
-            <a:schemeClr val="accent1"/>
-          </a:effectRef>
-          <a:fontRef idx="minor">
-            <a:schemeClr val="lt1"/>
-          </a:fontRef>
-        </p:style>
-        <p:txBody>
-          <a:bodyPr rtlCol="0" anchor="ctr"/>
-          <a:lstStyle/>
-          <a:p>
-            <a:pPr algn="ctr"/>
-            <a:endParaRPr lang="en-US">
-              <a:solidFill>
-                <a:srgbClr val="FF0000"/>
-              </a:solidFill>
-              <a:highlight>
-                <a:srgbClr val="FA8538"/>
-              </a:highlight>
-            </a:endParaRPr>
-          </a:p>
-        </p:txBody>
-      </p:sp>
-      <p:sp>
-        <p:nvSpPr>
-          <p:cNvPr id="43" name="Magnetic Disk 42">
-            <a:extLst>
-              <a:ext uri="{FF2B5EF4-FFF2-40B4-BE49-F238E27FC236}">
-                <a16:creationId xmlns:a16="http://schemas.microsoft.com/office/drawing/2014/main" id="{8783CAB2-B832-15EF-FB45-8F12CADF1F0F}"/>
-              </a:ext>
-            </a:extLst>
-          </p:cNvPr>
-          <p:cNvSpPr/>
-          <p:nvPr/>
-        </p:nvSpPr>
-        <p:spPr>
-          <a:xfrm>
-            <a:off x="9423266" y="2412315"/>
-            <a:ext cx="556529" cy="603318"/>
-          </a:xfrm>
-          <a:prstGeom prst="flowChartMagneticDisk">
-            <a:avLst/>
-          </a:prstGeom>
-          <a:solidFill>
-            <a:schemeClr val="accent5"/>
-          </a:solidFill>
-        </p:spPr>
-        <p:style>
-          <a:lnRef idx="2">
-            <a:schemeClr val="accent1">
-              <a:shade val="50000"/>
-            </a:schemeClr>
-          </a:lnRef>
-          <a:fillRef idx="1">
-            <a:schemeClr val="accent1"/>
-          </a:fillRef>
-          <a:effectRef idx="0">
-            <a:schemeClr val="accent1"/>
-          </a:effectRef>
-          <a:fontRef idx="minor">
-            <a:schemeClr val="lt1"/>
-          </a:fontRef>
-        </p:style>
-        <p:txBody>
-          <a:bodyPr rtlCol="0" anchor="ctr"/>
-          <a:lstStyle/>
-          <a:p>
-            <a:pPr algn="ctr"/>
-            <a:endParaRPr lang="en-US" dirty="0">
-              <a:solidFill>
-                <a:schemeClr val="accent1"/>
-              </a:solidFill>
-            </a:endParaRPr>
-          </a:p>
-        </p:txBody>
-      </p:sp>
-      <p:sp>
-        <p:nvSpPr>
-          <p:cNvPr id="44" name="TextBox 43">
-            <a:extLst>
-              <a:ext uri="{FF2B5EF4-FFF2-40B4-BE49-F238E27FC236}">
-                <a16:creationId xmlns:a16="http://schemas.microsoft.com/office/drawing/2014/main" id="{3B77D63D-8031-A3E2-2ABC-7287E41C1E61}"/>
-              </a:ext>
-            </a:extLst>
-          </p:cNvPr>
-          <p:cNvSpPr txBox="1"/>
-          <p:nvPr/>
-        </p:nvSpPr>
-        <p:spPr>
-          <a:xfrm>
-            <a:off x="8988381" y="3057413"/>
-            <a:ext cx="1531886" cy="369332"/>
-          </a:xfrm>
-          <a:prstGeom prst="rect">
-            <a:avLst/>
-          </a:prstGeom>
-          <a:noFill/>
-        </p:spPr>
-        <p:txBody>
-          <a:bodyPr wrap="square" rtlCol="0">
-            <a:spAutoFit/>
-          </a:bodyPr>
-          <a:lstStyle/>
-          <a:p>
-            <a:r>
-              <a:rPr lang="en-US" dirty="0"/>
-              <a:t>04-out-vis.csv</a:t>
-            </a:r>
-          </a:p>
-        </p:txBody>
-      </p:sp>
     </p:spTree>
     <p:extLst>
       <p:ext uri="{BB962C8B-B14F-4D97-AF65-F5344CB8AC3E}">
-        <p14:creationId xmlns:p14="http://schemas.microsoft.com/office/powerpoint/2010/main" val="2282613121"/>
+        <p14:creationId xmlns:p14="http://schemas.microsoft.com/office/powerpoint/2010/main" val="2599836842"/>
       </p:ext>
     </p:extLst>
   </p:cSld>
@@ -8552,100 +7222,1630 @@
           <a:chExt cx="0" cy="0"/>
         </a:xfrm>
       </p:grpSpPr>
-      <p:pic>
-        <p:nvPicPr>
-          <p:cNvPr id="5" name="Picture 4" descr="A picture containing graphical user interface&#10;&#10;Description automatically generated">
-            <a:extLst>
-              <a:ext uri="{FF2B5EF4-FFF2-40B4-BE49-F238E27FC236}">
-                <a16:creationId xmlns:a16="http://schemas.microsoft.com/office/drawing/2014/main" id="{83DF87D3-DD7B-0D4C-BA55-CF761DFAABCC}"/>
-              </a:ext>
-            </a:extLst>
-          </p:cNvPr>
-          <p:cNvPicPr>
-            <a:picLocks noChangeAspect="1"/>
-          </p:cNvPicPr>
-          <p:nvPr/>
-        </p:nvPicPr>
-        <p:blipFill>
-          <a:blip r:embed="rId2"/>
-          <a:stretch>
-            <a:fillRect/>
-          </a:stretch>
-        </p:blipFill>
-        <p:spPr>
-          <a:xfrm>
-            <a:off x="2822576" y="195943"/>
-            <a:ext cx="3166834" cy="3657600"/>
+      <p:sp>
+        <p:nvSpPr>
+          <p:cNvPr id="6" name="Action Button: Document 5">
+            <a:hlinkClick r:id="" action="ppaction://noaction" highlightClick="1"/>
+            <a:extLst>
+              <a:ext uri="{FF2B5EF4-FFF2-40B4-BE49-F238E27FC236}">
+                <a16:creationId xmlns:a16="http://schemas.microsoft.com/office/drawing/2014/main" id="{68EB5451-2B88-DD44-8945-00EC239C8048}"/>
+              </a:ext>
+            </a:extLst>
+          </p:cNvPr>
+          <p:cNvSpPr/>
+          <p:nvPr/>
+        </p:nvSpPr>
+        <p:spPr>
+          <a:xfrm>
+            <a:off x="5433092" y="386602"/>
+            <a:ext cx="987973" cy="1090449"/>
+          </a:xfrm>
+          <a:prstGeom prst="actionButtonDocument">
+            <a:avLst/>
+          </a:prstGeom>
+          <a:solidFill>
+            <a:schemeClr val="accent2">
+              <a:lumMod val="60000"/>
+              <a:lumOff val="40000"/>
+            </a:schemeClr>
+          </a:solidFill>
+          <a:ln>
+            <a:solidFill>
+              <a:schemeClr val="bg1"/>
+            </a:solidFill>
+          </a:ln>
+        </p:spPr>
+        <p:style>
+          <a:lnRef idx="2">
+            <a:schemeClr val="accent1">
+              <a:shade val="50000"/>
+            </a:schemeClr>
+          </a:lnRef>
+          <a:fillRef idx="1">
+            <a:schemeClr val="accent1"/>
+          </a:fillRef>
+          <a:effectRef idx="0">
+            <a:schemeClr val="accent1"/>
+          </a:effectRef>
+          <a:fontRef idx="minor">
+            <a:schemeClr val="lt1"/>
+          </a:fontRef>
+        </p:style>
+        <p:txBody>
+          <a:bodyPr rtlCol="0" anchor="ctr"/>
+          <a:lstStyle/>
+          <a:p>
+            <a:pPr algn="ctr"/>
+            <a:endParaRPr lang="en-US"/>
+          </a:p>
+        </p:txBody>
+      </p:sp>
+      <p:sp>
+        <p:nvSpPr>
+          <p:cNvPr id="7" name="Action Button: Document 6">
+            <a:hlinkClick r:id="" action="ppaction://noaction" highlightClick="1"/>
+            <a:extLst>
+              <a:ext uri="{FF2B5EF4-FFF2-40B4-BE49-F238E27FC236}">
+                <a16:creationId xmlns:a16="http://schemas.microsoft.com/office/drawing/2014/main" id="{CF3C8680-CCE6-8841-A3C3-E5222E4B433D}"/>
+              </a:ext>
+            </a:extLst>
+          </p:cNvPr>
+          <p:cNvSpPr/>
+          <p:nvPr/>
+        </p:nvSpPr>
+        <p:spPr>
+          <a:xfrm>
+            <a:off x="7775086" y="374624"/>
+            <a:ext cx="987973" cy="1090449"/>
+          </a:xfrm>
+          <a:prstGeom prst="actionButtonDocument">
+            <a:avLst/>
+          </a:prstGeom>
+          <a:solidFill>
+            <a:schemeClr val="accent2">
+              <a:lumMod val="60000"/>
+              <a:lumOff val="40000"/>
+            </a:schemeClr>
+          </a:solidFill>
+          <a:ln>
+            <a:solidFill>
+              <a:schemeClr val="bg1"/>
+            </a:solidFill>
+          </a:ln>
+        </p:spPr>
+        <p:style>
+          <a:lnRef idx="2">
+            <a:schemeClr val="accent1">
+              <a:shade val="50000"/>
+            </a:schemeClr>
+          </a:lnRef>
+          <a:fillRef idx="1">
+            <a:schemeClr val="accent1"/>
+          </a:fillRef>
+          <a:effectRef idx="0">
+            <a:schemeClr val="accent1"/>
+          </a:effectRef>
+          <a:fontRef idx="minor">
+            <a:schemeClr val="lt1"/>
+          </a:fontRef>
+        </p:style>
+        <p:txBody>
+          <a:bodyPr rtlCol="0" anchor="ctr"/>
+          <a:lstStyle/>
+          <a:p>
+            <a:pPr algn="ctr"/>
+            <a:endParaRPr lang="en-US"/>
+          </a:p>
+        </p:txBody>
+      </p:sp>
+      <p:sp>
+        <p:nvSpPr>
+          <p:cNvPr id="8" name="Action Button: Document 7">
+            <a:hlinkClick r:id="" action="ppaction://noaction" highlightClick="1"/>
+            <a:extLst>
+              <a:ext uri="{FF2B5EF4-FFF2-40B4-BE49-F238E27FC236}">
+                <a16:creationId xmlns:a16="http://schemas.microsoft.com/office/drawing/2014/main" id="{2C3D39BA-FD92-8145-AC8F-0CD30F3815C3}"/>
+              </a:ext>
+            </a:extLst>
+          </p:cNvPr>
+          <p:cNvSpPr/>
+          <p:nvPr/>
+        </p:nvSpPr>
+        <p:spPr>
+          <a:xfrm>
+            <a:off x="10121521" y="374624"/>
+            <a:ext cx="987973" cy="1090449"/>
+          </a:xfrm>
+          <a:prstGeom prst="actionButtonDocument">
+            <a:avLst/>
+          </a:prstGeom>
+          <a:solidFill>
+            <a:schemeClr val="accent2">
+              <a:lumMod val="60000"/>
+              <a:lumOff val="40000"/>
+            </a:schemeClr>
+          </a:solidFill>
+          <a:ln>
+            <a:solidFill>
+              <a:schemeClr val="bg1"/>
+            </a:solidFill>
+          </a:ln>
+        </p:spPr>
+        <p:style>
+          <a:lnRef idx="2">
+            <a:schemeClr val="accent1">
+              <a:shade val="50000"/>
+            </a:schemeClr>
+          </a:lnRef>
+          <a:fillRef idx="1">
+            <a:schemeClr val="accent1"/>
+          </a:fillRef>
+          <a:effectRef idx="0">
+            <a:schemeClr val="accent1"/>
+          </a:effectRef>
+          <a:fontRef idx="minor">
+            <a:schemeClr val="lt1"/>
+          </a:fontRef>
+        </p:style>
+        <p:txBody>
+          <a:bodyPr rtlCol="0" anchor="ctr"/>
+          <a:lstStyle/>
+          <a:p>
+            <a:pPr algn="ctr"/>
+            <a:endParaRPr lang="en-US"/>
+          </a:p>
+        </p:txBody>
+      </p:sp>
+      <p:sp>
+        <p:nvSpPr>
+          <p:cNvPr id="13" name="TextBox 12">
+            <a:extLst>
+              <a:ext uri="{FF2B5EF4-FFF2-40B4-BE49-F238E27FC236}">
+                <a16:creationId xmlns:a16="http://schemas.microsoft.com/office/drawing/2014/main" id="{817F6934-60C4-1948-B134-3C57037A38E5}"/>
+              </a:ext>
+            </a:extLst>
+          </p:cNvPr>
+          <p:cNvSpPr txBox="1"/>
+          <p:nvPr/>
+        </p:nvSpPr>
+        <p:spPr>
+          <a:xfrm>
+            <a:off x="2916790" y="1516889"/>
+            <a:ext cx="1318823" cy="369332"/>
           </a:xfrm>
           <a:prstGeom prst="rect">
             <a:avLst/>
           </a:prstGeom>
-        </p:spPr>
-      </p:pic>
-      <p:pic>
-        <p:nvPicPr>
-          <p:cNvPr id="7" name="Picture 6" descr="Logo, company name&#10;&#10;Description automatically generated">
-            <a:extLst>
-              <a:ext uri="{FF2B5EF4-FFF2-40B4-BE49-F238E27FC236}">
-                <a16:creationId xmlns:a16="http://schemas.microsoft.com/office/drawing/2014/main" id="{709926C2-8DD6-CC41-9947-04047877DAB7}"/>
-              </a:ext>
-            </a:extLst>
-          </p:cNvPr>
-          <p:cNvPicPr>
-            <a:picLocks noChangeAspect="1"/>
-          </p:cNvPicPr>
-          <p:nvPr/>
-        </p:nvPicPr>
-        <p:blipFill>
-          <a:blip r:embed="rId3"/>
-          <a:stretch>
-            <a:fillRect/>
-          </a:stretch>
-        </p:blipFill>
-        <p:spPr>
-          <a:xfrm>
-            <a:off x="6199154" y="195943"/>
-            <a:ext cx="3170270" cy="3657600"/>
+          <a:noFill/>
+        </p:spPr>
+        <p:txBody>
+          <a:bodyPr wrap="none" rtlCol="0">
+            <a:spAutoFit/>
+          </a:bodyPr>
+          <a:lstStyle/>
+          <a:p>
+            <a:r>
+              <a:rPr lang="en-US" dirty="0"/>
+              <a:t>02-tidy.Rmd</a:t>
+            </a:r>
+          </a:p>
+        </p:txBody>
+      </p:sp>
+      <p:sp>
+        <p:nvSpPr>
+          <p:cNvPr id="14" name="TextBox 13">
+            <a:extLst>
+              <a:ext uri="{FF2B5EF4-FFF2-40B4-BE49-F238E27FC236}">
+                <a16:creationId xmlns:a16="http://schemas.microsoft.com/office/drawing/2014/main" id="{25077233-DC85-694C-8BD7-4E85BFC0DD66}"/>
+              </a:ext>
+            </a:extLst>
+          </p:cNvPr>
+          <p:cNvSpPr txBox="1"/>
+          <p:nvPr/>
+        </p:nvSpPr>
+        <p:spPr>
+          <a:xfrm>
+            <a:off x="421693" y="1516889"/>
+            <a:ext cx="1616148" cy="369332"/>
           </a:xfrm>
           <a:prstGeom prst="rect">
             <a:avLst/>
           </a:prstGeom>
-        </p:spPr>
-      </p:pic>
-      <p:pic>
-        <p:nvPicPr>
-          <p:cNvPr id="9" name="Picture 8" descr="Icon&#10;&#10;Description automatically generated">
-            <a:extLst>
-              <a:ext uri="{FF2B5EF4-FFF2-40B4-BE49-F238E27FC236}">
-                <a16:creationId xmlns:a16="http://schemas.microsoft.com/office/drawing/2014/main" id="{F72BDFA0-4F8E-8E40-858B-34F8EEC203A9}"/>
-              </a:ext>
-            </a:extLst>
-          </p:cNvPr>
-          <p:cNvPicPr>
-            <a:picLocks noChangeAspect="1"/>
-          </p:cNvPicPr>
-          <p:nvPr/>
-        </p:nvPicPr>
-        <p:blipFill>
-          <a:blip r:embed="rId4"/>
-          <a:stretch>
-            <a:fillRect/>
-          </a:stretch>
-        </p:blipFill>
-        <p:spPr>
-          <a:xfrm>
-            <a:off x="4512583" y="3106965"/>
-            <a:ext cx="3166834" cy="3657600"/>
+          <a:noFill/>
+        </p:spPr>
+        <p:txBody>
+          <a:bodyPr wrap="square" rtlCol="0">
+            <a:spAutoFit/>
+          </a:bodyPr>
+          <a:lstStyle/>
+          <a:p>
+            <a:r>
+              <a:rPr lang="en-US" dirty="0"/>
+              <a:t>01-import.Rmd</a:t>
+            </a:r>
+          </a:p>
+        </p:txBody>
+      </p:sp>
+      <p:sp>
+        <p:nvSpPr>
+          <p:cNvPr id="15" name="TextBox 14">
+            <a:extLst>
+              <a:ext uri="{FF2B5EF4-FFF2-40B4-BE49-F238E27FC236}">
+                <a16:creationId xmlns:a16="http://schemas.microsoft.com/office/drawing/2014/main" id="{A2E9674F-3B03-DE46-97CA-9B7427C7A466}"/>
+              </a:ext>
+            </a:extLst>
+          </p:cNvPr>
+          <p:cNvSpPr txBox="1"/>
+          <p:nvPr/>
+        </p:nvSpPr>
+        <p:spPr>
+          <a:xfrm>
+            <a:off x="5055155" y="1516889"/>
+            <a:ext cx="1664238" cy="369332"/>
           </a:xfrm>
           <a:prstGeom prst="rect">
             <a:avLst/>
           </a:prstGeom>
-        </p:spPr>
-      </p:pic>
+          <a:noFill/>
+        </p:spPr>
+        <p:txBody>
+          <a:bodyPr wrap="none" rtlCol="0">
+            <a:spAutoFit/>
+          </a:bodyPr>
+          <a:lstStyle/>
+          <a:p>
+            <a:r>
+              <a:rPr lang="en-US" dirty="0"/>
+              <a:t>03-models.Rmd</a:t>
+            </a:r>
+          </a:p>
+        </p:txBody>
+      </p:sp>
+      <p:sp>
+        <p:nvSpPr>
+          <p:cNvPr id="18" name="TextBox 17">
+            <a:extLst>
+              <a:ext uri="{FF2B5EF4-FFF2-40B4-BE49-F238E27FC236}">
+                <a16:creationId xmlns:a16="http://schemas.microsoft.com/office/drawing/2014/main" id="{15BA7C0C-5DE3-324D-987E-CCBD86F2171A}"/>
+              </a:ext>
+            </a:extLst>
+          </p:cNvPr>
+          <p:cNvSpPr txBox="1"/>
+          <p:nvPr/>
+        </p:nvSpPr>
+        <p:spPr>
+          <a:xfrm>
+            <a:off x="7387677" y="1516889"/>
+            <a:ext cx="1762790" cy="369332"/>
+          </a:xfrm>
+          <a:prstGeom prst="rect">
+            <a:avLst/>
+          </a:prstGeom>
+          <a:noFill/>
+        </p:spPr>
+        <p:txBody>
+          <a:bodyPr wrap="none" rtlCol="0">
+            <a:spAutoFit/>
+          </a:bodyPr>
+          <a:lstStyle/>
+          <a:p>
+            <a:r>
+              <a:rPr lang="en-US" dirty="0"/>
+              <a:t>04-visualize.Rmd</a:t>
+            </a:r>
+          </a:p>
+        </p:txBody>
+      </p:sp>
+      <p:sp>
+        <p:nvSpPr>
+          <p:cNvPr id="19" name="TextBox 18">
+            <a:extLst>
+              <a:ext uri="{FF2B5EF4-FFF2-40B4-BE49-F238E27FC236}">
+                <a16:creationId xmlns:a16="http://schemas.microsoft.com/office/drawing/2014/main" id="{0D3529FA-493C-D340-917E-D2BE38F4E151}"/>
+              </a:ext>
+            </a:extLst>
+          </p:cNvPr>
+          <p:cNvSpPr txBox="1"/>
+          <p:nvPr/>
+        </p:nvSpPr>
+        <p:spPr>
+          <a:xfrm>
+            <a:off x="9487858" y="1548421"/>
+            <a:ext cx="2255297" cy="369332"/>
+          </a:xfrm>
+          <a:prstGeom prst="rect">
+            <a:avLst/>
+          </a:prstGeom>
+          <a:noFill/>
+        </p:spPr>
+        <p:txBody>
+          <a:bodyPr wrap="none" rtlCol="0">
+            <a:spAutoFit/>
+          </a:bodyPr>
+          <a:lstStyle/>
+          <a:p>
+            <a:r>
+              <a:rPr lang="en-US" dirty="0"/>
+              <a:t>05-communicate.Rmd</a:t>
+            </a:r>
+          </a:p>
+        </p:txBody>
+      </p:sp>
+      <p:sp>
+        <p:nvSpPr>
+          <p:cNvPr id="20" name="Right Arrow 19">
+            <a:extLst>
+              <a:ext uri="{FF2B5EF4-FFF2-40B4-BE49-F238E27FC236}">
+                <a16:creationId xmlns:a16="http://schemas.microsoft.com/office/drawing/2014/main" id="{519AB274-0280-634F-90B3-89BCB6CD12EA}"/>
+              </a:ext>
+            </a:extLst>
+          </p:cNvPr>
+          <p:cNvSpPr/>
+          <p:nvPr/>
+        </p:nvSpPr>
+        <p:spPr>
+          <a:xfrm rot="5655859">
+            <a:off x="2549034" y="2730213"/>
+            <a:ext cx="1933581" cy="420414"/>
+          </a:xfrm>
+          <a:prstGeom prst="rightArrow">
+            <a:avLst/>
+          </a:prstGeom>
+          <a:solidFill>
+            <a:schemeClr val="accent3"/>
+          </a:solidFill>
+          <a:ln>
+            <a:noFill/>
+          </a:ln>
+        </p:spPr>
+        <p:style>
+          <a:lnRef idx="2">
+            <a:schemeClr val="accent1">
+              <a:shade val="50000"/>
+            </a:schemeClr>
+          </a:lnRef>
+          <a:fillRef idx="1">
+            <a:schemeClr val="accent1"/>
+          </a:fillRef>
+          <a:effectRef idx="0">
+            <a:schemeClr val="accent1"/>
+          </a:effectRef>
+          <a:fontRef idx="minor">
+            <a:schemeClr val="lt1"/>
+          </a:fontRef>
+        </p:style>
+        <p:txBody>
+          <a:bodyPr rtlCol="0" anchor="ctr"/>
+          <a:lstStyle/>
+          <a:p>
+            <a:pPr algn="ctr"/>
+            <a:endParaRPr lang="en-US">
+              <a:solidFill>
+                <a:srgbClr val="FF0000"/>
+              </a:solidFill>
+              <a:highlight>
+                <a:srgbClr val="FA8538"/>
+              </a:highlight>
+            </a:endParaRPr>
+          </a:p>
+        </p:txBody>
+      </p:sp>
+      <p:sp>
+        <p:nvSpPr>
+          <p:cNvPr id="21" name="Right Arrow 20">
+            <a:extLst>
+              <a:ext uri="{FF2B5EF4-FFF2-40B4-BE49-F238E27FC236}">
+                <a16:creationId xmlns:a16="http://schemas.microsoft.com/office/drawing/2014/main" id="{A4F0C651-E7B4-0D48-83A4-11637097C025}"/>
+              </a:ext>
+            </a:extLst>
+          </p:cNvPr>
+          <p:cNvSpPr/>
+          <p:nvPr/>
+        </p:nvSpPr>
+        <p:spPr>
+          <a:xfrm rot="17248110">
+            <a:off x="7563052" y="2216584"/>
+            <a:ext cx="892466" cy="420414"/>
+          </a:xfrm>
+          <a:prstGeom prst="rightArrow">
+            <a:avLst/>
+          </a:prstGeom>
+          <a:solidFill>
+            <a:schemeClr val="accent3"/>
+          </a:solidFill>
+          <a:ln>
+            <a:noFill/>
+          </a:ln>
+        </p:spPr>
+        <p:style>
+          <a:lnRef idx="2">
+            <a:schemeClr val="accent1">
+              <a:shade val="50000"/>
+            </a:schemeClr>
+          </a:lnRef>
+          <a:fillRef idx="1">
+            <a:schemeClr val="accent1"/>
+          </a:fillRef>
+          <a:effectRef idx="0">
+            <a:schemeClr val="accent1"/>
+          </a:effectRef>
+          <a:fontRef idx="minor">
+            <a:schemeClr val="lt1"/>
+          </a:fontRef>
+        </p:style>
+        <p:txBody>
+          <a:bodyPr rtlCol="0" anchor="ctr"/>
+          <a:lstStyle/>
+          <a:p>
+            <a:pPr algn="ctr"/>
+            <a:endParaRPr lang="en-US">
+              <a:solidFill>
+                <a:srgbClr val="FF0000"/>
+              </a:solidFill>
+              <a:highlight>
+                <a:srgbClr val="FA8538"/>
+              </a:highlight>
+            </a:endParaRPr>
+          </a:p>
+        </p:txBody>
+      </p:sp>
+      <p:sp>
+        <p:nvSpPr>
+          <p:cNvPr id="23" name="Right Arrow 22">
+            <a:extLst>
+              <a:ext uri="{FF2B5EF4-FFF2-40B4-BE49-F238E27FC236}">
+                <a16:creationId xmlns:a16="http://schemas.microsoft.com/office/drawing/2014/main" id="{A1773BE5-6031-A44B-B46F-DCA2CE78B843}"/>
+              </a:ext>
+            </a:extLst>
+          </p:cNvPr>
+          <p:cNvSpPr/>
+          <p:nvPr/>
+        </p:nvSpPr>
+        <p:spPr>
+          <a:xfrm rot="3726193">
+            <a:off x="1521611" y="2027148"/>
+            <a:ext cx="644694" cy="420414"/>
+          </a:xfrm>
+          <a:prstGeom prst="rightArrow">
+            <a:avLst/>
+          </a:prstGeom>
+          <a:solidFill>
+            <a:schemeClr val="bg2">
+              <a:lumMod val="75000"/>
+            </a:schemeClr>
+          </a:solidFill>
+          <a:ln>
+            <a:noFill/>
+          </a:ln>
+        </p:spPr>
+        <p:style>
+          <a:lnRef idx="2">
+            <a:schemeClr val="accent1">
+              <a:shade val="50000"/>
+            </a:schemeClr>
+          </a:lnRef>
+          <a:fillRef idx="1">
+            <a:schemeClr val="accent1"/>
+          </a:fillRef>
+          <a:effectRef idx="0">
+            <a:schemeClr val="accent1"/>
+          </a:effectRef>
+          <a:fontRef idx="minor">
+            <a:schemeClr val="lt1"/>
+          </a:fontRef>
+        </p:style>
+        <p:txBody>
+          <a:bodyPr rtlCol="0" anchor="ctr"/>
+          <a:lstStyle/>
+          <a:p>
+            <a:pPr algn="ctr"/>
+            <a:endParaRPr lang="en-US"/>
+          </a:p>
+        </p:txBody>
+      </p:sp>
+      <p:sp>
+        <p:nvSpPr>
+          <p:cNvPr id="63" name="Action Button: Document 62">
+            <a:hlinkClick r:id="" action="ppaction://noaction" highlightClick="1"/>
+            <a:extLst>
+              <a:ext uri="{FF2B5EF4-FFF2-40B4-BE49-F238E27FC236}">
+                <a16:creationId xmlns:a16="http://schemas.microsoft.com/office/drawing/2014/main" id="{AD49C542-D153-024F-AEB1-F7B58C99CD2E}"/>
+              </a:ext>
+            </a:extLst>
+          </p:cNvPr>
+          <p:cNvSpPr/>
+          <p:nvPr/>
+        </p:nvSpPr>
+        <p:spPr>
+          <a:xfrm>
+            <a:off x="3073052" y="294213"/>
+            <a:ext cx="987973" cy="1090449"/>
+          </a:xfrm>
+          <a:prstGeom prst="actionButtonDocument">
+            <a:avLst/>
+          </a:prstGeom>
+          <a:solidFill>
+            <a:schemeClr val="accent2">
+              <a:lumMod val="60000"/>
+              <a:lumOff val="40000"/>
+            </a:schemeClr>
+          </a:solidFill>
+          <a:ln>
+            <a:solidFill>
+              <a:schemeClr val="bg1"/>
+            </a:solidFill>
+          </a:ln>
+        </p:spPr>
+        <p:style>
+          <a:lnRef idx="2">
+            <a:schemeClr val="accent1">
+              <a:shade val="50000"/>
+            </a:schemeClr>
+          </a:lnRef>
+          <a:fillRef idx="1">
+            <a:schemeClr val="accent1"/>
+          </a:fillRef>
+          <a:effectRef idx="0">
+            <a:schemeClr val="accent1"/>
+          </a:effectRef>
+          <a:fontRef idx="minor">
+            <a:schemeClr val="lt1"/>
+          </a:fontRef>
+        </p:style>
+        <p:txBody>
+          <a:bodyPr rtlCol="0" anchor="ctr"/>
+          <a:lstStyle/>
+          <a:p>
+            <a:pPr algn="ctr"/>
+            <a:endParaRPr lang="en-US"/>
+          </a:p>
+        </p:txBody>
+      </p:sp>
+      <p:sp>
+        <p:nvSpPr>
+          <p:cNvPr id="64" name="Action Button: Document 63">
+            <a:hlinkClick r:id="" action="ppaction://noaction" highlightClick="1"/>
+            <a:extLst>
+              <a:ext uri="{FF2B5EF4-FFF2-40B4-BE49-F238E27FC236}">
+                <a16:creationId xmlns:a16="http://schemas.microsoft.com/office/drawing/2014/main" id="{4D555BF3-0372-E242-9F6A-0F07B4700627}"/>
+              </a:ext>
+            </a:extLst>
+          </p:cNvPr>
+          <p:cNvSpPr/>
+          <p:nvPr/>
+        </p:nvSpPr>
+        <p:spPr>
+          <a:xfrm>
+            <a:off x="794662" y="309840"/>
+            <a:ext cx="987973" cy="1090449"/>
+          </a:xfrm>
+          <a:prstGeom prst="actionButtonDocument">
+            <a:avLst/>
+          </a:prstGeom>
+          <a:solidFill>
+            <a:schemeClr val="accent2">
+              <a:lumMod val="60000"/>
+              <a:lumOff val="40000"/>
+            </a:schemeClr>
+          </a:solidFill>
+          <a:ln>
+            <a:solidFill>
+              <a:schemeClr val="bg1"/>
+            </a:solidFill>
+          </a:ln>
+        </p:spPr>
+        <p:style>
+          <a:lnRef idx="2">
+            <a:schemeClr val="accent1">
+              <a:shade val="50000"/>
+            </a:schemeClr>
+          </a:lnRef>
+          <a:fillRef idx="1">
+            <a:schemeClr val="accent1"/>
+          </a:fillRef>
+          <a:effectRef idx="0">
+            <a:schemeClr val="accent1"/>
+          </a:effectRef>
+          <a:fontRef idx="minor">
+            <a:schemeClr val="lt1"/>
+          </a:fontRef>
+        </p:style>
+        <p:txBody>
+          <a:bodyPr rtlCol="0" anchor="ctr"/>
+          <a:lstStyle/>
+          <a:p>
+            <a:pPr algn="ctr"/>
+            <a:endParaRPr lang="en-US"/>
+          </a:p>
+        </p:txBody>
+      </p:sp>
+      <p:sp>
+        <p:nvSpPr>
+          <p:cNvPr id="65" name="TextBox 64">
+            <a:extLst>
+              <a:ext uri="{FF2B5EF4-FFF2-40B4-BE49-F238E27FC236}">
+                <a16:creationId xmlns:a16="http://schemas.microsoft.com/office/drawing/2014/main" id="{9A53DF5E-981D-DF4B-831D-7261B340A292}"/>
+              </a:ext>
+            </a:extLst>
+          </p:cNvPr>
+          <p:cNvSpPr txBox="1"/>
+          <p:nvPr/>
+        </p:nvSpPr>
+        <p:spPr>
+          <a:xfrm>
+            <a:off x="9279976" y="5536818"/>
+            <a:ext cx="1683089" cy="276999"/>
+          </a:xfrm>
+          <a:prstGeom prst="rect">
+            <a:avLst/>
+          </a:prstGeom>
+          <a:noFill/>
+        </p:spPr>
+        <p:txBody>
+          <a:bodyPr wrap="none" rtlCol="0">
+            <a:spAutoFit/>
+          </a:bodyPr>
+          <a:lstStyle/>
+          <a:p>
+            <a:r>
+              <a:rPr lang="en-US" sz="1200" dirty="0">
+                <a:hlinkClick r:id="rId2"/>
+              </a:rPr>
+              <a:t>https://openclipart.org/</a:t>
+            </a:r>
+            <a:endParaRPr lang="en-US" sz="1200" dirty="0"/>
+          </a:p>
+        </p:txBody>
+      </p:sp>
+      <p:sp>
+        <p:nvSpPr>
+          <p:cNvPr id="27" name="Action Button: Document 26">
+            <a:hlinkClick r:id="" action="ppaction://noaction" highlightClick="1"/>
+            <a:extLst>
+              <a:ext uri="{FF2B5EF4-FFF2-40B4-BE49-F238E27FC236}">
+                <a16:creationId xmlns:a16="http://schemas.microsoft.com/office/drawing/2014/main" id="{D0573F44-0D64-5F85-1FAC-E0EB41DB8892}"/>
+              </a:ext>
+            </a:extLst>
+          </p:cNvPr>
+          <p:cNvSpPr/>
+          <p:nvPr/>
+        </p:nvSpPr>
+        <p:spPr>
+          <a:xfrm>
+            <a:off x="4832141" y="4682667"/>
+            <a:ext cx="987973" cy="1090449"/>
+          </a:xfrm>
+          <a:prstGeom prst="actionButtonDocument">
+            <a:avLst/>
+          </a:prstGeom>
+          <a:solidFill>
+            <a:schemeClr val="accent2">
+              <a:lumMod val="60000"/>
+              <a:lumOff val="40000"/>
+            </a:schemeClr>
+          </a:solidFill>
+          <a:ln>
+            <a:solidFill>
+              <a:schemeClr val="bg1"/>
+            </a:solidFill>
+          </a:ln>
+        </p:spPr>
+        <p:style>
+          <a:lnRef idx="2">
+            <a:schemeClr val="accent1">
+              <a:shade val="50000"/>
+            </a:schemeClr>
+          </a:lnRef>
+          <a:fillRef idx="1">
+            <a:schemeClr val="accent1"/>
+          </a:fillRef>
+          <a:effectRef idx="0">
+            <a:schemeClr val="accent1"/>
+          </a:effectRef>
+          <a:fontRef idx="minor">
+            <a:schemeClr val="lt1"/>
+          </a:fontRef>
+        </p:style>
+        <p:txBody>
+          <a:bodyPr rtlCol="0" anchor="ctr"/>
+          <a:lstStyle/>
+          <a:p>
+            <a:pPr algn="ctr"/>
+            <a:endParaRPr lang="en-US"/>
+          </a:p>
+        </p:txBody>
+      </p:sp>
+      <p:sp>
+        <p:nvSpPr>
+          <p:cNvPr id="28" name="TextBox 27">
+            <a:extLst>
+              <a:ext uri="{FF2B5EF4-FFF2-40B4-BE49-F238E27FC236}">
+                <a16:creationId xmlns:a16="http://schemas.microsoft.com/office/drawing/2014/main" id="{4D1D3C5D-3E94-F179-908B-D063CF7D8B43}"/>
+              </a:ext>
+            </a:extLst>
+          </p:cNvPr>
+          <p:cNvSpPr txBox="1"/>
+          <p:nvPr/>
+        </p:nvSpPr>
+        <p:spPr>
+          <a:xfrm>
+            <a:off x="4314429" y="5865044"/>
+            <a:ext cx="2346733" cy="369332"/>
+          </a:xfrm>
+          <a:prstGeom prst="rect">
+            <a:avLst/>
+          </a:prstGeom>
+          <a:noFill/>
+        </p:spPr>
+        <p:txBody>
+          <a:bodyPr wrap="none" rtlCol="0">
+            <a:spAutoFit/>
+          </a:bodyPr>
+          <a:lstStyle/>
+          <a:p>
+            <a:r>
+              <a:rPr lang="en-US" dirty="0">
+                <a:solidFill>
+                  <a:srgbClr val="FA8538"/>
+                </a:solidFill>
+              </a:rPr>
+              <a:t>02A-prep-analysis.Rmd</a:t>
+            </a:r>
+          </a:p>
+        </p:txBody>
+      </p:sp>
+      <p:sp>
+        <p:nvSpPr>
+          <p:cNvPr id="34" name="Right Arrow 33">
+            <a:extLst>
+              <a:ext uri="{FF2B5EF4-FFF2-40B4-BE49-F238E27FC236}">
+                <a16:creationId xmlns:a16="http://schemas.microsoft.com/office/drawing/2014/main" id="{E788902B-497B-C8CE-CC9A-865AADCD601E}"/>
+              </a:ext>
+            </a:extLst>
+          </p:cNvPr>
+          <p:cNvSpPr/>
+          <p:nvPr/>
+        </p:nvSpPr>
+        <p:spPr>
+          <a:xfrm rot="2999325">
+            <a:off x="6447578" y="2138348"/>
+            <a:ext cx="1415761" cy="420414"/>
+          </a:xfrm>
+          <a:prstGeom prst="rightArrow">
+            <a:avLst/>
+          </a:prstGeom>
+          <a:solidFill>
+            <a:schemeClr val="accent3"/>
+          </a:solidFill>
+          <a:ln>
+            <a:noFill/>
+          </a:ln>
+        </p:spPr>
+        <p:style>
+          <a:lnRef idx="2">
+            <a:schemeClr val="accent1">
+              <a:shade val="50000"/>
+            </a:schemeClr>
+          </a:lnRef>
+          <a:fillRef idx="1">
+            <a:schemeClr val="accent1"/>
+          </a:fillRef>
+          <a:effectRef idx="0">
+            <a:schemeClr val="accent1"/>
+          </a:effectRef>
+          <a:fontRef idx="minor">
+            <a:schemeClr val="lt1"/>
+          </a:fontRef>
+        </p:style>
+        <p:txBody>
+          <a:bodyPr rtlCol="0" anchor="ctr"/>
+          <a:lstStyle/>
+          <a:p>
+            <a:pPr algn="ctr"/>
+            <a:endParaRPr lang="en-US">
+              <a:solidFill>
+                <a:srgbClr val="FF0000"/>
+              </a:solidFill>
+              <a:highlight>
+                <a:srgbClr val="FA8538"/>
+              </a:highlight>
+            </a:endParaRPr>
+          </a:p>
+        </p:txBody>
+      </p:sp>
+      <p:sp>
+        <p:nvSpPr>
+          <p:cNvPr id="35" name="Right Arrow 34">
+            <a:extLst>
+              <a:ext uri="{FF2B5EF4-FFF2-40B4-BE49-F238E27FC236}">
+                <a16:creationId xmlns:a16="http://schemas.microsoft.com/office/drawing/2014/main" id="{F2A2D560-50E9-C2BD-E066-78B72E3693C2}"/>
+              </a:ext>
+            </a:extLst>
+          </p:cNvPr>
+          <p:cNvSpPr/>
+          <p:nvPr/>
+        </p:nvSpPr>
+        <p:spPr>
+          <a:xfrm rot="18179299">
+            <a:off x="9990948" y="1997968"/>
+            <a:ext cx="821461" cy="420414"/>
+          </a:xfrm>
+          <a:prstGeom prst="rightArrow">
+            <a:avLst/>
+          </a:prstGeom>
+          <a:solidFill>
+            <a:schemeClr val="accent3"/>
+          </a:solidFill>
+          <a:ln>
+            <a:noFill/>
+          </a:ln>
+        </p:spPr>
+        <p:style>
+          <a:lnRef idx="2">
+            <a:schemeClr val="accent1">
+              <a:shade val="50000"/>
+            </a:schemeClr>
+          </a:lnRef>
+          <a:fillRef idx="1">
+            <a:schemeClr val="accent1"/>
+          </a:fillRef>
+          <a:effectRef idx="0">
+            <a:schemeClr val="accent1"/>
+          </a:effectRef>
+          <a:fontRef idx="minor">
+            <a:schemeClr val="lt1"/>
+          </a:fontRef>
+        </p:style>
+        <p:txBody>
+          <a:bodyPr rtlCol="0" anchor="ctr"/>
+          <a:lstStyle/>
+          <a:p>
+            <a:pPr algn="ctr"/>
+            <a:endParaRPr lang="en-US">
+              <a:solidFill>
+                <a:srgbClr val="FF0000"/>
+              </a:solidFill>
+              <a:highlight>
+                <a:srgbClr val="FA8538"/>
+              </a:highlight>
+            </a:endParaRPr>
+          </a:p>
+        </p:txBody>
+      </p:sp>
+      <p:sp>
+        <p:nvSpPr>
+          <p:cNvPr id="25" name="Magnetic Disk 24">
+            <a:extLst>
+              <a:ext uri="{FF2B5EF4-FFF2-40B4-BE49-F238E27FC236}">
+                <a16:creationId xmlns:a16="http://schemas.microsoft.com/office/drawing/2014/main" id="{47A50997-CE2F-F50D-FD54-03379BFC27E4}"/>
+              </a:ext>
+            </a:extLst>
+          </p:cNvPr>
+          <p:cNvSpPr/>
+          <p:nvPr/>
+        </p:nvSpPr>
+        <p:spPr>
+          <a:xfrm>
+            <a:off x="2059380" y="2516295"/>
+            <a:ext cx="556529" cy="603318"/>
+          </a:xfrm>
+          <a:prstGeom prst="flowChartMagneticDisk">
+            <a:avLst/>
+          </a:prstGeom>
+          <a:solidFill>
+            <a:schemeClr val="accent5"/>
+          </a:solidFill>
+        </p:spPr>
+        <p:style>
+          <a:lnRef idx="2">
+            <a:schemeClr val="accent1">
+              <a:shade val="50000"/>
+            </a:schemeClr>
+          </a:lnRef>
+          <a:fillRef idx="1">
+            <a:schemeClr val="accent1"/>
+          </a:fillRef>
+          <a:effectRef idx="0">
+            <a:schemeClr val="accent1"/>
+          </a:effectRef>
+          <a:fontRef idx="minor">
+            <a:schemeClr val="lt1"/>
+          </a:fontRef>
+        </p:style>
+        <p:txBody>
+          <a:bodyPr rtlCol="0" anchor="ctr"/>
+          <a:lstStyle/>
+          <a:p>
+            <a:pPr algn="ctr"/>
+            <a:endParaRPr lang="en-US" dirty="0">
+              <a:solidFill>
+                <a:schemeClr val="accent1"/>
+              </a:solidFill>
+            </a:endParaRPr>
+          </a:p>
+        </p:txBody>
+      </p:sp>
+      <p:sp>
+        <p:nvSpPr>
+          <p:cNvPr id="26" name="Right Arrow 25">
+            <a:extLst>
+              <a:ext uri="{FF2B5EF4-FFF2-40B4-BE49-F238E27FC236}">
+                <a16:creationId xmlns:a16="http://schemas.microsoft.com/office/drawing/2014/main" id="{DE6370A8-E1F7-FD18-2335-52A70D686086}"/>
+              </a:ext>
+            </a:extLst>
+          </p:cNvPr>
+          <p:cNvSpPr/>
+          <p:nvPr/>
+        </p:nvSpPr>
+        <p:spPr>
+          <a:xfrm rot="18034670">
+            <a:off x="2561595" y="2004873"/>
+            <a:ext cx="644694" cy="420414"/>
+          </a:xfrm>
+          <a:prstGeom prst="rightArrow">
+            <a:avLst/>
+          </a:prstGeom>
+          <a:solidFill>
+            <a:schemeClr val="bg2">
+              <a:lumMod val="75000"/>
+            </a:schemeClr>
+          </a:solidFill>
+          <a:ln>
+            <a:noFill/>
+          </a:ln>
+        </p:spPr>
+        <p:style>
+          <a:lnRef idx="2">
+            <a:schemeClr val="accent1">
+              <a:shade val="50000"/>
+            </a:schemeClr>
+          </a:lnRef>
+          <a:fillRef idx="1">
+            <a:schemeClr val="accent1"/>
+          </a:fillRef>
+          <a:effectRef idx="0">
+            <a:schemeClr val="accent1"/>
+          </a:effectRef>
+          <a:fontRef idx="minor">
+            <a:schemeClr val="lt1"/>
+          </a:fontRef>
+        </p:style>
+        <p:txBody>
+          <a:bodyPr rtlCol="0" anchor="ctr"/>
+          <a:lstStyle/>
+          <a:p>
+            <a:pPr algn="ctr"/>
+            <a:endParaRPr lang="en-US"/>
+          </a:p>
+        </p:txBody>
+      </p:sp>
+      <p:sp>
+        <p:nvSpPr>
+          <p:cNvPr id="29" name="TextBox 28">
+            <a:extLst>
+              <a:ext uri="{FF2B5EF4-FFF2-40B4-BE49-F238E27FC236}">
+                <a16:creationId xmlns:a16="http://schemas.microsoft.com/office/drawing/2014/main" id="{DA59F066-EB12-92BC-DC5B-4D70826412BD}"/>
+              </a:ext>
+            </a:extLst>
+          </p:cNvPr>
+          <p:cNvSpPr txBox="1"/>
+          <p:nvPr/>
+        </p:nvSpPr>
+        <p:spPr>
+          <a:xfrm>
+            <a:off x="1401307" y="3132373"/>
+            <a:ext cx="1863445" cy="369332"/>
+          </a:xfrm>
+          <a:prstGeom prst="rect">
+            <a:avLst/>
+          </a:prstGeom>
+          <a:noFill/>
+        </p:spPr>
+        <p:txBody>
+          <a:bodyPr wrap="square" rtlCol="0">
+            <a:spAutoFit/>
+          </a:bodyPr>
+          <a:lstStyle/>
+          <a:p>
+            <a:r>
+              <a:rPr lang="en-US" dirty="0"/>
+              <a:t>01-out-import.csv</a:t>
+            </a:r>
+          </a:p>
+        </p:txBody>
+      </p:sp>
+      <p:sp>
+        <p:nvSpPr>
+          <p:cNvPr id="36" name="TextBox 35">
+            <a:extLst>
+              <a:ext uri="{FF2B5EF4-FFF2-40B4-BE49-F238E27FC236}">
+                <a16:creationId xmlns:a16="http://schemas.microsoft.com/office/drawing/2014/main" id="{BB9CFC7E-495B-25C4-3ADA-BDD39A86C82C}"/>
+              </a:ext>
+            </a:extLst>
+          </p:cNvPr>
+          <p:cNvSpPr txBox="1"/>
+          <p:nvPr/>
+        </p:nvSpPr>
+        <p:spPr>
+          <a:xfrm>
+            <a:off x="2680833" y="4660566"/>
+            <a:ext cx="1589194" cy="369332"/>
+          </a:xfrm>
+          <a:prstGeom prst="rect">
+            <a:avLst/>
+          </a:prstGeom>
+          <a:noFill/>
+        </p:spPr>
+        <p:txBody>
+          <a:bodyPr wrap="square" rtlCol="0">
+            <a:spAutoFit/>
+          </a:bodyPr>
+          <a:lstStyle/>
+          <a:p>
+            <a:r>
+              <a:rPr lang="en-US" dirty="0"/>
+              <a:t>02-out-tidy.csv</a:t>
+            </a:r>
+          </a:p>
+        </p:txBody>
+      </p:sp>
+      <p:sp>
+        <p:nvSpPr>
+          <p:cNvPr id="38" name="Magnetic Disk 37">
+            <a:extLst>
+              <a:ext uri="{FF2B5EF4-FFF2-40B4-BE49-F238E27FC236}">
+                <a16:creationId xmlns:a16="http://schemas.microsoft.com/office/drawing/2014/main" id="{ACB6F7EB-D343-1713-60DA-3C2A9F8CBBBF}"/>
+              </a:ext>
+            </a:extLst>
+          </p:cNvPr>
+          <p:cNvSpPr/>
+          <p:nvPr/>
+        </p:nvSpPr>
+        <p:spPr>
+          <a:xfrm>
+            <a:off x="3145043" y="3983739"/>
+            <a:ext cx="556529" cy="603318"/>
+          </a:xfrm>
+          <a:prstGeom prst="flowChartMagneticDisk">
+            <a:avLst/>
+          </a:prstGeom>
+          <a:solidFill>
+            <a:schemeClr val="accent5"/>
+          </a:solidFill>
+        </p:spPr>
+        <p:style>
+          <a:lnRef idx="2">
+            <a:schemeClr val="accent1">
+              <a:shade val="50000"/>
+            </a:schemeClr>
+          </a:lnRef>
+          <a:fillRef idx="1">
+            <a:schemeClr val="accent1"/>
+          </a:fillRef>
+          <a:effectRef idx="0">
+            <a:schemeClr val="accent1"/>
+          </a:effectRef>
+          <a:fontRef idx="minor">
+            <a:schemeClr val="lt1"/>
+          </a:fontRef>
+        </p:style>
+        <p:txBody>
+          <a:bodyPr rtlCol="0" anchor="ctr"/>
+          <a:lstStyle/>
+          <a:p>
+            <a:pPr algn="ctr"/>
+            <a:endParaRPr lang="en-US" dirty="0">
+              <a:solidFill>
+                <a:schemeClr val="accent1"/>
+              </a:solidFill>
+            </a:endParaRPr>
+          </a:p>
+        </p:txBody>
+      </p:sp>
+      <p:sp>
+        <p:nvSpPr>
+          <p:cNvPr id="39" name="Right Arrow 38">
+            <a:extLst>
+              <a:ext uri="{FF2B5EF4-FFF2-40B4-BE49-F238E27FC236}">
+                <a16:creationId xmlns:a16="http://schemas.microsoft.com/office/drawing/2014/main" id="{2B220DF6-0226-7FE0-4192-4A83B463E2D3}"/>
+              </a:ext>
+            </a:extLst>
+          </p:cNvPr>
+          <p:cNvSpPr/>
+          <p:nvPr/>
+        </p:nvSpPr>
+        <p:spPr>
+          <a:xfrm rot="1656364">
+            <a:off x="3839992" y="4413912"/>
+            <a:ext cx="893613" cy="420414"/>
+          </a:xfrm>
+          <a:prstGeom prst="rightArrow">
+            <a:avLst/>
+          </a:prstGeom>
+          <a:solidFill>
+            <a:schemeClr val="accent3"/>
+          </a:solidFill>
+          <a:ln>
+            <a:noFill/>
+          </a:ln>
+        </p:spPr>
+        <p:style>
+          <a:lnRef idx="2">
+            <a:schemeClr val="accent1">
+              <a:shade val="50000"/>
+            </a:schemeClr>
+          </a:lnRef>
+          <a:fillRef idx="1">
+            <a:schemeClr val="accent1"/>
+          </a:fillRef>
+          <a:effectRef idx="0">
+            <a:schemeClr val="accent1"/>
+          </a:effectRef>
+          <a:fontRef idx="minor">
+            <a:schemeClr val="lt1"/>
+          </a:fontRef>
+        </p:style>
+        <p:txBody>
+          <a:bodyPr rtlCol="0" anchor="ctr"/>
+          <a:lstStyle/>
+          <a:p>
+            <a:pPr algn="ctr"/>
+            <a:endParaRPr lang="en-US">
+              <a:solidFill>
+                <a:srgbClr val="FF0000"/>
+              </a:solidFill>
+              <a:highlight>
+                <a:srgbClr val="FA8538"/>
+              </a:highlight>
+            </a:endParaRPr>
+          </a:p>
+        </p:txBody>
+      </p:sp>
+      <p:sp>
+        <p:nvSpPr>
+          <p:cNvPr id="40" name="Magnetic Disk 39">
+            <a:extLst>
+              <a:ext uri="{FF2B5EF4-FFF2-40B4-BE49-F238E27FC236}">
+                <a16:creationId xmlns:a16="http://schemas.microsoft.com/office/drawing/2014/main" id="{FC09CB78-6241-24D0-E749-4A01CE7385E4}"/>
+              </a:ext>
+            </a:extLst>
+          </p:cNvPr>
+          <p:cNvSpPr/>
+          <p:nvPr/>
+        </p:nvSpPr>
+        <p:spPr>
+          <a:xfrm>
+            <a:off x="7496821" y="2940420"/>
+            <a:ext cx="556529" cy="603318"/>
+          </a:xfrm>
+          <a:prstGeom prst="flowChartMagneticDisk">
+            <a:avLst/>
+          </a:prstGeom>
+          <a:solidFill>
+            <a:schemeClr val="accent5"/>
+          </a:solidFill>
+        </p:spPr>
+        <p:style>
+          <a:lnRef idx="2">
+            <a:schemeClr val="accent1">
+              <a:shade val="50000"/>
+            </a:schemeClr>
+          </a:lnRef>
+          <a:fillRef idx="1">
+            <a:schemeClr val="accent1"/>
+          </a:fillRef>
+          <a:effectRef idx="0">
+            <a:schemeClr val="accent1"/>
+          </a:effectRef>
+          <a:fontRef idx="minor">
+            <a:schemeClr val="lt1"/>
+          </a:fontRef>
+        </p:style>
+        <p:txBody>
+          <a:bodyPr rtlCol="0" anchor="ctr"/>
+          <a:lstStyle/>
+          <a:p>
+            <a:pPr algn="ctr"/>
+            <a:endParaRPr lang="en-US" dirty="0">
+              <a:solidFill>
+                <a:schemeClr val="accent1"/>
+              </a:solidFill>
+            </a:endParaRPr>
+          </a:p>
+        </p:txBody>
+      </p:sp>
+      <p:sp>
+        <p:nvSpPr>
+          <p:cNvPr id="41" name="TextBox 40">
+            <a:extLst>
+              <a:ext uri="{FF2B5EF4-FFF2-40B4-BE49-F238E27FC236}">
+                <a16:creationId xmlns:a16="http://schemas.microsoft.com/office/drawing/2014/main" id="{C43DF7B8-3673-2165-B2B9-E235DC222827}"/>
+              </a:ext>
+            </a:extLst>
+          </p:cNvPr>
+          <p:cNvSpPr txBox="1"/>
+          <p:nvPr/>
+        </p:nvSpPr>
+        <p:spPr>
+          <a:xfrm>
+            <a:off x="6834953" y="3492913"/>
+            <a:ext cx="1989142" cy="369332"/>
+          </a:xfrm>
+          <a:prstGeom prst="rect">
+            <a:avLst/>
+          </a:prstGeom>
+          <a:noFill/>
+        </p:spPr>
+        <p:txBody>
+          <a:bodyPr wrap="square" rtlCol="0">
+            <a:spAutoFit/>
+          </a:bodyPr>
+          <a:lstStyle/>
+          <a:p>
+            <a:r>
+              <a:rPr lang="en-US" dirty="0"/>
+              <a:t>03-out-models.csv</a:t>
+            </a:r>
+          </a:p>
+        </p:txBody>
+      </p:sp>
+      <p:sp>
+        <p:nvSpPr>
+          <p:cNvPr id="42" name="Right Arrow 41">
+            <a:extLst>
+              <a:ext uri="{FF2B5EF4-FFF2-40B4-BE49-F238E27FC236}">
+                <a16:creationId xmlns:a16="http://schemas.microsoft.com/office/drawing/2014/main" id="{E74F1F11-1CE9-0355-452D-7EC063C402EE}"/>
+              </a:ext>
+            </a:extLst>
+          </p:cNvPr>
+          <p:cNvSpPr/>
+          <p:nvPr/>
+        </p:nvSpPr>
+        <p:spPr>
+          <a:xfrm rot="2894254">
+            <a:off x="8582234" y="2058212"/>
+            <a:ext cx="812295" cy="420414"/>
+          </a:xfrm>
+          <a:prstGeom prst="rightArrow">
+            <a:avLst/>
+          </a:prstGeom>
+          <a:solidFill>
+            <a:schemeClr val="accent3"/>
+          </a:solidFill>
+          <a:ln>
+            <a:noFill/>
+          </a:ln>
+        </p:spPr>
+        <p:style>
+          <a:lnRef idx="2">
+            <a:schemeClr val="accent1">
+              <a:shade val="50000"/>
+            </a:schemeClr>
+          </a:lnRef>
+          <a:fillRef idx="1">
+            <a:schemeClr val="accent1"/>
+          </a:fillRef>
+          <a:effectRef idx="0">
+            <a:schemeClr val="accent1"/>
+          </a:effectRef>
+          <a:fontRef idx="minor">
+            <a:schemeClr val="lt1"/>
+          </a:fontRef>
+        </p:style>
+        <p:txBody>
+          <a:bodyPr rtlCol="0" anchor="ctr"/>
+          <a:lstStyle/>
+          <a:p>
+            <a:pPr algn="ctr"/>
+            <a:endParaRPr lang="en-US">
+              <a:solidFill>
+                <a:srgbClr val="FF0000"/>
+              </a:solidFill>
+              <a:highlight>
+                <a:srgbClr val="FA8538"/>
+              </a:highlight>
+            </a:endParaRPr>
+          </a:p>
+        </p:txBody>
+      </p:sp>
+      <p:sp>
+        <p:nvSpPr>
+          <p:cNvPr id="43" name="Magnetic Disk 42">
+            <a:extLst>
+              <a:ext uri="{FF2B5EF4-FFF2-40B4-BE49-F238E27FC236}">
+                <a16:creationId xmlns:a16="http://schemas.microsoft.com/office/drawing/2014/main" id="{8783CAB2-B832-15EF-FB45-8F12CADF1F0F}"/>
+              </a:ext>
+            </a:extLst>
+          </p:cNvPr>
+          <p:cNvSpPr/>
+          <p:nvPr/>
+        </p:nvSpPr>
+        <p:spPr>
+          <a:xfrm>
+            <a:off x="9423266" y="2412315"/>
+            <a:ext cx="556529" cy="603318"/>
+          </a:xfrm>
+          <a:prstGeom prst="flowChartMagneticDisk">
+            <a:avLst/>
+          </a:prstGeom>
+          <a:solidFill>
+            <a:schemeClr val="accent5"/>
+          </a:solidFill>
+        </p:spPr>
+        <p:style>
+          <a:lnRef idx="2">
+            <a:schemeClr val="accent1">
+              <a:shade val="50000"/>
+            </a:schemeClr>
+          </a:lnRef>
+          <a:fillRef idx="1">
+            <a:schemeClr val="accent1"/>
+          </a:fillRef>
+          <a:effectRef idx="0">
+            <a:schemeClr val="accent1"/>
+          </a:effectRef>
+          <a:fontRef idx="minor">
+            <a:schemeClr val="lt1"/>
+          </a:fontRef>
+        </p:style>
+        <p:txBody>
+          <a:bodyPr rtlCol="0" anchor="ctr"/>
+          <a:lstStyle/>
+          <a:p>
+            <a:pPr algn="ctr"/>
+            <a:endParaRPr lang="en-US" dirty="0">
+              <a:solidFill>
+                <a:schemeClr val="accent1"/>
+              </a:solidFill>
+            </a:endParaRPr>
+          </a:p>
+        </p:txBody>
+      </p:sp>
+      <p:sp>
+        <p:nvSpPr>
+          <p:cNvPr id="44" name="TextBox 43">
+            <a:extLst>
+              <a:ext uri="{FF2B5EF4-FFF2-40B4-BE49-F238E27FC236}">
+                <a16:creationId xmlns:a16="http://schemas.microsoft.com/office/drawing/2014/main" id="{3B77D63D-8031-A3E2-2ABC-7287E41C1E61}"/>
+              </a:ext>
+            </a:extLst>
+          </p:cNvPr>
+          <p:cNvSpPr txBox="1"/>
+          <p:nvPr/>
+        </p:nvSpPr>
+        <p:spPr>
+          <a:xfrm>
+            <a:off x="8988381" y="3057413"/>
+            <a:ext cx="1531886" cy="369332"/>
+          </a:xfrm>
+          <a:prstGeom prst="rect">
+            <a:avLst/>
+          </a:prstGeom>
+          <a:noFill/>
+        </p:spPr>
+        <p:txBody>
+          <a:bodyPr wrap="square" rtlCol="0">
+            <a:spAutoFit/>
+          </a:bodyPr>
+          <a:lstStyle/>
+          <a:p>
+            <a:r>
+              <a:rPr lang="en-US" dirty="0"/>
+              <a:t>04-out-vis.csv</a:t>
+            </a:r>
+          </a:p>
+        </p:txBody>
+      </p:sp>
+      <p:sp>
+        <p:nvSpPr>
+          <p:cNvPr id="33" name="Right Arrow 32">
+            <a:extLst>
+              <a:ext uri="{FF2B5EF4-FFF2-40B4-BE49-F238E27FC236}">
+                <a16:creationId xmlns:a16="http://schemas.microsoft.com/office/drawing/2014/main" id="{E5090313-0228-EEDD-EFEE-4F64B7AEE2C3}"/>
+              </a:ext>
+            </a:extLst>
+          </p:cNvPr>
+          <p:cNvSpPr/>
+          <p:nvPr/>
+        </p:nvSpPr>
+        <p:spPr>
+          <a:xfrm rot="16945038">
+            <a:off x="4888317" y="3912044"/>
+            <a:ext cx="883475" cy="420414"/>
+          </a:xfrm>
+          <a:prstGeom prst="rightArrow">
+            <a:avLst/>
+          </a:prstGeom>
+          <a:solidFill>
+            <a:schemeClr val="accent3"/>
+          </a:solidFill>
+          <a:ln>
+            <a:noFill/>
+          </a:ln>
+        </p:spPr>
+        <p:style>
+          <a:lnRef idx="2">
+            <a:schemeClr val="accent1">
+              <a:shade val="50000"/>
+            </a:schemeClr>
+          </a:lnRef>
+          <a:fillRef idx="1">
+            <a:schemeClr val="accent1"/>
+          </a:fillRef>
+          <a:effectRef idx="0">
+            <a:schemeClr val="accent1"/>
+          </a:effectRef>
+          <a:fontRef idx="minor">
+            <a:schemeClr val="lt1"/>
+          </a:fontRef>
+        </p:style>
+        <p:txBody>
+          <a:bodyPr rtlCol="0" anchor="ctr"/>
+          <a:lstStyle/>
+          <a:p>
+            <a:pPr algn="ctr"/>
+            <a:endParaRPr lang="en-US">
+              <a:solidFill>
+                <a:srgbClr val="FF0000"/>
+              </a:solidFill>
+              <a:highlight>
+                <a:srgbClr val="FA8538"/>
+              </a:highlight>
+            </a:endParaRPr>
+          </a:p>
+        </p:txBody>
+      </p:sp>
+      <p:sp>
+        <p:nvSpPr>
+          <p:cNvPr id="37" name="Right Arrow 36">
+            <a:extLst>
+              <a:ext uri="{FF2B5EF4-FFF2-40B4-BE49-F238E27FC236}">
+                <a16:creationId xmlns:a16="http://schemas.microsoft.com/office/drawing/2014/main" id="{77087220-7C31-DE4A-9ADC-07AAF119B07B}"/>
+              </a:ext>
+            </a:extLst>
+          </p:cNvPr>
+          <p:cNvSpPr/>
+          <p:nvPr/>
+        </p:nvSpPr>
+        <p:spPr>
+          <a:xfrm rot="16945038">
+            <a:off x="5311152" y="2065955"/>
+            <a:ext cx="733649" cy="420414"/>
+          </a:xfrm>
+          <a:prstGeom prst="rightArrow">
+            <a:avLst/>
+          </a:prstGeom>
+          <a:solidFill>
+            <a:schemeClr val="accent3"/>
+          </a:solidFill>
+          <a:ln>
+            <a:noFill/>
+          </a:ln>
+        </p:spPr>
+        <p:style>
+          <a:lnRef idx="2">
+            <a:schemeClr val="accent1">
+              <a:shade val="50000"/>
+            </a:schemeClr>
+          </a:lnRef>
+          <a:fillRef idx="1">
+            <a:schemeClr val="accent1"/>
+          </a:fillRef>
+          <a:effectRef idx="0">
+            <a:schemeClr val="accent1"/>
+          </a:effectRef>
+          <a:fontRef idx="minor">
+            <a:schemeClr val="lt1"/>
+          </a:fontRef>
+        </p:style>
+        <p:txBody>
+          <a:bodyPr rtlCol="0" anchor="ctr"/>
+          <a:lstStyle/>
+          <a:p>
+            <a:pPr algn="ctr"/>
+            <a:endParaRPr lang="en-US">
+              <a:solidFill>
+                <a:srgbClr val="FF0000"/>
+              </a:solidFill>
+              <a:highlight>
+                <a:srgbClr val="FA8538"/>
+              </a:highlight>
+            </a:endParaRPr>
+          </a:p>
+        </p:txBody>
+      </p:sp>
+      <p:sp>
+        <p:nvSpPr>
+          <p:cNvPr id="45" name="Magnetic Disk 44">
+            <a:extLst>
+              <a:ext uri="{FF2B5EF4-FFF2-40B4-BE49-F238E27FC236}">
+                <a16:creationId xmlns:a16="http://schemas.microsoft.com/office/drawing/2014/main" id="{A678A8A0-3949-7D0E-7973-F91BA4134F52}"/>
+              </a:ext>
+            </a:extLst>
+          </p:cNvPr>
+          <p:cNvSpPr/>
+          <p:nvPr/>
+        </p:nvSpPr>
+        <p:spPr>
+          <a:xfrm>
+            <a:off x="5263585" y="2724225"/>
+            <a:ext cx="556529" cy="603318"/>
+          </a:xfrm>
+          <a:prstGeom prst="flowChartMagneticDisk">
+            <a:avLst/>
+          </a:prstGeom>
+          <a:solidFill>
+            <a:schemeClr val="accent5"/>
+          </a:solidFill>
+        </p:spPr>
+        <p:style>
+          <a:lnRef idx="2">
+            <a:schemeClr val="accent1">
+              <a:shade val="50000"/>
+            </a:schemeClr>
+          </a:lnRef>
+          <a:fillRef idx="1">
+            <a:schemeClr val="accent1"/>
+          </a:fillRef>
+          <a:effectRef idx="0">
+            <a:schemeClr val="accent1"/>
+          </a:effectRef>
+          <a:fontRef idx="minor">
+            <a:schemeClr val="lt1"/>
+          </a:fontRef>
+        </p:style>
+        <p:txBody>
+          <a:bodyPr rtlCol="0" anchor="ctr"/>
+          <a:lstStyle/>
+          <a:p>
+            <a:pPr algn="ctr"/>
+            <a:endParaRPr lang="en-US" dirty="0">
+              <a:solidFill>
+                <a:schemeClr val="accent1"/>
+              </a:solidFill>
+            </a:endParaRPr>
+          </a:p>
+        </p:txBody>
+      </p:sp>
+      <p:sp>
+        <p:nvSpPr>
+          <p:cNvPr id="46" name="TextBox 45">
+            <a:extLst>
+              <a:ext uri="{FF2B5EF4-FFF2-40B4-BE49-F238E27FC236}">
+                <a16:creationId xmlns:a16="http://schemas.microsoft.com/office/drawing/2014/main" id="{F6AE06CC-D6C1-F67E-D839-4DC89DDE5231}"/>
+              </a:ext>
+            </a:extLst>
+          </p:cNvPr>
+          <p:cNvSpPr txBox="1"/>
+          <p:nvPr/>
+        </p:nvSpPr>
+        <p:spPr>
+          <a:xfrm>
+            <a:off x="4618608" y="3323287"/>
+            <a:ext cx="2224904" cy="369332"/>
+          </a:xfrm>
+          <a:prstGeom prst="rect">
+            <a:avLst/>
+          </a:prstGeom>
+          <a:noFill/>
+        </p:spPr>
+        <p:txBody>
+          <a:bodyPr wrap="square" rtlCol="0">
+            <a:spAutoFit/>
+          </a:bodyPr>
+          <a:lstStyle/>
+          <a:p>
+            <a:r>
+              <a:rPr lang="en-US" dirty="0"/>
+              <a:t>02A-prep-analysis.csv</a:t>
+            </a:r>
+          </a:p>
+        </p:txBody>
+      </p:sp>
     </p:spTree>
     <p:extLst>
       <p:ext uri="{BB962C8B-B14F-4D97-AF65-F5344CB8AC3E}">
-        <p14:creationId xmlns:p14="http://schemas.microsoft.com/office/powerpoint/2010/main" val="956655739"/>
+        <p14:creationId xmlns:p14="http://schemas.microsoft.com/office/powerpoint/2010/main" val="2282613121"/>
       </p:ext>
     </p:extLst>
   </p:cSld>
